--- a/PPoint.pptx
+++ b/PPoint.pptx
@@ -5,17 +5,22 @@
     <p:sldMasterId id="2147483840" r:id="rId4"/>
   </p:sldMasterIdLst>
   <p:notesMasterIdLst>
-    <p:notesMasterId r:id="rId13"/>
+    <p:notesMasterId r:id="rId18"/>
   </p:notesMasterIdLst>
   <p:sldIdLst>
     <p:sldId id="256" r:id="rId5"/>
     <p:sldId id="257" r:id="rId6"/>
     <p:sldId id="259" r:id="rId7"/>
-    <p:sldId id="260" r:id="rId8"/>
-    <p:sldId id="261" r:id="rId9"/>
+    <p:sldId id="265" r:id="rId8"/>
+    <p:sldId id="266" r:id="rId9"/>
     <p:sldId id="258" r:id="rId10"/>
     <p:sldId id="262" r:id="rId11"/>
     <p:sldId id="263" r:id="rId12"/>
+    <p:sldId id="264" r:id="rId13"/>
+    <p:sldId id="267" r:id="rId14"/>
+    <p:sldId id="268" r:id="rId15"/>
+    <p:sldId id="269" r:id="rId16"/>
+    <p:sldId id="270" r:id="rId17"/>
   </p:sldIdLst>
   <p:sldSz cx="12192000" cy="6858000"/>
   <p:notesSz cx="6858000" cy="9144000"/>
@@ -204,7 +209,7 @@
           <a:p>
             <a:fld id="{CE2FD119-FAB2-411A-854B-73B505FF6B4C}" type="datetimeFigureOut">
               <a:rPr lang="pl-PL" smtClean="0"/>
-              <a:t>04.09.2020</a:t>
+              <a:t>21.09.2020</a:t>
             </a:fld>
             <a:endParaRPr lang="pl-PL"/>
           </a:p>
@@ -558,6 +563,222 @@
 </p:notes>
 </file>
 
+<file path=ppt/notesSlides/notesSlide10.xml><?xml version="1.0" encoding="utf-8"?>
+<p:notes xmlns:a="http://schemas.openxmlformats.org/drawingml/2006/main" xmlns:r="http://schemas.openxmlformats.org/officeDocument/2006/relationships" xmlns:p="http://schemas.openxmlformats.org/presentationml/2006/main">
+  <p:cSld>
+    <p:spTree>
+      <p:nvGrpSpPr>
+        <p:cNvPr id="1" name=""/>
+        <p:cNvGrpSpPr/>
+        <p:nvPr/>
+      </p:nvGrpSpPr>
+      <p:grpSpPr>
+        <a:xfrm>
+          <a:off x="0" y="0"/>
+          <a:ext cx="0" cy="0"/>
+          <a:chOff x="0" y="0"/>
+          <a:chExt cx="0" cy="0"/>
+        </a:xfrm>
+      </p:grpSpPr>
+      <p:sp>
+        <p:nvSpPr>
+          <p:cNvPr id="2" name="Symbol zastępczy obrazu slajdu 1"/>
+          <p:cNvSpPr>
+            <a:spLocks noGrp="1" noRot="1" noChangeAspect="1"/>
+          </p:cNvSpPr>
+          <p:nvPr>
+            <p:ph type="sldImg"/>
+          </p:nvPr>
+        </p:nvSpPr>
+        <p:spPr/>
+      </p:sp>
+      <p:sp>
+        <p:nvSpPr>
+          <p:cNvPr id="3" name="Symbol zastępczy notatek 2"/>
+          <p:cNvSpPr>
+            <a:spLocks noGrp="1"/>
+          </p:cNvSpPr>
+          <p:nvPr>
+            <p:ph type="body" idx="1"/>
+          </p:nvPr>
+        </p:nvSpPr>
+        <p:spPr/>
+        <p:txBody>
+          <a:bodyPr/>
+          <a:lstStyle/>
+          <a:p>
+            <a:pPr marL="228600" indent="-228600">
+              <a:buAutoNum type="arabicPeriod"/>
+            </a:pPr>
+            <a:r>
+              <a:rPr lang="pl-PL" dirty="0"/>
+              <a:t>Podczepić </a:t>
+            </a:r>
+            <a:r>
+              <a:rPr lang="pl-PL" dirty="0" err="1"/>
+              <a:t>player</a:t>
+            </a:r>
+            <a:r>
+              <a:rPr lang="pl-PL" dirty="0"/>
+              <a:t> pod klawiaturę (poruszanie i strzelanie + </a:t>
+            </a:r>
+            <a:r>
+              <a:rPr lang="pl-PL" dirty="0" err="1"/>
+              <a:t>timer</a:t>
+            </a:r>
+            <a:r>
+              <a:rPr lang="pl-PL" dirty="0"/>
+              <a:t> do strzelania)</a:t>
+            </a:r>
+          </a:p>
+          <a:p>
+            <a:pPr marL="228600" indent="-228600">
+              <a:buAutoNum type="arabicPeriod"/>
+            </a:pPr>
+            <a:r>
+              <a:rPr lang="pl-PL" dirty="0"/>
+              <a:t>Wygładzanie poruszania</a:t>
+            </a:r>
+          </a:p>
+          <a:p>
+            <a:pPr marL="228600" indent="-228600">
+              <a:buAutoNum type="arabicPeriod"/>
+            </a:pPr>
+            <a:r>
+              <a:rPr lang="pl-PL" dirty="0"/>
+              <a:t>Zrobić Base na podstawie Player</a:t>
+            </a:r>
+          </a:p>
+        </p:txBody>
+      </p:sp>
+      <p:sp>
+        <p:nvSpPr>
+          <p:cNvPr id="4" name="Symbol zastępczy numeru slajdu 3"/>
+          <p:cNvSpPr>
+            <a:spLocks noGrp="1"/>
+          </p:cNvSpPr>
+          <p:nvPr>
+            <p:ph type="sldNum" sz="quarter" idx="5"/>
+          </p:nvPr>
+        </p:nvSpPr>
+        <p:spPr/>
+        <p:txBody>
+          <a:bodyPr/>
+          <a:lstStyle/>
+          <a:p>
+            <a:fld id="{F895E939-9B44-4E30-8BB9-C3B70D62160D}" type="slidenum">
+              <a:rPr lang="pl-PL" smtClean="0"/>
+              <a:t>11</a:t>
+            </a:fld>
+            <a:endParaRPr lang="pl-PL"/>
+          </a:p>
+        </p:txBody>
+      </p:sp>
+    </p:spTree>
+    <p:extLst>
+      <p:ext uri="{BB962C8B-B14F-4D97-AF65-F5344CB8AC3E}">
+        <p14:creationId xmlns:p14="http://schemas.microsoft.com/office/powerpoint/2010/main" val="4114879894"/>
+      </p:ext>
+    </p:extLst>
+  </p:cSld>
+  <p:clrMapOvr>
+    <a:masterClrMapping/>
+  </p:clrMapOvr>
+</p:notes>
+</file>
+
+<file path=ppt/notesSlides/notesSlide11.xml><?xml version="1.0" encoding="utf-8"?>
+<p:notes xmlns:a="http://schemas.openxmlformats.org/drawingml/2006/main" xmlns:r="http://schemas.openxmlformats.org/officeDocument/2006/relationships" xmlns:p="http://schemas.openxmlformats.org/presentationml/2006/main">
+  <p:cSld>
+    <p:spTree>
+      <p:nvGrpSpPr>
+        <p:cNvPr id="1" name=""/>
+        <p:cNvGrpSpPr/>
+        <p:nvPr/>
+      </p:nvGrpSpPr>
+      <p:grpSpPr>
+        <a:xfrm>
+          <a:off x="0" y="0"/>
+          <a:ext cx="0" cy="0"/>
+          <a:chOff x="0" y="0"/>
+          <a:chExt cx="0" cy="0"/>
+        </a:xfrm>
+      </p:grpSpPr>
+      <p:sp>
+        <p:nvSpPr>
+          <p:cNvPr id="2" name="Symbol zastępczy obrazu slajdu 1"/>
+          <p:cNvSpPr>
+            <a:spLocks noGrp="1" noRot="1" noChangeAspect="1"/>
+          </p:cNvSpPr>
+          <p:nvPr>
+            <p:ph type="sldImg"/>
+          </p:nvPr>
+        </p:nvSpPr>
+        <p:spPr/>
+      </p:sp>
+      <p:sp>
+        <p:nvSpPr>
+          <p:cNvPr id="3" name="Symbol zastępczy notatek 2"/>
+          <p:cNvSpPr>
+            <a:spLocks noGrp="1"/>
+          </p:cNvSpPr>
+          <p:nvPr>
+            <p:ph type="body" idx="1"/>
+          </p:nvPr>
+        </p:nvSpPr>
+        <p:spPr/>
+        <p:txBody>
+          <a:bodyPr/>
+          <a:lstStyle/>
+          <a:p>
+            <a:r>
+              <a:rPr lang="pl-PL" dirty="0"/>
+              <a:t>Dodać enemy na podstawie Player i </a:t>
+            </a:r>
+            <a:r>
+              <a:rPr lang="pl-PL" dirty="0" err="1"/>
+              <a:t>base</a:t>
+            </a:r>
+            <a:endParaRPr lang="pl-PL" dirty="0"/>
+          </a:p>
+        </p:txBody>
+      </p:sp>
+      <p:sp>
+        <p:nvSpPr>
+          <p:cNvPr id="4" name="Symbol zastępczy numeru slajdu 3"/>
+          <p:cNvSpPr>
+            <a:spLocks noGrp="1"/>
+          </p:cNvSpPr>
+          <p:nvPr>
+            <p:ph type="sldNum" sz="quarter" idx="5"/>
+          </p:nvPr>
+        </p:nvSpPr>
+        <p:spPr/>
+        <p:txBody>
+          <a:bodyPr/>
+          <a:lstStyle/>
+          <a:p>
+            <a:fld id="{F895E939-9B44-4E30-8BB9-C3B70D62160D}" type="slidenum">
+              <a:rPr lang="pl-PL" smtClean="0"/>
+              <a:t>13</a:t>
+            </a:fld>
+            <a:endParaRPr lang="pl-PL"/>
+          </a:p>
+        </p:txBody>
+      </p:sp>
+    </p:spTree>
+    <p:extLst>
+      <p:ext uri="{BB962C8B-B14F-4D97-AF65-F5344CB8AC3E}">
+        <p14:creationId xmlns:p14="http://schemas.microsoft.com/office/powerpoint/2010/main" val="1126669537"/>
+      </p:ext>
+    </p:extLst>
+  </p:cSld>
+  <p:clrMapOvr>
+    <a:masterClrMapping/>
+  </p:clrMapOvr>
+</p:notes>
+</file>
+
 <file path=ppt/notesSlides/notesSlide2.xml><?xml version="1.0" encoding="utf-8"?>
 <p:notes xmlns:a="http://schemas.openxmlformats.org/drawingml/2006/main" xmlns:r="http://schemas.openxmlformats.org/officeDocument/2006/relationships" xmlns:p="http://schemas.openxmlformats.org/presentationml/2006/main">
   <p:cSld>
@@ -724,6 +945,316 @@
           <a:p>
             <a:endParaRPr lang="pl-PL" dirty="0"/>
           </a:p>
+          <a:p>
+            <a:pPr marL="0" marR="0" lvl="0" indent="0" algn="l" defTabSz="914400" rtl="0" eaLnBrk="1" fontAlgn="auto" latinLnBrk="0" hangingPunct="1">
+              <a:lnSpc>
+                <a:spcPct val="100000"/>
+              </a:lnSpc>
+              <a:spcBef>
+                <a:spcPts val="0"/>
+              </a:spcBef>
+              <a:spcAft>
+                <a:spcPts val="0"/>
+              </a:spcAft>
+              <a:buClrTx/>
+              <a:buSzTx/>
+              <a:buFontTx/>
+              <a:buNone/>
+              <a:tabLst/>
+              <a:defRPr/>
+            </a:pPr>
+            <a:r>
+              <a:rPr lang="pl-PL" dirty="0"/>
+              <a:t>Dowolny edytor który jest w stanie edytować pliki tekstowe wystarczy. Ale mocno polecam Visual Studio </a:t>
+            </a:r>
+            <a:r>
+              <a:rPr lang="pl-PL" dirty="0" err="1"/>
+              <a:t>Code</a:t>
+            </a:r>
+            <a:r>
+              <a:rPr lang="pl-PL" dirty="0"/>
+              <a:t> (</a:t>
+            </a:r>
+            <a:r>
+              <a:rPr lang="pl-PL" dirty="0">
+                <a:hlinkClick r:id="rId4"/>
+              </a:rPr>
+              <a:t>https://code.visualstudio.com/Download</a:t>
+            </a:r>
+            <a:r>
+              <a:rPr lang="pl-PL" dirty="0"/>
+              <a:t>) </a:t>
+            </a:r>
+          </a:p>
+          <a:p>
+            <a:endParaRPr lang="pl-PL" dirty="0"/>
+          </a:p>
+          <a:p>
+            <a:pPr marL="228600" indent="-228600">
+              <a:buAutoNum type="arabicPeriod"/>
+            </a:pPr>
+            <a:r>
+              <a:rPr lang="pl-PL" dirty="0" err="1"/>
+              <a:t>Stwożyć</a:t>
+            </a:r>
+            <a:r>
+              <a:rPr lang="pl-PL" dirty="0"/>
+              <a:t> katalog w którym będzie </a:t>
+            </a:r>
+            <a:r>
+              <a:rPr lang="pl-PL" dirty="0" err="1"/>
+              <a:t>twożona</a:t>
+            </a:r>
+            <a:r>
+              <a:rPr lang="pl-PL" dirty="0"/>
+              <a:t> gra. </a:t>
+            </a:r>
+          </a:p>
+          <a:p>
+            <a:pPr marL="228600" indent="-228600">
+              <a:buAutoNum type="arabicPeriod"/>
+            </a:pPr>
+            <a:r>
+              <a:rPr lang="pl-PL" dirty="0" err="1"/>
+              <a:t>Otwożyć</a:t>
+            </a:r>
+            <a:r>
+              <a:rPr lang="pl-PL" dirty="0"/>
+              <a:t> folder w </a:t>
+            </a:r>
+            <a:r>
+              <a:rPr lang="pl-PL" dirty="0" err="1"/>
+              <a:t>Edytoże</a:t>
+            </a:r>
+            <a:r>
+              <a:rPr lang="pl-PL" dirty="0"/>
+              <a:t>/terminalu</a:t>
+            </a:r>
+          </a:p>
+          <a:p>
+            <a:pPr marL="228600" indent="-228600">
+              <a:buAutoNum type="arabicPeriod"/>
+            </a:pPr>
+            <a:r>
+              <a:rPr lang="pl-PL" dirty="0"/>
+              <a:t>Uruchomić polecenia:</a:t>
+            </a:r>
+          </a:p>
+          <a:p>
+            <a:pPr marL="685800" lvl="1" indent="-228600">
+              <a:buAutoNum type="arabicPeriod"/>
+            </a:pPr>
+            <a:r>
+              <a:rPr lang="pl-PL" dirty="0"/>
+              <a:t> </a:t>
+            </a:r>
+            <a:r>
+              <a:rPr lang="pl-PL" dirty="0" err="1"/>
+              <a:t>python</a:t>
+            </a:r>
+            <a:r>
+              <a:rPr lang="pl-PL" dirty="0"/>
+              <a:t> –m </a:t>
+            </a:r>
+            <a:r>
+              <a:rPr lang="pl-PL" dirty="0" err="1"/>
+              <a:t>venv</a:t>
+            </a:r>
+            <a:r>
+              <a:rPr lang="pl-PL" dirty="0"/>
+              <a:t> </a:t>
+            </a:r>
+            <a:r>
+              <a:rPr lang="pl-PL" dirty="0" err="1"/>
+              <a:t>venv</a:t>
+            </a:r>
+            <a:endParaRPr lang="pl-PL" b="0" dirty="0">
+              <a:solidFill>
+                <a:schemeClr val="tx1"/>
+              </a:solidFill>
+              <a:effectLst/>
+              <a:latin typeface="+mn-lt"/>
+            </a:endParaRPr>
+          </a:p>
+          <a:p>
+            <a:pPr marL="685800" lvl="1" indent="-228600">
+              <a:buAutoNum type="arabicPeriod"/>
+            </a:pPr>
+            <a:r>
+              <a:rPr lang="pl-PL" b="0" dirty="0">
+                <a:solidFill>
+                  <a:srgbClr val="BBBBBB"/>
+                </a:solidFill>
+                <a:effectLst/>
+                <a:latin typeface=" Fira Code'"/>
+              </a:rPr>
+              <a:t>Windows ./</a:t>
+            </a:r>
+            <a:r>
+              <a:rPr lang="pl-PL" b="0" dirty="0" err="1">
+                <a:solidFill>
+                  <a:srgbClr val="BBBBBB"/>
+                </a:solidFill>
+                <a:effectLst/>
+                <a:latin typeface=" Fira Code'"/>
+              </a:rPr>
+              <a:t>venv</a:t>
+            </a:r>
+            <a:r>
+              <a:rPr lang="pl-PL" b="0" dirty="0">
+                <a:solidFill>
+                  <a:srgbClr val="BBBBBB"/>
+                </a:solidFill>
+                <a:effectLst/>
+                <a:latin typeface=" Fira Code'"/>
+              </a:rPr>
+              <a:t>/Scripts/</a:t>
+            </a:r>
+            <a:r>
+              <a:rPr lang="pl-PL" b="0" dirty="0" err="1">
+                <a:solidFill>
+                  <a:srgbClr val="BBBBBB"/>
+                </a:solidFill>
+                <a:effectLst/>
+                <a:latin typeface=" Fira Code'"/>
+              </a:rPr>
+              <a:t>activate</a:t>
+            </a:r>
+            <a:endParaRPr lang="pl-PL" b="0" dirty="0">
+              <a:solidFill>
+                <a:srgbClr val="BBBBBB"/>
+              </a:solidFill>
+              <a:effectLst/>
+              <a:latin typeface=" Fira Code'"/>
+            </a:endParaRPr>
+          </a:p>
+          <a:p>
+            <a:pPr marL="685800" lvl="1" indent="-228600">
+              <a:buAutoNum type="arabicPeriod"/>
+            </a:pPr>
+            <a:r>
+              <a:rPr lang="pl-PL" b="0" dirty="0">
+                <a:solidFill>
+                  <a:srgbClr val="BBBBBB"/>
+                </a:solidFill>
+                <a:effectLst/>
+                <a:latin typeface=" Fira Code'"/>
+              </a:rPr>
+              <a:t>Linux   </a:t>
+            </a:r>
+            <a:r>
+              <a:rPr lang="pl-PL" b="0" dirty="0" err="1">
+                <a:solidFill>
+                  <a:srgbClr val="BBBBBB"/>
+                </a:solidFill>
+                <a:effectLst/>
+                <a:latin typeface=" Fira Code'"/>
+              </a:rPr>
+              <a:t>source</a:t>
+            </a:r>
+            <a:r>
+              <a:rPr lang="pl-PL" b="0" dirty="0">
+                <a:solidFill>
+                  <a:srgbClr val="BBBBBB"/>
+                </a:solidFill>
+                <a:effectLst/>
+                <a:latin typeface=" Fira Code'"/>
+              </a:rPr>
+              <a:t> ./</a:t>
+            </a:r>
+            <a:r>
+              <a:rPr lang="pl-PL" b="0" dirty="0" err="1">
+                <a:solidFill>
+                  <a:srgbClr val="BBBBBB"/>
+                </a:solidFill>
+                <a:effectLst/>
+                <a:latin typeface=" Fira Code'"/>
+              </a:rPr>
+              <a:t>venv</a:t>
+            </a:r>
+            <a:r>
+              <a:rPr lang="pl-PL" b="0" dirty="0">
+                <a:solidFill>
+                  <a:srgbClr val="BBBBBB"/>
+                </a:solidFill>
+                <a:effectLst/>
+                <a:latin typeface=" Fira Code'"/>
+              </a:rPr>
+              <a:t>/bin/</a:t>
+            </a:r>
+            <a:r>
+              <a:rPr lang="pl-PL" b="0" dirty="0" err="1">
+                <a:solidFill>
+                  <a:srgbClr val="BBBBBB"/>
+                </a:solidFill>
+                <a:effectLst/>
+                <a:latin typeface=" Fira Code'"/>
+              </a:rPr>
+              <a:t>activate</a:t>
+            </a:r>
+            <a:endParaRPr lang="pl-PL" b="0" dirty="0">
+              <a:solidFill>
+                <a:srgbClr val="BBBBBB"/>
+              </a:solidFill>
+              <a:effectLst/>
+              <a:latin typeface=" Fira Code'"/>
+            </a:endParaRPr>
+          </a:p>
+          <a:p>
+            <a:pPr marL="685800" lvl="1" indent="-228600">
+              <a:buAutoNum type="arabicPeriod"/>
+            </a:pPr>
+            <a:r>
+              <a:rPr lang="pl-PL" b="0" dirty="0">
+                <a:solidFill>
+                  <a:srgbClr val="BBBBBB"/>
+                </a:solidFill>
+                <a:effectLst/>
+                <a:latin typeface=" Fira Code'"/>
+              </a:rPr>
+              <a:t>pip </a:t>
+            </a:r>
+            <a:r>
+              <a:rPr lang="pl-PL" b="0" dirty="0" err="1">
+                <a:solidFill>
+                  <a:srgbClr val="BBBBBB"/>
+                </a:solidFill>
+                <a:effectLst/>
+                <a:latin typeface=" Fira Code'"/>
+              </a:rPr>
+              <a:t>install</a:t>
+            </a:r>
+            <a:r>
+              <a:rPr lang="pl-PL" b="0" dirty="0">
+                <a:solidFill>
+                  <a:srgbClr val="BBBBBB"/>
+                </a:solidFill>
+                <a:effectLst/>
+                <a:latin typeface=" Fira Code'"/>
+              </a:rPr>
+              <a:t> </a:t>
+            </a:r>
+            <a:r>
+              <a:rPr lang="pl-PL" b="0" dirty="0" err="1">
+                <a:solidFill>
+                  <a:srgbClr val="BBBBBB"/>
+                </a:solidFill>
+                <a:effectLst/>
+                <a:latin typeface=" Fira Code'"/>
+              </a:rPr>
+              <a:t>pygame</a:t>
+            </a:r>
+            <a:endParaRPr lang="pl-PL" b="0" dirty="0">
+              <a:solidFill>
+                <a:srgbClr val="BBBBBB"/>
+              </a:solidFill>
+              <a:effectLst/>
+              <a:latin typeface=" Fira Code'"/>
+            </a:endParaRPr>
+          </a:p>
+          <a:p>
+            <a:endParaRPr lang="pl-PL" dirty="0"/>
+          </a:p>
         </p:txBody>
       </p:sp>
       <p:sp>
@@ -806,28 +1337,7 @@
           <a:bodyPr/>
           <a:lstStyle/>
           <a:p>
-            <a:r>
-              <a:rPr lang="pl-PL" dirty="0"/>
-              <a:t>Dowolny edytor który jest w stanie edytować pliki tekstowe wystarczy. Ale mocno polecam Visual Studio </a:t>
-            </a:r>
-            <a:r>
-              <a:rPr lang="pl-PL" dirty="0" err="1"/>
-              <a:t>Code</a:t>
-            </a:r>
-            <a:r>
-              <a:rPr lang="pl-PL" dirty="0"/>
-              <a:t> (</a:t>
-            </a:r>
-            <a:r>
-              <a:rPr lang="pl-PL" dirty="0">
-                <a:hlinkClick r:id="rId3"/>
-              </a:rPr>
-              <a:t>https://code.visualstudio.com/Download</a:t>
-            </a:r>
-            <a:r>
-              <a:rPr lang="pl-PL" dirty="0"/>
-              <a:t>) </a:t>
-            </a:r>
+            <a:endParaRPr lang="pl-PL" dirty="0"/>
           </a:p>
         </p:txBody>
       </p:sp>
@@ -848,7 +1358,7 @@
           <a:p>
             <a:fld id="{F895E939-9B44-4E30-8BB9-C3B70D62160D}" type="slidenum">
               <a:rPr lang="pl-PL" smtClean="0"/>
-              <a:t>4</a:t>
+              <a:t>5</a:t>
             </a:fld>
             <a:endParaRPr lang="pl-PL"/>
           </a:p>
@@ -857,7 +1367,7 @@
     </p:spTree>
     <p:extLst>
       <p:ext uri="{BB962C8B-B14F-4D97-AF65-F5344CB8AC3E}">
-        <p14:creationId xmlns:p14="http://schemas.microsoft.com/office/powerpoint/2010/main" val="2043364870"/>
+        <p14:creationId xmlns:p14="http://schemas.microsoft.com/office/powerpoint/2010/main" val="2908140910"/>
       </p:ext>
     </p:extLst>
   </p:cSld>
@@ -911,267 +1421,7 @@
           <a:bodyPr/>
           <a:lstStyle/>
           <a:p>
-            <a:pPr marL="228600" indent="-228600">
-              <a:buAutoNum type="arabicPeriod"/>
-            </a:pPr>
-            <a:r>
-              <a:rPr lang="pl-PL" dirty="0" err="1"/>
-              <a:t>Stwożyć</a:t>
-            </a:r>
-            <a:r>
-              <a:rPr lang="pl-PL" dirty="0"/>
-              <a:t> katalog w którym będzie </a:t>
-            </a:r>
-            <a:r>
-              <a:rPr lang="pl-PL" dirty="0" err="1"/>
-              <a:t>twożona</a:t>
-            </a:r>
-            <a:r>
-              <a:rPr lang="pl-PL" dirty="0"/>
-              <a:t> gra. </a:t>
-            </a:r>
-          </a:p>
-          <a:p>
-            <a:pPr marL="228600" indent="-228600">
-              <a:buAutoNum type="arabicPeriod"/>
-            </a:pPr>
-            <a:r>
-              <a:rPr lang="pl-PL" dirty="0" err="1"/>
-              <a:t>Otwożyć</a:t>
-            </a:r>
-            <a:r>
-              <a:rPr lang="pl-PL" dirty="0"/>
-              <a:t> folder w </a:t>
-            </a:r>
-            <a:r>
-              <a:rPr lang="pl-PL" dirty="0" err="1"/>
-              <a:t>Edytoże</a:t>
-            </a:r>
-            <a:r>
-              <a:rPr lang="pl-PL" dirty="0"/>
-              <a:t>/terminalu</a:t>
-            </a:r>
-          </a:p>
-          <a:p>
-            <a:pPr marL="228600" indent="-228600">
-              <a:buAutoNum type="arabicPeriod"/>
-            </a:pPr>
-            <a:r>
-              <a:rPr lang="pl-PL" dirty="0"/>
-              <a:t>Uruchomić polecenia:</a:t>
-            </a:r>
-          </a:p>
-          <a:p>
-            <a:pPr marL="685800" lvl="1" indent="-228600">
-              <a:buAutoNum type="arabicPeriod"/>
-            </a:pPr>
-            <a:r>
-              <a:rPr lang="pl-PL" dirty="0"/>
-              <a:t> </a:t>
-            </a:r>
-            <a:r>
-              <a:rPr lang="pl-PL" dirty="0" err="1"/>
-              <a:t>python</a:t>
-            </a:r>
-            <a:r>
-              <a:rPr lang="pl-PL" dirty="0"/>
-              <a:t> –m </a:t>
-            </a:r>
-            <a:r>
-              <a:rPr lang="pl-PL" dirty="0" err="1"/>
-              <a:t>venv</a:t>
-            </a:r>
-            <a:r>
-              <a:rPr lang="pl-PL" dirty="0"/>
-              <a:t> </a:t>
-            </a:r>
-            <a:r>
-              <a:rPr lang="pl-PL" dirty="0" err="1"/>
-              <a:t>venv</a:t>
-            </a:r>
-            <a:endParaRPr lang="pl-PL" b="0" dirty="0">
-              <a:solidFill>
-                <a:schemeClr val="tx1"/>
-              </a:solidFill>
-              <a:effectLst/>
-              <a:latin typeface="+mn-lt"/>
-            </a:endParaRPr>
-          </a:p>
-          <a:p>
-            <a:pPr marL="685800" lvl="1" indent="-228600">
-              <a:buAutoNum type="arabicPeriod"/>
-            </a:pPr>
-            <a:r>
-              <a:rPr lang="pl-PL" b="0" dirty="0">
-                <a:solidFill>
-                  <a:srgbClr val="BBBBBB"/>
-                </a:solidFill>
-                <a:effectLst/>
-                <a:latin typeface=" Fira Code'"/>
-              </a:rPr>
-              <a:t>Windows ./</a:t>
-            </a:r>
-            <a:r>
-              <a:rPr lang="pl-PL" b="0" dirty="0" err="1">
-                <a:solidFill>
-                  <a:srgbClr val="BBBBBB"/>
-                </a:solidFill>
-                <a:effectLst/>
-                <a:latin typeface=" Fira Code'"/>
-              </a:rPr>
-              <a:t>venv</a:t>
-            </a:r>
-            <a:r>
-              <a:rPr lang="pl-PL" b="0" dirty="0">
-                <a:solidFill>
-                  <a:srgbClr val="BBBBBB"/>
-                </a:solidFill>
-                <a:effectLst/>
-                <a:latin typeface=" Fira Code'"/>
-              </a:rPr>
-              <a:t>/Scripts/</a:t>
-            </a:r>
-            <a:r>
-              <a:rPr lang="pl-PL" b="0" dirty="0" err="1">
-                <a:solidFill>
-                  <a:srgbClr val="BBBBBB"/>
-                </a:solidFill>
-                <a:effectLst/>
-                <a:latin typeface=" Fira Code'"/>
-              </a:rPr>
-              <a:t>activate</a:t>
-            </a:r>
-            <a:endParaRPr lang="pl-PL" b="0" dirty="0">
-              <a:solidFill>
-                <a:srgbClr val="BBBBBB"/>
-              </a:solidFill>
-              <a:effectLst/>
-              <a:latin typeface=" Fira Code'"/>
-            </a:endParaRPr>
-          </a:p>
-          <a:p>
-            <a:pPr marL="685800" lvl="1" indent="-228600">
-              <a:buAutoNum type="arabicPeriod"/>
-            </a:pPr>
-            <a:r>
-              <a:rPr lang="pl-PL" b="0" dirty="0">
-                <a:solidFill>
-                  <a:srgbClr val="BBBBBB"/>
-                </a:solidFill>
-                <a:effectLst/>
-                <a:latin typeface=" Fira Code'"/>
-              </a:rPr>
-              <a:t>Linux   </a:t>
-            </a:r>
-            <a:r>
-              <a:rPr lang="pl-PL" b="0" dirty="0" err="1">
-                <a:solidFill>
-                  <a:srgbClr val="BBBBBB"/>
-                </a:solidFill>
-                <a:effectLst/>
-                <a:latin typeface=" Fira Code'"/>
-              </a:rPr>
-              <a:t>source</a:t>
-            </a:r>
-            <a:r>
-              <a:rPr lang="pl-PL" b="0" dirty="0">
-                <a:solidFill>
-                  <a:srgbClr val="BBBBBB"/>
-                </a:solidFill>
-                <a:effectLst/>
-                <a:latin typeface=" Fira Code'"/>
-              </a:rPr>
-              <a:t> ./</a:t>
-            </a:r>
-            <a:r>
-              <a:rPr lang="pl-PL" b="0" dirty="0" err="1">
-                <a:solidFill>
-                  <a:srgbClr val="BBBBBB"/>
-                </a:solidFill>
-                <a:effectLst/>
-                <a:latin typeface=" Fira Code'"/>
-              </a:rPr>
-              <a:t>venv</a:t>
-            </a:r>
-            <a:r>
-              <a:rPr lang="pl-PL" b="0" dirty="0">
-                <a:solidFill>
-                  <a:srgbClr val="BBBBBB"/>
-                </a:solidFill>
-                <a:effectLst/>
-                <a:latin typeface=" Fira Code'"/>
-              </a:rPr>
-              <a:t>/bin/</a:t>
-            </a:r>
-            <a:r>
-              <a:rPr lang="pl-PL" b="0" dirty="0" err="1">
-                <a:solidFill>
-                  <a:srgbClr val="BBBBBB"/>
-                </a:solidFill>
-                <a:effectLst/>
-                <a:latin typeface=" Fira Code'"/>
-              </a:rPr>
-              <a:t>activate</a:t>
-            </a:r>
-            <a:endParaRPr lang="pl-PL" b="0" dirty="0">
-              <a:solidFill>
-                <a:srgbClr val="BBBBBB"/>
-              </a:solidFill>
-              <a:effectLst/>
-              <a:latin typeface=" Fira Code'"/>
-            </a:endParaRPr>
-          </a:p>
-          <a:p>
-            <a:pPr marL="685800" lvl="1" indent="-228600">
-              <a:buAutoNum type="arabicPeriod"/>
-            </a:pPr>
-            <a:r>
-              <a:rPr lang="pl-PL" b="0" dirty="0">
-                <a:solidFill>
-                  <a:srgbClr val="BBBBBB"/>
-                </a:solidFill>
-                <a:effectLst/>
-                <a:latin typeface=" Fira Code'"/>
-              </a:rPr>
-              <a:t>pip </a:t>
-            </a:r>
-            <a:r>
-              <a:rPr lang="pl-PL" b="0" dirty="0" err="1">
-                <a:solidFill>
-                  <a:srgbClr val="BBBBBB"/>
-                </a:solidFill>
-                <a:effectLst/>
-                <a:latin typeface=" Fira Code'"/>
-              </a:rPr>
-              <a:t>install</a:t>
-            </a:r>
-            <a:r>
-              <a:rPr lang="pl-PL" b="0" dirty="0">
-                <a:solidFill>
-                  <a:srgbClr val="BBBBBB"/>
-                </a:solidFill>
-                <a:effectLst/>
-                <a:latin typeface=" Fira Code'"/>
-              </a:rPr>
-              <a:t> </a:t>
-            </a:r>
-            <a:r>
-              <a:rPr lang="pl-PL" b="0" dirty="0" err="1">
-                <a:solidFill>
-                  <a:srgbClr val="BBBBBB"/>
-                </a:solidFill>
-                <a:effectLst/>
-                <a:latin typeface=" Fira Code'"/>
-              </a:rPr>
-              <a:t>pygame</a:t>
-            </a:r>
-            <a:endParaRPr lang="pl-PL" b="0" dirty="0">
-              <a:solidFill>
-                <a:srgbClr val="BBBBBB"/>
-              </a:solidFill>
-              <a:effectLst/>
-              <a:latin typeface=" Fira Code'"/>
-            </a:endParaRPr>
+            <a:endParaRPr lang="pl-PL" dirty="0"/>
           </a:p>
         </p:txBody>
       </p:sp>
@@ -1192,7 +1442,7 @@
           <a:p>
             <a:fld id="{F895E939-9B44-4E30-8BB9-C3B70D62160D}" type="slidenum">
               <a:rPr lang="pl-PL" smtClean="0"/>
-              <a:t>5</a:t>
+              <a:t>6</a:t>
             </a:fld>
             <a:endParaRPr lang="pl-PL"/>
           </a:p>
@@ -1201,7 +1451,7 @@
     </p:spTree>
     <p:extLst>
       <p:ext uri="{BB962C8B-B14F-4D97-AF65-F5344CB8AC3E}">
-        <p14:creationId xmlns:p14="http://schemas.microsoft.com/office/powerpoint/2010/main" val="1668354644"/>
+        <p14:creationId xmlns:p14="http://schemas.microsoft.com/office/powerpoint/2010/main" val="16956064"/>
       </p:ext>
     </p:extLst>
   </p:cSld>
@@ -1255,6 +1505,87 @@
           <a:bodyPr/>
           <a:lstStyle/>
           <a:p>
+            <a:r>
+              <a:rPr lang="pl-PL" dirty="0"/>
+              <a:t>Do zakodowania:</a:t>
+            </a:r>
+          </a:p>
+          <a:p>
+            <a:pPr marL="171450" indent="-171450">
+              <a:buFont typeface="Arial" panose="020B0604020202020204" pitchFamily="34" charset="0"/>
+              <a:buChar char="•"/>
+            </a:pPr>
+            <a:r>
+              <a:rPr lang="pl-PL" dirty="0" err="1"/>
+              <a:t>Init</a:t>
+            </a:r>
+            <a:endParaRPr lang="pl-PL" dirty="0"/>
+          </a:p>
+          <a:p>
+            <a:pPr marL="171450" indent="-171450">
+              <a:buFont typeface="Arial" panose="020B0604020202020204" pitchFamily="34" charset="0"/>
+              <a:buChar char="•"/>
+            </a:pPr>
+            <a:r>
+              <a:rPr lang="pl-PL" dirty="0"/>
+              <a:t>Pokazać okno</a:t>
+            </a:r>
+          </a:p>
+          <a:p>
+            <a:pPr marL="171450" indent="-171450">
+              <a:buFont typeface="Arial" panose="020B0604020202020204" pitchFamily="34" charset="0"/>
+              <a:buChar char="•"/>
+            </a:pPr>
+            <a:r>
+              <a:rPr lang="pl-PL" dirty="0" err="1"/>
+              <a:t>pygame</a:t>
+            </a:r>
+            <a:r>
+              <a:rPr lang="pl-PL" dirty="0"/>
+              <a:t> </a:t>
+            </a:r>
+            <a:r>
+              <a:rPr lang="pl-PL" dirty="0" err="1"/>
+              <a:t>clock</a:t>
+            </a:r>
+            <a:r>
+              <a:rPr lang="pl-PL" dirty="0"/>
+              <a:t> na 60 </a:t>
+            </a:r>
+            <a:r>
+              <a:rPr lang="pl-PL" dirty="0" err="1"/>
+              <a:t>fps</a:t>
+            </a:r>
+            <a:endParaRPr lang="pl-PL" dirty="0"/>
+          </a:p>
+          <a:p>
+            <a:pPr marL="171450" indent="-171450">
+              <a:buFont typeface="Arial" panose="020B0604020202020204" pitchFamily="34" charset="0"/>
+              <a:buChar char="•"/>
+            </a:pPr>
+            <a:r>
+              <a:rPr lang="pl-PL" dirty="0" err="1"/>
+              <a:t>main</a:t>
+            </a:r>
+            <a:r>
+              <a:rPr lang="pl-PL" dirty="0"/>
+              <a:t> </a:t>
+            </a:r>
+            <a:r>
+              <a:rPr lang="pl-PL" dirty="0" err="1"/>
+              <a:t>loop</a:t>
+            </a:r>
+            <a:r>
+              <a:rPr lang="pl-PL" dirty="0"/>
+              <a:t> z eventem na </a:t>
+            </a:r>
+            <a:r>
+              <a:rPr lang="pl-PL" dirty="0" err="1"/>
+              <a:t>quit</a:t>
+            </a:r>
+            <a:endParaRPr lang="pl-PL" dirty="0"/>
+          </a:p>
+          <a:p>
             <a:endParaRPr lang="pl-PL" dirty="0"/>
           </a:p>
         </p:txBody>
@@ -1276,7 +1607,7 @@
           <a:p>
             <a:fld id="{F895E939-9B44-4E30-8BB9-C3B70D62160D}" type="slidenum">
               <a:rPr lang="pl-PL" smtClean="0"/>
-              <a:t>6</a:t>
+              <a:t>7</a:t>
             </a:fld>
             <a:endParaRPr lang="pl-PL"/>
           </a:p>
@@ -1285,7 +1616,7 @@
     </p:spTree>
     <p:extLst>
       <p:ext uri="{BB962C8B-B14F-4D97-AF65-F5344CB8AC3E}">
-        <p14:creationId xmlns:p14="http://schemas.microsoft.com/office/powerpoint/2010/main" val="16956064"/>
+        <p14:creationId xmlns:p14="http://schemas.microsoft.com/office/powerpoint/2010/main" val="1353715526"/>
       </p:ext>
     </p:extLst>
   </p:cSld>
@@ -1339,87 +1670,6 @@
           <a:bodyPr/>
           <a:lstStyle/>
           <a:p>
-            <a:r>
-              <a:rPr lang="pl-PL" dirty="0"/>
-              <a:t>Do zakodowania:</a:t>
-            </a:r>
-          </a:p>
-          <a:p>
-            <a:pPr marL="171450" indent="-171450">
-              <a:buFont typeface="Arial" panose="020B0604020202020204" pitchFamily="34" charset="0"/>
-              <a:buChar char="•"/>
-            </a:pPr>
-            <a:r>
-              <a:rPr lang="pl-PL" dirty="0" err="1"/>
-              <a:t>Init</a:t>
-            </a:r>
-            <a:endParaRPr lang="pl-PL" dirty="0"/>
-          </a:p>
-          <a:p>
-            <a:pPr marL="171450" indent="-171450">
-              <a:buFont typeface="Arial" panose="020B0604020202020204" pitchFamily="34" charset="0"/>
-              <a:buChar char="•"/>
-            </a:pPr>
-            <a:r>
-              <a:rPr lang="pl-PL" dirty="0"/>
-              <a:t>Pokazać okno</a:t>
-            </a:r>
-          </a:p>
-          <a:p>
-            <a:pPr marL="171450" indent="-171450">
-              <a:buFont typeface="Arial" panose="020B0604020202020204" pitchFamily="34" charset="0"/>
-              <a:buChar char="•"/>
-            </a:pPr>
-            <a:r>
-              <a:rPr lang="pl-PL" dirty="0" err="1"/>
-              <a:t>pygame</a:t>
-            </a:r>
-            <a:r>
-              <a:rPr lang="pl-PL" dirty="0"/>
-              <a:t> </a:t>
-            </a:r>
-            <a:r>
-              <a:rPr lang="pl-PL" dirty="0" err="1"/>
-              <a:t>clock</a:t>
-            </a:r>
-            <a:r>
-              <a:rPr lang="pl-PL" dirty="0"/>
-              <a:t> na 60 </a:t>
-            </a:r>
-            <a:r>
-              <a:rPr lang="pl-PL" dirty="0" err="1"/>
-              <a:t>fps</a:t>
-            </a:r>
-            <a:endParaRPr lang="pl-PL" dirty="0"/>
-          </a:p>
-          <a:p>
-            <a:pPr marL="171450" indent="-171450">
-              <a:buFont typeface="Arial" panose="020B0604020202020204" pitchFamily="34" charset="0"/>
-              <a:buChar char="•"/>
-            </a:pPr>
-            <a:r>
-              <a:rPr lang="pl-PL" dirty="0" err="1"/>
-              <a:t>main</a:t>
-            </a:r>
-            <a:r>
-              <a:rPr lang="pl-PL" dirty="0"/>
-              <a:t> </a:t>
-            </a:r>
-            <a:r>
-              <a:rPr lang="pl-PL" dirty="0" err="1"/>
-              <a:t>loop</a:t>
-            </a:r>
-            <a:r>
-              <a:rPr lang="pl-PL" dirty="0"/>
-              <a:t> z eventem na </a:t>
-            </a:r>
-            <a:r>
-              <a:rPr lang="pl-PL" dirty="0" err="1"/>
-              <a:t>quit</a:t>
-            </a:r>
-            <a:endParaRPr lang="pl-PL" dirty="0"/>
-          </a:p>
-          <a:p>
             <a:endParaRPr lang="pl-PL" dirty="0"/>
           </a:p>
         </p:txBody>
@@ -1441,7 +1691,7 @@
           <a:p>
             <a:fld id="{F895E939-9B44-4E30-8BB9-C3B70D62160D}" type="slidenum">
               <a:rPr lang="pl-PL" smtClean="0"/>
-              <a:t>7</a:t>
+              <a:t>8</a:t>
             </a:fld>
             <a:endParaRPr lang="pl-PL"/>
           </a:p>
@@ -1450,7 +1700,2016 @@
     </p:spTree>
     <p:extLst>
       <p:ext uri="{BB962C8B-B14F-4D97-AF65-F5344CB8AC3E}">
-        <p14:creationId xmlns:p14="http://schemas.microsoft.com/office/powerpoint/2010/main" val="1353715526"/>
+        <p14:creationId xmlns:p14="http://schemas.microsoft.com/office/powerpoint/2010/main" val="2200135541"/>
+      </p:ext>
+    </p:extLst>
+  </p:cSld>
+  <p:clrMapOvr>
+    <a:masterClrMapping/>
+  </p:clrMapOvr>
+</p:notes>
+</file>
+
+<file path=ppt/notesSlides/notesSlide8.xml><?xml version="1.0" encoding="utf-8"?>
+<p:notes xmlns:a="http://schemas.openxmlformats.org/drawingml/2006/main" xmlns:r="http://schemas.openxmlformats.org/officeDocument/2006/relationships" xmlns:p="http://schemas.openxmlformats.org/presentationml/2006/main">
+  <p:cSld>
+    <p:spTree>
+      <p:nvGrpSpPr>
+        <p:cNvPr id="1" name=""/>
+        <p:cNvGrpSpPr/>
+        <p:nvPr/>
+      </p:nvGrpSpPr>
+      <p:grpSpPr>
+        <a:xfrm>
+          <a:off x="0" y="0"/>
+          <a:ext cx="0" cy="0"/>
+          <a:chOff x="0" y="0"/>
+          <a:chExt cx="0" cy="0"/>
+        </a:xfrm>
+      </p:grpSpPr>
+      <p:sp>
+        <p:nvSpPr>
+          <p:cNvPr id="2" name="Symbol zastępczy obrazu slajdu 1"/>
+          <p:cNvSpPr>
+            <a:spLocks noGrp="1" noRot="1" noChangeAspect="1"/>
+          </p:cNvSpPr>
+          <p:nvPr>
+            <p:ph type="sldImg"/>
+          </p:nvPr>
+        </p:nvSpPr>
+        <p:spPr/>
+      </p:sp>
+      <p:sp>
+        <p:nvSpPr>
+          <p:cNvPr id="3" name="Symbol zastępczy notatek 2"/>
+          <p:cNvSpPr>
+            <a:spLocks noGrp="1"/>
+          </p:cNvSpPr>
+          <p:nvPr>
+            <p:ph type="body" idx="1"/>
+          </p:nvPr>
+        </p:nvSpPr>
+        <p:spPr/>
+        <p:txBody>
+          <a:bodyPr/>
+          <a:lstStyle/>
+          <a:p>
+            <a:r>
+              <a:rPr lang="pl-PL" dirty="0"/>
+              <a:t>Dodanie zmiennych do </a:t>
+            </a:r>
+            <a:r>
+              <a:rPr lang="pl-PL" dirty="0" err="1"/>
+              <a:t>Events</a:t>
+            </a:r>
+            <a:endParaRPr lang="pl-PL" dirty="0"/>
+          </a:p>
+          <a:p>
+            <a:r>
+              <a:rPr lang="pl-PL" dirty="0"/>
+              <a:t>Tymczasowe dodanie kodu do sprawdzenia czy klawisze działają</a:t>
+            </a:r>
+          </a:p>
+          <a:p>
+            <a:r>
+              <a:rPr lang="pl-PL" b="0" dirty="0">
+                <a:solidFill>
+                  <a:srgbClr val="BBBBBB"/>
+                </a:solidFill>
+                <a:effectLst/>
+                <a:latin typeface=" Fira Code'"/>
+              </a:rPr>
+              <a:t>    </a:t>
+            </a:r>
+            <a:r>
+              <a:rPr lang="pl-PL" b="0" dirty="0" err="1">
+                <a:solidFill>
+                  <a:srgbClr val="E06C75"/>
+                </a:solidFill>
+                <a:effectLst/>
+                <a:latin typeface=" Fira Code'"/>
+              </a:rPr>
+              <a:t>if</a:t>
+            </a:r>
+            <a:r>
+              <a:rPr lang="pl-PL" b="0" dirty="0">
+                <a:solidFill>
+                  <a:srgbClr val="BBBBBB"/>
+                </a:solidFill>
+                <a:effectLst/>
+                <a:latin typeface=" Fira Code'"/>
+              </a:rPr>
+              <a:t> </a:t>
+            </a:r>
+            <a:r>
+              <a:rPr lang="pl-PL" b="0" dirty="0" err="1">
+                <a:solidFill>
+                  <a:srgbClr val="BBBBBB"/>
+                </a:solidFill>
+                <a:effectLst/>
+                <a:latin typeface=" Fira Code'"/>
+              </a:rPr>
+              <a:t>events</a:t>
+            </a:r>
+            <a:r>
+              <a:rPr lang="pl-PL" b="0" dirty="0" err="1">
+                <a:solidFill>
+                  <a:srgbClr val="ABB2BF"/>
+                </a:solidFill>
+                <a:effectLst/>
+                <a:latin typeface=" Fira Code'"/>
+              </a:rPr>
+              <a:t>.</a:t>
+            </a:r>
+            <a:r>
+              <a:rPr lang="pl-PL" b="0" dirty="0" err="1">
+                <a:solidFill>
+                  <a:srgbClr val="56B6C2"/>
+                </a:solidFill>
+                <a:effectLst/>
+                <a:latin typeface=" Fira Code'"/>
+              </a:rPr>
+              <a:t>UP</a:t>
+            </a:r>
+            <a:r>
+              <a:rPr lang="pl-PL" b="0" dirty="0">
+                <a:solidFill>
+                  <a:srgbClr val="ABB2BF"/>
+                </a:solidFill>
+                <a:effectLst/>
+                <a:latin typeface=" Fira Code'"/>
+              </a:rPr>
+              <a:t>:</a:t>
+            </a:r>
+            <a:endParaRPr lang="pl-PL" b="0" dirty="0">
+              <a:solidFill>
+                <a:srgbClr val="BBBBBB"/>
+              </a:solidFill>
+              <a:effectLst/>
+              <a:latin typeface=" Fira Code'"/>
+            </a:endParaRPr>
+          </a:p>
+          <a:p>
+            <a:r>
+              <a:rPr lang="pl-PL" b="0" dirty="0">
+                <a:solidFill>
+                  <a:srgbClr val="BBBBBB"/>
+                </a:solidFill>
+                <a:effectLst/>
+                <a:latin typeface=" Fira Code'"/>
+              </a:rPr>
+              <a:t>        </a:t>
+            </a:r>
+            <a:r>
+              <a:rPr lang="pl-PL" b="0" dirty="0" err="1">
+                <a:solidFill>
+                  <a:srgbClr val="BBBBBB"/>
+                </a:solidFill>
+                <a:effectLst/>
+                <a:latin typeface=" Fira Code'"/>
+              </a:rPr>
+              <a:t>pygame</a:t>
+            </a:r>
+            <a:r>
+              <a:rPr lang="pl-PL" b="0" dirty="0" err="1">
+                <a:solidFill>
+                  <a:srgbClr val="ABB2BF"/>
+                </a:solidFill>
+                <a:effectLst/>
+                <a:latin typeface=" Fira Code'"/>
+              </a:rPr>
+              <a:t>.</a:t>
+            </a:r>
+            <a:r>
+              <a:rPr lang="pl-PL" b="0" dirty="0" err="1">
+                <a:solidFill>
+                  <a:srgbClr val="BBBBBB"/>
+                </a:solidFill>
+                <a:effectLst/>
+                <a:latin typeface=" Fira Code'"/>
+              </a:rPr>
+              <a:t>draw</a:t>
+            </a:r>
+            <a:r>
+              <a:rPr lang="pl-PL" b="0" dirty="0" err="1">
+                <a:solidFill>
+                  <a:srgbClr val="ABB2BF"/>
+                </a:solidFill>
+                <a:effectLst/>
+                <a:latin typeface=" Fira Code'"/>
+              </a:rPr>
+              <a:t>.</a:t>
+            </a:r>
+            <a:r>
+              <a:rPr lang="pl-PL" b="0" dirty="0" err="1">
+                <a:solidFill>
+                  <a:srgbClr val="BBBBBB"/>
+                </a:solidFill>
+                <a:effectLst/>
+                <a:latin typeface=" Fira Code'"/>
+              </a:rPr>
+              <a:t>rect</a:t>
+            </a:r>
+            <a:r>
+              <a:rPr lang="pl-PL" b="0" dirty="0">
+                <a:solidFill>
+                  <a:srgbClr val="BBBBBB"/>
+                </a:solidFill>
+                <a:effectLst/>
+                <a:latin typeface=" Fira Code'"/>
+              </a:rPr>
+              <a:t>(</a:t>
+            </a:r>
+            <a:r>
+              <a:rPr lang="pl-PL" b="0" dirty="0" err="1">
+                <a:solidFill>
+                  <a:srgbClr val="BBBBBB"/>
+                </a:solidFill>
+                <a:effectLst/>
+                <a:latin typeface=" Fira Code'"/>
+              </a:rPr>
+              <a:t>srf</a:t>
+            </a:r>
+            <a:r>
+              <a:rPr lang="pl-PL" b="0" dirty="0">
+                <a:solidFill>
+                  <a:srgbClr val="ABB2BF"/>
+                </a:solidFill>
+                <a:effectLst/>
+                <a:latin typeface=" Fira Code'"/>
+              </a:rPr>
+              <a:t>,</a:t>
+            </a:r>
+            <a:r>
+              <a:rPr lang="pl-PL" b="0" dirty="0">
+                <a:solidFill>
+                  <a:srgbClr val="BBBBBB"/>
+                </a:solidFill>
+                <a:effectLst/>
+                <a:latin typeface=" Fira Code'"/>
+              </a:rPr>
+              <a:t> </a:t>
+            </a:r>
+            <a:r>
+              <a:rPr lang="pl-PL" b="0" dirty="0">
+                <a:solidFill>
+                  <a:srgbClr val="56B6C2"/>
+                </a:solidFill>
+                <a:effectLst/>
+                <a:latin typeface=" Fira Code'"/>
+              </a:rPr>
+              <a:t>WHITE</a:t>
+            </a:r>
+            <a:r>
+              <a:rPr lang="pl-PL" b="0" dirty="0">
+                <a:solidFill>
+                  <a:srgbClr val="ABB2BF"/>
+                </a:solidFill>
+                <a:effectLst/>
+                <a:latin typeface=" Fira Code'"/>
+              </a:rPr>
+              <a:t>,</a:t>
+            </a:r>
+            <a:r>
+              <a:rPr lang="pl-PL" b="0" dirty="0">
+                <a:solidFill>
+                  <a:srgbClr val="BBBBBB"/>
+                </a:solidFill>
+                <a:effectLst/>
+                <a:latin typeface=" Fira Code'"/>
+              </a:rPr>
+              <a:t> (</a:t>
+            </a:r>
+            <a:r>
+              <a:rPr lang="pl-PL" b="0" dirty="0">
+                <a:solidFill>
+                  <a:srgbClr val="C678DD"/>
+                </a:solidFill>
+                <a:effectLst/>
+                <a:latin typeface=" Fira Code'"/>
+              </a:rPr>
+              <a:t>349</a:t>
+            </a:r>
+            <a:r>
+              <a:rPr lang="pl-PL" b="0" dirty="0">
+                <a:solidFill>
+                  <a:srgbClr val="ABB2BF"/>
+                </a:solidFill>
+                <a:effectLst/>
+                <a:latin typeface=" Fira Code'"/>
+              </a:rPr>
+              <a:t>,</a:t>
+            </a:r>
+            <a:r>
+              <a:rPr lang="pl-PL" b="0" dirty="0">
+                <a:solidFill>
+                  <a:srgbClr val="BBBBBB"/>
+                </a:solidFill>
+                <a:effectLst/>
+                <a:latin typeface=" Fira Code'"/>
+              </a:rPr>
+              <a:t> </a:t>
+            </a:r>
+            <a:r>
+              <a:rPr lang="pl-PL" b="0" dirty="0">
+                <a:solidFill>
+                  <a:srgbClr val="C678DD"/>
+                </a:solidFill>
+                <a:effectLst/>
+                <a:latin typeface=" Fira Code'"/>
+              </a:rPr>
+              <a:t>210</a:t>
+            </a:r>
+            <a:r>
+              <a:rPr lang="pl-PL" b="0" dirty="0">
+                <a:solidFill>
+                  <a:srgbClr val="ABB2BF"/>
+                </a:solidFill>
+                <a:effectLst/>
+                <a:latin typeface=" Fira Code'"/>
+              </a:rPr>
+              <a:t>,</a:t>
+            </a:r>
+            <a:r>
+              <a:rPr lang="pl-PL" b="0" dirty="0">
+                <a:solidFill>
+                  <a:srgbClr val="BBBBBB"/>
+                </a:solidFill>
+                <a:effectLst/>
+                <a:latin typeface=" Fira Code'"/>
+              </a:rPr>
+              <a:t> </a:t>
+            </a:r>
+            <a:r>
+              <a:rPr lang="pl-PL" b="0" dirty="0">
+                <a:solidFill>
+                  <a:srgbClr val="C678DD"/>
+                </a:solidFill>
+                <a:effectLst/>
+                <a:latin typeface=" Fira Code'"/>
+              </a:rPr>
+              <a:t>100</a:t>
+            </a:r>
+            <a:r>
+              <a:rPr lang="pl-PL" b="0" dirty="0">
+                <a:solidFill>
+                  <a:srgbClr val="ABB2BF"/>
+                </a:solidFill>
+                <a:effectLst/>
+                <a:latin typeface=" Fira Code'"/>
+              </a:rPr>
+              <a:t>,</a:t>
+            </a:r>
+            <a:r>
+              <a:rPr lang="pl-PL" b="0" dirty="0">
+                <a:solidFill>
+                  <a:srgbClr val="BBBBBB"/>
+                </a:solidFill>
+                <a:effectLst/>
+                <a:latin typeface=" Fira Code'"/>
+              </a:rPr>
+              <a:t> </a:t>
+            </a:r>
+            <a:r>
+              <a:rPr lang="pl-PL" b="0" dirty="0">
+                <a:solidFill>
+                  <a:srgbClr val="C678DD"/>
+                </a:solidFill>
+                <a:effectLst/>
+                <a:latin typeface=" Fira Code'"/>
+              </a:rPr>
+              <a:t>100</a:t>
+            </a:r>
+            <a:r>
+              <a:rPr lang="pl-PL" b="0" dirty="0">
+                <a:solidFill>
+                  <a:srgbClr val="BBBBBB"/>
+                </a:solidFill>
+                <a:effectLst/>
+                <a:latin typeface=" Fira Code'"/>
+              </a:rPr>
+              <a:t>)</a:t>
+            </a:r>
+            <a:r>
+              <a:rPr lang="pl-PL" b="0" dirty="0">
+                <a:solidFill>
+                  <a:srgbClr val="ABB2BF"/>
+                </a:solidFill>
+                <a:effectLst/>
+                <a:latin typeface=" Fira Code'"/>
+              </a:rPr>
+              <a:t>,</a:t>
+            </a:r>
+            <a:r>
+              <a:rPr lang="pl-PL" b="0" dirty="0">
+                <a:solidFill>
+                  <a:srgbClr val="BBBBBB"/>
+                </a:solidFill>
+                <a:effectLst/>
+                <a:latin typeface=" Fira Code'"/>
+              </a:rPr>
+              <a:t> </a:t>
+            </a:r>
+            <a:r>
+              <a:rPr lang="pl-PL" b="0" dirty="0">
+                <a:solidFill>
+                  <a:srgbClr val="C678DD"/>
+                </a:solidFill>
+                <a:effectLst/>
+                <a:latin typeface=" Fira Code'"/>
+              </a:rPr>
+              <a:t>1</a:t>
+            </a:r>
+            <a:r>
+              <a:rPr lang="pl-PL" b="0" dirty="0">
+                <a:solidFill>
+                  <a:srgbClr val="BBBBBB"/>
+                </a:solidFill>
+                <a:effectLst/>
+                <a:latin typeface=" Fira Code'"/>
+              </a:rPr>
+              <a:t>)</a:t>
+            </a:r>
+          </a:p>
+          <a:p>
+            <a:r>
+              <a:rPr lang="pl-PL" b="0" dirty="0">
+                <a:solidFill>
+                  <a:srgbClr val="BBBBBB"/>
+                </a:solidFill>
+                <a:effectLst/>
+                <a:latin typeface=" Fira Code'"/>
+              </a:rPr>
+              <a:t>    </a:t>
+            </a:r>
+            <a:r>
+              <a:rPr lang="pl-PL" b="0" dirty="0" err="1">
+                <a:solidFill>
+                  <a:srgbClr val="E06C75"/>
+                </a:solidFill>
+                <a:effectLst/>
+                <a:latin typeface=" Fira Code'"/>
+              </a:rPr>
+              <a:t>if</a:t>
+            </a:r>
+            <a:r>
+              <a:rPr lang="pl-PL" b="0" dirty="0">
+                <a:solidFill>
+                  <a:srgbClr val="BBBBBB"/>
+                </a:solidFill>
+                <a:effectLst/>
+                <a:latin typeface=" Fira Code'"/>
+              </a:rPr>
+              <a:t> </a:t>
+            </a:r>
+            <a:r>
+              <a:rPr lang="pl-PL" b="0" dirty="0" err="1">
+                <a:solidFill>
+                  <a:srgbClr val="BBBBBB"/>
+                </a:solidFill>
+                <a:effectLst/>
+                <a:latin typeface=" Fira Code'"/>
+              </a:rPr>
+              <a:t>events</a:t>
+            </a:r>
+            <a:r>
+              <a:rPr lang="pl-PL" b="0" dirty="0" err="1">
+                <a:solidFill>
+                  <a:srgbClr val="ABB2BF"/>
+                </a:solidFill>
+                <a:effectLst/>
+                <a:latin typeface=" Fira Code'"/>
+              </a:rPr>
+              <a:t>.</a:t>
+            </a:r>
+            <a:r>
+              <a:rPr lang="pl-PL" b="0" dirty="0" err="1">
+                <a:solidFill>
+                  <a:srgbClr val="56B6C2"/>
+                </a:solidFill>
+                <a:effectLst/>
+                <a:latin typeface=" Fira Code'"/>
+              </a:rPr>
+              <a:t>DOWN</a:t>
+            </a:r>
+            <a:r>
+              <a:rPr lang="pl-PL" b="0" dirty="0">
+                <a:solidFill>
+                  <a:srgbClr val="ABB2BF"/>
+                </a:solidFill>
+                <a:effectLst/>
+                <a:latin typeface=" Fira Code'"/>
+              </a:rPr>
+              <a:t>:</a:t>
+            </a:r>
+            <a:endParaRPr lang="pl-PL" b="0" dirty="0">
+              <a:solidFill>
+                <a:srgbClr val="BBBBBB"/>
+              </a:solidFill>
+              <a:effectLst/>
+              <a:latin typeface=" Fira Code'"/>
+            </a:endParaRPr>
+          </a:p>
+          <a:p>
+            <a:r>
+              <a:rPr lang="pl-PL" b="0" dirty="0">
+                <a:solidFill>
+                  <a:srgbClr val="BBBBBB"/>
+                </a:solidFill>
+                <a:effectLst/>
+                <a:latin typeface=" Fira Code'"/>
+              </a:rPr>
+              <a:t>        </a:t>
+            </a:r>
+            <a:r>
+              <a:rPr lang="pl-PL" b="0" dirty="0" err="1">
+                <a:solidFill>
+                  <a:srgbClr val="BBBBBB"/>
+                </a:solidFill>
+                <a:effectLst/>
+                <a:latin typeface=" Fira Code'"/>
+              </a:rPr>
+              <a:t>pygame</a:t>
+            </a:r>
+            <a:r>
+              <a:rPr lang="pl-PL" b="0" dirty="0" err="1">
+                <a:solidFill>
+                  <a:srgbClr val="ABB2BF"/>
+                </a:solidFill>
+                <a:effectLst/>
+                <a:latin typeface=" Fira Code'"/>
+              </a:rPr>
+              <a:t>.</a:t>
+            </a:r>
+            <a:r>
+              <a:rPr lang="pl-PL" b="0" dirty="0" err="1">
+                <a:solidFill>
+                  <a:srgbClr val="BBBBBB"/>
+                </a:solidFill>
+                <a:effectLst/>
+                <a:latin typeface=" Fira Code'"/>
+              </a:rPr>
+              <a:t>draw</a:t>
+            </a:r>
+            <a:r>
+              <a:rPr lang="pl-PL" b="0" dirty="0" err="1">
+                <a:solidFill>
+                  <a:srgbClr val="ABB2BF"/>
+                </a:solidFill>
+                <a:effectLst/>
+                <a:latin typeface=" Fira Code'"/>
+              </a:rPr>
+              <a:t>.</a:t>
+            </a:r>
+            <a:r>
+              <a:rPr lang="pl-PL" b="0" dirty="0" err="1">
+                <a:solidFill>
+                  <a:srgbClr val="BBBBBB"/>
+                </a:solidFill>
+                <a:effectLst/>
+                <a:latin typeface=" Fira Code'"/>
+              </a:rPr>
+              <a:t>rect</a:t>
+            </a:r>
+            <a:r>
+              <a:rPr lang="pl-PL" b="0" dirty="0">
+                <a:solidFill>
+                  <a:srgbClr val="BBBBBB"/>
+                </a:solidFill>
+                <a:effectLst/>
+                <a:latin typeface=" Fira Code'"/>
+              </a:rPr>
+              <a:t>(</a:t>
+            </a:r>
+            <a:r>
+              <a:rPr lang="pl-PL" b="0" dirty="0" err="1">
+                <a:solidFill>
+                  <a:srgbClr val="BBBBBB"/>
+                </a:solidFill>
+                <a:effectLst/>
+                <a:latin typeface=" Fira Code'"/>
+              </a:rPr>
+              <a:t>srf</a:t>
+            </a:r>
+            <a:r>
+              <a:rPr lang="pl-PL" b="0" dirty="0">
+                <a:solidFill>
+                  <a:srgbClr val="ABB2BF"/>
+                </a:solidFill>
+                <a:effectLst/>
+                <a:latin typeface=" Fira Code'"/>
+              </a:rPr>
+              <a:t>,</a:t>
+            </a:r>
+            <a:r>
+              <a:rPr lang="pl-PL" b="0" dirty="0">
+                <a:solidFill>
+                  <a:srgbClr val="BBBBBB"/>
+                </a:solidFill>
+                <a:effectLst/>
+                <a:latin typeface=" Fira Code'"/>
+              </a:rPr>
+              <a:t> </a:t>
+            </a:r>
+            <a:r>
+              <a:rPr lang="pl-PL" b="0" dirty="0">
+                <a:solidFill>
+                  <a:srgbClr val="56B6C2"/>
+                </a:solidFill>
+                <a:effectLst/>
+                <a:latin typeface=" Fira Code'"/>
+              </a:rPr>
+              <a:t>WHITE</a:t>
+            </a:r>
+            <a:r>
+              <a:rPr lang="pl-PL" b="0" dirty="0">
+                <a:solidFill>
+                  <a:srgbClr val="ABB2BF"/>
+                </a:solidFill>
+                <a:effectLst/>
+                <a:latin typeface=" Fira Code'"/>
+              </a:rPr>
+              <a:t>,</a:t>
+            </a:r>
+            <a:r>
+              <a:rPr lang="pl-PL" b="0" dirty="0">
+                <a:solidFill>
+                  <a:srgbClr val="BBBBBB"/>
+                </a:solidFill>
+                <a:effectLst/>
+                <a:latin typeface=" Fira Code'"/>
+              </a:rPr>
+              <a:t> (</a:t>
+            </a:r>
+            <a:r>
+              <a:rPr lang="pl-PL" b="0" dirty="0">
+                <a:solidFill>
+                  <a:srgbClr val="C678DD"/>
+                </a:solidFill>
+                <a:effectLst/>
+                <a:latin typeface=" Fira Code'"/>
+              </a:rPr>
+              <a:t>213</a:t>
+            </a:r>
+            <a:r>
+              <a:rPr lang="pl-PL" b="0" dirty="0">
+                <a:solidFill>
+                  <a:srgbClr val="ABB2BF"/>
+                </a:solidFill>
+                <a:effectLst/>
+                <a:latin typeface=" Fira Code'"/>
+              </a:rPr>
+              <a:t>,</a:t>
+            </a:r>
+            <a:r>
+              <a:rPr lang="pl-PL" b="0" dirty="0">
+                <a:solidFill>
+                  <a:srgbClr val="BBBBBB"/>
+                </a:solidFill>
+                <a:effectLst/>
+                <a:latin typeface=" Fira Code'"/>
+              </a:rPr>
+              <a:t> </a:t>
+            </a:r>
+            <a:r>
+              <a:rPr lang="pl-PL" b="0" dirty="0">
+                <a:solidFill>
+                  <a:srgbClr val="C678DD"/>
+                </a:solidFill>
+                <a:effectLst/>
+                <a:latin typeface=" Fira Code'"/>
+              </a:rPr>
+              <a:t>346</a:t>
+            </a:r>
+            <a:r>
+              <a:rPr lang="pl-PL" b="0" dirty="0">
+                <a:solidFill>
+                  <a:srgbClr val="ABB2BF"/>
+                </a:solidFill>
+                <a:effectLst/>
+                <a:latin typeface=" Fira Code'"/>
+              </a:rPr>
+              <a:t>,</a:t>
+            </a:r>
+            <a:r>
+              <a:rPr lang="pl-PL" b="0" dirty="0">
+                <a:solidFill>
+                  <a:srgbClr val="BBBBBB"/>
+                </a:solidFill>
+                <a:effectLst/>
+                <a:latin typeface=" Fira Code'"/>
+              </a:rPr>
+              <a:t> </a:t>
+            </a:r>
+            <a:r>
+              <a:rPr lang="pl-PL" b="0" dirty="0">
+                <a:solidFill>
+                  <a:srgbClr val="C678DD"/>
+                </a:solidFill>
+                <a:effectLst/>
+                <a:latin typeface=" Fira Code'"/>
+              </a:rPr>
+              <a:t>100</a:t>
+            </a:r>
+            <a:r>
+              <a:rPr lang="pl-PL" b="0" dirty="0">
+                <a:solidFill>
+                  <a:srgbClr val="ABB2BF"/>
+                </a:solidFill>
+                <a:effectLst/>
+                <a:latin typeface=" Fira Code'"/>
+              </a:rPr>
+              <a:t>,</a:t>
+            </a:r>
+            <a:r>
+              <a:rPr lang="pl-PL" b="0" dirty="0">
+                <a:solidFill>
+                  <a:srgbClr val="BBBBBB"/>
+                </a:solidFill>
+                <a:effectLst/>
+                <a:latin typeface=" Fira Code'"/>
+              </a:rPr>
+              <a:t> </a:t>
+            </a:r>
+            <a:r>
+              <a:rPr lang="pl-PL" b="0" dirty="0">
+                <a:solidFill>
+                  <a:srgbClr val="C678DD"/>
+                </a:solidFill>
+                <a:effectLst/>
+                <a:latin typeface=" Fira Code'"/>
+              </a:rPr>
+              <a:t>100</a:t>
+            </a:r>
+            <a:r>
+              <a:rPr lang="pl-PL" b="0" dirty="0">
+                <a:solidFill>
+                  <a:srgbClr val="BBBBBB"/>
+                </a:solidFill>
+                <a:effectLst/>
+                <a:latin typeface=" Fira Code'"/>
+              </a:rPr>
+              <a:t>)</a:t>
+            </a:r>
+            <a:r>
+              <a:rPr lang="pl-PL" b="0" dirty="0">
+                <a:solidFill>
+                  <a:srgbClr val="ABB2BF"/>
+                </a:solidFill>
+                <a:effectLst/>
+                <a:latin typeface=" Fira Code'"/>
+              </a:rPr>
+              <a:t>,</a:t>
+            </a:r>
+            <a:r>
+              <a:rPr lang="pl-PL" b="0" dirty="0">
+                <a:solidFill>
+                  <a:srgbClr val="BBBBBB"/>
+                </a:solidFill>
+                <a:effectLst/>
+                <a:latin typeface=" Fira Code'"/>
+              </a:rPr>
+              <a:t> </a:t>
+            </a:r>
+            <a:r>
+              <a:rPr lang="pl-PL" b="0" dirty="0">
+                <a:solidFill>
+                  <a:srgbClr val="C678DD"/>
+                </a:solidFill>
+                <a:effectLst/>
+                <a:latin typeface=" Fira Code'"/>
+              </a:rPr>
+              <a:t>1</a:t>
+            </a:r>
+            <a:r>
+              <a:rPr lang="pl-PL" b="0" dirty="0">
+                <a:solidFill>
+                  <a:srgbClr val="BBBBBB"/>
+                </a:solidFill>
+                <a:effectLst/>
+                <a:latin typeface=" Fira Code'"/>
+              </a:rPr>
+              <a:t>)</a:t>
+            </a:r>
+          </a:p>
+          <a:p>
+            <a:r>
+              <a:rPr lang="pl-PL" b="0" dirty="0">
+                <a:solidFill>
+                  <a:srgbClr val="BBBBBB"/>
+                </a:solidFill>
+                <a:effectLst/>
+                <a:latin typeface=" Fira Code'"/>
+              </a:rPr>
+              <a:t>    </a:t>
+            </a:r>
+            <a:r>
+              <a:rPr lang="pl-PL" b="0" dirty="0" err="1">
+                <a:solidFill>
+                  <a:srgbClr val="E06C75"/>
+                </a:solidFill>
+                <a:effectLst/>
+                <a:latin typeface=" Fira Code'"/>
+              </a:rPr>
+              <a:t>if</a:t>
+            </a:r>
+            <a:r>
+              <a:rPr lang="pl-PL" b="0" dirty="0">
+                <a:solidFill>
+                  <a:srgbClr val="BBBBBB"/>
+                </a:solidFill>
+                <a:effectLst/>
+                <a:latin typeface=" Fira Code'"/>
+              </a:rPr>
+              <a:t> </a:t>
+            </a:r>
+            <a:r>
+              <a:rPr lang="pl-PL" b="0" dirty="0" err="1">
+                <a:solidFill>
+                  <a:srgbClr val="BBBBBB"/>
+                </a:solidFill>
+                <a:effectLst/>
+                <a:latin typeface=" Fira Code'"/>
+              </a:rPr>
+              <a:t>events</a:t>
+            </a:r>
+            <a:r>
+              <a:rPr lang="pl-PL" b="0" dirty="0" err="1">
+                <a:solidFill>
+                  <a:srgbClr val="ABB2BF"/>
+                </a:solidFill>
+                <a:effectLst/>
+                <a:latin typeface=" Fira Code'"/>
+              </a:rPr>
+              <a:t>.</a:t>
+            </a:r>
+            <a:r>
+              <a:rPr lang="pl-PL" b="0" dirty="0" err="1">
+                <a:solidFill>
+                  <a:srgbClr val="56B6C2"/>
+                </a:solidFill>
+                <a:effectLst/>
+                <a:latin typeface=" Fira Code'"/>
+              </a:rPr>
+              <a:t>LEFT</a:t>
+            </a:r>
+            <a:r>
+              <a:rPr lang="pl-PL" b="0" dirty="0">
+                <a:solidFill>
+                  <a:srgbClr val="ABB2BF"/>
+                </a:solidFill>
+                <a:effectLst/>
+                <a:latin typeface=" Fira Code'"/>
+              </a:rPr>
+              <a:t>:</a:t>
+            </a:r>
+            <a:endParaRPr lang="pl-PL" b="0" dirty="0">
+              <a:solidFill>
+                <a:srgbClr val="BBBBBB"/>
+              </a:solidFill>
+              <a:effectLst/>
+              <a:latin typeface=" Fira Code'"/>
+            </a:endParaRPr>
+          </a:p>
+          <a:p>
+            <a:r>
+              <a:rPr lang="pl-PL" b="0" dirty="0">
+                <a:solidFill>
+                  <a:srgbClr val="BBBBBB"/>
+                </a:solidFill>
+                <a:effectLst/>
+                <a:latin typeface=" Fira Code'"/>
+              </a:rPr>
+              <a:t>        </a:t>
+            </a:r>
+            <a:r>
+              <a:rPr lang="pl-PL" b="0" dirty="0" err="1">
+                <a:solidFill>
+                  <a:srgbClr val="BBBBBB"/>
+                </a:solidFill>
+                <a:effectLst/>
+                <a:latin typeface=" Fira Code'"/>
+              </a:rPr>
+              <a:t>pygame</a:t>
+            </a:r>
+            <a:r>
+              <a:rPr lang="pl-PL" b="0" dirty="0" err="1">
+                <a:solidFill>
+                  <a:srgbClr val="ABB2BF"/>
+                </a:solidFill>
+                <a:effectLst/>
+                <a:latin typeface=" Fira Code'"/>
+              </a:rPr>
+              <a:t>.</a:t>
+            </a:r>
+            <a:r>
+              <a:rPr lang="pl-PL" b="0" dirty="0" err="1">
+                <a:solidFill>
+                  <a:srgbClr val="BBBBBB"/>
+                </a:solidFill>
+                <a:effectLst/>
+                <a:latin typeface=" Fira Code'"/>
+              </a:rPr>
+              <a:t>draw</a:t>
+            </a:r>
+            <a:r>
+              <a:rPr lang="pl-PL" b="0" dirty="0" err="1">
+                <a:solidFill>
+                  <a:srgbClr val="ABB2BF"/>
+                </a:solidFill>
+                <a:effectLst/>
+                <a:latin typeface=" Fira Code'"/>
+              </a:rPr>
+              <a:t>.</a:t>
+            </a:r>
+            <a:r>
+              <a:rPr lang="pl-PL" b="0" dirty="0" err="1">
+                <a:solidFill>
+                  <a:srgbClr val="BBBBBB"/>
+                </a:solidFill>
+                <a:effectLst/>
+                <a:latin typeface=" Fira Code'"/>
+              </a:rPr>
+              <a:t>rect</a:t>
+            </a:r>
+            <a:r>
+              <a:rPr lang="pl-PL" b="0" dirty="0">
+                <a:solidFill>
+                  <a:srgbClr val="BBBBBB"/>
+                </a:solidFill>
+                <a:effectLst/>
+                <a:latin typeface=" Fira Code'"/>
+              </a:rPr>
+              <a:t>(</a:t>
+            </a:r>
+            <a:r>
+              <a:rPr lang="pl-PL" b="0" dirty="0" err="1">
+                <a:solidFill>
+                  <a:srgbClr val="BBBBBB"/>
+                </a:solidFill>
+                <a:effectLst/>
+                <a:latin typeface=" Fira Code'"/>
+              </a:rPr>
+              <a:t>srf</a:t>
+            </a:r>
+            <a:r>
+              <a:rPr lang="pl-PL" b="0" dirty="0">
+                <a:solidFill>
+                  <a:srgbClr val="ABB2BF"/>
+                </a:solidFill>
+                <a:effectLst/>
+                <a:latin typeface=" Fira Code'"/>
+              </a:rPr>
+              <a:t>,</a:t>
+            </a:r>
+            <a:r>
+              <a:rPr lang="pl-PL" b="0" dirty="0">
+                <a:solidFill>
+                  <a:srgbClr val="BBBBBB"/>
+                </a:solidFill>
+                <a:effectLst/>
+                <a:latin typeface=" Fira Code'"/>
+              </a:rPr>
+              <a:t> </a:t>
+            </a:r>
+            <a:r>
+              <a:rPr lang="pl-PL" b="0" dirty="0">
+                <a:solidFill>
+                  <a:srgbClr val="56B6C2"/>
+                </a:solidFill>
+                <a:effectLst/>
+                <a:latin typeface=" Fira Code'"/>
+              </a:rPr>
+              <a:t>WHITE</a:t>
+            </a:r>
+            <a:r>
+              <a:rPr lang="pl-PL" b="0" dirty="0">
+                <a:solidFill>
+                  <a:srgbClr val="ABB2BF"/>
+                </a:solidFill>
+                <a:effectLst/>
+                <a:latin typeface=" Fira Code'"/>
+              </a:rPr>
+              <a:t>,</a:t>
+            </a:r>
+            <a:r>
+              <a:rPr lang="pl-PL" b="0" dirty="0">
+                <a:solidFill>
+                  <a:srgbClr val="BBBBBB"/>
+                </a:solidFill>
+                <a:effectLst/>
+                <a:latin typeface=" Fira Code'"/>
+              </a:rPr>
+              <a:t> (</a:t>
+            </a:r>
+            <a:r>
+              <a:rPr lang="pl-PL" b="0" dirty="0">
+                <a:solidFill>
+                  <a:srgbClr val="C678DD"/>
+                </a:solidFill>
+                <a:effectLst/>
+                <a:latin typeface=" Fira Code'"/>
+              </a:rPr>
+              <a:t>349</a:t>
+            </a:r>
+            <a:r>
+              <a:rPr lang="pl-PL" b="0" dirty="0">
+                <a:solidFill>
+                  <a:srgbClr val="ABB2BF"/>
+                </a:solidFill>
+                <a:effectLst/>
+                <a:latin typeface=" Fira Code'"/>
+              </a:rPr>
+              <a:t>,</a:t>
+            </a:r>
+            <a:r>
+              <a:rPr lang="pl-PL" b="0" dirty="0">
+                <a:solidFill>
+                  <a:srgbClr val="BBBBBB"/>
+                </a:solidFill>
+                <a:effectLst/>
+                <a:latin typeface=" Fira Code'"/>
+              </a:rPr>
+              <a:t> </a:t>
+            </a:r>
+            <a:r>
+              <a:rPr lang="pl-PL" b="0" dirty="0">
+                <a:solidFill>
+                  <a:srgbClr val="C678DD"/>
+                </a:solidFill>
+                <a:effectLst/>
+                <a:latin typeface=" Fira Code'"/>
+              </a:rPr>
+              <a:t>346</a:t>
+            </a:r>
+            <a:r>
+              <a:rPr lang="pl-PL" b="0" dirty="0">
+                <a:solidFill>
+                  <a:srgbClr val="ABB2BF"/>
+                </a:solidFill>
+                <a:effectLst/>
+                <a:latin typeface=" Fira Code'"/>
+              </a:rPr>
+              <a:t>,</a:t>
+            </a:r>
+            <a:r>
+              <a:rPr lang="pl-PL" b="0" dirty="0">
+                <a:solidFill>
+                  <a:srgbClr val="BBBBBB"/>
+                </a:solidFill>
+                <a:effectLst/>
+                <a:latin typeface=" Fira Code'"/>
+              </a:rPr>
+              <a:t> </a:t>
+            </a:r>
+            <a:r>
+              <a:rPr lang="pl-PL" b="0" dirty="0">
+                <a:solidFill>
+                  <a:srgbClr val="C678DD"/>
+                </a:solidFill>
+                <a:effectLst/>
+                <a:latin typeface=" Fira Code'"/>
+              </a:rPr>
+              <a:t>100</a:t>
+            </a:r>
+            <a:r>
+              <a:rPr lang="pl-PL" b="0" dirty="0">
+                <a:solidFill>
+                  <a:srgbClr val="ABB2BF"/>
+                </a:solidFill>
+                <a:effectLst/>
+                <a:latin typeface=" Fira Code'"/>
+              </a:rPr>
+              <a:t>,</a:t>
+            </a:r>
+            <a:r>
+              <a:rPr lang="pl-PL" b="0" dirty="0">
+                <a:solidFill>
+                  <a:srgbClr val="BBBBBB"/>
+                </a:solidFill>
+                <a:effectLst/>
+                <a:latin typeface=" Fira Code'"/>
+              </a:rPr>
+              <a:t> </a:t>
+            </a:r>
+            <a:r>
+              <a:rPr lang="pl-PL" b="0" dirty="0">
+                <a:solidFill>
+                  <a:srgbClr val="C678DD"/>
+                </a:solidFill>
+                <a:effectLst/>
+                <a:latin typeface=" Fira Code'"/>
+              </a:rPr>
+              <a:t>100</a:t>
+            </a:r>
+            <a:r>
+              <a:rPr lang="pl-PL" b="0" dirty="0">
+                <a:solidFill>
+                  <a:srgbClr val="BBBBBB"/>
+                </a:solidFill>
+                <a:effectLst/>
+                <a:latin typeface=" Fira Code'"/>
+              </a:rPr>
+              <a:t>)</a:t>
+            </a:r>
+            <a:r>
+              <a:rPr lang="pl-PL" b="0" dirty="0">
+                <a:solidFill>
+                  <a:srgbClr val="ABB2BF"/>
+                </a:solidFill>
+                <a:effectLst/>
+                <a:latin typeface=" Fira Code'"/>
+              </a:rPr>
+              <a:t>,</a:t>
+            </a:r>
+            <a:r>
+              <a:rPr lang="pl-PL" b="0" dirty="0">
+                <a:solidFill>
+                  <a:srgbClr val="BBBBBB"/>
+                </a:solidFill>
+                <a:effectLst/>
+                <a:latin typeface=" Fira Code'"/>
+              </a:rPr>
+              <a:t> </a:t>
+            </a:r>
+            <a:r>
+              <a:rPr lang="pl-PL" b="0" dirty="0">
+                <a:solidFill>
+                  <a:srgbClr val="C678DD"/>
+                </a:solidFill>
+                <a:effectLst/>
+                <a:latin typeface=" Fira Code'"/>
+              </a:rPr>
+              <a:t>1</a:t>
+            </a:r>
+            <a:r>
+              <a:rPr lang="pl-PL" b="0" dirty="0">
+                <a:solidFill>
+                  <a:srgbClr val="BBBBBB"/>
+                </a:solidFill>
+                <a:effectLst/>
+                <a:latin typeface=" Fira Code'"/>
+              </a:rPr>
+              <a:t>)</a:t>
+            </a:r>
+          </a:p>
+          <a:p>
+            <a:r>
+              <a:rPr lang="pl-PL" b="0" dirty="0">
+                <a:solidFill>
+                  <a:srgbClr val="BBBBBB"/>
+                </a:solidFill>
+                <a:effectLst/>
+                <a:latin typeface=" Fira Code'"/>
+              </a:rPr>
+              <a:t>    </a:t>
+            </a:r>
+            <a:r>
+              <a:rPr lang="pl-PL" b="0" dirty="0" err="1">
+                <a:solidFill>
+                  <a:srgbClr val="E06C75"/>
+                </a:solidFill>
+                <a:effectLst/>
+                <a:latin typeface=" Fira Code'"/>
+              </a:rPr>
+              <a:t>if</a:t>
+            </a:r>
+            <a:r>
+              <a:rPr lang="pl-PL" b="0" dirty="0">
+                <a:solidFill>
+                  <a:srgbClr val="BBBBBB"/>
+                </a:solidFill>
+                <a:effectLst/>
+                <a:latin typeface=" Fira Code'"/>
+              </a:rPr>
+              <a:t> </a:t>
+            </a:r>
+            <a:r>
+              <a:rPr lang="pl-PL" b="0" dirty="0" err="1">
+                <a:solidFill>
+                  <a:srgbClr val="BBBBBB"/>
+                </a:solidFill>
+                <a:effectLst/>
+                <a:latin typeface=" Fira Code'"/>
+              </a:rPr>
+              <a:t>events</a:t>
+            </a:r>
+            <a:r>
+              <a:rPr lang="pl-PL" b="0" dirty="0" err="1">
+                <a:solidFill>
+                  <a:srgbClr val="ABB2BF"/>
+                </a:solidFill>
+                <a:effectLst/>
+                <a:latin typeface=" Fira Code'"/>
+              </a:rPr>
+              <a:t>.</a:t>
+            </a:r>
+            <a:r>
+              <a:rPr lang="pl-PL" b="0" dirty="0" err="1">
+                <a:solidFill>
+                  <a:srgbClr val="56B6C2"/>
+                </a:solidFill>
+                <a:effectLst/>
+                <a:latin typeface=" Fira Code'"/>
+              </a:rPr>
+              <a:t>RIGHT</a:t>
+            </a:r>
+            <a:r>
+              <a:rPr lang="pl-PL" b="0" dirty="0">
+                <a:solidFill>
+                  <a:srgbClr val="ABB2BF"/>
+                </a:solidFill>
+                <a:effectLst/>
+                <a:latin typeface=" Fira Code'"/>
+              </a:rPr>
+              <a:t>:</a:t>
+            </a:r>
+            <a:endParaRPr lang="pl-PL" b="0" dirty="0">
+              <a:solidFill>
+                <a:srgbClr val="BBBBBB"/>
+              </a:solidFill>
+              <a:effectLst/>
+              <a:latin typeface=" Fira Code'"/>
+            </a:endParaRPr>
+          </a:p>
+          <a:p>
+            <a:r>
+              <a:rPr lang="pl-PL" b="0" dirty="0">
+                <a:solidFill>
+                  <a:srgbClr val="BBBBBB"/>
+                </a:solidFill>
+                <a:effectLst/>
+                <a:latin typeface=" Fira Code'"/>
+              </a:rPr>
+              <a:t>        </a:t>
+            </a:r>
+            <a:r>
+              <a:rPr lang="pl-PL" b="0" dirty="0" err="1">
+                <a:solidFill>
+                  <a:srgbClr val="BBBBBB"/>
+                </a:solidFill>
+                <a:effectLst/>
+                <a:latin typeface=" Fira Code'"/>
+              </a:rPr>
+              <a:t>pygame</a:t>
+            </a:r>
+            <a:r>
+              <a:rPr lang="pl-PL" b="0" dirty="0" err="1">
+                <a:solidFill>
+                  <a:srgbClr val="ABB2BF"/>
+                </a:solidFill>
+                <a:effectLst/>
+                <a:latin typeface=" Fira Code'"/>
+              </a:rPr>
+              <a:t>.</a:t>
+            </a:r>
+            <a:r>
+              <a:rPr lang="pl-PL" b="0" dirty="0" err="1">
+                <a:solidFill>
+                  <a:srgbClr val="BBBBBB"/>
+                </a:solidFill>
+                <a:effectLst/>
+                <a:latin typeface=" Fira Code'"/>
+              </a:rPr>
+              <a:t>draw</a:t>
+            </a:r>
+            <a:r>
+              <a:rPr lang="pl-PL" b="0" dirty="0" err="1">
+                <a:solidFill>
+                  <a:srgbClr val="ABB2BF"/>
+                </a:solidFill>
+                <a:effectLst/>
+                <a:latin typeface=" Fira Code'"/>
+              </a:rPr>
+              <a:t>.</a:t>
+            </a:r>
+            <a:r>
+              <a:rPr lang="pl-PL" b="0" dirty="0" err="1">
+                <a:solidFill>
+                  <a:srgbClr val="BBBBBB"/>
+                </a:solidFill>
+                <a:effectLst/>
+                <a:latin typeface=" Fira Code'"/>
+              </a:rPr>
+              <a:t>rect</a:t>
+            </a:r>
+            <a:r>
+              <a:rPr lang="pl-PL" b="0" dirty="0">
+                <a:solidFill>
+                  <a:srgbClr val="BBBBBB"/>
+                </a:solidFill>
+                <a:effectLst/>
+                <a:latin typeface=" Fira Code'"/>
+              </a:rPr>
+              <a:t>(</a:t>
+            </a:r>
+            <a:r>
+              <a:rPr lang="pl-PL" b="0" dirty="0" err="1">
+                <a:solidFill>
+                  <a:srgbClr val="BBBBBB"/>
+                </a:solidFill>
+                <a:effectLst/>
+                <a:latin typeface=" Fira Code'"/>
+              </a:rPr>
+              <a:t>srf</a:t>
+            </a:r>
+            <a:r>
+              <a:rPr lang="pl-PL" b="0" dirty="0">
+                <a:solidFill>
+                  <a:srgbClr val="ABB2BF"/>
+                </a:solidFill>
+                <a:effectLst/>
+                <a:latin typeface=" Fira Code'"/>
+              </a:rPr>
+              <a:t>,</a:t>
+            </a:r>
+            <a:r>
+              <a:rPr lang="pl-PL" b="0" dirty="0">
+                <a:solidFill>
+                  <a:srgbClr val="BBBBBB"/>
+                </a:solidFill>
+                <a:effectLst/>
+                <a:latin typeface=" Fira Code'"/>
+              </a:rPr>
+              <a:t> </a:t>
+            </a:r>
+            <a:r>
+              <a:rPr lang="pl-PL" b="0" dirty="0">
+                <a:solidFill>
+                  <a:srgbClr val="56B6C2"/>
+                </a:solidFill>
+                <a:effectLst/>
+                <a:latin typeface=" Fira Code'"/>
+              </a:rPr>
+              <a:t>WHITE</a:t>
+            </a:r>
+            <a:r>
+              <a:rPr lang="pl-PL" b="0" dirty="0">
+                <a:solidFill>
+                  <a:srgbClr val="ABB2BF"/>
+                </a:solidFill>
+                <a:effectLst/>
+                <a:latin typeface=" Fira Code'"/>
+              </a:rPr>
+              <a:t>,</a:t>
+            </a:r>
+            <a:r>
+              <a:rPr lang="pl-PL" b="0" dirty="0">
+                <a:solidFill>
+                  <a:srgbClr val="BBBBBB"/>
+                </a:solidFill>
+                <a:effectLst/>
+                <a:latin typeface=" Fira Code'"/>
+              </a:rPr>
+              <a:t> (</a:t>
+            </a:r>
+            <a:r>
+              <a:rPr lang="pl-PL" b="0" dirty="0">
+                <a:solidFill>
+                  <a:srgbClr val="C678DD"/>
+                </a:solidFill>
+                <a:effectLst/>
+                <a:latin typeface=" Fira Code'"/>
+              </a:rPr>
+              <a:t>485</a:t>
+            </a:r>
+            <a:r>
+              <a:rPr lang="pl-PL" b="0" dirty="0">
+                <a:solidFill>
+                  <a:srgbClr val="ABB2BF"/>
+                </a:solidFill>
+                <a:effectLst/>
+                <a:latin typeface=" Fira Code'"/>
+              </a:rPr>
+              <a:t>,</a:t>
+            </a:r>
+            <a:r>
+              <a:rPr lang="pl-PL" b="0" dirty="0">
+                <a:solidFill>
+                  <a:srgbClr val="BBBBBB"/>
+                </a:solidFill>
+                <a:effectLst/>
+                <a:latin typeface=" Fira Code'"/>
+              </a:rPr>
+              <a:t> </a:t>
+            </a:r>
+            <a:r>
+              <a:rPr lang="pl-PL" b="0" dirty="0">
+                <a:solidFill>
+                  <a:srgbClr val="C678DD"/>
+                </a:solidFill>
+                <a:effectLst/>
+                <a:latin typeface=" Fira Code'"/>
+              </a:rPr>
+              <a:t>346</a:t>
+            </a:r>
+            <a:r>
+              <a:rPr lang="pl-PL" b="0" dirty="0">
+                <a:solidFill>
+                  <a:srgbClr val="ABB2BF"/>
+                </a:solidFill>
+                <a:effectLst/>
+                <a:latin typeface=" Fira Code'"/>
+              </a:rPr>
+              <a:t>,</a:t>
+            </a:r>
+            <a:r>
+              <a:rPr lang="pl-PL" b="0" dirty="0">
+                <a:solidFill>
+                  <a:srgbClr val="BBBBBB"/>
+                </a:solidFill>
+                <a:effectLst/>
+                <a:latin typeface=" Fira Code'"/>
+              </a:rPr>
+              <a:t> </a:t>
+            </a:r>
+            <a:r>
+              <a:rPr lang="pl-PL" b="0" dirty="0">
+                <a:solidFill>
+                  <a:srgbClr val="C678DD"/>
+                </a:solidFill>
+                <a:effectLst/>
+                <a:latin typeface=" Fira Code'"/>
+              </a:rPr>
+              <a:t>100</a:t>
+            </a:r>
+            <a:r>
+              <a:rPr lang="pl-PL" b="0" dirty="0">
+                <a:solidFill>
+                  <a:srgbClr val="ABB2BF"/>
+                </a:solidFill>
+                <a:effectLst/>
+                <a:latin typeface=" Fira Code'"/>
+              </a:rPr>
+              <a:t>,</a:t>
+            </a:r>
+            <a:r>
+              <a:rPr lang="pl-PL" b="0" dirty="0">
+                <a:solidFill>
+                  <a:srgbClr val="BBBBBB"/>
+                </a:solidFill>
+                <a:effectLst/>
+                <a:latin typeface=" Fira Code'"/>
+              </a:rPr>
+              <a:t> </a:t>
+            </a:r>
+            <a:r>
+              <a:rPr lang="pl-PL" b="0" dirty="0">
+                <a:solidFill>
+                  <a:srgbClr val="C678DD"/>
+                </a:solidFill>
+                <a:effectLst/>
+                <a:latin typeface=" Fira Code'"/>
+              </a:rPr>
+              <a:t>100</a:t>
+            </a:r>
+            <a:r>
+              <a:rPr lang="pl-PL" b="0" dirty="0">
+                <a:solidFill>
+                  <a:srgbClr val="BBBBBB"/>
+                </a:solidFill>
+                <a:effectLst/>
+                <a:latin typeface=" Fira Code'"/>
+              </a:rPr>
+              <a:t>)</a:t>
+            </a:r>
+            <a:r>
+              <a:rPr lang="pl-PL" b="0" dirty="0">
+                <a:solidFill>
+                  <a:srgbClr val="ABB2BF"/>
+                </a:solidFill>
+                <a:effectLst/>
+                <a:latin typeface=" Fira Code'"/>
+              </a:rPr>
+              <a:t>,</a:t>
+            </a:r>
+            <a:r>
+              <a:rPr lang="pl-PL" b="0" dirty="0">
+                <a:solidFill>
+                  <a:srgbClr val="BBBBBB"/>
+                </a:solidFill>
+                <a:effectLst/>
+                <a:latin typeface=" Fira Code'"/>
+              </a:rPr>
+              <a:t> </a:t>
+            </a:r>
+            <a:r>
+              <a:rPr lang="pl-PL" b="0" dirty="0">
+                <a:solidFill>
+                  <a:srgbClr val="C678DD"/>
+                </a:solidFill>
+                <a:effectLst/>
+                <a:latin typeface=" Fira Code'"/>
+              </a:rPr>
+              <a:t>1</a:t>
+            </a:r>
+            <a:r>
+              <a:rPr lang="pl-PL" b="0" dirty="0">
+                <a:solidFill>
+                  <a:srgbClr val="BBBBBB"/>
+                </a:solidFill>
+                <a:effectLst/>
+                <a:latin typeface=" Fira Code'"/>
+              </a:rPr>
+              <a:t>)</a:t>
+            </a:r>
+          </a:p>
+          <a:p>
+            <a:r>
+              <a:rPr lang="pl-PL" b="0" dirty="0">
+                <a:solidFill>
+                  <a:srgbClr val="BBBBBB"/>
+                </a:solidFill>
+                <a:effectLst/>
+                <a:latin typeface=" Fira Code'"/>
+              </a:rPr>
+              <a:t>    </a:t>
+            </a:r>
+            <a:r>
+              <a:rPr lang="pl-PL" b="0" dirty="0" err="1">
+                <a:solidFill>
+                  <a:srgbClr val="E06C75"/>
+                </a:solidFill>
+                <a:effectLst/>
+                <a:latin typeface=" Fira Code'"/>
+              </a:rPr>
+              <a:t>if</a:t>
+            </a:r>
+            <a:r>
+              <a:rPr lang="pl-PL" b="0" dirty="0">
+                <a:solidFill>
+                  <a:srgbClr val="BBBBBB"/>
+                </a:solidFill>
+                <a:effectLst/>
+                <a:latin typeface=" Fira Code'"/>
+              </a:rPr>
+              <a:t> </a:t>
+            </a:r>
+            <a:r>
+              <a:rPr lang="pl-PL" b="0" dirty="0" err="1">
+                <a:solidFill>
+                  <a:srgbClr val="BBBBBB"/>
+                </a:solidFill>
+                <a:effectLst/>
+                <a:latin typeface=" Fira Code'"/>
+              </a:rPr>
+              <a:t>events</a:t>
+            </a:r>
+            <a:r>
+              <a:rPr lang="pl-PL" b="0" dirty="0" err="1">
+                <a:solidFill>
+                  <a:srgbClr val="ABB2BF"/>
+                </a:solidFill>
+                <a:effectLst/>
+                <a:latin typeface=" Fira Code'"/>
+              </a:rPr>
+              <a:t>.</a:t>
+            </a:r>
+            <a:r>
+              <a:rPr lang="pl-PL" b="0" dirty="0" err="1">
+                <a:solidFill>
+                  <a:srgbClr val="56B6C2"/>
+                </a:solidFill>
+                <a:effectLst/>
+                <a:latin typeface=" Fira Code'"/>
+              </a:rPr>
+              <a:t>SHOOT</a:t>
+            </a:r>
+            <a:r>
+              <a:rPr lang="pl-PL" b="0" dirty="0">
+                <a:solidFill>
+                  <a:srgbClr val="ABB2BF"/>
+                </a:solidFill>
+                <a:effectLst/>
+                <a:latin typeface=" Fira Code'"/>
+              </a:rPr>
+              <a:t>:</a:t>
+            </a:r>
+            <a:endParaRPr lang="pl-PL" b="0" dirty="0">
+              <a:solidFill>
+                <a:srgbClr val="BBBBBB"/>
+              </a:solidFill>
+              <a:effectLst/>
+              <a:latin typeface=" Fira Code'"/>
+            </a:endParaRPr>
+          </a:p>
+          <a:p>
+            <a:r>
+              <a:rPr lang="pl-PL" b="0" dirty="0">
+                <a:solidFill>
+                  <a:srgbClr val="BBBBBB"/>
+                </a:solidFill>
+                <a:effectLst/>
+                <a:latin typeface=" Fira Code'"/>
+              </a:rPr>
+              <a:t>        </a:t>
+            </a:r>
+            <a:r>
+              <a:rPr lang="pl-PL" b="0" dirty="0" err="1">
+                <a:solidFill>
+                  <a:srgbClr val="BBBBBB"/>
+                </a:solidFill>
+                <a:effectLst/>
+                <a:latin typeface=" Fira Code'"/>
+              </a:rPr>
+              <a:t>pygame</a:t>
+            </a:r>
+            <a:r>
+              <a:rPr lang="pl-PL" b="0" dirty="0" err="1">
+                <a:solidFill>
+                  <a:srgbClr val="ABB2BF"/>
+                </a:solidFill>
+                <a:effectLst/>
+                <a:latin typeface=" Fira Code'"/>
+              </a:rPr>
+              <a:t>.</a:t>
+            </a:r>
+            <a:r>
+              <a:rPr lang="pl-PL" b="0" dirty="0" err="1">
+                <a:solidFill>
+                  <a:srgbClr val="BBBBBB"/>
+                </a:solidFill>
+                <a:effectLst/>
+                <a:latin typeface=" Fira Code'"/>
+              </a:rPr>
+              <a:t>draw</a:t>
+            </a:r>
+            <a:r>
+              <a:rPr lang="pl-PL" b="0" dirty="0" err="1">
+                <a:solidFill>
+                  <a:srgbClr val="ABB2BF"/>
+                </a:solidFill>
+                <a:effectLst/>
+                <a:latin typeface=" Fira Code'"/>
+              </a:rPr>
+              <a:t>.</a:t>
+            </a:r>
+            <a:r>
+              <a:rPr lang="pl-PL" b="0" dirty="0" err="1">
+                <a:solidFill>
+                  <a:srgbClr val="BBBBBB"/>
+                </a:solidFill>
+                <a:effectLst/>
+                <a:latin typeface=" Fira Code'"/>
+              </a:rPr>
+              <a:t>rect</a:t>
+            </a:r>
+            <a:r>
+              <a:rPr lang="pl-PL" b="0" dirty="0">
+                <a:solidFill>
+                  <a:srgbClr val="BBBBBB"/>
+                </a:solidFill>
+                <a:effectLst/>
+                <a:latin typeface=" Fira Code'"/>
+              </a:rPr>
+              <a:t>(</a:t>
+            </a:r>
+            <a:r>
+              <a:rPr lang="pl-PL" b="0" dirty="0" err="1">
+                <a:solidFill>
+                  <a:srgbClr val="BBBBBB"/>
+                </a:solidFill>
+                <a:effectLst/>
+                <a:latin typeface=" Fira Code'"/>
+              </a:rPr>
+              <a:t>srf</a:t>
+            </a:r>
+            <a:r>
+              <a:rPr lang="pl-PL" b="0" dirty="0">
+                <a:solidFill>
+                  <a:srgbClr val="ABB2BF"/>
+                </a:solidFill>
+                <a:effectLst/>
+                <a:latin typeface=" Fira Code'"/>
+              </a:rPr>
+              <a:t>,</a:t>
+            </a:r>
+            <a:r>
+              <a:rPr lang="pl-PL" b="0" dirty="0">
+                <a:solidFill>
+                  <a:srgbClr val="BBBBBB"/>
+                </a:solidFill>
+                <a:effectLst/>
+                <a:latin typeface=" Fira Code'"/>
+              </a:rPr>
+              <a:t> </a:t>
+            </a:r>
+            <a:r>
+              <a:rPr lang="pl-PL" b="0" dirty="0">
+                <a:solidFill>
+                  <a:srgbClr val="56B6C2"/>
+                </a:solidFill>
+                <a:effectLst/>
+                <a:latin typeface=" Fira Code'"/>
+              </a:rPr>
+              <a:t>WHITE</a:t>
+            </a:r>
+            <a:r>
+              <a:rPr lang="pl-PL" b="0" dirty="0">
+                <a:solidFill>
+                  <a:srgbClr val="ABB2BF"/>
+                </a:solidFill>
+                <a:effectLst/>
+                <a:latin typeface=" Fira Code'"/>
+              </a:rPr>
+              <a:t>,</a:t>
+            </a:r>
+            <a:r>
+              <a:rPr lang="pl-PL" b="0" dirty="0">
+                <a:solidFill>
+                  <a:srgbClr val="BBBBBB"/>
+                </a:solidFill>
+                <a:effectLst/>
+                <a:latin typeface=" Fira Code'"/>
+              </a:rPr>
+              <a:t> (</a:t>
+            </a:r>
+            <a:r>
+              <a:rPr lang="pl-PL" b="0" dirty="0">
+                <a:solidFill>
+                  <a:srgbClr val="C678DD"/>
+                </a:solidFill>
+                <a:effectLst/>
+                <a:latin typeface=" Fira Code'"/>
+              </a:rPr>
+              <a:t>213</a:t>
+            </a:r>
+            <a:r>
+              <a:rPr lang="pl-PL" b="0" dirty="0">
+                <a:solidFill>
+                  <a:srgbClr val="ABB2BF"/>
+                </a:solidFill>
+                <a:effectLst/>
+                <a:latin typeface=" Fira Code'"/>
+              </a:rPr>
+              <a:t>,</a:t>
+            </a:r>
+            <a:r>
+              <a:rPr lang="pl-PL" b="0" dirty="0">
+                <a:solidFill>
+                  <a:srgbClr val="BBBBBB"/>
+                </a:solidFill>
+                <a:effectLst/>
+                <a:latin typeface=" Fira Code'"/>
+              </a:rPr>
+              <a:t> </a:t>
+            </a:r>
+            <a:r>
+              <a:rPr lang="pl-PL" b="0" dirty="0">
+                <a:solidFill>
+                  <a:srgbClr val="C678DD"/>
+                </a:solidFill>
+                <a:effectLst/>
+                <a:latin typeface=" Fira Code'"/>
+              </a:rPr>
+              <a:t>482</a:t>
+            </a:r>
+            <a:r>
+              <a:rPr lang="pl-PL" b="0" dirty="0">
+                <a:solidFill>
+                  <a:srgbClr val="ABB2BF"/>
+                </a:solidFill>
+                <a:effectLst/>
+                <a:latin typeface=" Fira Code'"/>
+              </a:rPr>
+              <a:t>,</a:t>
+            </a:r>
+            <a:r>
+              <a:rPr lang="pl-PL" b="0" dirty="0">
+                <a:solidFill>
+                  <a:srgbClr val="BBBBBB"/>
+                </a:solidFill>
+                <a:effectLst/>
+                <a:latin typeface=" Fira Code'"/>
+              </a:rPr>
+              <a:t> </a:t>
+            </a:r>
+            <a:r>
+              <a:rPr lang="pl-PL" b="0" dirty="0">
+                <a:solidFill>
+                  <a:srgbClr val="C678DD"/>
+                </a:solidFill>
+                <a:effectLst/>
+                <a:latin typeface=" Fira Code'"/>
+              </a:rPr>
+              <a:t>372</a:t>
+            </a:r>
+            <a:r>
+              <a:rPr lang="pl-PL" b="0" dirty="0">
+                <a:solidFill>
+                  <a:srgbClr val="ABB2BF"/>
+                </a:solidFill>
+                <a:effectLst/>
+                <a:latin typeface=" Fira Code'"/>
+              </a:rPr>
+              <a:t>,</a:t>
+            </a:r>
+            <a:r>
+              <a:rPr lang="pl-PL" b="0" dirty="0">
+                <a:solidFill>
+                  <a:srgbClr val="BBBBBB"/>
+                </a:solidFill>
+                <a:effectLst/>
+                <a:latin typeface=" Fira Code'"/>
+              </a:rPr>
+              <a:t> </a:t>
+            </a:r>
+            <a:r>
+              <a:rPr lang="pl-PL" b="0" dirty="0">
+                <a:solidFill>
+                  <a:srgbClr val="C678DD"/>
+                </a:solidFill>
+                <a:effectLst/>
+                <a:latin typeface=" Fira Code'"/>
+              </a:rPr>
+              <a:t>100</a:t>
+            </a:r>
+            <a:r>
+              <a:rPr lang="pl-PL" b="0" dirty="0">
+                <a:solidFill>
+                  <a:srgbClr val="BBBBBB"/>
+                </a:solidFill>
+                <a:effectLst/>
+                <a:latin typeface=" Fira Code'"/>
+              </a:rPr>
+              <a:t>)</a:t>
+            </a:r>
+            <a:r>
+              <a:rPr lang="pl-PL" b="0" dirty="0">
+                <a:solidFill>
+                  <a:srgbClr val="ABB2BF"/>
+                </a:solidFill>
+                <a:effectLst/>
+                <a:latin typeface=" Fira Code'"/>
+              </a:rPr>
+              <a:t>,</a:t>
+            </a:r>
+            <a:r>
+              <a:rPr lang="pl-PL" b="0" dirty="0">
+                <a:solidFill>
+                  <a:srgbClr val="BBBBBB"/>
+                </a:solidFill>
+                <a:effectLst/>
+                <a:latin typeface=" Fira Code'"/>
+              </a:rPr>
+              <a:t> </a:t>
+            </a:r>
+            <a:r>
+              <a:rPr lang="pl-PL" b="0" dirty="0">
+                <a:solidFill>
+                  <a:srgbClr val="C678DD"/>
+                </a:solidFill>
+                <a:effectLst/>
+                <a:latin typeface=" Fira Code'"/>
+              </a:rPr>
+              <a:t>1</a:t>
+            </a:r>
+            <a:r>
+              <a:rPr lang="pl-PL" b="0" dirty="0">
+                <a:solidFill>
+                  <a:srgbClr val="BBBBBB"/>
+                </a:solidFill>
+                <a:effectLst/>
+                <a:latin typeface=" Fira Code'"/>
+              </a:rPr>
+              <a:t>)</a:t>
+            </a:r>
+          </a:p>
+          <a:p>
+            <a:endParaRPr lang="pl-PL" dirty="0"/>
+          </a:p>
+          <a:p>
+            <a:endParaRPr lang="pl-PL" dirty="0"/>
+          </a:p>
+        </p:txBody>
+      </p:sp>
+      <p:sp>
+        <p:nvSpPr>
+          <p:cNvPr id="4" name="Symbol zastępczy numeru slajdu 3"/>
+          <p:cNvSpPr>
+            <a:spLocks noGrp="1"/>
+          </p:cNvSpPr>
+          <p:nvPr>
+            <p:ph type="sldNum" sz="quarter" idx="5"/>
+          </p:nvPr>
+        </p:nvSpPr>
+        <p:spPr/>
+        <p:txBody>
+          <a:bodyPr/>
+          <a:lstStyle/>
+          <a:p>
+            <a:fld id="{F895E939-9B44-4E30-8BB9-C3B70D62160D}" type="slidenum">
+              <a:rPr lang="pl-PL" smtClean="0"/>
+              <a:t>9</a:t>
+            </a:fld>
+            <a:endParaRPr lang="pl-PL"/>
+          </a:p>
+        </p:txBody>
+      </p:sp>
+    </p:spTree>
+    <p:extLst>
+      <p:ext uri="{BB962C8B-B14F-4D97-AF65-F5344CB8AC3E}">
+        <p14:creationId xmlns:p14="http://schemas.microsoft.com/office/powerpoint/2010/main" val="718492647"/>
+      </p:ext>
+    </p:extLst>
+  </p:cSld>
+  <p:clrMapOvr>
+    <a:masterClrMapping/>
+  </p:clrMapOvr>
+</p:notes>
+</file>
+
+<file path=ppt/notesSlides/notesSlide9.xml><?xml version="1.0" encoding="utf-8"?>
+<p:notes xmlns:a="http://schemas.openxmlformats.org/drawingml/2006/main" xmlns:r="http://schemas.openxmlformats.org/officeDocument/2006/relationships" xmlns:p="http://schemas.openxmlformats.org/presentationml/2006/main">
+  <p:cSld>
+    <p:spTree>
+      <p:nvGrpSpPr>
+        <p:cNvPr id="1" name=""/>
+        <p:cNvGrpSpPr/>
+        <p:nvPr/>
+      </p:nvGrpSpPr>
+      <p:grpSpPr>
+        <a:xfrm>
+          <a:off x="0" y="0"/>
+          <a:ext cx="0" cy="0"/>
+          <a:chOff x="0" y="0"/>
+          <a:chExt cx="0" cy="0"/>
+        </a:xfrm>
+      </p:grpSpPr>
+      <p:sp>
+        <p:nvSpPr>
+          <p:cNvPr id="2" name="Symbol zastępczy obrazu slajdu 1"/>
+          <p:cNvSpPr>
+            <a:spLocks noGrp="1" noRot="1" noChangeAspect="1"/>
+          </p:cNvSpPr>
+          <p:nvPr>
+            <p:ph type="sldImg"/>
+          </p:nvPr>
+        </p:nvSpPr>
+        <p:spPr/>
+      </p:sp>
+      <p:sp>
+        <p:nvSpPr>
+          <p:cNvPr id="3" name="Symbol zastępczy notatek 2"/>
+          <p:cNvSpPr>
+            <a:spLocks noGrp="1"/>
+          </p:cNvSpPr>
+          <p:nvPr>
+            <p:ph type="body" idx="1"/>
+          </p:nvPr>
+        </p:nvSpPr>
+        <p:spPr/>
+        <p:txBody>
+          <a:bodyPr/>
+          <a:lstStyle/>
+          <a:p>
+            <a:r>
+              <a:rPr lang="pl-PL" dirty="0"/>
+              <a:t>Najpierw zaprogramować gracza w jednej klasie potem rozdzielić na </a:t>
+            </a:r>
+            <a:r>
+              <a:rPr lang="pl-PL" dirty="0" err="1"/>
+              <a:t>base</a:t>
+            </a:r>
+            <a:r>
+              <a:rPr lang="pl-PL" dirty="0"/>
+              <a:t> i </a:t>
+            </a:r>
+            <a:r>
+              <a:rPr lang="pl-PL" dirty="0" err="1"/>
+              <a:t>player</a:t>
+            </a:r>
+            <a:endParaRPr lang="pl-PL" dirty="0"/>
+          </a:p>
+        </p:txBody>
+      </p:sp>
+      <p:sp>
+        <p:nvSpPr>
+          <p:cNvPr id="4" name="Symbol zastępczy numeru slajdu 3"/>
+          <p:cNvSpPr>
+            <a:spLocks noGrp="1"/>
+          </p:cNvSpPr>
+          <p:nvPr>
+            <p:ph type="sldNum" sz="quarter" idx="5"/>
+          </p:nvPr>
+        </p:nvSpPr>
+        <p:spPr/>
+        <p:txBody>
+          <a:bodyPr/>
+          <a:lstStyle/>
+          <a:p>
+            <a:fld id="{F895E939-9B44-4E30-8BB9-C3B70D62160D}" type="slidenum">
+              <a:rPr lang="pl-PL" smtClean="0"/>
+              <a:t>10</a:t>
+            </a:fld>
+            <a:endParaRPr lang="pl-PL"/>
+          </a:p>
+        </p:txBody>
+      </p:sp>
+    </p:spTree>
+    <p:extLst>
+      <p:ext uri="{BB962C8B-B14F-4D97-AF65-F5344CB8AC3E}">
+        <p14:creationId xmlns:p14="http://schemas.microsoft.com/office/powerpoint/2010/main" val="1935415951"/>
       </p:ext>
     </p:extLst>
   </p:cSld>
@@ -1685,7 +3944,7 @@
             <a:fld id="{5586B75A-687E-405C-8A0B-8D00578BA2C3}" type="datetimeFigureOut">
               <a:rPr lang="en-US" dirty="0"/>
               <a:pPr/>
-              <a:t>9/4/2020</a:t>
+              <a:t>9/21/2020</a:t>
             </a:fld>
             <a:endParaRPr lang="en-US" dirty="0"/>
           </a:p>
@@ -1955,7 +4214,7 @@
             <a:fld id="{5586B75A-687E-405C-8A0B-8D00578BA2C3}" type="datetimeFigureOut">
               <a:rPr lang="en-US" dirty="0"/>
               <a:pPr/>
-              <a:t>9/4/2020</a:t>
+              <a:t>9/21/2020</a:t>
             </a:fld>
             <a:endParaRPr lang="en-US" dirty="0"/>
           </a:p>
@@ -2127,7 +4386,7 @@
             <a:fld id="{5586B75A-687E-405C-8A0B-8D00578BA2C3}" type="datetimeFigureOut">
               <a:rPr lang="en-US" dirty="0"/>
               <a:pPr/>
-              <a:t>9/4/2020</a:t>
+              <a:t>9/21/2020</a:t>
             </a:fld>
             <a:endParaRPr lang="en-US" dirty="0"/>
           </a:p>
@@ -2304,7 +4563,7 @@
             <a:fld id="{5586B75A-687E-405C-8A0B-8D00578BA2C3}" type="datetimeFigureOut">
               <a:rPr lang="en-US" dirty="0"/>
               <a:pPr/>
-              <a:t>9/4/2020</a:t>
+              <a:t>9/21/2020</a:t>
             </a:fld>
             <a:endParaRPr lang="en-US" dirty="0"/>
           </a:p>
@@ -2662,7 +4921,7 @@
             <a:fld id="{5586B75A-687E-405C-8A0B-8D00578BA2C3}" type="datetimeFigureOut">
               <a:rPr lang="en-US" dirty="0"/>
               <a:pPr/>
-              <a:t>9/4/2020</a:t>
+              <a:t>9/21/2020</a:t>
             </a:fld>
             <a:endParaRPr lang="en-US" dirty="0"/>
           </a:p>
@@ -2917,7 +5176,7 @@
             <a:fld id="{5586B75A-687E-405C-8A0B-8D00578BA2C3}" type="datetimeFigureOut">
               <a:rPr lang="en-US" dirty="0"/>
               <a:pPr/>
-              <a:t>9/4/2020</a:t>
+              <a:t>9/21/2020</a:t>
             </a:fld>
             <a:endParaRPr lang="en-US" dirty="0"/>
           </a:p>
@@ -3202,7 +5461,7 @@
             <a:fld id="{5586B75A-687E-405C-8A0B-8D00578BA2C3}" type="datetimeFigureOut">
               <a:rPr lang="en-US" dirty="0"/>
               <a:pPr/>
-              <a:t>9/4/2020</a:t>
+              <a:t>9/21/2020</a:t>
             </a:fld>
             <a:endParaRPr lang="en-US" dirty="0"/>
           </a:p>
@@ -3641,7 +5900,7 @@
             <a:fld id="{5586B75A-687E-405C-8A0B-8D00578BA2C3}" type="datetimeFigureOut">
               <a:rPr lang="en-US" dirty="0"/>
               <a:pPr/>
-              <a:t>9/4/2020</a:t>
+              <a:t>9/21/2020</a:t>
             </a:fld>
             <a:endParaRPr lang="en-US" dirty="0"/>
           </a:p>
@@ -3756,7 +6015,7 @@
             <a:fld id="{5586B75A-687E-405C-8A0B-8D00578BA2C3}" type="datetimeFigureOut">
               <a:rPr lang="en-US" dirty="0"/>
               <a:pPr/>
-              <a:t>9/4/2020</a:t>
+              <a:t>9/21/2020</a:t>
             </a:fld>
             <a:endParaRPr lang="en-US" dirty="0"/>
           </a:p>
@@ -3848,7 +6107,7 @@
             <a:fld id="{5586B75A-687E-405C-8A0B-8D00578BA2C3}" type="datetimeFigureOut">
               <a:rPr lang="en-US" dirty="0"/>
               <a:pPr/>
-              <a:t>9/4/2020</a:t>
+              <a:t>9/21/2020</a:t>
             </a:fld>
             <a:endParaRPr lang="en-US" dirty="0"/>
           </a:p>
@@ -4133,7 +6392,7 @@
             <a:fld id="{5586B75A-687E-405C-8A0B-8D00578BA2C3}" type="datetimeFigureOut">
               <a:rPr lang="en-US" dirty="0"/>
               <a:pPr/>
-              <a:t>9/4/2020</a:t>
+              <a:t>9/21/2020</a:t>
             </a:fld>
             <a:endParaRPr lang="en-US" dirty="0"/>
           </a:p>
@@ -4431,7 +6690,7 @@
             <a:fld id="{5586B75A-687E-405C-8A0B-8D00578BA2C3}" type="datetimeFigureOut">
               <a:rPr lang="en-US" dirty="0"/>
               <a:pPr/>
-              <a:t>9/4/2020</a:t>
+              <a:t>9/21/2020</a:t>
             </a:fld>
             <a:endParaRPr lang="en-US" dirty="0"/>
           </a:p>
@@ -4985,6 +7244,341 @@
 </p:sld>
 </file>
 
+<file path=ppt/slides/slide10.xml><?xml version="1.0" encoding="utf-8"?>
+<p:sld xmlns:a="http://schemas.openxmlformats.org/drawingml/2006/main" xmlns:r="http://schemas.openxmlformats.org/officeDocument/2006/relationships" xmlns:p="http://schemas.openxmlformats.org/presentationml/2006/main">
+  <p:cSld>
+    <p:spTree>
+      <p:nvGrpSpPr>
+        <p:cNvPr id="1" name=""/>
+        <p:cNvGrpSpPr/>
+        <p:nvPr/>
+      </p:nvGrpSpPr>
+      <p:grpSpPr>
+        <a:xfrm>
+          <a:off x="0" y="0"/>
+          <a:ext cx="0" cy="0"/>
+          <a:chOff x="0" y="0"/>
+          <a:chExt cx="0" cy="0"/>
+        </a:xfrm>
+      </p:grpSpPr>
+      <p:sp>
+        <p:nvSpPr>
+          <p:cNvPr id="3" name="Tytuł 2">
+            <a:extLst>
+              <a:ext uri="{FF2B5EF4-FFF2-40B4-BE49-F238E27FC236}">
+                <a16:creationId xmlns:a16="http://schemas.microsoft.com/office/drawing/2014/main" id="{C52C3893-154F-46C2-A934-D2801D895EFD}"/>
+              </a:ext>
+            </a:extLst>
+          </p:cNvPr>
+          <p:cNvSpPr>
+            <a:spLocks noGrp="1"/>
+          </p:cNvSpPr>
+          <p:nvPr>
+            <p:ph type="title"/>
+          </p:nvPr>
+        </p:nvSpPr>
+        <p:spPr/>
+        <p:txBody>
+          <a:bodyPr/>
+          <a:lstStyle/>
+          <a:p>
+            <a:r>
+              <a:rPr lang="pl-PL" dirty="0"/>
+              <a:t>Krok Trzeci</a:t>
+            </a:r>
+            <a:br>
+              <a:rPr lang="pl-PL" dirty="0"/>
+            </a:br>
+            <a:r>
+              <a:rPr lang="pl-PL" dirty="0"/>
+              <a:t>„Znak gracza”</a:t>
+            </a:r>
+          </a:p>
+        </p:txBody>
+      </p:sp>
+      <p:sp>
+        <p:nvSpPr>
+          <p:cNvPr id="4" name="Symbol zastępczy tekstu 3">
+            <a:extLst>
+              <a:ext uri="{FF2B5EF4-FFF2-40B4-BE49-F238E27FC236}">
+                <a16:creationId xmlns:a16="http://schemas.microsoft.com/office/drawing/2014/main" id="{4624C219-140A-4295-85B1-71A450723136}"/>
+              </a:ext>
+            </a:extLst>
+          </p:cNvPr>
+          <p:cNvSpPr>
+            <a:spLocks noGrp="1"/>
+          </p:cNvSpPr>
+          <p:nvPr>
+            <p:ph type="body" idx="1"/>
+          </p:nvPr>
+        </p:nvSpPr>
+        <p:spPr/>
+        <p:txBody>
+          <a:bodyPr/>
+          <a:lstStyle/>
+          <a:p>
+            <a:r>
+              <a:rPr lang="en-US" dirty="0" err="1"/>
+              <a:t>Teraz</a:t>
+            </a:r>
+            <a:r>
+              <a:rPr lang="en-US" dirty="0"/>
+              <a:t> </a:t>
+            </a:r>
+            <a:r>
+              <a:rPr lang="en-US" dirty="0" err="1"/>
+              <a:t>wiadomo</a:t>
+            </a:r>
+            <a:r>
+              <a:rPr lang="en-US" dirty="0"/>
+              <a:t> </a:t>
+            </a:r>
+            <a:r>
+              <a:rPr lang="en-US" dirty="0" err="1"/>
+              <a:t>czemu</a:t>
+            </a:r>
+            <a:r>
+              <a:rPr lang="en-US" dirty="0"/>
+              <a:t> </a:t>
+            </a:r>
+            <a:r>
+              <a:rPr lang="en-US" dirty="0" err="1"/>
+              <a:t>eventy</a:t>
+            </a:r>
+            <a:r>
+              <a:rPr lang="en-US" dirty="0"/>
+              <a:t> s</a:t>
+            </a:r>
+            <a:r>
+              <a:rPr lang="pl-PL" dirty="0"/>
+              <a:t>ą w osobnym pliku</a:t>
+            </a:r>
+          </a:p>
+        </p:txBody>
+      </p:sp>
+    </p:spTree>
+    <p:extLst>
+      <p:ext uri="{BB962C8B-B14F-4D97-AF65-F5344CB8AC3E}">
+        <p14:creationId xmlns:p14="http://schemas.microsoft.com/office/powerpoint/2010/main" val="2235839334"/>
+      </p:ext>
+    </p:extLst>
+  </p:cSld>
+  <p:clrMapOvr>
+    <a:masterClrMapping/>
+  </p:clrMapOvr>
+</p:sld>
+</file>
+
+<file path=ppt/slides/slide11.xml><?xml version="1.0" encoding="utf-8"?>
+<p:sld xmlns:a="http://schemas.openxmlformats.org/drawingml/2006/main" xmlns:r="http://schemas.openxmlformats.org/officeDocument/2006/relationships" xmlns:p="http://schemas.openxmlformats.org/presentationml/2006/main">
+  <p:cSld>
+    <p:spTree>
+      <p:nvGrpSpPr>
+        <p:cNvPr id="1" name=""/>
+        <p:cNvGrpSpPr/>
+        <p:nvPr/>
+      </p:nvGrpSpPr>
+      <p:grpSpPr>
+        <a:xfrm>
+          <a:off x="0" y="0"/>
+          <a:ext cx="0" cy="0"/>
+          <a:chOff x="0" y="0"/>
+          <a:chExt cx="0" cy="0"/>
+        </a:xfrm>
+      </p:grpSpPr>
+      <p:sp>
+        <p:nvSpPr>
+          <p:cNvPr id="4" name="Tytuł 3">
+            <a:extLst>
+              <a:ext uri="{FF2B5EF4-FFF2-40B4-BE49-F238E27FC236}">
+                <a16:creationId xmlns:a16="http://schemas.microsoft.com/office/drawing/2014/main" id="{6C98E7D4-571C-43F8-9031-210ECD560F71}"/>
+              </a:ext>
+            </a:extLst>
+          </p:cNvPr>
+          <p:cNvSpPr>
+            <a:spLocks noGrp="1"/>
+          </p:cNvSpPr>
+          <p:nvPr>
+            <p:ph type="title"/>
+          </p:nvPr>
+        </p:nvSpPr>
+        <p:spPr/>
+        <p:txBody>
+          <a:bodyPr/>
+          <a:lstStyle/>
+          <a:p>
+            <a:r>
+              <a:rPr lang="pl-PL" dirty="0"/>
+              <a:t>Krok Trzeci: „Znak Gracza”</a:t>
+            </a:r>
+          </a:p>
+        </p:txBody>
+      </p:sp>
+    </p:spTree>
+    <p:extLst>
+      <p:ext uri="{BB962C8B-B14F-4D97-AF65-F5344CB8AC3E}">
+        <p14:creationId xmlns:p14="http://schemas.microsoft.com/office/powerpoint/2010/main" val="2056797221"/>
+      </p:ext>
+    </p:extLst>
+  </p:cSld>
+  <p:clrMapOvr>
+    <a:masterClrMapping/>
+  </p:clrMapOvr>
+</p:sld>
+</file>
+
+<file path=ppt/slides/slide12.xml><?xml version="1.0" encoding="utf-8"?>
+<p:sld xmlns:a="http://schemas.openxmlformats.org/drawingml/2006/main" xmlns:r="http://schemas.openxmlformats.org/officeDocument/2006/relationships" xmlns:p="http://schemas.openxmlformats.org/presentationml/2006/main">
+  <p:cSld>
+    <p:spTree>
+      <p:nvGrpSpPr>
+        <p:cNvPr id="1" name=""/>
+        <p:cNvGrpSpPr/>
+        <p:nvPr/>
+      </p:nvGrpSpPr>
+      <p:grpSpPr>
+        <a:xfrm>
+          <a:off x="0" y="0"/>
+          <a:ext cx="0" cy="0"/>
+          <a:chOff x="0" y="0"/>
+          <a:chExt cx="0" cy="0"/>
+        </a:xfrm>
+      </p:grpSpPr>
+      <p:sp>
+        <p:nvSpPr>
+          <p:cNvPr id="3" name="Tytuł 2">
+            <a:extLst>
+              <a:ext uri="{FF2B5EF4-FFF2-40B4-BE49-F238E27FC236}">
+                <a16:creationId xmlns:a16="http://schemas.microsoft.com/office/drawing/2014/main" id="{A82705B4-4497-42E1-9B12-4B55D5B4B0D7}"/>
+              </a:ext>
+            </a:extLst>
+          </p:cNvPr>
+          <p:cNvSpPr>
+            <a:spLocks noGrp="1"/>
+          </p:cNvSpPr>
+          <p:nvPr>
+            <p:ph type="title"/>
+          </p:nvPr>
+        </p:nvSpPr>
+        <p:spPr/>
+        <p:txBody>
+          <a:bodyPr/>
+          <a:lstStyle/>
+          <a:p>
+            <a:r>
+              <a:rPr lang="pl-PL" dirty="0"/>
+              <a:t>Krok Czwarty</a:t>
+            </a:r>
+            <a:br>
+              <a:rPr lang="pl-PL" dirty="0"/>
+            </a:br>
+            <a:r>
+              <a:rPr lang="pl-PL" dirty="0"/>
+              <a:t>Przeciwnicy</a:t>
+            </a:r>
+          </a:p>
+        </p:txBody>
+      </p:sp>
+      <p:sp>
+        <p:nvSpPr>
+          <p:cNvPr id="4" name="Symbol zastępczy tekstu 3">
+            <a:extLst>
+              <a:ext uri="{FF2B5EF4-FFF2-40B4-BE49-F238E27FC236}">
+                <a16:creationId xmlns:a16="http://schemas.microsoft.com/office/drawing/2014/main" id="{F09098D3-7A35-4965-997A-7643818CB89D}"/>
+              </a:ext>
+            </a:extLst>
+          </p:cNvPr>
+          <p:cNvSpPr>
+            <a:spLocks noGrp="1"/>
+          </p:cNvSpPr>
+          <p:nvPr>
+            <p:ph type="body" idx="1"/>
+          </p:nvPr>
+        </p:nvSpPr>
+        <p:spPr/>
+        <p:txBody>
+          <a:bodyPr/>
+          <a:lstStyle/>
+          <a:p>
+            <a:endParaRPr lang="pl-PL" dirty="0"/>
+          </a:p>
+        </p:txBody>
+      </p:sp>
+    </p:spTree>
+    <p:extLst>
+      <p:ext uri="{BB962C8B-B14F-4D97-AF65-F5344CB8AC3E}">
+        <p14:creationId xmlns:p14="http://schemas.microsoft.com/office/powerpoint/2010/main" val="4142479184"/>
+      </p:ext>
+    </p:extLst>
+  </p:cSld>
+  <p:clrMapOvr>
+    <a:masterClrMapping/>
+  </p:clrMapOvr>
+</p:sld>
+</file>
+
+<file path=ppt/slides/slide13.xml><?xml version="1.0" encoding="utf-8"?>
+<p:sld xmlns:a="http://schemas.openxmlformats.org/drawingml/2006/main" xmlns:r="http://schemas.openxmlformats.org/officeDocument/2006/relationships" xmlns:p="http://schemas.openxmlformats.org/presentationml/2006/main">
+  <p:cSld>
+    <p:spTree>
+      <p:nvGrpSpPr>
+        <p:cNvPr id="1" name=""/>
+        <p:cNvGrpSpPr/>
+        <p:nvPr/>
+      </p:nvGrpSpPr>
+      <p:grpSpPr>
+        <a:xfrm>
+          <a:off x="0" y="0"/>
+          <a:ext cx="0" cy="0"/>
+          <a:chOff x="0" y="0"/>
+          <a:chExt cx="0" cy="0"/>
+        </a:xfrm>
+      </p:grpSpPr>
+      <p:sp>
+        <p:nvSpPr>
+          <p:cNvPr id="4" name="Tytuł 3">
+            <a:extLst>
+              <a:ext uri="{FF2B5EF4-FFF2-40B4-BE49-F238E27FC236}">
+                <a16:creationId xmlns:a16="http://schemas.microsoft.com/office/drawing/2014/main" id="{35B307CB-3E2A-4493-BB97-D478540F1241}"/>
+              </a:ext>
+            </a:extLst>
+          </p:cNvPr>
+          <p:cNvSpPr>
+            <a:spLocks noGrp="1"/>
+          </p:cNvSpPr>
+          <p:nvPr>
+            <p:ph type="title"/>
+          </p:nvPr>
+        </p:nvSpPr>
+        <p:spPr/>
+        <p:txBody>
+          <a:bodyPr/>
+          <a:lstStyle/>
+          <a:p>
+            <a:r>
+              <a:rPr lang="pl-PL" dirty="0"/>
+              <a:t>Krok Czwarty</a:t>
+            </a:r>
+            <a:r>
+              <a:rPr lang="pl-PL"/>
+              <a:t>: Przeciwnicy</a:t>
+            </a:r>
+          </a:p>
+        </p:txBody>
+      </p:sp>
+    </p:spTree>
+    <p:extLst>
+      <p:ext uri="{BB962C8B-B14F-4D97-AF65-F5344CB8AC3E}">
+        <p14:creationId xmlns:p14="http://schemas.microsoft.com/office/powerpoint/2010/main" val="1817906763"/>
+      </p:ext>
+    </p:extLst>
+  </p:cSld>
+  <p:clrMapOvr>
+    <a:masterClrMapping/>
+  </p:clrMapOvr>
+</p:sld>
+</file>
+
 <file path=ppt/slides/slide2.xml><?xml version="1.0" encoding="utf-8"?>
 <p:sld xmlns:a="http://schemas.openxmlformats.org/drawingml/2006/main" xmlns:r="http://schemas.openxmlformats.org/officeDocument/2006/relationships" xmlns:p="http://schemas.openxmlformats.org/presentationml/2006/main">
   <p:cSld>
@@ -5118,13 +7712,8 @@
           <a:p>
             <a:r>
               <a:rPr lang="pl-PL" dirty="0"/>
-              <a:t>Krok Zerowy: Instalacja Interpretera </a:t>
-            </a:r>
-            <a:r>
-              <a:rPr lang="pl-PL" dirty="0" err="1"/>
-              <a:t>Python</a:t>
-            </a:r>
-            <a:endParaRPr lang="pl-PL" dirty="0"/>
+              <a:t>Krok Zerowy: Instalacja Narzędzi</a:t>
+            </a:r>
           </a:p>
         </p:txBody>
       </p:sp>
@@ -5160,10 +7749,10 @@
       </p:grpSpPr>
       <p:sp>
         <p:nvSpPr>
-          <p:cNvPr id="2" name="Tytuł 1">
+          <p:cNvPr id="3" name="Tytuł 2">
             <a:extLst>
               <a:ext uri="{FF2B5EF4-FFF2-40B4-BE49-F238E27FC236}">
-                <a16:creationId xmlns:a16="http://schemas.microsoft.com/office/drawing/2014/main" id="{D47AA2AC-AFD5-4E45-B2B0-A81D9A56EB93}"/>
+                <a16:creationId xmlns:a16="http://schemas.microsoft.com/office/drawing/2014/main" id="{D1CDA005-0DC7-42EA-8624-C743C04CBCBA}"/>
               </a:ext>
             </a:extLst>
           </p:cNvPr>
@@ -5181,7 +7770,42 @@
           <a:p>
             <a:r>
               <a:rPr lang="pl-PL" dirty="0"/>
-              <a:t>Krok Zerowy: Instalacja edytora</a:t>
+              <a:t>Krok Zero-Pół</a:t>
+            </a:r>
+            <a:br>
+              <a:rPr lang="pl-PL" dirty="0"/>
+            </a:br>
+            <a:r>
+              <a:rPr lang="pl-PL" dirty="0"/>
+              <a:t>Teoria</a:t>
+            </a:r>
+          </a:p>
+        </p:txBody>
+      </p:sp>
+      <p:sp>
+        <p:nvSpPr>
+          <p:cNvPr id="4" name="Symbol zastępczy tekstu 3">
+            <a:extLst>
+              <a:ext uri="{FF2B5EF4-FFF2-40B4-BE49-F238E27FC236}">
+                <a16:creationId xmlns:a16="http://schemas.microsoft.com/office/drawing/2014/main" id="{0A2AB7F8-03C0-4E98-A7AB-AFE88C704E3E}"/>
+              </a:ext>
+            </a:extLst>
+          </p:cNvPr>
+          <p:cNvSpPr>
+            <a:spLocks noGrp="1"/>
+          </p:cNvSpPr>
+          <p:nvPr>
+            <p:ph type="body" idx="1"/>
+          </p:nvPr>
+        </p:nvSpPr>
+        <p:spPr/>
+        <p:txBody>
+          <a:bodyPr/>
+          <a:lstStyle/>
+          <a:p>
+            <a:r>
+              <a:rPr lang="pl-PL" dirty="0"/>
+              <a:t>Jak to działa?</a:t>
             </a:r>
           </a:p>
         </p:txBody>
@@ -5189,7 +7813,7 @@
     </p:spTree>
     <p:extLst>
       <p:ext uri="{BB962C8B-B14F-4D97-AF65-F5344CB8AC3E}">
-        <p14:creationId xmlns:p14="http://schemas.microsoft.com/office/powerpoint/2010/main" val="2665937565"/>
+        <p14:creationId xmlns:p14="http://schemas.microsoft.com/office/powerpoint/2010/main" val="743880283"/>
       </p:ext>
     </p:extLst>
   </p:cSld>
@@ -5218,10 +7842,10 @@
       </p:grpSpPr>
       <p:sp>
         <p:nvSpPr>
-          <p:cNvPr id="2" name="Tytuł 1">
+          <p:cNvPr id="5" name="Tytuł 4">
             <a:extLst>
               <a:ext uri="{FF2B5EF4-FFF2-40B4-BE49-F238E27FC236}">
-                <a16:creationId xmlns:a16="http://schemas.microsoft.com/office/drawing/2014/main" id="{89AC05CE-2613-4356-9BF0-D14B7048875E}"/>
+                <a16:creationId xmlns:a16="http://schemas.microsoft.com/office/drawing/2014/main" id="{33BE70EB-9C7E-4D6F-956B-183C9BD92C5D}"/>
               </a:ext>
             </a:extLst>
           </p:cNvPr>
@@ -5239,15 +7863,44 @@
           <a:p>
             <a:r>
               <a:rPr lang="pl-PL" dirty="0"/>
-              <a:t>Krok Zerowy: Ustawienie środowiska</a:t>
-            </a:r>
-          </a:p>
-        </p:txBody>
-      </p:sp>
+              <a:t>Podstawowa struktura</a:t>
+            </a:r>
+          </a:p>
+        </p:txBody>
+      </p:sp>
+      <p:pic>
+        <p:nvPicPr>
+          <p:cNvPr id="25" name="Symbol zastępczy zawartości 24">
+            <a:extLst>
+              <a:ext uri="{FF2B5EF4-FFF2-40B4-BE49-F238E27FC236}">
+                <a16:creationId xmlns:a16="http://schemas.microsoft.com/office/drawing/2014/main" id="{650F0605-C99B-4D08-88BB-574C54D9B347}"/>
+              </a:ext>
+            </a:extLst>
+          </p:cNvPr>
+          <p:cNvPicPr>
+            <a:picLocks noGrp="1" noChangeAspect="1"/>
+          </p:cNvPicPr>
+          <p:nvPr>
+            <p:ph idx="1"/>
+          </p:nvPr>
+        </p:nvPicPr>
+        <p:blipFill>
+          <a:blip r:embed="rId3"/>
+          <a:stretch>
+            <a:fillRect/>
+          </a:stretch>
+        </p:blipFill>
+        <p:spPr>
+          <a:xfrm>
+            <a:off x="5730910" y="1138039"/>
+            <a:ext cx="3590855" cy="4572396"/>
+          </a:xfrm>
+        </p:spPr>
+      </p:pic>
     </p:spTree>
     <p:extLst>
       <p:ext uri="{BB962C8B-B14F-4D97-AF65-F5344CB8AC3E}">
-        <p14:creationId xmlns:p14="http://schemas.microsoft.com/office/powerpoint/2010/main" val="488673039"/>
+        <p14:creationId xmlns:p14="http://schemas.microsoft.com/office/powerpoint/2010/main" val="358429727"/>
       </p:ext>
     </p:extLst>
   </p:cSld>
@@ -5343,7 +7996,7 @@
           <a:p>
             <a:r>
               <a:rPr lang="pl-PL" dirty="0"/>
-              <a:t>Dzikie okno się pojawiło!</a:t>
+              <a:t>Pojawia się dzikie okno!</a:t>
             </a:r>
           </a:p>
         </p:txBody>
@@ -5401,7 +8054,7 @@
           <a:p>
             <a:r>
               <a:rPr lang="pl-PL" dirty="0"/>
-              <a:t>Krok Pierwszy: Absolutne podstawy</a:t>
+              <a:t>Krok Pierwszy: Okno Gry</a:t>
             </a:r>
           </a:p>
         </p:txBody>
@@ -5492,6 +8145,18 @@
           <a:bodyPr/>
           <a:lstStyle/>
           <a:p>
+            <a:r>
+              <a:rPr lang="pl-PL" dirty="0" err="1"/>
+              <a:t>Responsywność</a:t>
+            </a:r>
+            <a:r>
+              <a:rPr lang="pl-PL" dirty="0"/>
+              <a:t> +=</a:t>
+            </a:r>
+            <a:r>
+              <a:rPr lang="ja-JP" altLang="en-US" dirty="0"/>
+              <a:t>∞</a:t>
+            </a:r>
             <a:endParaRPr lang="pl-PL" dirty="0"/>
           </a:p>
         </p:txBody>
@@ -5500,6 +8165,64 @@
     <p:extLst>
       <p:ext uri="{BB962C8B-B14F-4D97-AF65-F5344CB8AC3E}">
         <p14:creationId xmlns:p14="http://schemas.microsoft.com/office/powerpoint/2010/main" val="2244318975"/>
+      </p:ext>
+    </p:extLst>
+  </p:cSld>
+  <p:clrMapOvr>
+    <a:masterClrMapping/>
+  </p:clrMapOvr>
+</p:sld>
+</file>
+
+<file path=ppt/slides/slide9.xml><?xml version="1.0" encoding="utf-8"?>
+<p:sld xmlns:a="http://schemas.openxmlformats.org/drawingml/2006/main" xmlns:r="http://schemas.openxmlformats.org/officeDocument/2006/relationships" xmlns:p="http://schemas.openxmlformats.org/presentationml/2006/main">
+  <p:cSld>
+    <p:spTree>
+      <p:nvGrpSpPr>
+        <p:cNvPr id="1" name=""/>
+        <p:cNvGrpSpPr/>
+        <p:nvPr/>
+      </p:nvGrpSpPr>
+      <p:grpSpPr>
+        <a:xfrm>
+          <a:off x="0" y="0"/>
+          <a:ext cx="0" cy="0"/>
+          <a:chOff x="0" y="0"/>
+          <a:chExt cx="0" cy="0"/>
+        </a:xfrm>
+      </p:grpSpPr>
+      <p:sp>
+        <p:nvSpPr>
+          <p:cNvPr id="4" name="Tytuł 3">
+            <a:extLst>
+              <a:ext uri="{FF2B5EF4-FFF2-40B4-BE49-F238E27FC236}">
+                <a16:creationId xmlns:a16="http://schemas.microsoft.com/office/drawing/2014/main" id="{88294246-FBB7-4CF3-B140-FAE99286B0CD}"/>
+              </a:ext>
+            </a:extLst>
+          </p:cNvPr>
+          <p:cNvSpPr>
+            <a:spLocks noGrp="1"/>
+          </p:cNvSpPr>
+          <p:nvPr>
+            <p:ph type="title"/>
+          </p:nvPr>
+        </p:nvSpPr>
+        <p:spPr/>
+        <p:txBody>
+          <a:bodyPr/>
+          <a:lstStyle/>
+          <a:p>
+            <a:r>
+              <a:rPr lang="pl-PL" dirty="0"/>
+              <a:t>Krok Drugi: Obsługa klawiatury</a:t>
+            </a:r>
+          </a:p>
+        </p:txBody>
+      </p:sp>
+    </p:spTree>
+    <p:extLst>
+      <p:ext uri="{BB962C8B-B14F-4D97-AF65-F5344CB8AC3E}">
+        <p14:creationId xmlns:p14="http://schemas.microsoft.com/office/powerpoint/2010/main" val="3035302849"/>
       </p:ext>
     </p:extLst>
   </p:cSld>
@@ -6036,6 +8759,12 @@
 </file>
 
 <file path=customXml/item1.xml><?xml version="1.0" encoding="utf-8"?>
+<p:properties xmlns:p="http://schemas.microsoft.com/office/2006/metadata/properties" xmlns:xsi="http://www.w3.org/2001/XMLSchema-instance" xmlns:pc="http://schemas.microsoft.com/office/infopath/2007/PartnerControls">
+  <documentManagement/>
+</p:properties>
+</file>
+
+<file path=customXml/item2.xml><?xml version="1.0" encoding="utf-8"?>
 <ct:contentTypeSchema xmlns:ct="http://schemas.microsoft.com/office/2006/metadata/contentType" xmlns:ma="http://schemas.microsoft.com/office/2006/metadata/properties/metaAttributes" ct:_="" ma:_="" ma:contentTypeName="Document" ma:contentTypeID="0x010100A93D22950EC4D64FAB13E859A8F757EF" ma:contentTypeVersion="2" ma:contentTypeDescription="Create a new document." ma:contentTypeScope="" ma:versionID="472780d458fcec431ea225d1190419cf">
   <xsd:schema xmlns:xsd="http://www.w3.org/2001/XMLSchema" xmlns:xs="http://www.w3.org/2001/XMLSchema" xmlns:p="http://schemas.microsoft.com/office/2006/metadata/properties" xmlns:ns3="48689035-49f8-427e-b277-efe7fd70c71a" targetNamespace="http://schemas.microsoft.com/office/2006/metadata/properties" ma:root="true" ma:fieldsID="65511eb06dd7c124ec68d95c0ffb407b" ns3:_="">
     <xsd:import namespace="48689035-49f8-427e-b277-efe7fd70c71a"/>
@@ -6167,7 +8896,7 @@
 </ct:contentTypeSchema>
 </file>
 
-<file path=customXml/item2.xml><?xml version="1.0" encoding="utf-8"?>
+<file path=customXml/item3.xml><?xml version="1.0" encoding="utf-8"?>
 <?mso-contentType ?>
 <FormTemplates xmlns="http://schemas.microsoft.com/sharepoint/v3/contenttype/forms">
   <Display>DocumentLibraryForm</Display>
@@ -6176,13 +8905,23 @@
 </FormTemplates>
 </file>
 
-<file path=customXml/item3.xml><?xml version="1.0" encoding="utf-8"?>
-<p:properties xmlns:p="http://schemas.microsoft.com/office/2006/metadata/properties" xmlns:xsi="http://www.w3.org/2001/XMLSchema-instance" xmlns:pc="http://schemas.microsoft.com/office/infopath/2007/PartnerControls">
-  <documentManagement/>
-</p:properties>
+<file path=customXml/itemProps1.xml><?xml version="1.0" encoding="utf-8"?>
+<ds:datastoreItem xmlns:ds="http://schemas.openxmlformats.org/officeDocument/2006/customXml" ds:itemID="{73C40CC7-7817-4C5B-B9CE-01E5E1729480}">
+  <ds:schemaRefs>
+    <ds:schemaRef ds:uri="http://www.w3.org/XML/1998/namespace"/>
+    <ds:schemaRef ds:uri="http://schemas.microsoft.com/office/infopath/2007/PartnerControls"/>
+    <ds:schemaRef ds:uri="http://purl.org/dc/elements/1.1/"/>
+    <ds:schemaRef ds:uri="http://schemas.microsoft.com/office/2006/documentManagement/types"/>
+    <ds:schemaRef ds:uri="http://schemas.openxmlformats.org/package/2006/metadata/core-properties"/>
+    <ds:schemaRef ds:uri="http://purl.org/dc/dcmitype/"/>
+    <ds:schemaRef ds:uri="http://purl.org/dc/terms/"/>
+    <ds:schemaRef ds:uri="48689035-49f8-427e-b277-efe7fd70c71a"/>
+    <ds:schemaRef ds:uri="http://schemas.microsoft.com/office/2006/metadata/properties"/>
+  </ds:schemaRefs>
+</ds:datastoreItem>
 </file>
 
-<file path=customXml/itemProps1.xml><?xml version="1.0" encoding="utf-8"?>
+<file path=customXml/itemProps2.xml><?xml version="1.0" encoding="utf-8"?>
 <ds:datastoreItem xmlns:ds="http://schemas.openxmlformats.org/officeDocument/2006/customXml" ds:itemID="{F39EB7B9-5F4A-43E8-B4C2-5524831DCCA3}">
   <ds:schemaRefs>
     <ds:schemaRef ds:uri="http://schemas.microsoft.com/office/2006/metadata/contentType"/>
@@ -6200,26 +8939,10 @@
 </ds:datastoreItem>
 </file>
 
-<file path=customXml/itemProps2.xml><?xml version="1.0" encoding="utf-8"?>
+<file path=customXml/itemProps3.xml><?xml version="1.0" encoding="utf-8"?>
 <ds:datastoreItem xmlns:ds="http://schemas.openxmlformats.org/officeDocument/2006/customXml" ds:itemID="{97905A6F-590C-4E7A-9726-A75505A36DDE}">
   <ds:schemaRefs>
     <ds:schemaRef ds:uri="http://schemas.microsoft.com/sharepoint/v3/contenttype/forms"/>
   </ds:schemaRefs>
 </ds:datastoreItem>
-</file>
-
-<file path=customXml/itemProps3.xml><?xml version="1.0" encoding="utf-8"?>
-<ds:datastoreItem xmlns:ds="http://schemas.openxmlformats.org/officeDocument/2006/customXml" ds:itemID="{73C40CC7-7817-4C5B-B9CE-01E5E1729480}">
-  <ds:schemaRefs>
-    <ds:schemaRef ds:uri="http://www.w3.org/XML/1998/namespace"/>
-    <ds:schemaRef ds:uri="http://schemas.microsoft.com/office/infopath/2007/PartnerControls"/>
-    <ds:schemaRef ds:uri="http://purl.org/dc/elements/1.1/"/>
-    <ds:schemaRef ds:uri="http://schemas.microsoft.com/office/2006/documentManagement/types"/>
-    <ds:schemaRef ds:uri="http://schemas.openxmlformats.org/package/2006/metadata/core-properties"/>
-    <ds:schemaRef ds:uri="http://purl.org/dc/dcmitype/"/>
-    <ds:schemaRef ds:uri="http://purl.org/dc/terms/"/>
-    <ds:schemaRef ds:uri="48689035-49f8-427e-b277-efe7fd70c71a"/>
-    <ds:schemaRef ds:uri="http://schemas.microsoft.com/office/2006/metadata/properties"/>
-  </ds:schemaRefs>
-</ds:datastoreItem>
 </file>
--- a/PPoint.pptx
+++ b/PPoint.pptx
@@ -5,8 +5,11 @@
     <p:sldMasterId id="2147483840" r:id="rId4"/>
   </p:sldMasterIdLst>
   <p:notesMasterIdLst>
-    <p:notesMasterId r:id="rId18"/>
+    <p:notesMasterId r:id="rId27"/>
   </p:notesMasterIdLst>
+  <p:handoutMasterIdLst>
+    <p:handoutMasterId r:id="rId28"/>
+  </p:handoutMasterIdLst>
   <p:sldIdLst>
     <p:sldId id="256" r:id="rId5"/>
     <p:sldId id="257" r:id="rId6"/>
@@ -14,13 +17,22 @@
     <p:sldId id="265" r:id="rId8"/>
     <p:sldId id="266" r:id="rId9"/>
     <p:sldId id="258" r:id="rId10"/>
-    <p:sldId id="262" r:id="rId11"/>
-    <p:sldId id="263" r:id="rId12"/>
-    <p:sldId id="264" r:id="rId13"/>
-    <p:sldId id="267" r:id="rId14"/>
-    <p:sldId id="268" r:id="rId15"/>
-    <p:sldId id="269" r:id="rId16"/>
-    <p:sldId id="270" r:id="rId17"/>
+    <p:sldId id="273" r:id="rId11"/>
+    <p:sldId id="262" r:id="rId12"/>
+    <p:sldId id="263" r:id="rId13"/>
+    <p:sldId id="274" r:id="rId14"/>
+    <p:sldId id="264" r:id="rId15"/>
+    <p:sldId id="267" r:id="rId16"/>
+    <p:sldId id="275" r:id="rId17"/>
+    <p:sldId id="268" r:id="rId18"/>
+    <p:sldId id="269" r:id="rId19"/>
+    <p:sldId id="276" r:id="rId20"/>
+    <p:sldId id="270" r:id="rId21"/>
+    <p:sldId id="272" r:id="rId22"/>
+    <p:sldId id="277" r:id="rId23"/>
+    <p:sldId id="271" r:id="rId24"/>
+    <p:sldId id="278" r:id="rId25"/>
+    <p:sldId id="279" r:id="rId26"/>
   </p:sldIdLst>
   <p:sldSz cx="12192000" cy="6858000"/>
   <p:notesSz cx="6858000" cy="9144000"/>
@@ -123,8 +135,200 @@
     <p:ext uri="{EFAFB233-063F-42B5-8137-9DF3F51BA10A}">
       <p15:sldGuideLst xmlns:p15="http://schemas.microsoft.com/office/powerpoint/2012/main"/>
     </p:ext>
+    <p:ext uri="{2D200454-40CA-4A62-9FC3-DE9A4176ACB9}">
+      <p15:notesGuideLst xmlns:p15="http://schemas.microsoft.com/office/powerpoint/2012/main"/>
+    </p:ext>
   </p:extLst>
 </p:presentation>
+</file>
+
+<file path=ppt/handoutMasters/handoutMaster1.xml><?xml version="1.0" encoding="utf-8"?>
+<p:handoutMaster xmlns:a="http://schemas.openxmlformats.org/drawingml/2006/main" xmlns:r="http://schemas.openxmlformats.org/officeDocument/2006/relationships" xmlns:p="http://schemas.openxmlformats.org/presentationml/2006/main">
+  <p:cSld>
+    <p:bg>
+      <p:bgRef idx="1001">
+        <a:schemeClr val="bg1"/>
+      </p:bgRef>
+    </p:bg>
+    <p:spTree>
+      <p:nvGrpSpPr>
+        <p:cNvPr id="1" name=""/>
+        <p:cNvGrpSpPr/>
+        <p:nvPr/>
+      </p:nvGrpSpPr>
+      <p:grpSpPr>
+        <a:xfrm>
+          <a:off x="0" y="0"/>
+          <a:ext cx="0" cy="0"/>
+          <a:chOff x="0" y="0"/>
+          <a:chExt cx="0" cy="0"/>
+        </a:xfrm>
+      </p:grpSpPr>
+      <p:sp>
+        <p:nvSpPr>
+          <p:cNvPr id="2" name="Symbol zastępczy nagłówka 1">
+            <a:extLst>
+              <a:ext uri="{FF2B5EF4-FFF2-40B4-BE49-F238E27FC236}">
+                <a16:creationId xmlns:a16="http://schemas.microsoft.com/office/drawing/2014/main" id="{B1E1B821-09D3-46C4-909A-B1CAEBE58830}"/>
+              </a:ext>
+            </a:extLst>
+          </p:cNvPr>
+          <p:cNvSpPr>
+            <a:spLocks noGrp="1"/>
+          </p:cNvSpPr>
+          <p:nvPr>
+            <p:ph type="hdr" sz="quarter"/>
+          </p:nvPr>
+        </p:nvSpPr>
+        <p:spPr>
+          <a:xfrm>
+            <a:off x="0" y="0"/>
+            <a:ext cx="2971800" cy="458788"/>
+          </a:xfrm>
+          <a:prstGeom prst="rect">
+            <a:avLst/>
+          </a:prstGeom>
+        </p:spPr>
+        <p:txBody>
+          <a:bodyPr vert="horz" lIns="91440" tIns="45720" rIns="91440" bIns="45720" rtlCol="0"/>
+          <a:lstStyle>
+            <a:lvl1pPr algn="l">
+              <a:defRPr sz="1200"/>
+            </a:lvl1pPr>
+          </a:lstStyle>
+          <a:p>
+            <a:endParaRPr lang="pl-PL"/>
+          </a:p>
+        </p:txBody>
+      </p:sp>
+      <p:sp>
+        <p:nvSpPr>
+          <p:cNvPr id="3" name="Symbol zastępczy daty 2">
+            <a:extLst>
+              <a:ext uri="{FF2B5EF4-FFF2-40B4-BE49-F238E27FC236}">
+                <a16:creationId xmlns:a16="http://schemas.microsoft.com/office/drawing/2014/main" id="{0263A1CD-965D-413F-B285-B6115259F6C2}"/>
+              </a:ext>
+            </a:extLst>
+          </p:cNvPr>
+          <p:cNvSpPr>
+            <a:spLocks noGrp="1"/>
+          </p:cNvSpPr>
+          <p:nvPr>
+            <p:ph type="dt" sz="quarter" idx="1"/>
+          </p:nvPr>
+        </p:nvSpPr>
+        <p:spPr>
+          <a:xfrm>
+            <a:off x="3884613" y="0"/>
+            <a:ext cx="2971800" cy="458788"/>
+          </a:xfrm>
+          <a:prstGeom prst="rect">
+            <a:avLst/>
+          </a:prstGeom>
+        </p:spPr>
+        <p:txBody>
+          <a:bodyPr vert="horz" lIns="91440" tIns="45720" rIns="91440" bIns="45720" rtlCol="0"/>
+          <a:lstStyle>
+            <a:lvl1pPr algn="r">
+              <a:defRPr sz="1200"/>
+            </a:lvl1pPr>
+          </a:lstStyle>
+          <a:p>
+            <a:fld id="{C02CF9BA-860C-463A-B4B5-4702C1C6AAB2}" type="datetimeFigureOut">
+              <a:rPr lang="pl-PL" smtClean="0"/>
+              <a:t>22.09.2020</a:t>
+            </a:fld>
+            <a:endParaRPr lang="pl-PL"/>
+          </a:p>
+        </p:txBody>
+      </p:sp>
+      <p:sp>
+        <p:nvSpPr>
+          <p:cNvPr id="4" name="Symbol zastępczy stopki 3">
+            <a:extLst>
+              <a:ext uri="{FF2B5EF4-FFF2-40B4-BE49-F238E27FC236}">
+                <a16:creationId xmlns:a16="http://schemas.microsoft.com/office/drawing/2014/main" id="{8E2CE6EF-AF69-458C-8B5A-718CA814B3CA}"/>
+              </a:ext>
+            </a:extLst>
+          </p:cNvPr>
+          <p:cNvSpPr>
+            <a:spLocks noGrp="1"/>
+          </p:cNvSpPr>
+          <p:nvPr>
+            <p:ph type="ftr" sz="quarter" idx="2"/>
+          </p:nvPr>
+        </p:nvSpPr>
+        <p:spPr>
+          <a:xfrm>
+            <a:off x="0" y="8685213"/>
+            <a:ext cx="2971800" cy="458787"/>
+          </a:xfrm>
+          <a:prstGeom prst="rect">
+            <a:avLst/>
+          </a:prstGeom>
+        </p:spPr>
+        <p:txBody>
+          <a:bodyPr vert="horz" lIns="91440" tIns="45720" rIns="91440" bIns="45720" rtlCol="0" anchor="b"/>
+          <a:lstStyle>
+            <a:lvl1pPr algn="l">
+              <a:defRPr sz="1200"/>
+            </a:lvl1pPr>
+          </a:lstStyle>
+          <a:p>
+            <a:endParaRPr lang="pl-PL"/>
+          </a:p>
+        </p:txBody>
+      </p:sp>
+      <p:sp>
+        <p:nvSpPr>
+          <p:cNvPr id="5" name="Symbol zastępczy numeru slajdu 4">
+            <a:extLst>
+              <a:ext uri="{FF2B5EF4-FFF2-40B4-BE49-F238E27FC236}">
+                <a16:creationId xmlns:a16="http://schemas.microsoft.com/office/drawing/2014/main" id="{3CA0531A-D20B-4076-87C6-3A40A35BAB1E}"/>
+              </a:ext>
+            </a:extLst>
+          </p:cNvPr>
+          <p:cNvSpPr>
+            <a:spLocks noGrp="1"/>
+          </p:cNvSpPr>
+          <p:nvPr>
+            <p:ph type="sldNum" sz="quarter" idx="3"/>
+          </p:nvPr>
+        </p:nvSpPr>
+        <p:spPr>
+          <a:xfrm>
+            <a:off x="3884613" y="8685213"/>
+            <a:ext cx="2971800" cy="458787"/>
+          </a:xfrm>
+          <a:prstGeom prst="rect">
+            <a:avLst/>
+          </a:prstGeom>
+        </p:spPr>
+        <p:txBody>
+          <a:bodyPr vert="horz" lIns="91440" tIns="45720" rIns="91440" bIns="45720" rtlCol="0" anchor="b"/>
+          <a:lstStyle>
+            <a:lvl1pPr algn="r">
+              <a:defRPr sz="1200"/>
+            </a:lvl1pPr>
+          </a:lstStyle>
+          <a:p>
+            <a:fld id="{35D1F3FA-7210-4188-A69B-02584F9FE495}" type="slidenum">
+              <a:rPr lang="pl-PL" smtClean="0"/>
+              <a:t>‹#›</a:t>
+            </a:fld>
+            <a:endParaRPr lang="pl-PL"/>
+          </a:p>
+        </p:txBody>
+      </p:sp>
+    </p:spTree>
+    <p:extLst>
+      <p:ext uri="{BB962C8B-B14F-4D97-AF65-F5344CB8AC3E}">
+        <p14:creationId xmlns:p14="http://schemas.microsoft.com/office/powerpoint/2010/main" val="3848733869"/>
+      </p:ext>
+    </p:extLst>
+  </p:cSld>
+  <p:clrMap bg1="lt1" tx1="dk1" bg2="lt2" tx2="dk2" accent1="accent1" accent2="accent2" accent3="accent3" accent4="accent4" accent5="accent5" accent6="accent6" hlink="hlink" folHlink="folHlink"/>
+</p:handoutMaster>
 </file>
 
 <file path=ppt/notesMasters/notesMaster1.xml><?xml version="1.0" encoding="utf-8"?>
@@ -209,7 +413,7 @@
           <a:p>
             <a:fld id="{CE2FD119-FAB2-411A-854B-73B505FF6B4C}" type="datetimeFigureOut">
               <a:rPr lang="pl-PL" smtClean="0"/>
-              <a:t>21.09.2020</a:t>
+              <a:t>22.09.2020</a:t>
             </a:fld>
             <a:endParaRPr lang="pl-PL"/>
           </a:p>
@@ -607,6 +811,62 @@
           <a:bodyPr/>
           <a:lstStyle/>
           <a:p>
+            <a:pPr marL="0" marR="0" lvl="0" indent="0" algn="l" defTabSz="914400" rtl="0" eaLnBrk="1" fontAlgn="auto" latinLnBrk="0" hangingPunct="1">
+              <a:lnSpc>
+                <a:spcPct val="100000"/>
+              </a:lnSpc>
+              <a:spcBef>
+                <a:spcPts val="0"/>
+              </a:spcBef>
+              <a:spcAft>
+                <a:spcPts val="0"/>
+              </a:spcAft>
+              <a:buClrTx/>
+              <a:buSzTx/>
+              <a:buFontTx/>
+              <a:buNone/>
+              <a:tabLst/>
+              <a:defRPr/>
+            </a:pPr>
+            <a:r>
+              <a:rPr lang="pl-PL" dirty="0"/>
+              <a:t>Najpierw zaprogramować gracza w jednej klasie potem rozdzielić na </a:t>
+            </a:r>
+            <a:r>
+              <a:rPr lang="pl-PL" dirty="0" err="1"/>
+              <a:t>base</a:t>
+            </a:r>
+            <a:r>
+              <a:rPr lang="pl-PL" dirty="0"/>
+              <a:t> i </a:t>
+            </a:r>
+            <a:r>
+              <a:rPr lang="pl-PL" dirty="0" err="1"/>
+              <a:t>player</a:t>
+            </a:r>
+            <a:endParaRPr lang="pl-PL" dirty="0"/>
+          </a:p>
+          <a:p>
+            <a:pPr marL="0" marR="0" lvl="0" indent="0" algn="l" defTabSz="914400" rtl="0" eaLnBrk="1" fontAlgn="auto" latinLnBrk="0" hangingPunct="1">
+              <a:lnSpc>
+                <a:spcPct val="100000"/>
+              </a:lnSpc>
+              <a:spcBef>
+                <a:spcPts val="0"/>
+              </a:spcBef>
+              <a:spcAft>
+                <a:spcPts val="0"/>
+              </a:spcAft>
+              <a:buClrTx/>
+              <a:buSzTx/>
+              <a:buFontTx/>
+              <a:buNone/>
+              <a:tabLst/>
+              <a:defRPr/>
+            </a:pPr>
+            <a:endParaRPr lang="pl-PL" dirty="0"/>
+          </a:p>
+          <a:p>
             <a:pPr marL="228600" indent="-228600">
               <a:buAutoNum type="arabicPeriod"/>
             </a:pPr>
@@ -668,7 +928,7 @@
           <a:p>
             <a:fld id="{F895E939-9B44-4E30-8BB9-C3B70D62160D}" type="slidenum">
               <a:rPr lang="pl-PL" smtClean="0"/>
-              <a:t>11</a:t>
+              <a:t>14</a:t>
             </a:fld>
             <a:endParaRPr lang="pl-PL"/>
           </a:p>
@@ -733,13 +993,8 @@
           <a:p>
             <a:r>
               <a:rPr lang="pl-PL" dirty="0"/>
-              <a:t>Dodać enemy na podstawie Player i </a:t>
-            </a:r>
-            <a:r>
-              <a:rPr lang="pl-PL" dirty="0" err="1"/>
-              <a:t>base</a:t>
-            </a:r>
-            <a:endParaRPr lang="pl-PL" dirty="0"/>
+              <a:t>Dodać enemy na podstawie Player i Base</a:t>
+            </a:r>
           </a:p>
         </p:txBody>
       </p:sp>
@@ -760,7 +1015,7 @@
           <a:p>
             <a:fld id="{F895E939-9B44-4E30-8BB9-C3B70D62160D}" type="slidenum">
               <a:rPr lang="pl-PL" smtClean="0"/>
-              <a:t>13</a:t>
+              <a:t>17</a:t>
             </a:fld>
             <a:endParaRPr lang="pl-PL"/>
           </a:p>
@@ -770,6 +1025,412 @@
     <p:extLst>
       <p:ext uri="{BB962C8B-B14F-4D97-AF65-F5344CB8AC3E}">
         <p14:creationId xmlns:p14="http://schemas.microsoft.com/office/powerpoint/2010/main" val="1126669537"/>
+      </p:ext>
+    </p:extLst>
+  </p:cSld>
+  <p:clrMapOvr>
+    <a:masterClrMapping/>
+  </p:clrMapOvr>
+</p:notes>
+</file>
+
+<file path=ppt/notesSlides/notesSlide12.xml><?xml version="1.0" encoding="utf-8"?>
+<p:notes xmlns:a="http://schemas.openxmlformats.org/drawingml/2006/main" xmlns:r="http://schemas.openxmlformats.org/officeDocument/2006/relationships" xmlns:p="http://schemas.openxmlformats.org/presentationml/2006/main">
+  <p:cSld>
+    <p:spTree>
+      <p:nvGrpSpPr>
+        <p:cNvPr id="1" name=""/>
+        <p:cNvGrpSpPr/>
+        <p:nvPr/>
+      </p:nvGrpSpPr>
+      <p:grpSpPr>
+        <a:xfrm>
+          <a:off x="0" y="0"/>
+          <a:ext cx="0" cy="0"/>
+          <a:chOff x="0" y="0"/>
+          <a:chExt cx="0" cy="0"/>
+        </a:xfrm>
+      </p:grpSpPr>
+      <p:sp>
+        <p:nvSpPr>
+          <p:cNvPr id="2" name="Symbol zastępczy obrazu slajdu 1"/>
+          <p:cNvSpPr>
+            <a:spLocks noGrp="1" noRot="1" noChangeAspect="1"/>
+          </p:cNvSpPr>
+          <p:nvPr>
+            <p:ph type="sldImg"/>
+          </p:nvPr>
+        </p:nvSpPr>
+        <p:spPr/>
+      </p:sp>
+      <p:sp>
+        <p:nvSpPr>
+          <p:cNvPr id="3" name="Symbol zastępczy notatek 2"/>
+          <p:cNvSpPr>
+            <a:spLocks noGrp="1"/>
+          </p:cNvSpPr>
+          <p:nvPr>
+            <p:ph type="body" idx="1"/>
+          </p:nvPr>
+        </p:nvSpPr>
+        <p:spPr/>
+        <p:txBody>
+          <a:bodyPr/>
+          <a:lstStyle/>
+          <a:p>
+            <a:endParaRPr lang="pl-PL" dirty="0"/>
+          </a:p>
+        </p:txBody>
+      </p:sp>
+      <p:sp>
+        <p:nvSpPr>
+          <p:cNvPr id="4" name="Symbol zastępczy numeru slajdu 3"/>
+          <p:cNvSpPr>
+            <a:spLocks noGrp="1"/>
+          </p:cNvSpPr>
+          <p:nvPr>
+            <p:ph type="sldNum" sz="quarter" idx="5"/>
+          </p:nvPr>
+        </p:nvSpPr>
+        <p:spPr/>
+        <p:txBody>
+          <a:bodyPr/>
+          <a:lstStyle/>
+          <a:p>
+            <a:fld id="{F895E939-9B44-4E30-8BB9-C3B70D62160D}" type="slidenum">
+              <a:rPr lang="pl-PL" smtClean="0"/>
+              <a:t>18</a:t>
+            </a:fld>
+            <a:endParaRPr lang="pl-PL"/>
+          </a:p>
+        </p:txBody>
+      </p:sp>
+    </p:spTree>
+    <p:extLst>
+      <p:ext uri="{BB962C8B-B14F-4D97-AF65-F5344CB8AC3E}">
+        <p14:creationId xmlns:p14="http://schemas.microsoft.com/office/powerpoint/2010/main" val="1063459164"/>
+      </p:ext>
+    </p:extLst>
+  </p:cSld>
+  <p:clrMapOvr>
+    <a:masterClrMapping/>
+  </p:clrMapOvr>
+</p:notes>
+</file>
+
+<file path=ppt/notesSlides/notesSlide13.xml><?xml version="1.0" encoding="utf-8"?>
+<p:notes xmlns:a="http://schemas.openxmlformats.org/drawingml/2006/main" xmlns:r="http://schemas.openxmlformats.org/officeDocument/2006/relationships" xmlns:p="http://schemas.openxmlformats.org/presentationml/2006/main">
+  <p:cSld>
+    <p:spTree>
+      <p:nvGrpSpPr>
+        <p:cNvPr id="1" name=""/>
+        <p:cNvGrpSpPr/>
+        <p:nvPr/>
+      </p:nvGrpSpPr>
+      <p:grpSpPr>
+        <a:xfrm>
+          <a:off x="0" y="0"/>
+          <a:ext cx="0" cy="0"/>
+          <a:chOff x="0" y="0"/>
+          <a:chExt cx="0" cy="0"/>
+        </a:xfrm>
+      </p:grpSpPr>
+      <p:sp>
+        <p:nvSpPr>
+          <p:cNvPr id="2" name="Symbol zastępczy obrazu slajdu 1"/>
+          <p:cNvSpPr>
+            <a:spLocks noGrp="1" noRot="1" noChangeAspect="1"/>
+          </p:cNvSpPr>
+          <p:nvPr>
+            <p:ph type="sldImg"/>
+          </p:nvPr>
+        </p:nvSpPr>
+        <p:spPr/>
+      </p:sp>
+      <p:sp>
+        <p:nvSpPr>
+          <p:cNvPr id="3" name="Symbol zastępczy notatek 2"/>
+          <p:cNvSpPr>
+            <a:spLocks noGrp="1"/>
+          </p:cNvSpPr>
+          <p:nvPr>
+            <p:ph type="body" idx="1"/>
+          </p:nvPr>
+        </p:nvSpPr>
+        <p:spPr/>
+        <p:txBody>
+          <a:bodyPr/>
+          <a:lstStyle/>
+          <a:p>
+            <a:endParaRPr lang="pl-PL" dirty="0"/>
+          </a:p>
+        </p:txBody>
+      </p:sp>
+      <p:sp>
+        <p:nvSpPr>
+          <p:cNvPr id="4" name="Symbol zastępczy numeru slajdu 3"/>
+          <p:cNvSpPr>
+            <a:spLocks noGrp="1"/>
+          </p:cNvSpPr>
+          <p:nvPr>
+            <p:ph type="sldNum" sz="quarter" idx="5"/>
+          </p:nvPr>
+        </p:nvSpPr>
+        <p:spPr/>
+        <p:txBody>
+          <a:bodyPr/>
+          <a:lstStyle/>
+          <a:p>
+            <a:fld id="{F895E939-9B44-4E30-8BB9-C3B70D62160D}" type="slidenum">
+              <a:rPr lang="pl-PL" smtClean="0"/>
+              <a:t>19</a:t>
+            </a:fld>
+            <a:endParaRPr lang="pl-PL"/>
+          </a:p>
+        </p:txBody>
+      </p:sp>
+    </p:spTree>
+    <p:extLst>
+      <p:ext uri="{BB962C8B-B14F-4D97-AF65-F5344CB8AC3E}">
+        <p14:creationId xmlns:p14="http://schemas.microsoft.com/office/powerpoint/2010/main" val="879933056"/>
+      </p:ext>
+    </p:extLst>
+  </p:cSld>
+  <p:clrMapOvr>
+    <a:masterClrMapping/>
+  </p:clrMapOvr>
+</p:notes>
+</file>
+
+<file path=ppt/notesSlides/notesSlide14.xml><?xml version="1.0" encoding="utf-8"?>
+<p:notes xmlns:a="http://schemas.openxmlformats.org/drawingml/2006/main" xmlns:r="http://schemas.openxmlformats.org/officeDocument/2006/relationships" xmlns:p="http://schemas.openxmlformats.org/presentationml/2006/main">
+  <p:cSld>
+    <p:spTree>
+      <p:nvGrpSpPr>
+        <p:cNvPr id="1" name=""/>
+        <p:cNvGrpSpPr/>
+        <p:nvPr/>
+      </p:nvGrpSpPr>
+      <p:grpSpPr>
+        <a:xfrm>
+          <a:off x="0" y="0"/>
+          <a:ext cx="0" cy="0"/>
+          <a:chOff x="0" y="0"/>
+          <a:chExt cx="0" cy="0"/>
+        </a:xfrm>
+      </p:grpSpPr>
+      <p:sp>
+        <p:nvSpPr>
+          <p:cNvPr id="2" name="Symbol zastępczy obrazu slajdu 1"/>
+          <p:cNvSpPr>
+            <a:spLocks noGrp="1" noRot="1" noChangeAspect="1"/>
+          </p:cNvSpPr>
+          <p:nvPr>
+            <p:ph type="sldImg"/>
+          </p:nvPr>
+        </p:nvSpPr>
+        <p:spPr/>
+      </p:sp>
+      <p:sp>
+        <p:nvSpPr>
+          <p:cNvPr id="3" name="Symbol zastępczy notatek 2"/>
+          <p:cNvSpPr>
+            <a:spLocks noGrp="1"/>
+          </p:cNvSpPr>
+          <p:nvPr>
+            <p:ph type="body" idx="1"/>
+          </p:nvPr>
+        </p:nvSpPr>
+        <p:spPr/>
+        <p:txBody>
+          <a:bodyPr/>
+          <a:lstStyle/>
+          <a:p>
+            <a:r>
+              <a:rPr lang="pl-PL" dirty="0"/>
+              <a:t>Grupy kolizji w </a:t>
+            </a:r>
+            <a:r>
+              <a:rPr lang="pl-PL" dirty="0" err="1"/>
+              <a:t>globalach</a:t>
+            </a:r>
+            <a:r>
+              <a:rPr lang="pl-PL" dirty="0"/>
+              <a:t>,</a:t>
+            </a:r>
+          </a:p>
+          <a:p>
+            <a:r>
+              <a:rPr lang="pl-PL" dirty="0"/>
+              <a:t>Detekcja kolizji w Enemy </a:t>
+            </a:r>
+            <a:r>
+              <a:rPr lang="pl-PL" dirty="0" err="1"/>
+              <a:t>Controler</a:t>
+            </a:r>
+            <a:r>
+              <a:rPr lang="pl-PL" dirty="0"/>
+              <a:t> i Player</a:t>
+            </a:r>
+          </a:p>
+          <a:p>
+            <a:r>
+              <a:rPr lang="pl-PL" dirty="0" err="1"/>
+              <a:t>Bullets</a:t>
+            </a:r>
+            <a:r>
+              <a:rPr lang="pl-PL" dirty="0"/>
+              <a:t> jako przykład że nie wszystko musi być klasami</a:t>
+            </a:r>
+          </a:p>
+        </p:txBody>
+      </p:sp>
+      <p:sp>
+        <p:nvSpPr>
+          <p:cNvPr id="4" name="Symbol zastępczy numeru slajdu 3"/>
+          <p:cNvSpPr>
+            <a:spLocks noGrp="1"/>
+          </p:cNvSpPr>
+          <p:nvPr>
+            <p:ph type="sldNum" sz="quarter" idx="5"/>
+          </p:nvPr>
+        </p:nvSpPr>
+        <p:spPr/>
+        <p:txBody>
+          <a:bodyPr/>
+          <a:lstStyle/>
+          <a:p>
+            <a:fld id="{F895E939-9B44-4E30-8BB9-C3B70D62160D}" type="slidenum">
+              <a:rPr lang="pl-PL" smtClean="0"/>
+              <a:t>20</a:t>
+            </a:fld>
+            <a:endParaRPr lang="pl-PL"/>
+          </a:p>
+        </p:txBody>
+      </p:sp>
+    </p:spTree>
+    <p:extLst>
+      <p:ext uri="{BB962C8B-B14F-4D97-AF65-F5344CB8AC3E}">
+        <p14:creationId xmlns:p14="http://schemas.microsoft.com/office/powerpoint/2010/main" val="1673962630"/>
+      </p:ext>
+    </p:extLst>
+  </p:cSld>
+  <p:clrMapOvr>
+    <a:masterClrMapping/>
+  </p:clrMapOvr>
+</p:notes>
+</file>
+
+<file path=ppt/notesSlides/notesSlide15.xml><?xml version="1.0" encoding="utf-8"?>
+<p:notes xmlns:a="http://schemas.openxmlformats.org/drawingml/2006/main" xmlns:r="http://schemas.openxmlformats.org/officeDocument/2006/relationships" xmlns:p="http://schemas.openxmlformats.org/presentationml/2006/main">
+  <p:cSld>
+    <p:spTree>
+      <p:nvGrpSpPr>
+        <p:cNvPr id="1" name=""/>
+        <p:cNvGrpSpPr/>
+        <p:nvPr/>
+      </p:nvGrpSpPr>
+      <p:grpSpPr>
+        <a:xfrm>
+          <a:off x="0" y="0"/>
+          <a:ext cx="0" cy="0"/>
+          <a:chOff x="0" y="0"/>
+          <a:chExt cx="0" cy="0"/>
+        </a:xfrm>
+      </p:grpSpPr>
+      <p:sp>
+        <p:nvSpPr>
+          <p:cNvPr id="2" name="Symbol zastępczy obrazu slajdu 1"/>
+          <p:cNvSpPr>
+            <a:spLocks noGrp="1" noRot="1" noChangeAspect="1"/>
+          </p:cNvSpPr>
+          <p:nvPr>
+            <p:ph type="sldImg"/>
+          </p:nvPr>
+        </p:nvSpPr>
+        <p:spPr/>
+      </p:sp>
+      <p:sp>
+        <p:nvSpPr>
+          <p:cNvPr id="3" name="Symbol zastępczy notatek 2"/>
+          <p:cNvSpPr>
+            <a:spLocks noGrp="1"/>
+          </p:cNvSpPr>
+          <p:nvPr>
+            <p:ph type="body" idx="1"/>
+          </p:nvPr>
+        </p:nvSpPr>
+        <p:spPr/>
+        <p:txBody>
+          <a:bodyPr/>
+          <a:lstStyle/>
+          <a:p>
+            <a:r>
+              <a:rPr lang="pl-PL" dirty="0"/>
+              <a:t>Grupy kolizji w </a:t>
+            </a:r>
+            <a:r>
+              <a:rPr lang="pl-PL" dirty="0" err="1"/>
+              <a:t>globalach</a:t>
+            </a:r>
+            <a:r>
+              <a:rPr lang="pl-PL" dirty="0"/>
+              <a:t>,</a:t>
+            </a:r>
+          </a:p>
+          <a:p>
+            <a:r>
+              <a:rPr lang="pl-PL" dirty="0"/>
+              <a:t>Detekcja kolizji w Enemy </a:t>
+            </a:r>
+            <a:r>
+              <a:rPr lang="pl-PL" dirty="0" err="1"/>
+              <a:t>Controler</a:t>
+            </a:r>
+            <a:r>
+              <a:rPr lang="pl-PL" dirty="0"/>
+              <a:t> i Player</a:t>
+            </a:r>
+          </a:p>
+          <a:p>
+            <a:r>
+              <a:rPr lang="pl-PL" dirty="0" err="1"/>
+              <a:t>Bullets</a:t>
+            </a:r>
+            <a:r>
+              <a:rPr lang="pl-PL" dirty="0"/>
+              <a:t> jako przykład że nie wszystko musi być klasami</a:t>
+            </a:r>
+          </a:p>
+        </p:txBody>
+      </p:sp>
+      <p:sp>
+        <p:nvSpPr>
+          <p:cNvPr id="4" name="Symbol zastępczy numeru slajdu 3"/>
+          <p:cNvSpPr>
+            <a:spLocks noGrp="1"/>
+          </p:cNvSpPr>
+          <p:nvPr>
+            <p:ph type="sldNum" sz="quarter" idx="5"/>
+          </p:nvPr>
+        </p:nvSpPr>
+        <p:spPr/>
+        <p:txBody>
+          <a:bodyPr/>
+          <a:lstStyle/>
+          <a:p>
+            <a:fld id="{F895E939-9B44-4E30-8BB9-C3B70D62160D}" type="slidenum">
+              <a:rPr lang="pl-PL" smtClean="0"/>
+              <a:t>22</a:t>
+            </a:fld>
+            <a:endParaRPr lang="pl-PL"/>
+          </a:p>
+        </p:txBody>
+      </p:sp>
+    </p:spTree>
+    <p:extLst>
+      <p:ext uri="{BB962C8B-B14F-4D97-AF65-F5344CB8AC3E}">
+        <p14:creationId xmlns:p14="http://schemas.microsoft.com/office/powerpoint/2010/main" val="73075692"/>
       </p:ext>
     </p:extLst>
   </p:cSld>
@@ -1607,7 +2268,7 @@
           <a:p>
             <a:fld id="{F895E939-9B44-4E30-8BB9-C3B70D62160D}" type="slidenum">
               <a:rPr lang="pl-PL" smtClean="0"/>
-              <a:t>7</a:t>
+              <a:t>8</a:t>
             </a:fld>
             <a:endParaRPr lang="pl-PL"/>
           </a:p>
@@ -1691,7 +2352,7 @@
           <a:p>
             <a:fld id="{F895E939-9B44-4E30-8BB9-C3B70D62160D}" type="slidenum">
               <a:rPr lang="pl-PL" smtClean="0"/>
-              <a:t>8</a:t>
+              <a:t>9</a:t>
             </a:fld>
             <a:endParaRPr lang="pl-PL"/>
           </a:p>
@@ -3600,7 +4261,7 @@
           <a:p>
             <a:fld id="{F895E939-9B44-4E30-8BB9-C3B70D62160D}" type="slidenum">
               <a:rPr lang="pl-PL" smtClean="0"/>
-              <a:t>9</a:t>
+              <a:t>11</a:t>
             </a:fld>
             <a:endParaRPr lang="pl-PL"/>
           </a:p>
@@ -3663,22 +4324,6 @@
           <a:bodyPr/>
           <a:lstStyle/>
           <a:p>
-            <a:r>
-              <a:rPr lang="pl-PL" dirty="0"/>
-              <a:t>Najpierw zaprogramować gracza w jednej klasie potem rozdzielić na </a:t>
-            </a:r>
-            <a:r>
-              <a:rPr lang="pl-PL" dirty="0" err="1"/>
-              <a:t>base</a:t>
-            </a:r>
-            <a:r>
-              <a:rPr lang="pl-PL" dirty="0"/>
-              <a:t> i </a:t>
-            </a:r>
-            <a:r>
-              <a:rPr lang="pl-PL" dirty="0" err="1"/>
-              <a:t>player</a:t>
-            </a:r>
             <a:endParaRPr lang="pl-PL" dirty="0"/>
           </a:p>
         </p:txBody>
@@ -3700,7 +4345,7 @@
           <a:p>
             <a:fld id="{F895E939-9B44-4E30-8BB9-C3B70D62160D}" type="slidenum">
               <a:rPr lang="pl-PL" smtClean="0"/>
-              <a:t>10</a:t>
+              <a:t>12</a:t>
             </a:fld>
             <a:endParaRPr lang="pl-PL"/>
           </a:p>
@@ -3944,7 +4589,7 @@
             <a:fld id="{5586B75A-687E-405C-8A0B-8D00578BA2C3}" type="datetimeFigureOut">
               <a:rPr lang="en-US" dirty="0"/>
               <a:pPr/>
-              <a:t>9/21/2020</a:t>
+              <a:t>9/22/2020</a:t>
             </a:fld>
             <a:endParaRPr lang="en-US" dirty="0"/>
           </a:p>
@@ -4214,7 +4859,7 @@
             <a:fld id="{5586B75A-687E-405C-8A0B-8D00578BA2C3}" type="datetimeFigureOut">
               <a:rPr lang="en-US" dirty="0"/>
               <a:pPr/>
-              <a:t>9/21/2020</a:t>
+              <a:t>9/22/2020</a:t>
             </a:fld>
             <a:endParaRPr lang="en-US" dirty="0"/>
           </a:p>
@@ -4386,7 +5031,7 @@
             <a:fld id="{5586B75A-687E-405C-8A0B-8D00578BA2C3}" type="datetimeFigureOut">
               <a:rPr lang="en-US" dirty="0"/>
               <a:pPr/>
-              <a:t>9/21/2020</a:t>
+              <a:t>9/22/2020</a:t>
             </a:fld>
             <a:endParaRPr lang="en-US" dirty="0"/>
           </a:p>
@@ -4563,7 +5208,7 @@
             <a:fld id="{5586B75A-687E-405C-8A0B-8D00578BA2C3}" type="datetimeFigureOut">
               <a:rPr lang="en-US" dirty="0"/>
               <a:pPr/>
-              <a:t>9/21/2020</a:t>
+              <a:t>9/22/2020</a:t>
             </a:fld>
             <a:endParaRPr lang="en-US" dirty="0"/>
           </a:p>
@@ -4921,7 +5566,7 @@
             <a:fld id="{5586B75A-687E-405C-8A0B-8D00578BA2C3}" type="datetimeFigureOut">
               <a:rPr lang="en-US" dirty="0"/>
               <a:pPr/>
-              <a:t>9/21/2020</a:t>
+              <a:t>9/22/2020</a:t>
             </a:fld>
             <a:endParaRPr lang="en-US" dirty="0"/>
           </a:p>
@@ -5176,7 +5821,7 @@
             <a:fld id="{5586B75A-687E-405C-8A0B-8D00578BA2C3}" type="datetimeFigureOut">
               <a:rPr lang="en-US" dirty="0"/>
               <a:pPr/>
-              <a:t>9/21/2020</a:t>
+              <a:t>9/22/2020</a:t>
             </a:fld>
             <a:endParaRPr lang="en-US" dirty="0"/>
           </a:p>
@@ -5461,7 +6106,7 @@
             <a:fld id="{5586B75A-687E-405C-8A0B-8D00578BA2C3}" type="datetimeFigureOut">
               <a:rPr lang="en-US" dirty="0"/>
               <a:pPr/>
-              <a:t>9/21/2020</a:t>
+              <a:t>9/22/2020</a:t>
             </a:fld>
             <a:endParaRPr lang="en-US" dirty="0"/>
           </a:p>
@@ -5900,7 +6545,7 @@
             <a:fld id="{5586B75A-687E-405C-8A0B-8D00578BA2C3}" type="datetimeFigureOut">
               <a:rPr lang="en-US" dirty="0"/>
               <a:pPr/>
-              <a:t>9/21/2020</a:t>
+              <a:t>9/22/2020</a:t>
             </a:fld>
             <a:endParaRPr lang="en-US" dirty="0"/>
           </a:p>
@@ -6015,7 +6660,7 @@
             <a:fld id="{5586B75A-687E-405C-8A0B-8D00578BA2C3}" type="datetimeFigureOut">
               <a:rPr lang="en-US" dirty="0"/>
               <a:pPr/>
-              <a:t>9/21/2020</a:t>
+              <a:t>9/22/2020</a:t>
             </a:fld>
             <a:endParaRPr lang="en-US" dirty="0"/>
           </a:p>
@@ -6107,7 +6752,7 @@
             <a:fld id="{5586B75A-687E-405C-8A0B-8D00578BA2C3}" type="datetimeFigureOut">
               <a:rPr lang="en-US" dirty="0"/>
               <a:pPr/>
-              <a:t>9/21/2020</a:t>
+              <a:t>9/22/2020</a:t>
             </a:fld>
             <a:endParaRPr lang="en-US" dirty="0"/>
           </a:p>
@@ -6392,7 +7037,7 @@
             <a:fld id="{5586B75A-687E-405C-8A0B-8D00578BA2C3}" type="datetimeFigureOut">
               <a:rPr lang="en-US" dirty="0"/>
               <a:pPr/>
-              <a:t>9/21/2020</a:t>
+              <a:t>9/22/2020</a:t>
             </a:fld>
             <a:endParaRPr lang="en-US" dirty="0"/>
           </a:p>
@@ -6690,7 +7335,7 @@
             <a:fld id="{5586B75A-687E-405C-8A0B-8D00578BA2C3}" type="datetimeFigureOut">
               <a:rPr lang="en-US" dirty="0"/>
               <a:pPr/>
-              <a:t>9/21/2020</a:t>
+              <a:t>9/22/2020</a:t>
             </a:fld>
             <a:endParaRPr lang="en-US" dirty="0"/>
           </a:p>
@@ -7263,10 +7908,10 @@
       </p:grpSpPr>
       <p:sp>
         <p:nvSpPr>
-          <p:cNvPr id="3" name="Tytuł 2">
+          <p:cNvPr id="4" name="Tytuł 3">
             <a:extLst>
               <a:ext uri="{FF2B5EF4-FFF2-40B4-BE49-F238E27FC236}">
-                <a16:creationId xmlns:a16="http://schemas.microsoft.com/office/drawing/2014/main" id="{C52C3893-154F-46C2-A934-D2801D895EFD}"/>
+                <a16:creationId xmlns:a16="http://schemas.microsoft.com/office/drawing/2014/main" id="{A4F30059-0E5F-44C1-BA94-2514DAF7AB17}"/>
               </a:ext>
             </a:extLst>
           </p:cNvPr>
@@ -7284,74 +7929,207 @@
           <a:p>
             <a:r>
               <a:rPr lang="pl-PL" dirty="0"/>
-              <a:t>Krok Trzeci</a:t>
-            </a:r>
-            <a:br>
-              <a:rPr lang="pl-PL" dirty="0"/>
-            </a:br>
-            <a:r>
-              <a:rPr lang="pl-PL" dirty="0"/>
-              <a:t>„Znak gracza”</a:t>
-            </a:r>
-          </a:p>
-        </p:txBody>
-      </p:sp>
-      <p:sp>
-        <p:nvSpPr>
-          <p:cNvPr id="4" name="Symbol zastępczy tekstu 3">
+              <a:t>Zmiany w Plikach</a:t>
+            </a:r>
+          </a:p>
+        </p:txBody>
+      </p:sp>
+      <p:sp>
+        <p:nvSpPr>
+          <p:cNvPr id="7" name="Prostokąt 6">
             <a:extLst>
               <a:ext uri="{FF2B5EF4-FFF2-40B4-BE49-F238E27FC236}">
-                <a16:creationId xmlns:a16="http://schemas.microsoft.com/office/drawing/2014/main" id="{4624C219-140A-4295-85B1-71A450723136}"/>
+                <a16:creationId xmlns:a16="http://schemas.microsoft.com/office/drawing/2014/main" id="{0284144B-42E3-46CA-BB0F-6E6305DADC73}"/>
               </a:ext>
             </a:extLst>
           </p:cNvPr>
-          <p:cNvSpPr>
-            <a:spLocks noGrp="1"/>
-          </p:cNvSpPr>
-          <p:nvPr>
-            <p:ph type="body" idx="1"/>
-          </p:nvPr>
-        </p:nvSpPr>
-        <p:spPr/>
-        <p:txBody>
-          <a:bodyPr/>
-          <a:lstStyle/>
-          <a:p>
-            <a:r>
-              <a:rPr lang="en-US" dirty="0" err="1"/>
-              <a:t>Teraz</a:t>
-            </a:r>
-            <a:r>
-              <a:rPr lang="en-US" dirty="0"/>
-              <a:t> </a:t>
-            </a:r>
-            <a:r>
-              <a:rPr lang="en-US" dirty="0" err="1"/>
-              <a:t>wiadomo</a:t>
-            </a:r>
-            <a:r>
-              <a:rPr lang="en-US" dirty="0"/>
-              <a:t> </a:t>
-            </a:r>
-            <a:r>
-              <a:rPr lang="en-US" dirty="0" err="1"/>
-              <a:t>czemu</a:t>
-            </a:r>
-            <a:r>
-              <a:rPr lang="en-US" dirty="0"/>
-              <a:t> </a:t>
-            </a:r>
-            <a:r>
-              <a:rPr lang="en-US" dirty="0" err="1"/>
-              <a:t>eventy</a:t>
-            </a:r>
-            <a:r>
-              <a:rPr lang="en-US" dirty="0"/>
-              <a:t> s</a:t>
-            </a:r>
+          <p:cNvSpPr/>
+          <p:nvPr/>
+        </p:nvSpPr>
+        <p:spPr>
+          <a:xfrm>
+            <a:off x="3869268" y="873252"/>
+            <a:ext cx="2555808" cy="914400"/>
+          </a:xfrm>
+          <a:prstGeom prst="rect">
+            <a:avLst/>
+          </a:prstGeom>
+        </p:spPr>
+        <p:style>
+          <a:lnRef idx="2">
+            <a:schemeClr val="accent1">
+              <a:shade val="50000"/>
+            </a:schemeClr>
+          </a:lnRef>
+          <a:fillRef idx="1">
+            <a:schemeClr val="accent1"/>
+          </a:fillRef>
+          <a:effectRef idx="0">
+            <a:schemeClr val="accent1"/>
+          </a:effectRef>
+          <a:fontRef idx="minor">
+            <a:schemeClr val="lt1"/>
+          </a:fontRef>
+        </p:style>
+        <p:txBody>
+          <a:bodyPr rtlCol="0" anchor="t"/>
+          <a:lstStyle/>
+          <a:p>
+            <a:pPr algn="ctr"/>
+            <a:r>
+              <a:rPr lang="pl-PL" dirty="0">
+                <a:latin typeface="Fira Code" panose="020B0809050000020004" pitchFamily="49" charset="0"/>
+                <a:ea typeface="Fira Code" panose="020B0809050000020004" pitchFamily="49" charset="0"/>
+                <a:cs typeface="Fira Code" panose="020B0809050000020004" pitchFamily="49" charset="0"/>
+              </a:rPr>
+              <a:t>main.py</a:t>
+            </a:r>
+          </a:p>
+          <a:p>
+            <a:pPr marL="85725" lvl="1">
+              <a:buSzPct val="100000"/>
+              <a:buFont typeface="Corbel" panose="020B0503020204020204" pitchFamily="34" charset="0"/>
+              <a:buChar char="-"/>
+            </a:pPr>
             <a:r>
               <a:rPr lang="pl-PL" dirty="0"/>
-              <a:t>ą w osobnym pliku</a:t>
+              <a:t>Tymczasowy kod do testowania klawiatury</a:t>
+            </a:r>
+          </a:p>
+        </p:txBody>
+      </p:sp>
+      <p:sp>
+        <p:nvSpPr>
+          <p:cNvPr id="11" name="Prostokąt 10">
+            <a:extLst>
+              <a:ext uri="{FF2B5EF4-FFF2-40B4-BE49-F238E27FC236}">
+                <a16:creationId xmlns:a16="http://schemas.microsoft.com/office/drawing/2014/main" id="{CB7704B9-FF7B-4417-B615-401906EE66F6}"/>
+              </a:ext>
+            </a:extLst>
+          </p:cNvPr>
+          <p:cNvSpPr/>
+          <p:nvPr/>
+        </p:nvSpPr>
+        <p:spPr>
+          <a:xfrm>
+            <a:off x="3869266" y="2390344"/>
+            <a:ext cx="2555809" cy="914400"/>
+          </a:xfrm>
+          <a:prstGeom prst="rect">
+            <a:avLst/>
+          </a:prstGeom>
+        </p:spPr>
+        <p:style>
+          <a:lnRef idx="2">
+            <a:schemeClr val="accent1">
+              <a:shade val="50000"/>
+            </a:schemeClr>
+          </a:lnRef>
+          <a:fillRef idx="1">
+            <a:schemeClr val="accent1"/>
+          </a:fillRef>
+          <a:effectRef idx="0">
+            <a:schemeClr val="accent1"/>
+          </a:effectRef>
+          <a:fontRef idx="minor">
+            <a:schemeClr val="lt1"/>
+          </a:fontRef>
+        </p:style>
+        <p:txBody>
+          <a:bodyPr rtlCol="0" anchor="t"/>
+          <a:lstStyle/>
+          <a:p>
+            <a:pPr algn="ctr"/>
+            <a:r>
+              <a:rPr lang="pl-PL" dirty="0">
+                <a:latin typeface="Fira Code" panose="020B0809050000020004" pitchFamily="49" charset="0"/>
+                <a:ea typeface="Fira Code" panose="020B0809050000020004" pitchFamily="49" charset="0"/>
+                <a:cs typeface="Fira Code" panose="020B0809050000020004" pitchFamily="49" charset="0"/>
+              </a:rPr>
+              <a:t>events.py</a:t>
+            </a:r>
+          </a:p>
+          <a:p>
+            <a:pPr>
+              <a:buFont typeface="Corbel" panose="020B0503020204020204" pitchFamily="34" charset="0"/>
+              <a:buChar char="-"/>
+            </a:pPr>
+            <a:r>
+              <a:rPr lang="pl-PL" dirty="0">
+                <a:ea typeface="Fira Code" panose="020B0809050000020004" pitchFamily="49" charset="0"/>
+                <a:cs typeface="Fira Code" panose="020B0809050000020004" pitchFamily="49" charset="0"/>
+              </a:rPr>
+              <a:t>Dodanie nowych flag na zdarzenia klawiatury</a:t>
+            </a:r>
+          </a:p>
+        </p:txBody>
+      </p:sp>
+      <p:sp>
+        <p:nvSpPr>
+          <p:cNvPr id="8" name="Prostokąt 7">
+            <a:extLst>
+              <a:ext uri="{FF2B5EF4-FFF2-40B4-BE49-F238E27FC236}">
+                <a16:creationId xmlns:a16="http://schemas.microsoft.com/office/drawing/2014/main" id="{F9C1A457-BEA1-49D3-AFBE-0E534E157EE1}"/>
+              </a:ext>
+            </a:extLst>
+          </p:cNvPr>
+          <p:cNvSpPr/>
+          <p:nvPr/>
+        </p:nvSpPr>
+        <p:spPr>
+          <a:xfrm>
+            <a:off x="3869266" y="3907436"/>
+            <a:ext cx="2555808" cy="588901"/>
+          </a:xfrm>
+          <a:prstGeom prst="rect">
+            <a:avLst/>
+          </a:prstGeom>
+        </p:spPr>
+        <p:style>
+          <a:lnRef idx="2">
+            <a:schemeClr val="accent1">
+              <a:shade val="50000"/>
+            </a:schemeClr>
+          </a:lnRef>
+          <a:fillRef idx="1">
+            <a:schemeClr val="accent1"/>
+          </a:fillRef>
+          <a:effectRef idx="0">
+            <a:schemeClr val="accent1"/>
+          </a:effectRef>
+          <a:fontRef idx="minor">
+            <a:schemeClr val="lt1"/>
+          </a:fontRef>
+        </p:style>
+        <p:txBody>
+          <a:bodyPr rtlCol="0" anchor="t"/>
+          <a:lstStyle/>
+          <a:p>
+            <a:pPr algn="ctr"/>
+            <a:r>
+              <a:rPr lang="pl-PL" dirty="0">
+                <a:latin typeface="Fira Code" panose="020B0809050000020004" pitchFamily="49" charset="0"/>
+                <a:ea typeface="Fira Code" panose="020B0809050000020004" pitchFamily="49" charset="0"/>
+                <a:cs typeface="Fira Code" panose="020B0809050000020004" pitchFamily="49" charset="0"/>
+              </a:rPr>
+              <a:t>loader.py</a:t>
+            </a:r>
+          </a:p>
+          <a:p>
+            <a:pPr>
+              <a:buFont typeface="Corbel" panose="020B0503020204020204" pitchFamily="34" charset="0"/>
+              <a:buChar char="-"/>
+              <a:tabLst>
+                <a:tab pos="0" algn="l"/>
+              </a:tabLst>
+            </a:pPr>
+            <a:r>
+              <a:rPr lang="pl-PL" dirty="0">
+                <a:latin typeface="+mj-lt"/>
+                <a:ea typeface="Fira Code" panose="020B0809050000020004" pitchFamily="49" charset="0"/>
+                <a:cs typeface="Fira Code" panose="020B0809050000020004" pitchFamily="49" charset="0"/>
+              </a:rPr>
+              <a:t>Wczytanie plików</a:t>
             </a:r>
           </a:p>
         </p:txBody>
@@ -7359,7 +8137,7 @@
     </p:spTree>
     <p:extLst>
       <p:ext uri="{BB962C8B-B14F-4D97-AF65-F5344CB8AC3E}">
-        <p14:creationId xmlns:p14="http://schemas.microsoft.com/office/powerpoint/2010/main" val="2235839334"/>
+        <p14:creationId xmlns:p14="http://schemas.microsoft.com/office/powerpoint/2010/main" val="2364991935"/>
       </p:ext>
     </p:extLst>
   </p:cSld>
@@ -7391,7 +8169,7 @@
           <p:cNvPr id="4" name="Tytuł 3">
             <a:extLst>
               <a:ext uri="{FF2B5EF4-FFF2-40B4-BE49-F238E27FC236}">
-                <a16:creationId xmlns:a16="http://schemas.microsoft.com/office/drawing/2014/main" id="{6C98E7D4-571C-43F8-9031-210ECD560F71}"/>
+                <a16:creationId xmlns:a16="http://schemas.microsoft.com/office/drawing/2014/main" id="{88294246-FBB7-4CF3-B140-FAE99286B0CD}"/>
               </a:ext>
             </a:extLst>
           </p:cNvPr>
@@ -7409,7 +8187,7 @@
           <a:p>
             <a:r>
               <a:rPr lang="pl-PL" dirty="0"/>
-              <a:t>Krok Trzeci: „Znak Gracza”</a:t>
+              <a:t>Krok Drugi: Obsługa klawiatury</a:t>
             </a:r>
           </a:p>
         </p:txBody>
@@ -7417,7 +8195,7 @@
     </p:spTree>
     <p:extLst>
       <p:ext uri="{BB962C8B-B14F-4D97-AF65-F5344CB8AC3E}">
-        <p14:creationId xmlns:p14="http://schemas.microsoft.com/office/powerpoint/2010/main" val="2056797221"/>
+        <p14:creationId xmlns:p14="http://schemas.microsoft.com/office/powerpoint/2010/main" val="3035302849"/>
       </p:ext>
     </p:extLst>
   </p:cSld>
@@ -7449,7 +8227,7 @@
           <p:cNvPr id="3" name="Tytuł 2">
             <a:extLst>
               <a:ext uri="{FF2B5EF4-FFF2-40B4-BE49-F238E27FC236}">
-                <a16:creationId xmlns:a16="http://schemas.microsoft.com/office/drawing/2014/main" id="{A82705B4-4497-42E1-9B12-4B55D5B4B0D7}"/>
+                <a16:creationId xmlns:a16="http://schemas.microsoft.com/office/drawing/2014/main" id="{C52C3893-154F-46C2-A934-D2801D895EFD}"/>
               </a:ext>
             </a:extLst>
           </p:cNvPr>
@@ -7467,14 +8245,14 @@
           <a:p>
             <a:r>
               <a:rPr lang="pl-PL" dirty="0"/>
-              <a:t>Krok Czwarty</a:t>
+              <a:t>Krok Trzeci</a:t>
             </a:r>
             <a:br>
               <a:rPr lang="pl-PL" dirty="0"/>
             </a:br>
             <a:r>
               <a:rPr lang="pl-PL" dirty="0"/>
-              <a:t>Przeciwnicy</a:t>
+              <a:t>„Znak gracza”</a:t>
             </a:r>
           </a:p>
         </p:txBody>
@@ -7484,7 +8262,7 @@
           <p:cNvPr id="4" name="Symbol zastępczy tekstu 3">
             <a:extLst>
               <a:ext uri="{FF2B5EF4-FFF2-40B4-BE49-F238E27FC236}">
-                <a16:creationId xmlns:a16="http://schemas.microsoft.com/office/drawing/2014/main" id="{F09098D3-7A35-4965-997A-7643818CB89D}"/>
+                <a16:creationId xmlns:a16="http://schemas.microsoft.com/office/drawing/2014/main" id="{4624C219-140A-4295-85B1-71A450723136}"/>
               </a:ext>
             </a:extLst>
           </p:cNvPr>
@@ -7500,14 +8278,17 @@
           <a:bodyPr/>
           <a:lstStyle/>
           <a:p>
-            <a:endParaRPr lang="pl-PL" dirty="0"/>
+            <a:r>
+              <a:rPr lang="pl-PL" dirty="0"/>
+              <a:t>Aktualny Status: Tech Demo</a:t>
+            </a:r>
           </a:p>
         </p:txBody>
       </p:sp>
     </p:spTree>
     <p:extLst>
       <p:ext uri="{BB962C8B-B14F-4D97-AF65-F5344CB8AC3E}">
-        <p14:creationId xmlns:p14="http://schemas.microsoft.com/office/powerpoint/2010/main" val="4142479184"/>
+        <p14:creationId xmlns:p14="http://schemas.microsoft.com/office/powerpoint/2010/main" val="2235839334"/>
       </p:ext>
     </p:extLst>
   </p:cSld>
@@ -7539,6 +8320,1079 @@
           <p:cNvPr id="4" name="Tytuł 3">
             <a:extLst>
               <a:ext uri="{FF2B5EF4-FFF2-40B4-BE49-F238E27FC236}">
+                <a16:creationId xmlns:a16="http://schemas.microsoft.com/office/drawing/2014/main" id="{A4F30059-0E5F-44C1-BA94-2514DAF7AB17}"/>
+              </a:ext>
+            </a:extLst>
+          </p:cNvPr>
+          <p:cNvSpPr>
+            <a:spLocks noGrp="1"/>
+          </p:cNvSpPr>
+          <p:nvPr>
+            <p:ph type="title"/>
+          </p:nvPr>
+        </p:nvSpPr>
+        <p:spPr/>
+        <p:txBody>
+          <a:bodyPr/>
+          <a:lstStyle/>
+          <a:p>
+            <a:r>
+              <a:rPr lang="pl-PL" dirty="0"/>
+              <a:t>Zmiany w Plikach</a:t>
+            </a:r>
+          </a:p>
+        </p:txBody>
+      </p:sp>
+      <p:sp>
+        <p:nvSpPr>
+          <p:cNvPr id="5" name="Symbol zastępczy zawartości 4">
+            <a:extLst>
+              <a:ext uri="{FF2B5EF4-FFF2-40B4-BE49-F238E27FC236}">
+                <a16:creationId xmlns:a16="http://schemas.microsoft.com/office/drawing/2014/main" id="{8E3DED06-1798-45C4-B141-AEA17C7D328B}"/>
+              </a:ext>
+            </a:extLst>
+          </p:cNvPr>
+          <p:cNvSpPr>
+            <a:spLocks noGrp="1"/>
+          </p:cNvSpPr>
+          <p:nvPr>
+            <p:ph idx="1"/>
+          </p:nvPr>
+        </p:nvSpPr>
+        <p:spPr/>
+        <p:txBody>
+          <a:bodyPr/>
+          <a:lstStyle/>
+          <a:p>
+            <a:endParaRPr lang="pl-PL" dirty="0"/>
+          </a:p>
+        </p:txBody>
+      </p:sp>
+      <p:sp>
+        <p:nvSpPr>
+          <p:cNvPr id="7" name="Prostokąt 6">
+            <a:extLst>
+              <a:ext uri="{FF2B5EF4-FFF2-40B4-BE49-F238E27FC236}">
+                <a16:creationId xmlns:a16="http://schemas.microsoft.com/office/drawing/2014/main" id="{0284144B-42E3-46CA-BB0F-6E6305DADC73}"/>
+              </a:ext>
+            </a:extLst>
+          </p:cNvPr>
+          <p:cNvSpPr/>
+          <p:nvPr/>
+        </p:nvSpPr>
+        <p:spPr>
+          <a:xfrm>
+            <a:off x="3869268" y="873251"/>
+            <a:ext cx="2555808" cy="1545773"/>
+          </a:xfrm>
+          <a:prstGeom prst="rect">
+            <a:avLst/>
+          </a:prstGeom>
+        </p:spPr>
+        <p:style>
+          <a:lnRef idx="2">
+            <a:schemeClr val="accent1">
+              <a:shade val="50000"/>
+            </a:schemeClr>
+          </a:lnRef>
+          <a:fillRef idx="1">
+            <a:schemeClr val="accent1"/>
+          </a:fillRef>
+          <a:effectRef idx="0">
+            <a:schemeClr val="accent1"/>
+          </a:effectRef>
+          <a:fontRef idx="minor">
+            <a:schemeClr val="lt1"/>
+          </a:fontRef>
+        </p:style>
+        <p:txBody>
+          <a:bodyPr rtlCol="0" anchor="t"/>
+          <a:lstStyle/>
+          <a:p>
+            <a:pPr algn="ctr"/>
+            <a:r>
+              <a:rPr lang="pl-PL" dirty="0">
+                <a:latin typeface="Fira Code" panose="020B0809050000020004" pitchFamily="49" charset="0"/>
+                <a:ea typeface="Fira Code" panose="020B0809050000020004" pitchFamily="49" charset="0"/>
+                <a:cs typeface="Fira Code" panose="020B0809050000020004" pitchFamily="49" charset="0"/>
+              </a:rPr>
+              <a:t>main.py</a:t>
+            </a:r>
+          </a:p>
+          <a:p>
+            <a:pPr marL="85725" lvl="1">
+              <a:buSzPct val="100000"/>
+              <a:buFont typeface="Corbel" panose="020B0503020204020204" pitchFamily="34" charset="0"/>
+              <a:buChar char="-"/>
+            </a:pPr>
+            <a:r>
+              <a:rPr lang="pl-PL" dirty="0"/>
+              <a:t>Inicjalizacja gracza</a:t>
+            </a:r>
+          </a:p>
+          <a:p>
+            <a:pPr marL="85725" lvl="1">
+              <a:buSzPct val="100000"/>
+              <a:buFont typeface="Corbel" panose="020B0503020204020204" pitchFamily="34" charset="0"/>
+              <a:buChar char="-"/>
+            </a:pPr>
+            <a:r>
+              <a:rPr lang="pl-PL" dirty="0"/>
+              <a:t>W pętli głównej: </a:t>
+            </a:r>
+          </a:p>
+          <a:p>
+            <a:pPr marL="177800" lvl="2">
+              <a:buSzPct val="100000"/>
+              <a:buFont typeface="Corbel" panose="020B0503020204020204" pitchFamily="34" charset="0"/>
+              <a:buChar char="-"/>
+            </a:pPr>
+            <a:r>
+              <a:rPr lang="pl-PL" dirty="0"/>
+              <a:t>Przeliczanie fizyki i wyświetlanie gracza </a:t>
+            </a:r>
+          </a:p>
+        </p:txBody>
+      </p:sp>
+      <p:sp>
+        <p:nvSpPr>
+          <p:cNvPr id="2" name="Prostokąt 1">
+            <a:extLst>
+              <a:ext uri="{FF2B5EF4-FFF2-40B4-BE49-F238E27FC236}">
+                <a16:creationId xmlns:a16="http://schemas.microsoft.com/office/drawing/2014/main" id="{57837B36-638E-4998-8422-C1B8BBC1AECF}"/>
+              </a:ext>
+            </a:extLst>
+          </p:cNvPr>
+          <p:cNvSpPr/>
+          <p:nvPr/>
+        </p:nvSpPr>
+        <p:spPr>
+          <a:xfrm>
+            <a:off x="6969545" y="873249"/>
+            <a:ext cx="2555808" cy="2048181"/>
+          </a:xfrm>
+          <a:prstGeom prst="rect">
+            <a:avLst/>
+          </a:prstGeom>
+        </p:spPr>
+        <p:style>
+          <a:lnRef idx="2">
+            <a:schemeClr val="accent1">
+              <a:shade val="50000"/>
+            </a:schemeClr>
+          </a:lnRef>
+          <a:fillRef idx="1">
+            <a:schemeClr val="accent1"/>
+          </a:fillRef>
+          <a:effectRef idx="0">
+            <a:schemeClr val="accent1"/>
+          </a:effectRef>
+          <a:fontRef idx="minor">
+            <a:schemeClr val="lt1"/>
+          </a:fontRef>
+        </p:style>
+        <p:txBody>
+          <a:bodyPr rtlCol="0" anchor="t"/>
+          <a:lstStyle/>
+          <a:p>
+            <a:pPr algn="ctr"/>
+            <a:r>
+              <a:rPr lang="pl-PL" dirty="0">
+                <a:latin typeface="Fira Code" panose="020B0809050000020004" pitchFamily="49" charset="0"/>
+                <a:ea typeface="Fira Code" panose="020B0809050000020004" pitchFamily="49" charset="0"/>
+                <a:cs typeface="Fira Code" panose="020B0809050000020004" pitchFamily="49" charset="0"/>
+              </a:rPr>
+              <a:t>player.py</a:t>
+            </a:r>
+          </a:p>
+          <a:p>
+            <a:pPr>
+              <a:buFont typeface="Corbel" panose="020B0503020204020204" pitchFamily="34" charset="0"/>
+              <a:buChar char="-"/>
+              <a:tabLst>
+                <a:tab pos="0" algn="l"/>
+              </a:tabLst>
+            </a:pPr>
+            <a:r>
+              <a:rPr lang="pl-PL" dirty="0">
+                <a:latin typeface="+mj-lt"/>
+                <a:ea typeface="Fira Code" panose="020B0809050000020004" pitchFamily="49" charset="0"/>
+                <a:cs typeface="Fira Code" panose="020B0809050000020004" pitchFamily="49" charset="0"/>
+              </a:rPr>
+              <a:t>Wyświetlanie</a:t>
+            </a:r>
+          </a:p>
+          <a:p>
+            <a:pPr marL="177800" lvl="1">
+              <a:buFont typeface="Corbel" panose="020B0503020204020204" pitchFamily="34" charset="0"/>
+              <a:buChar char="-"/>
+              <a:tabLst>
+                <a:tab pos="0" algn="l"/>
+              </a:tabLst>
+            </a:pPr>
+            <a:r>
+              <a:rPr lang="pl-PL" dirty="0">
+                <a:latin typeface="+mj-lt"/>
+                <a:ea typeface="Fira Code" panose="020B0809050000020004" pitchFamily="49" charset="0"/>
+                <a:cs typeface="Fira Code" panose="020B0809050000020004" pitchFamily="49" charset="0"/>
+              </a:rPr>
+              <a:t>Warunek „jeżeli żyje”</a:t>
+            </a:r>
+          </a:p>
+          <a:p>
+            <a:pPr>
+              <a:buFont typeface="Corbel" panose="020B0503020204020204" pitchFamily="34" charset="0"/>
+              <a:buChar char="-"/>
+              <a:tabLst>
+                <a:tab pos="0" algn="l"/>
+              </a:tabLst>
+            </a:pPr>
+            <a:r>
+              <a:rPr lang="pl-PL" dirty="0">
+                <a:latin typeface="+mj-lt"/>
+                <a:ea typeface="Fira Code" panose="020B0809050000020004" pitchFamily="49" charset="0"/>
+                <a:cs typeface="Fira Code" panose="020B0809050000020004" pitchFamily="49" charset="0"/>
+              </a:rPr>
+              <a:t>Obliczenia fizyczne</a:t>
+            </a:r>
+          </a:p>
+          <a:p>
+            <a:pPr marL="177800" lvl="1">
+              <a:buFont typeface="Corbel" panose="020B0503020204020204" pitchFamily="34" charset="0"/>
+              <a:buChar char="-"/>
+              <a:tabLst>
+                <a:tab pos="0" algn="l"/>
+              </a:tabLst>
+            </a:pPr>
+            <a:r>
+              <a:rPr lang="pl-PL" dirty="0">
+                <a:latin typeface="+mj-lt"/>
+                <a:ea typeface="Fira Code" panose="020B0809050000020004" pitchFamily="49" charset="0"/>
+                <a:cs typeface="Fira Code" panose="020B0809050000020004" pitchFamily="49" charset="0"/>
+              </a:rPr>
+              <a:t>Przygotowanie do strzelania</a:t>
+            </a:r>
+          </a:p>
+          <a:p>
+            <a:pPr marL="177800" lvl="1">
+              <a:buFont typeface="Corbel" panose="020B0503020204020204" pitchFamily="34" charset="0"/>
+              <a:buChar char="-"/>
+              <a:tabLst>
+                <a:tab pos="0" algn="l"/>
+              </a:tabLst>
+            </a:pPr>
+            <a:r>
+              <a:rPr lang="pl-PL" dirty="0">
+                <a:latin typeface="+mj-lt"/>
+                <a:ea typeface="Fira Code" panose="020B0809050000020004" pitchFamily="49" charset="0"/>
+                <a:cs typeface="Fira Code" panose="020B0809050000020004" pitchFamily="49" charset="0"/>
+              </a:rPr>
+              <a:t>Poruszanie się</a:t>
+            </a:r>
+          </a:p>
+          <a:p>
+            <a:pPr>
+              <a:buFont typeface="Corbel" panose="020B0503020204020204" pitchFamily="34" charset="0"/>
+              <a:buChar char="-"/>
+              <a:tabLst>
+                <a:tab pos="0" algn="l"/>
+              </a:tabLst>
+            </a:pPr>
+            <a:endParaRPr lang="pl-PL" dirty="0">
+              <a:latin typeface="+mj-lt"/>
+              <a:ea typeface="Fira Code" panose="020B0809050000020004" pitchFamily="49" charset="0"/>
+              <a:cs typeface="Fira Code" panose="020B0809050000020004" pitchFamily="49" charset="0"/>
+            </a:endParaRPr>
+          </a:p>
+        </p:txBody>
+      </p:sp>
+      <p:sp>
+        <p:nvSpPr>
+          <p:cNvPr id="8" name="Prostokąt 7">
+            <a:extLst>
+              <a:ext uri="{FF2B5EF4-FFF2-40B4-BE49-F238E27FC236}">
+                <a16:creationId xmlns:a16="http://schemas.microsoft.com/office/drawing/2014/main" id="{23FFD333-9379-46E0-A91A-7B65801C54BB}"/>
+              </a:ext>
+            </a:extLst>
+          </p:cNvPr>
+          <p:cNvSpPr/>
+          <p:nvPr/>
+        </p:nvSpPr>
+        <p:spPr>
+          <a:xfrm>
+            <a:off x="6969545" y="3424428"/>
+            <a:ext cx="2555808" cy="2300592"/>
+          </a:xfrm>
+          <a:prstGeom prst="rect">
+            <a:avLst/>
+          </a:prstGeom>
+        </p:spPr>
+        <p:style>
+          <a:lnRef idx="2">
+            <a:schemeClr val="accent1">
+              <a:shade val="50000"/>
+            </a:schemeClr>
+          </a:lnRef>
+          <a:fillRef idx="1">
+            <a:schemeClr val="accent1"/>
+          </a:fillRef>
+          <a:effectRef idx="0">
+            <a:schemeClr val="accent1"/>
+          </a:effectRef>
+          <a:fontRef idx="minor">
+            <a:schemeClr val="lt1"/>
+          </a:fontRef>
+        </p:style>
+        <p:txBody>
+          <a:bodyPr rtlCol="0" anchor="t"/>
+          <a:lstStyle/>
+          <a:p>
+            <a:pPr algn="ctr"/>
+            <a:r>
+              <a:rPr lang="pl-PL" dirty="0">
+                <a:latin typeface="Fira Code" panose="020B0809050000020004" pitchFamily="49" charset="0"/>
+                <a:ea typeface="Fira Code" panose="020B0809050000020004" pitchFamily="49" charset="0"/>
+                <a:cs typeface="Fira Code" panose="020B0809050000020004" pitchFamily="49" charset="0"/>
+              </a:rPr>
+              <a:t>__base.py</a:t>
+            </a:r>
+          </a:p>
+          <a:p>
+            <a:pPr>
+              <a:buFont typeface="Corbel" panose="020B0503020204020204" pitchFamily="34" charset="0"/>
+              <a:buChar char="-"/>
+              <a:tabLst>
+                <a:tab pos="0" algn="l"/>
+              </a:tabLst>
+            </a:pPr>
+            <a:r>
+              <a:rPr lang="pl-PL" dirty="0">
+                <a:latin typeface="+mj-lt"/>
+                <a:ea typeface="Fira Code" panose="020B0809050000020004" pitchFamily="49" charset="0"/>
+                <a:cs typeface="Fira Code" panose="020B0809050000020004" pitchFamily="49" charset="0"/>
+              </a:rPr>
+              <a:t>Inicjalizacja</a:t>
+            </a:r>
+          </a:p>
+          <a:p>
+            <a:pPr>
+              <a:buFont typeface="Corbel" panose="020B0503020204020204" pitchFamily="34" charset="0"/>
+              <a:buChar char="-"/>
+              <a:tabLst>
+                <a:tab pos="0" algn="l"/>
+              </a:tabLst>
+            </a:pPr>
+            <a:r>
+              <a:rPr lang="pl-PL" dirty="0">
+                <a:latin typeface="+mj-lt"/>
+                <a:ea typeface="Fira Code" panose="020B0809050000020004" pitchFamily="49" charset="0"/>
+                <a:cs typeface="Fira Code" panose="020B0809050000020004" pitchFamily="49" charset="0"/>
+              </a:rPr>
+              <a:t>Wyświetlanie</a:t>
+            </a:r>
+          </a:p>
+          <a:p>
+            <a:pPr marL="177800" lvl="1">
+              <a:buFont typeface="Corbel" panose="020B0503020204020204" pitchFamily="34" charset="0"/>
+              <a:buChar char="-"/>
+              <a:tabLst>
+                <a:tab pos="0" algn="l"/>
+              </a:tabLst>
+            </a:pPr>
+            <a:r>
+              <a:rPr lang="pl-PL" dirty="0" err="1">
+                <a:latin typeface="+mj-lt"/>
+                <a:ea typeface="Fira Code" panose="020B0809050000020004" pitchFamily="49" charset="0"/>
+                <a:cs typeface="Fira Code" panose="020B0809050000020004" pitchFamily="49" charset="0"/>
+              </a:rPr>
+              <a:t>Sprite</a:t>
+            </a:r>
+            <a:r>
+              <a:rPr lang="pl-PL" dirty="0">
+                <a:latin typeface="+mj-lt"/>
+                <a:ea typeface="Fira Code" panose="020B0809050000020004" pitchFamily="49" charset="0"/>
+                <a:cs typeface="Fira Code" panose="020B0809050000020004" pitchFamily="49" charset="0"/>
+              </a:rPr>
+              <a:t> pojawia się w oknie</a:t>
+            </a:r>
+          </a:p>
+          <a:p>
+            <a:pPr>
+              <a:buFont typeface="Corbel" panose="020B0503020204020204" pitchFamily="34" charset="0"/>
+              <a:buChar char="-"/>
+              <a:tabLst>
+                <a:tab pos="0" algn="l"/>
+              </a:tabLst>
+            </a:pPr>
+            <a:r>
+              <a:rPr lang="pl-PL" dirty="0">
+                <a:latin typeface="+mj-lt"/>
+                <a:ea typeface="Fira Code" panose="020B0809050000020004" pitchFamily="49" charset="0"/>
+                <a:cs typeface="Fira Code" panose="020B0809050000020004" pitchFamily="49" charset="0"/>
+              </a:rPr>
+              <a:t>Obliczenia fizyczne</a:t>
+            </a:r>
+          </a:p>
+          <a:p>
+            <a:pPr marL="177800" lvl="1">
+              <a:buFont typeface="Corbel" panose="020B0503020204020204" pitchFamily="34" charset="0"/>
+              <a:buChar char="-"/>
+              <a:tabLst>
+                <a:tab pos="0" algn="l"/>
+              </a:tabLst>
+            </a:pPr>
+            <a:r>
+              <a:rPr lang="pl-PL" dirty="0">
+                <a:latin typeface="+mj-lt"/>
+                <a:ea typeface="Fira Code" panose="020B0809050000020004" pitchFamily="49" charset="0"/>
+                <a:cs typeface="Fira Code" panose="020B0809050000020004" pitchFamily="49" charset="0"/>
+              </a:rPr>
+              <a:t>Przesunięcie liniowe</a:t>
+            </a:r>
+          </a:p>
+          <a:p>
+            <a:pPr>
+              <a:buFont typeface="Corbel" panose="020B0503020204020204" pitchFamily="34" charset="0"/>
+              <a:buChar char="-"/>
+              <a:tabLst>
+                <a:tab pos="0" algn="l"/>
+              </a:tabLst>
+            </a:pPr>
+            <a:r>
+              <a:rPr lang="pl-PL" dirty="0">
+                <a:latin typeface="+mj-lt"/>
+                <a:ea typeface="Fira Code" panose="020B0809050000020004" pitchFamily="49" charset="0"/>
+                <a:cs typeface="Fira Code" panose="020B0809050000020004" pitchFamily="49" charset="0"/>
+              </a:rPr>
+              <a:t>Funkcje pomocnicze</a:t>
+            </a:r>
+          </a:p>
+          <a:p>
+            <a:pPr marL="177800" lvl="1">
+              <a:buFont typeface="Corbel" panose="020B0503020204020204" pitchFamily="34" charset="0"/>
+              <a:buChar char="-"/>
+              <a:tabLst>
+                <a:tab pos="0" algn="l"/>
+              </a:tabLst>
+            </a:pPr>
+            <a:endParaRPr lang="pl-PL" dirty="0">
+              <a:latin typeface="+mj-lt"/>
+              <a:ea typeface="Fira Code" panose="020B0809050000020004" pitchFamily="49" charset="0"/>
+              <a:cs typeface="Fira Code" panose="020B0809050000020004" pitchFamily="49" charset="0"/>
+            </a:endParaRPr>
+          </a:p>
+          <a:p>
+            <a:pPr>
+              <a:buFont typeface="Corbel" panose="020B0503020204020204" pitchFamily="34" charset="0"/>
+              <a:buChar char="-"/>
+              <a:tabLst>
+                <a:tab pos="0" algn="l"/>
+              </a:tabLst>
+            </a:pPr>
+            <a:endParaRPr lang="pl-PL" dirty="0">
+              <a:latin typeface="+mj-lt"/>
+              <a:ea typeface="Fira Code" panose="020B0809050000020004" pitchFamily="49" charset="0"/>
+              <a:cs typeface="Fira Code" panose="020B0809050000020004" pitchFamily="49" charset="0"/>
+            </a:endParaRPr>
+          </a:p>
+        </p:txBody>
+      </p:sp>
+    </p:spTree>
+    <p:extLst>
+      <p:ext uri="{BB962C8B-B14F-4D97-AF65-F5344CB8AC3E}">
+        <p14:creationId xmlns:p14="http://schemas.microsoft.com/office/powerpoint/2010/main" val="2881218596"/>
+      </p:ext>
+    </p:extLst>
+  </p:cSld>
+  <p:clrMapOvr>
+    <a:masterClrMapping/>
+  </p:clrMapOvr>
+</p:sld>
+</file>
+
+<file path=ppt/slides/slide14.xml><?xml version="1.0" encoding="utf-8"?>
+<p:sld xmlns:a="http://schemas.openxmlformats.org/drawingml/2006/main" xmlns:r="http://schemas.openxmlformats.org/officeDocument/2006/relationships" xmlns:p="http://schemas.openxmlformats.org/presentationml/2006/main">
+  <p:cSld>
+    <p:spTree>
+      <p:nvGrpSpPr>
+        <p:cNvPr id="1" name=""/>
+        <p:cNvGrpSpPr/>
+        <p:nvPr/>
+      </p:nvGrpSpPr>
+      <p:grpSpPr>
+        <a:xfrm>
+          <a:off x="0" y="0"/>
+          <a:ext cx="0" cy="0"/>
+          <a:chOff x="0" y="0"/>
+          <a:chExt cx="0" cy="0"/>
+        </a:xfrm>
+      </p:grpSpPr>
+      <p:sp>
+        <p:nvSpPr>
+          <p:cNvPr id="4" name="Tytuł 3">
+            <a:extLst>
+              <a:ext uri="{FF2B5EF4-FFF2-40B4-BE49-F238E27FC236}">
+                <a16:creationId xmlns:a16="http://schemas.microsoft.com/office/drawing/2014/main" id="{6C98E7D4-571C-43F8-9031-210ECD560F71}"/>
+              </a:ext>
+            </a:extLst>
+          </p:cNvPr>
+          <p:cNvSpPr>
+            <a:spLocks noGrp="1"/>
+          </p:cNvSpPr>
+          <p:nvPr>
+            <p:ph type="title"/>
+          </p:nvPr>
+        </p:nvSpPr>
+        <p:spPr/>
+        <p:txBody>
+          <a:bodyPr/>
+          <a:lstStyle/>
+          <a:p>
+            <a:r>
+              <a:rPr lang="pl-PL" dirty="0"/>
+              <a:t>Krok Trzeci: „Znak Gracza”</a:t>
+            </a:r>
+          </a:p>
+        </p:txBody>
+      </p:sp>
+    </p:spTree>
+    <p:extLst>
+      <p:ext uri="{BB962C8B-B14F-4D97-AF65-F5344CB8AC3E}">
+        <p14:creationId xmlns:p14="http://schemas.microsoft.com/office/powerpoint/2010/main" val="2056797221"/>
+      </p:ext>
+    </p:extLst>
+  </p:cSld>
+  <p:clrMapOvr>
+    <a:masterClrMapping/>
+  </p:clrMapOvr>
+</p:sld>
+</file>
+
+<file path=ppt/slides/slide15.xml><?xml version="1.0" encoding="utf-8"?>
+<p:sld xmlns:a="http://schemas.openxmlformats.org/drawingml/2006/main" xmlns:r="http://schemas.openxmlformats.org/officeDocument/2006/relationships" xmlns:p="http://schemas.openxmlformats.org/presentationml/2006/main">
+  <p:cSld>
+    <p:spTree>
+      <p:nvGrpSpPr>
+        <p:cNvPr id="1" name=""/>
+        <p:cNvGrpSpPr/>
+        <p:nvPr/>
+      </p:nvGrpSpPr>
+      <p:grpSpPr>
+        <a:xfrm>
+          <a:off x="0" y="0"/>
+          <a:ext cx="0" cy="0"/>
+          <a:chOff x="0" y="0"/>
+          <a:chExt cx="0" cy="0"/>
+        </a:xfrm>
+      </p:grpSpPr>
+      <p:sp>
+        <p:nvSpPr>
+          <p:cNvPr id="3" name="Tytuł 2">
+            <a:extLst>
+              <a:ext uri="{FF2B5EF4-FFF2-40B4-BE49-F238E27FC236}">
+                <a16:creationId xmlns:a16="http://schemas.microsoft.com/office/drawing/2014/main" id="{A82705B4-4497-42E1-9B12-4B55D5B4B0D7}"/>
+              </a:ext>
+            </a:extLst>
+          </p:cNvPr>
+          <p:cNvSpPr>
+            <a:spLocks noGrp="1"/>
+          </p:cNvSpPr>
+          <p:nvPr>
+            <p:ph type="title"/>
+          </p:nvPr>
+        </p:nvSpPr>
+        <p:spPr/>
+        <p:txBody>
+          <a:bodyPr/>
+          <a:lstStyle/>
+          <a:p>
+            <a:r>
+              <a:rPr lang="pl-PL" dirty="0"/>
+              <a:t>Krok Czwarty</a:t>
+            </a:r>
+            <a:br>
+              <a:rPr lang="pl-PL" dirty="0"/>
+            </a:br>
+            <a:r>
+              <a:rPr lang="pl-PL" dirty="0"/>
+              <a:t>Przeciwnicy</a:t>
+            </a:r>
+          </a:p>
+        </p:txBody>
+      </p:sp>
+      <p:sp>
+        <p:nvSpPr>
+          <p:cNvPr id="4" name="Symbol zastępczy tekstu 3">
+            <a:extLst>
+              <a:ext uri="{FF2B5EF4-FFF2-40B4-BE49-F238E27FC236}">
+                <a16:creationId xmlns:a16="http://schemas.microsoft.com/office/drawing/2014/main" id="{F09098D3-7A35-4965-997A-7643818CB89D}"/>
+              </a:ext>
+            </a:extLst>
+          </p:cNvPr>
+          <p:cNvSpPr>
+            <a:spLocks noGrp="1"/>
+          </p:cNvSpPr>
+          <p:nvPr>
+            <p:ph type="body" idx="1"/>
+          </p:nvPr>
+        </p:nvSpPr>
+        <p:spPr/>
+        <p:txBody>
+          <a:bodyPr/>
+          <a:lstStyle/>
+          <a:p>
+            <a:r>
+              <a:rPr lang="pl-PL" dirty="0"/>
+              <a:t>Pociski w zestawie</a:t>
+            </a:r>
+          </a:p>
+        </p:txBody>
+      </p:sp>
+    </p:spTree>
+    <p:extLst>
+      <p:ext uri="{BB962C8B-B14F-4D97-AF65-F5344CB8AC3E}">
+        <p14:creationId xmlns:p14="http://schemas.microsoft.com/office/powerpoint/2010/main" val="4142479184"/>
+      </p:ext>
+    </p:extLst>
+  </p:cSld>
+  <p:clrMapOvr>
+    <a:masterClrMapping/>
+  </p:clrMapOvr>
+</p:sld>
+</file>
+
+<file path=ppt/slides/slide16.xml><?xml version="1.0" encoding="utf-8"?>
+<p:sld xmlns:a="http://schemas.openxmlformats.org/drawingml/2006/main" xmlns:r="http://schemas.openxmlformats.org/officeDocument/2006/relationships" xmlns:p="http://schemas.openxmlformats.org/presentationml/2006/main">
+  <p:cSld>
+    <p:spTree>
+      <p:nvGrpSpPr>
+        <p:cNvPr id="1" name=""/>
+        <p:cNvGrpSpPr/>
+        <p:nvPr/>
+      </p:nvGrpSpPr>
+      <p:grpSpPr>
+        <a:xfrm>
+          <a:off x="0" y="0"/>
+          <a:ext cx="0" cy="0"/>
+          <a:chOff x="0" y="0"/>
+          <a:chExt cx="0" cy="0"/>
+        </a:xfrm>
+      </p:grpSpPr>
+      <p:sp>
+        <p:nvSpPr>
+          <p:cNvPr id="4" name="Tytuł 3">
+            <a:extLst>
+              <a:ext uri="{FF2B5EF4-FFF2-40B4-BE49-F238E27FC236}">
+                <a16:creationId xmlns:a16="http://schemas.microsoft.com/office/drawing/2014/main" id="{A4F30059-0E5F-44C1-BA94-2514DAF7AB17}"/>
+              </a:ext>
+            </a:extLst>
+          </p:cNvPr>
+          <p:cNvSpPr>
+            <a:spLocks noGrp="1"/>
+          </p:cNvSpPr>
+          <p:nvPr>
+            <p:ph type="title"/>
+          </p:nvPr>
+        </p:nvSpPr>
+        <p:spPr/>
+        <p:txBody>
+          <a:bodyPr/>
+          <a:lstStyle/>
+          <a:p>
+            <a:r>
+              <a:rPr lang="pl-PL" dirty="0"/>
+              <a:t>Zmiany w Plikach</a:t>
+            </a:r>
+          </a:p>
+        </p:txBody>
+      </p:sp>
+      <p:sp>
+        <p:nvSpPr>
+          <p:cNvPr id="5" name="Symbol zastępczy zawartości 4">
+            <a:extLst>
+              <a:ext uri="{FF2B5EF4-FFF2-40B4-BE49-F238E27FC236}">
+                <a16:creationId xmlns:a16="http://schemas.microsoft.com/office/drawing/2014/main" id="{8E3DED06-1798-45C4-B141-AEA17C7D328B}"/>
+              </a:ext>
+            </a:extLst>
+          </p:cNvPr>
+          <p:cNvSpPr>
+            <a:spLocks noGrp="1"/>
+          </p:cNvSpPr>
+          <p:nvPr>
+            <p:ph idx="1"/>
+          </p:nvPr>
+        </p:nvSpPr>
+        <p:spPr/>
+        <p:txBody>
+          <a:bodyPr/>
+          <a:lstStyle/>
+          <a:p>
+            <a:endParaRPr lang="pl-PL" dirty="0"/>
+          </a:p>
+        </p:txBody>
+      </p:sp>
+      <p:sp>
+        <p:nvSpPr>
+          <p:cNvPr id="7" name="Prostokąt 6">
+            <a:extLst>
+              <a:ext uri="{FF2B5EF4-FFF2-40B4-BE49-F238E27FC236}">
+                <a16:creationId xmlns:a16="http://schemas.microsoft.com/office/drawing/2014/main" id="{0284144B-42E3-46CA-BB0F-6E6305DADC73}"/>
+              </a:ext>
+            </a:extLst>
+          </p:cNvPr>
+          <p:cNvSpPr/>
+          <p:nvPr/>
+        </p:nvSpPr>
+        <p:spPr>
+          <a:xfrm>
+            <a:off x="3869268" y="873251"/>
+            <a:ext cx="2555808" cy="1738213"/>
+          </a:xfrm>
+          <a:prstGeom prst="rect">
+            <a:avLst/>
+          </a:prstGeom>
+        </p:spPr>
+        <p:style>
+          <a:lnRef idx="2">
+            <a:schemeClr val="accent1">
+              <a:shade val="50000"/>
+            </a:schemeClr>
+          </a:lnRef>
+          <a:fillRef idx="1">
+            <a:schemeClr val="accent1"/>
+          </a:fillRef>
+          <a:effectRef idx="0">
+            <a:schemeClr val="accent1"/>
+          </a:effectRef>
+          <a:fontRef idx="minor">
+            <a:schemeClr val="lt1"/>
+          </a:fontRef>
+        </p:style>
+        <p:txBody>
+          <a:bodyPr rtlCol="0" anchor="t"/>
+          <a:lstStyle/>
+          <a:p>
+            <a:pPr algn="ctr"/>
+            <a:r>
+              <a:rPr lang="pl-PL" dirty="0">
+                <a:latin typeface="Fira Code" panose="020B0809050000020004" pitchFamily="49" charset="0"/>
+                <a:ea typeface="Fira Code" panose="020B0809050000020004" pitchFamily="49" charset="0"/>
+                <a:cs typeface="Fira Code" panose="020B0809050000020004" pitchFamily="49" charset="0"/>
+              </a:rPr>
+              <a:t>main.py</a:t>
+            </a:r>
+          </a:p>
+          <a:p>
+            <a:pPr marL="85725" lvl="1">
+              <a:buSzPct val="100000"/>
+              <a:buFont typeface="Corbel" panose="020B0503020204020204" pitchFamily="34" charset="0"/>
+              <a:buChar char="-"/>
+            </a:pPr>
+            <a:r>
+              <a:rPr lang="pl-PL" dirty="0"/>
+              <a:t>Inicjalizacja kontrolera</a:t>
+            </a:r>
+          </a:p>
+          <a:p>
+            <a:pPr marL="85725" lvl="1">
+              <a:buSzPct val="100000"/>
+              <a:buFont typeface="Corbel" panose="020B0503020204020204" pitchFamily="34" charset="0"/>
+              <a:buChar char="-"/>
+            </a:pPr>
+            <a:r>
+              <a:rPr lang="pl-PL" dirty="0"/>
+              <a:t>W pętli głównej: </a:t>
+            </a:r>
+          </a:p>
+          <a:p>
+            <a:pPr marL="177800" lvl="2">
+              <a:buSzPct val="100000"/>
+              <a:buFont typeface="Corbel" panose="020B0503020204020204" pitchFamily="34" charset="0"/>
+              <a:buChar char="-"/>
+            </a:pPr>
+            <a:r>
+              <a:rPr lang="pl-PL" dirty="0"/>
+              <a:t>Obliczenia i rysowanie </a:t>
+            </a:r>
+            <a:r>
+              <a:rPr lang="pl-PL" dirty="0" err="1"/>
+              <a:t>niemilców</a:t>
+            </a:r>
+            <a:endParaRPr lang="pl-PL" dirty="0"/>
+          </a:p>
+        </p:txBody>
+      </p:sp>
+      <p:sp>
+        <p:nvSpPr>
+          <p:cNvPr id="2" name="Prostokąt 1">
+            <a:extLst>
+              <a:ext uri="{FF2B5EF4-FFF2-40B4-BE49-F238E27FC236}">
+                <a16:creationId xmlns:a16="http://schemas.microsoft.com/office/drawing/2014/main" id="{57837B36-638E-4998-8422-C1B8BBC1AECF}"/>
+              </a:ext>
+            </a:extLst>
+          </p:cNvPr>
+          <p:cNvSpPr/>
+          <p:nvPr/>
+        </p:nvSpPr>
+        <p:spPr>
+          <a:xfrm>
+            <a:off x="6969545" y="873249"/>
+            <a:ext cx="2555808" cy="3954474"/>
+          </a:xfrm>
+          <a:prstGeom prst="rect">
+            <a:avLst/>
+          </a:prstGeom>
+        </p:spPr>
+        <p:style>
+          <a:lnRef idx="2">
+            <a:schemeClr val="accent1">
+              <a:shade val="50000"/>
+            </a:schemeClr>
+          </a:lnRef>
+          <a:fillRef idx="1">
+            <a:schemeClr val="accent1"/>
+          </a:fillRef>
+          <a:effectRef idx="0">
+            <a:schemeClr val="accent1"/>
+          </a:effectRef>
+          <a:fontRef idx="minor">
+            <a:schemeClr val="lt1"/>
+          </a:fontRef>
+        </p:style>
+        <p:txBody>
+          <a:bodyPr rtlCol="0" anchor="t"/>
+          <a:lstStyle/>
+          <a:p>
+            <a:pPr algn="ctr"/>
+            <a:r>
+              <a:rPr lang="pl-PL" dirty="0">
+                <a:latin typeface="Fira Code" panose="020B0809050000020004" pitchFamily="49" charset="0"/>
+                <a:ea typeface="Fira Code" panose="020B0809050000020004" pitchFamily="49" charset="0"/>
+                <a:cs typeface="Fira Code" panose="020B0809050000020004" pitchFamily="49" charset="0"/>
+              </a:rPr>
+              <a:t>enemy.py</a:t>
+            </a:r>
+          </a:p>
+          <a:p>
+            <a:pPr>
+              <a:buFont typeface="Corbel" panose="020B0503020204020204" pitchFamily="34" charset="0"/>
+              <a:buChar char="-"/>
+              <a:tabLst>
+                <a:tab pos="0" algn="l"/>
+              </a:tabLst>
+            </a:pPr>
+            <a:r>
+              <a:rPr lang="pl-PL" dirty="0">
+                <a:latin typeface="+mj-lt"/>
+                <a:ea typeface="Fira Code" panose="020B0809050000020004" pitchFamily="49" charset="0"/>
+                <a:cs typeface="Fira Code" panose="020B0809050000020004" pitchFamily="49" charset="0"/>
+              </a:rPr>
+              <a:t>Przeciwnik</a:t>
+            </a:r>
+          </a:p>
+          <a:p>
+            <a:pPr marL="177800" lvl="1">
+              <a:buFont typeface="Corbel" panose="020B0503020204020204" pitchFamily="34" charset="0"/>
+              <a:buChar char="-"/>
+              <a:tabLst>
+                <a:tab pos="0" algn="l"/>
+              </a:tabLst>
+            </a:pPr>
+            <a:r>
+              <a:rPr lang="pl-PL" dirty="0">
+                <a:latin typeface="+mj-lt"/>
+                <a:ea typeface="Fira Code" panose="020B0809050000020004" pitchFamily="49" charset="0"/>
+                <a:cs typeface="Fira Code" panose="020B0809050000020004" pitchFamily="49" charset="0"/>
+              </a:rPr>
+              <a:t>Wyświetlanie</a:t>
+            </a:r>
+          </a:p>
+          <a:p>
+            <a:pPr marL="271463" lvl="2">
+              <a:buFont typeface="Corbel" panose="020B0503020204020204" pitchFamily="34" charset="0"/>
+              <a:buChar char="-"/>
+              <a:tabLst>
+                <a:tab pos="0" algn="l"/>
+              </a:tabLst>
+            </a:pPr>
+            <a:r>
+              <a:rPr lang="pl-PL" dirty="0">
+                <a:latin typeface="+mj-lt"/>
+                <a:ea typeface="Fira Code" panose="020B0809050000020004" pitchFamily="49" charset="0"/>
+                <a:cs typeface="Fira Code" panose="020B0809050000020004" pitchFamily="49" charset="0"/>
+              </a:rPr>
+              <a:t>Warunek „jeżeli żyje”</a:t>
+            </a:r>
+          </a:p>
+          <a:p>
+            <a:pPr marL="177800" lvl="1">
+              <a:buFont typeface="Corbel" panose="020B0503020204020204" pitchFamily="34" charset="0"/>
+              <a:buChar char="-"/>
+              <a:tabLst>
+                <a:tab pos="0" algn="l"/>
+              </a:tabLst>
+            </a:pPr>
+            <a:r>
+              <a:rPr lang="pl-PL" dirty="0">
+                <a:latin typeface="+mj-lt"/>
+                <a:ea typeface="Fira Code" panose="020B0809050000020004" pitchFamily="49" charset="0"/>
+                <a:cs typeface="Fira Code" panose="020B0809050000020004" pitchFamily="49" charset="0"/>
+              </a:rPr>
+              <a:t>Obliczenia fizyczne</a:t>
+            </a:r>
+          </a:p>
+          <a:p>
+            <a:pPr marL="271463" lvl="2">
+              <a:buFont typeface="Corbel" panose="020B0503020204020204" pitchFamily="34" charset="0"/>
+              <a:buChar char="-"/>
+              <a:tabLst>
+                <a:tab pos="0" algn="l"/>
+              </a:tabLst>
+            </a:pPr>
+            <a:r>
+              <a:rPr lang="pl-PL" dirty="0">
+                <a:latin typeface="+mj-lt"/>
+                <a:ea typeface="Fira Code" panose="020B0809050000020004" pitchFamily="49" charset="0"/>
+                <a:cs typeface="Fira Code" panose="020B0809050000020004" pitchFamily="49" charset="0"/>
+              </a:rPr>
+              <a:t>Przygotowanie do strzelania</a:t>
+            </a:r>
+          </a:p>
+          <a:p>
+            <a:pPr marL="271463" lvl="2">
+              <a:buFont typeface="Corbel" panose="020B0503020204020204" pitchFamily="34" charset="0"/>
+              <a:buChar char="-"/>
+              <a:tabLst>
+                <a:tab pos="0" algn="l"/>
+              </a:tabLst>
+            </a:pPr>
+            <a:r>
+              <a:rPr lang="pl-PL" dirty="0">
+                <a:latin typeface="+mj-lt"/>
+                <a:ea typeface="Fira Code" panose="020B0809050000020004" pitchFamily="49" charset="0"/>
+                <a:cs typeface="Fira Code" panose="020B0809050000020004" pitchFamily="49" charset="0"/>
+              </a:rPr>
+              <a:t>Podstawowe AI</a:t>
+            </a:r>
+          </a:p>
+          <a:p>
+            <a:pPr>
+              <a:buFont typeface="Corbel" panose="020B0503020204020204" pitchFamily="34" charset="0"/>
+              <a:buChar char="-"/>
+              <a:tabLst>
+                <a:tab pos="0" algn="l"/>
+              </a:tabLst>
+            </a:pPr>
+            <a:r>
+              <a:rPr lang="pl-PL" dirty="0">
+                <a:latin typeface="+mj-lt"/>
+                <a:ea typeface="Fira Code" panose="020B0809050000020004" pitchFamily="49" charset="0"/>
+                <a:cs typeface="Fira Code" panose="020B0809050000020004" pitchFamily="49" charset="0"/>
+              </a:rPr>
+              <a:t>Kontroler</a:t>
+            </a:r>
+          </a:p>
+          <a:p>
+            <a:pPr marL="177800" lvl="1">
+              <a:buFont typeface="Corbel" panose="020B0503020204020204" pitchFamily="34" charset="0"/>
+              <a:buChar char="-"/>
+              <a:tabLst>
+                <a:tab pos="0" algn="l"/>
+              </a:tabLst>
+            </a:pPr>
+            <a:r>
+              <a:rPr lang="pl-PL" dirty="0">
+                <a:latin typeface="+mj-lt"/>
+                <a:ea typeface="Fira Code" panose="020B0809050000020004" pitchFamily="49" charset="0"/>
+                <a:cs typeface="Fira Code" panose="020B0809050000020004" pitchFamily="49" charset="0"/>
+              </a:rPr>
+              <a:t>Dodawanie </a:t>
+            </a:r>
+            <a:r>
+              <a:rPr lang="pl-PL" dirty="0" err="1">
+                <a:latin typeface="+mj-lt"/>
+                <a:ea typeface="Fira Code" panose="020B0809050000020004" pitchFamily="49" charset="0"/>
+                <a:cs typeface="Fira Code" panose="020B0809050000020004" pitchFamily="49" charset="0"/>
+              </a:rPr>
+              <a:t>niemilców</a:t>
+            </a:r>
+            <a:endParaRPr lang="pl-PL" dirty="0">
+              <a:latin typeface="+mj-lt"/>
+              <a:ea typeface="Fira Code" panose="020B0809050000020004" pitchFamily="49" charset="0"/>
+              <a:cs typeface="Fira Code" panose="020B0809050000020004" pitchFamily="49" charset="0"/>
+            </a:endParaRPr>
+          </a:p>
+          <a:p>
+            <a:pPr marL="177800" lvl="1">
+              <a:buFont typeface="Corbel" panose="020B0503020204020204" pitchFamily="34" charset="0"/>
+              <a:buChar char="-"/>
+              <a:tabLst>
+                <a:tab pos="0" algn="l"/>
+              </a:tabLst>
+            </a:pPr>
+            <a:r>
+              <a:rPr lang="pl-PL" dirty="0">
+                <a:latin typeface="+mj-lt"/>
+                <a:ea typeface="Fira Code" panose="020B0809050000020004" pitchFamily="49" charset="0"/>
+                <a:cs typeface="Fira Code" panose="020B0809050000020004" pitchFamily="49" charset="0"/>
+              </a:rPr>
+              <a:t>Usuwanie martwych</a:t>
+            </a:r>
+          </a:p>
+          <a:p>
+            <a:pPr marL="177800" lvl="1">
+              <a:buFont typeface="Corbel" panose="020B0503020204020204" pitchFamily="34" charset="0"/>
+              <a:buChar char="-"/>
+              <a:tabLst>
+                <a:tab pos="0" algn="l"/>
+              </a:tabLst>
+            </a:pPr>
+            <a:r>
+              <a:rPr lang="pl-PL" dirty="0">
+                <a:latin typeface="+mj-lt"/>
+                <a:ea typeface="Fira Code" panose="020B0809050000020004" pitchFamily="49" charset="0"/>
+                <a:cs typeface="Fira Code" panose="020B0809050000020004" pitchFamily="49" charset="0"/>
+              </a:rPr>
+              <a:t>Uruchamianie rysowania i obliczeń przeciwników </a:t>
+            </a:r>
+          </a:p>
+        </p:txBody>
+      </p:sp>
+    </p:spTree>
+    <p:extLst>
+      <p:ext uri="{BB962C8B-B14F-4D97-AF65-F5344CB8AC3E}">
+        <p14:creationId xmlns:p14="http://schemas.microsoft.com/office/powerpoint/2010/main" val="4117563009"/>
+      </p:ext>
+    </p:extLst>
+  </p:cSld>
+  <p:clrMapOvr>
+    <a:masterClrMapping/>
+  </p:clrMapOvr>
+</p:sld>
+</file>
+
+<file path=ppt/slides/slide17.xml><?xml version="1.0" encoding="utf-8"?>
+<p:sld xmlns:a="http://schemas.openxmlformats.org/drawingml/2006/main" xmlns:r="http://schemas.openxmlformats.org/officeDocument/2006/relationships" xmlns:p="http://schemas.openxmlformats.org/presentationml/2006/main">
+  <p:cSld>
+    <p:spTree>
+      <p:nvGrpSpPr>
+        <p:cNvPr id="1" name=""/>
+        <p:cNvGrpSpPr/>
+        <p:nvPr/>
+      </p:nvGrpSpPr>
+      <p:grpSpPr>
+        <a:xfrm>
+          <a:off x="0" y="0"/>
+          <a:ext cx="0" cy="0"/>
+          <a:chOff x="0" y="0"/>
+          <a:chExt cx="0" cy="0"/>
+        </a:xfrm>
+      </p:grpSpPr>
+      <p:sp>
+        <p:nvSpPr>
+          <p:cNvPr id="4" name="Tytuł 3">
+            <a:extLst>
+              <a:ext uri="{FF2B5EF4-FFF2-40B4-BE49-F238E27FC236}">
                 <a16:creationId xmlns:a16="http://schemas.microsoft.com/office/drawing/2014/main" id="{35B307CB-3E2A-4493-BB97-D478540F1241}"/>
               </a:ext>
             </a:extLst>
@@ -7570,6 +9424,577 @@
     <p:extLst>
       <p:ext uri="{BB962C8B-B14F-4D97-AF65-F5344CB8AC3E}">
         <p14:creationId xmlns:p14="http://schemas.microsoft.com/office/powerpoint/2010/main" val="1817906763"/>
+      </p:ext>
+    </p:extLst>
+  </p:cSld>
+  <p:clrMapOvr>
+    <a:masterClrMapping/>
+  </p:clrMapOvr>
+</p:sld>
+</file>
+
+<file path=ppt/slides/slide18.xml><?xml version="1.0" encoding="utf-8"?>
+<p:sld xmlns:a="http://schemas.openxmlformats.org/drawingml/2006/main" xmlns:r="http://schemas.openxmlformats.org/officeDocument/2006/relationships" xmlns:p="http://schemas.openxmlformats.org/presentationml/2006/main">
+  <p:cSld>
+    <p:spTree>
+      <p:nvGrpSpPr>
+        <p:cNvPr id="1" name=""/>
+        <p:cNvGrpSpPr/>
+        <p:nvPr/>
+      </p:nvGrpSpPr>
+      <p:grpSpPr>
+        <a:xfrm>
+          <a:off x="0" y="0"/>
+          <a:ext cx="0" cy="0"/>
+          <a:chOff x="0" y="0"/>
+          <a:chExt cx="0" cy="0"/>
+        </a:xfrm>
+      </p:grpSpPr>
+      <p:sp>
+        <p:nvSpPr>
+          <p:cNvPr id="3" name="Tytuł 2">
+            <a:extLst>
+              <a:ext uri="{FF2B5EF4-FFF2-40B4-BE49-F238E27FC236}">
+                <a16:creationId xmlns:a16="http://schemas.microsoft.com/office/drawing/2014/main" id="{C643C7F9-37FA-4663-A400-37411E853145}"/>
+              </a:ext>
+            </a:extLst>
+          </p:cNvPr>
+          <p:cNvSpPr>
+            <a:spLocks noGrp="1"/>
+          </p:cNvSpPr>
+          <p:nvPr>
+            <p:ph type="title"/>
+          </p:nvPr>
+        </p:nvSpPr>
+        <p:spPr/>
+        <p:txBody>
+          <a:bodyPr/>
+          <a:lstStyle/>
+          <a:p>
+            <a:r>
+              <a:rPr lang="pl-PL" dirty="0"/>
+              <a:t>Krok Piąty</a:t>
+            </a:r>
+            <a:br>
+              <a:rPr lang="pl-PL" dirty="0"/>
+            </a:br>
+            <a:r>
+              <a:rPr lang="pl-PL" dirty="0"/>
+              <a:t>Kolizje</a:t>
+            </a:r>
+          </a:p>
+        </p:txBody>
+      </p:sp>
+      <p:sp>
+        <p:nvSpPr>
+          <p:cNvPr id="4" name="Symbol zastępczy tekstu 3">
+            <a:extLst>
+              <a:ext uri="{FF2B5EF4-FFF2-40B4-BE49-F238E27FC236}">
+                <a16:creationId xmlns:a16="http://schemas.microsoft.com/office/drawing/2014/main" id="{D4263FA3-B97A-49C9-ACF5-49AA9AA91AB9}"/>
+              </a:ext>
+            </a:extLst>
+          </p:cNvPr>
+          <p:cNvSpPr>
+            <a:spLocks noGrp="1"/>
+          </p:cNvSpPr>
+          <p:nvPr>
+            <p:ph type="body" idx="1"/>
+          </p:nvPr>
+        </p:nvSpPr>
+        <p:spPr/>
+        <p:txBody>
+          <a:bodyPr/>
+          <a:lstStyle/>
+          <a:p>
+            <a:endParaRPr lang="pl-PL" dirty="0"/>
+          </a:p>
+        </p:txBody>
+      </p:sp>
+    </p:spTree>
+    <p:extLst>
+      <p:ext uri="{BB962C8B-B14F-4D97-AF65-F5344CB8AC3E}">
+        <p14:creationId xmlns:p14="http://schemas.microsoft.com/office/powerpoint/2010/main" val="2026084043"/>
+      </p:ext>
+    </p:extLst>
+  </p:cSld>
+  <p:clrMapOvr>
+    <a:masterClrMapping/>
+  </p:clrMapOvr>
+</p:sld>
+</file>
+
+<file path=ppt/slides/slide19.xml><?xml version="1.0" encoding="utf-8"?>
+<p:sld xmlns:a="http://schemas.openxmlformats.org/drawingml/2006/main" xmlns:r="http://schemas.openxmlformats.org/officeDocument/2006/relationships" xmlns:p="http://schemas.openxmlformats.org/presentationml/2006/main">
+  <p:cSld>
+    <p:spTree>
+      <p:nvGrpSpPr>
+        <p:cNvPr id="1" name=""/>
+        <p:cNvGrpSpPr/>
+        <p:nvPr/>
+      </p:nvGrpSpPr>
+      <p:grpSpPr>
+        <a:xfrm>
+          <a:off x="0" y="0"/>
+          <a:ext cx="0" cy="0"/>
+          <a:chOff x="0" y="0"/>
+          <a:chExt cx="0" cy="0"/>
+        </a:xfrm>
+      </p:grpSpPr>
+      <p:sp>
+        <p:nvSpPr>
+          <p:cNvPr id="4" name="Tytuł 3">
+            <a:extLst>
+              <a:ext uri="{FF2B5EF4-FFF2-40B4-BE49-F238E27FC236}">
+                <a16:creationId xmlns:a16="http://schemas.microsoft.com/office/drawing/2014/main" id="{A4F30059-0E5F-44C1-BA94-2514DAF7AB17}"/>
+              </a:ext>
+            </a:extLst>
+          </p:cNvPr>
+          <p:cNvSpPr>
+            <a:spLocks noGrp="1"/>
+          </p:cNvSpPr>
+          <p:nvPr>
+            <p:ph type="title"/>
+          </p:nvPr>
+        </p:nvSpPr>
+        <p:spPr/>
+        <p:txBody>
+          <a:bodyPr/>
+          <a:lstStyle/>
+          <a:p>
+            <a:r>
+              <a:rPr lang="pl-PL" dirty="0"/>
+              <a:t>Zmiany w Plikach</a:t>
+            </a:r>
+          </a:p>
+        </p:txBody>
+      </p:sp>
+      <p:sp>
+        <p:nvSpPr>
+          <p:cNvPr id="5" name="Symbol zastępczy zawartości 4">
+            <a:extLst>
+              <a:ext uri="{FF2B5EF4-FFF2-40B4-BE49-F238E27FC236}">
+                <a16:creationId xmlns:a16="http://schemas.microsoft.com/office/drawing/2014/main" id="{8E3DED06-1798-45C4-B141-AEA17C7D328B}"/>
+              </a:ext>
+            </a:extLst>
+          </p:cNvPr>
+          <p:cNvSpPr>
+            <a:spLocks noGrp="1"/>
+          </p:cNvSpPr>
+          <p:nvPr>
+            <p:ph idx="1"/>
+          </p:nvPr>
+        </p:nvSpPr>
+        <p:spPr/>
+        <p:txBody>
+          <a:bodyPr/>
+          <a:lstStyle/>
+          <a:p>
+            <a:endParaRPr lang="pl-PL" dirty="0"/>
+          </a:p>
+        </p:txBody>
+      </p:sp>
+      <p:sp>
+        <p:nvSpPr>
+          <p:cNvPr id="7" name="Prostokąt 6">
+            <a:extLst>
+              <a:ext uri="{FF2B5EF4-FFF2-40B4-BE49-F238E27FC236}">
+                <a16:creationId xmlns:a16="http://schemas.microsoft.com/office/drawing/2014/main" id="{0284144B-42E3-46CA-BB0F-6E6305DADC73}"/>
+              </a:ext>
+            </a:extLst>
+          </p:cNvPr>
+          <p:cNvSpPr/>
+          <p:nvPr/>
+        </p:nvSpPr>
+        <p:spPr>
+          <a:xfrm>
+            <a:off x="3869268" y="873251"/>
+            <a:ext cx="2555808" cy="1738213"/>
+          </a:xfrm>
+          <a:prstGeom prst="rect">
+            <a:avLst/>
+          </a:prstGeom>
+        </p:spPr>
+        <p:style>
+          <a:lnRef idx="2">
+            <a:schemeClr val="accent1">
+              <a:shade val="50000"/>
+            </a:schemeClr>
+          </a:lnRef>
+          <a:fillRef idx="1">
+            <a:schemeClr val="accent1"/>
+          </a:fillRef>
+          <a:effectRef idx="0">
+            <a:schemeClr val="accent1"/>
+          </a:effectRef>
+          <a:fontRef idx="minor">
+            <a:schemeClr val="lt1"/>
+          </a:fontRef>
+        </p:style>
+        <p:txBody>
+          <a:bodyPr rtlCol="0" anchor="t"/>
+          <a:lstStyle/>
+          <a:p>
+            <a:pPr algn="ctr"/>
+            <a:r>
+              <a:rPr lang="pl-PL" dirty="0">
+                <a:latin typeface="Fira Code" panose="020B0809050000020004" pitchFamily="49" charset="0"/>
+                <a:ea typeface="Fira Code" panose="020B0809050000020004" pitchFamily="49" charset="0"/>
+                <a:cs typeface="Fira Code" panose="020B0809050000020004" pitchFamily="49" charset="0"/>
+              </a:rPr>
+              <a:t>main.py</a:t>
+            </a:r>
+          </a:p>
+          <a:p>
+            <a:pPr marL="85725" lvl="1">
+              <a:buSzPct val="100000"/>
+              <a:buFont typeface="Corbel" panose="020B0503020204020204" pitchFamily="34" charset="0"/>
+              <a:buChar char="-"/>
+            </a:pPr>
+            <a:r>
+              <a:rPr lang="pl-PL" dirty="0"/>
+              <a:t>W pętli głównej:</a:t>
+            </a:r>
+          </a:p>
+          <a:p>
+            <a:pPr marL="177800" lvl="2">
+              <a:buSzPct val="100000"/>
+              <a:buFont typeface="Corbel" panose="020B0503020204020204" pitchFamily="34" charset="0"/>
+              <a:buChar char="-"/>
+            </a:pPr>
+            <a:r>
+              <a:rPr lang="pl-PL" dirty="0"/>
+              <a:t>Przeliczenia i rysowanie pocisków </a:t>
+            </a:r>
+          </a:p>
+        </p:txBody>
+      </p:sp>
+      <p:sp>
+        <p:nvSpPr>
+          <p:cNvPr id="2" name="Prostokąt 1">
+            <a:extLst>
+              <a:ext uri="{FF2B5EF4-FFF2-40B4-BE49-F238E27FC236}">
+                <a16:creationId xmlns:a16="http://schemas.microsoft.com/office/drawing/2014/main" id="{57837B36-638E-4998-8422-C1B8BBC1AECF}"/>
+              </a:ext>
+            </a:extLst>
+          </p:cNvPr>
+          <p:cNvSpPr/>
+          <p:nvPr/>
+        </p:nvSpPr>
+        <p:spPr>
+          <a:xfrm>
+            <a:off x="3869268" y="2810537"/>
+            <a:ext cx="2555808" cy="1838954"/>
+          </a:xfrm>
+          <a:prstGeom prst="rect">
+            <a:avLst/>
+          </a:prstGeom>
+        </p:spPr>
+        <p:style>
+          <a:lnRef idx="2">
+            <a:schemeClr val="accent1">
+              <a:shade val="50000"/>
+            </a:schemeClr>
+          </a:lnRef>
+          <a:fillRef idx="1">
+            <a:schemeClr val="accent1"/>
+          </a:fillRef>
+          <a:effectRef idx="0">
+            <a:schemeClr val="accent1"/>
+          </a:effectRef>
+          <a:fontRef idx="minor">
+            <a:schemeClr val="lt1"/>
+          </a:fontRef>
+        </p:style>
+        <p:txBody>
+          <a:bodyPr rtlCol="0" anchor="t"/>
+          <a:lstStyle/>
+          <a:p>
+            <a:pPr algn="ctr"/>
+            <a:r>
+              <a:rPr lang="pl-PL" dirty="0">
+                <a:latin typeface="Fira Code" panose="020B0809050000020004" pitchFamily="49" charset="0"/>
+                <a:ea typeface="Fira Code" panose="020B0809050000020004" pitchFamily="49" charset="0"/>
+                <a:cs typeface="Fira Code" panose="020B0809050000020004" pitchFamily="49" charset="0"/>
+              </a:rPr>
+              <a:t>bullets.py</a:t>
+            </a:r>
+          </a:p>
+          <a:p>
+            <a:pPr>
+              <a:buFont typeface="Corbel" panose="020B0503020204020204" pitchFamily="34" charset="0"/>
+              <a:buChar char="-"/>
+              <a:tabLst>
+                <a:tab pos="0" algn="l"/>
+              </a:tabLst>
+            </a:pPr>
+            <a:r>
+              <a:rPr lang="pl-PL" dirty="0">
+                <a:latin typeface="+mj-lt"/>
+                <a:ea typeface="Fira Code" panose="020B0809050000020004" pitchFamily="49" charset="0"/>
+                <a:cs typeface="Fira Code" panose="020B0809050000020004" pitchFamily="49" charset="0"/>
+              </a:rPr>
+              <a:t>Pocisk</a:t>
+            </a:r>
+          </a:p>
+          <a:p>
+            <a:pPr marL="177800" lvl="1">
+              <a:buFont typeface="Corbel" panose="020B0503020204020204" pitchFamily="34" charset="0"/>
+              <a:buChar char="-"/>
+              <a:tabLst>
+                <a:tab pos="0" algn="l"/>
+              </a:tabLst>
+            </a:pPr>
+            <a:r>
+              <a:rPr lang="pl-PL" dirty="0">
+                <a:latin typeface="+mj-lt"/>
+                <a:ea typeface="Fira Code" panose="020B0809050000020004" pitchFamily="49" charset="0"/>
+                <a:cs typeface="Fira Code" panose="020B0809050000020004" pitchFamily="49" charset="0"/>
+              </a:rPr>
+              <a:t>Obliczenia i rysowanie</a:t>
+            </a:r>
+          </a:p>
+          <a:p>
+            <a:pPr>
+              <a:buFont typeface="Corbel" panose="020B0503020204020204" pitchFamily="34" charset="0"/>
+              <a:buChar char="-"/>
+              <a:tabLst>
+                <a:tab pos="0" algn="l"/>
+              </a:tabLst>
+            </a:pPr>
+            <a:r>
+              <a:rPr lang="pl-PL" dirty="0">
+                <a:latin typeface="+mj-lt"/>
+                <a:ea typeface="Fira Code" panose="020B0809050000020004" pitchFamily="49" charset="0"/>
+                <a:cs typeface="Fira Code" panose="020B0809050000020004" pitchFamily="49" charset="0"/>
+              </a:rPr>
+              <a:t>Uruchamianie rysowania i obliczeń wszystkich pocisków</a:t>
+            </a:r>
+          </a:p>
+          <a:p>
+            <a:pPr>
+              <a:buFont typeface="Corbel" panose="020B0503020204020204" pitchFamily="34" charset="0"/>
+              <a:buChar char="-"/>
+              <a:tabLst>
+                <a:tab pos="0" algn="l"/>
+              </a:tabLst>
+            </a:pPr>
+            <a:endParaRPr lang="pl-PL" dirty="0">
+              <a:latin typeface="+mj-lt"/>
+              <a:ea typeface="Fira Code" panose="020B0809050000020004" pitchFamily="49" charset="0"/>
+              <a:cs typeface="Fira Code" panose="020B0809050000020004" pitchFamily="49" charset="0"/>
+            </a:endParaRPr>
+          </a:p>
+        </p:txBody>
+      </p:sp>
+      <p:sp>
+        <p:nvSpPr>
+          <p:cNvPr id="6" name="Prostokąt 5">
+            <a:extLst>
+              <a:ext uri="{FF2B5EF4-FFF2-40B4-BE49-F238E27FC236}">
+                <a16:creationId xmlns:a16="http://schemas.microsoft.com/office/drawing/2014/main" id="{38239FE8-07AA-49E9-A528-6A08F5647B41}"/>
+              </a:ext>
+            </a:extLst>
+          </p:cNvPr>
+          <p:cNvSpPr/>
+          <p:nvPr/>
+        </p:nvSpPr>
+        <p:spPr>
+          <a:xfrm>
+            <a:off x="6958597" y="873251"/>
+            <a:ext cx="2555808" cy="1869949"/>
+          </a:xfrm>
+          <a:prstGeom prst="rect">
+            <a:avLst/>
+          </a:prstGeom>
+        </p:spPr>
+        <p:style>
+          <a:lnRef idx="2">
+            <a:schemeClr val="accent1">
+              <a:shade val="50000"/>
+            </a:schemeClr>
+          </a:lnRef>
+          <a:fillRef idx="1">
+            <a:schemeClr val="accent1"/>
+          </a:fillRef>
+          <a:effectRef idx="0">
+            <a:schemeClr val="accent1"/>
+          </a:effectRef>
+          <a:fontRef idx="minor">
+            <a:schemeClr val="lt1"/>
+          </a:fontRef>
+        </p:style>
+        <p:txBody>
+          <a:bodyPr rtlCol="0" anchor="t"/>
+          <a:lstStyle/>
+          <a:p>
+            <a:pPr algn="ctr"/>
+            <a:r>
+              <a:rPr lang="pl-PL" dirty="0">
+                <a:latin typeface="Fira Code" panose="020B0809050000020004" pitchFamily="49" charset="0"/>
+                <a:ea typeface="Fira Code" panose="020B0809050000020004" pitchFamily="49" charset="0"/>
+                <a:cs typeface="Fira Code" panose="020B0809050000020004" pitchFamily="49" charset="0"/>
+              </a:rPr>
+              <a:t>enemy.py</a:t>
+            </a:r>
+          </a:p>
+          <a:p>
+            <a:pPr>
+              <a:buFont typeface="Corbel" panose="020B0503020204020204" pitchFamily="34" charset="0"/>
+              <a:buChar char="-"/>
+              <a:tabLst>
+                <a:tab pos="0" algn="l"/>
+              </a:tabLst>
+            </a:pPr>
+            <a:r>
+              <a:rPr lang="pl-PL" dirty="0">
+                <a:latin typeface="+mj-lt"/>
+                <a:ea typeface="Fira Code" panose="020B0809050000020004" pitchFamily="49" charset="0"/>
+                <a:cs typeface="Fira Code" panose="020B0809050000020004" pitchFamily="49" charset="0"/>
+              </a:rPr>
+              <a:t>Przeciwnik</a:t>
+            </a:r>
+          </a:p>
+          <a:p>
+            <a:pPr marL="177800" lvl="1">
+              <a:buFont typeface="Corbel" panose="020B0503020204020204" pitchFamily="34" charset="0"/>
+              <a:buChar char="-"/>
+              <a:tabLst>
+                <a:tab pos="0" algn="l"/>
+              </a:tabLst>
+            </a:pPr>
+            <a:r>
+              <a:rPr lang="pl-PL" dirty="0">
+                <a:latin typeface="+mj-lt"/>
+                <a:ea typeface="Fira Code" panose="020B0809050000020004" pitchFamily="49" charset="0"/>
+                <a:cs typeface="Fira Code" panose="020B0809050000020004" pitchFamily="49" charset="0"/>
+              </a:rPr>
+              <a:t>Strzela</a:t>
+            </a:r>
+          </a:p>
+          <a:p>
+            <a:pPr>
+              <a:buFont typeface="Corbel" panose="020B0503020204020204" pitchFamily="34" charset="0"/>
+              <a:buChar char="-"/>
+              <a:tabLst>
+                <a:tab pos="0" algn="l"/>
+              </a:tabLst>
+            </a:pPr>
+            <a:r>
+              <a:rPr lang="pl-PL" dirty="0">
+                <a:latin typeface="+mj-lt"/>
+                <a:ea typeface="Fira Code" panose="020B0809050000020004" pitchFamily="49" charset="0"/>
+                <a:cs typeface="Fira Code" panose="020B0809050000020004" pitchFamily="49" charset="0"/>
+              </a:rPr>
+              <a:t>Kontroler</a:t>
+            </a:r>
+          </a:p>
+          <a:p>
+            <a:pPr marL="177800" lvl="1">
+              <a:buFont typeface="Corbel" panose="020B0503020204020204" pitchFamily="34" charset="0"/>
+              <a:buChar char="-"/>
+              <a:tabLst>
+                <a:tab pos="0" algn="l"/>
+              </a:tabLst>
+            </a:pPr>
+            <a:r>
+              <a:rPr lang="pl-PL" dirty="0">
+                <a:latin typeface="+mj-lt"/>
+                <a:ea typeface="Fira Code" panose="020B0809050000020004" pitchFamily="49" charset="0"/>
+                <a:cs typeface="Fira Code" panose="020B0809050000020004" pitchFamily="49" charset="0"/>
+              </a:rPr>
+              <a:t>Sprawdza trafienia pocisków gracza</a:t>
+            </a:r>
+          </a:p>
+        </p:txBody>
+      </p:sp>
+      <p:sp>
+        <p:nvSpPr>
+          <p:cNvPr id="12" name="Prostokąt 11">
+            <a:extLst>
+              <a:ext uri="{FF2B5EF4-FFF2-40B4-BE49-F238E27FC236}">
+                <a16:creationId xmlns:a16="http://schemas.microsoft.com/office/drawing/2014/main" id="{2FE1A9DE-20FE-405F-A254-67DA781B5E3B}"/>
+              </a:ext>
+            </a:extLst>
+          </p:cNvPr>
+          <p:cNvSpPr/>
+          <p:nvPr/>
+        </p:nvSpPr>
+        <p:spPr>
+          <a:xfrm>
+            <a:off x="6958597" y="3090710"/>
+            <a:ext cx="2555808" cy="2048181"/>
+          </a:xfrm>
+          <a:prstGeom prst="rect">
+            <a:avLst/>
+          </a:prstGeom>
+        </p:spPr>
+        <p:style>
+          <a:lnRef idx="2">
+            <a:schemeClr val="accent1">
+              <a:shade val="50000"/>
+            </a:schemeClr>
+          </a:lnRef>
+          <a:fillRef idx="1">
+            <a:schemeClr val="accent1"/>
+          </a:fillRef>
+          <a:effectRef idx="0">
+            <a:schemeClr val="accent1"/>
+          </a:effectRef>
+          <a:fontRef idx="minor">
+            <a:schemeClr val="lt1"/>
+          </a:fontRef>
+        </p:style>
+        <p:txBody>
+          <a:bodyPr rtlCol="0" anchor="t"/>
+          <a:lstStyle/>
+          <a:p>
+            <a:pPr algn="ctr"/>
+            <a:r>
+              <a:rPr lang="pl-PL" dirty="0">
+                <a:latin typeface="Fira Code" panose="020B0809050000020004" pitchFamily="49" charset="0"/>
+                <a:ea typeface="Fira Code" panose="020B0809050000020004" pitchFamily="49" charset="0"/>
+                <a:cs typeface="Fira Code" panose="020B0809050000020004" pitchFamily="49" charset="0"/>
+              </a:rPr>
+              <a:t>player.py</a:t>
+            </a:r>
+          </a:p>
+          <a:p>
+            <a:pPr>
+              <a:buFont typeface="Corbel" panose="020B0503020204020204" pitchFamily="34" charset="0"/>
+              <a:buChar char="-"/>
+              <a:tabLst>
+                <a:tab pos="0" algn="l"/>
+              </a:tabLst>
+            </a:pPr>
+            <a:r>
+              <a:rPr lang="pl-PL" dirty="0">
+                <a:latin typeface="+mj-lt"/>
+                <a:ea typeface="Fira Code" panose="020B0809050000020004" pitchFamily="49" charset="0"/>
+                <a:cs typeface="Fira Code" panose="020B0809050000020004" pitchFamily="49" charset="0"/>
+              </a:rPr>
+              <a:t>Sprawdza czy został trafiony przez pocisk przeciwnika</a:t>
+            </a:r>
+          </a:p>
+          <a:p>
+            <a:pPr>
+              <a:buFont typeface="Corbel" panose="020B0503020204020204" pitchFamily="34" charset="0"/>
+              <a:buChar char="-"/>
+              <a:tabLst>
+                <a:tab pos="0" algn="l"/>
+              </a:tabLst>
+            </a:pPr>
+            <a:endParaRPr lang="pl-PL" dirty="0">
+              <a:latin typeface="+mj-lt"/>
+              <a:ea typeface="Fira Code" panose="020B0809050000020004" pitchFamily="49" charset="0"/>
+              <a:cs typeface="Fira Code" panose="020B0809050000020004" pitchFamily="49" charset="0"/>
+            </a:endParaRPr>
+          </a:p>
+        </p:txBody>
+      </p:sp>
+    </p:spTree>
+    <p:extLst>
+      <p:ext uri="{BB962C8B-B14F-4D97-AF65-F5344CB8AC3E}">
+        <p14:creationId xmlns:p14="http://schemas.microsoft.com/office/powerpoint/2010/main" val="1811176252"/>
       </p:ext>
     </p:extLst>
   </p:cSld>
@@ -7672,6 +10097,234 @@
 </p:sld>
 </file>
 
+<file path=ppt/slides/slide20.xml><?xml version="1.0" encoding="utf-8"?>
+<p:sld xmlns:a="http://schemas.openxmlformats.org/drawingml/2006/main" xmlns:r="http://schemas.openxmlformats.org/officeDocument/2006/relationships" xmlns:p="http://schemas.openxmlformats.org/presentationml/2006/main">
+  <p:cSld>
+    <p:spTree>
+      <p:nvGrpSpPr>
+        <p:cNvPr id="1" name=""/>
+        <p:cNvGrpSpPr/>
+        <p:nvPr/>
+      </p:nvGrpSpPr>
+      <p:grpSpPr>
+        <a:xfrm>
+          <a:off x="0" y="0"/>
+          <a:ext cx="0" cy="0"/>
+          <a:chOff x="0" y="0"/>
+          <a:chExt cx="0" cy="0"/>
+        </a:xfrm>
+      </p:grpSpPr>
+      <p:sp>
+        <p:nvSpPr>
+          <p:cNvPr id="2" name="Tytuł 1">
+            <a:extLst>
+              <a:ext uri="{FF2B5EF4-FFF2-40B4-BE49-F238E27FC236}">
+                <a16:creationId xmlns:a16="http://schemas.microsoft.com/office/drawing/2014/main" id="{318DFBF3-98DF-4988-9236-8646486336F8}"/>
+              </a:ext>
+            </a:extLst>
+          </p:cNvPr>
+          <p:cNvSpPr>
+            <a:spLocks noGrp="1"/>
+          </p:cNvSpPr>
+          <p:nvPr>
+            <p:ph type="title"/>
+          </p:nvPr>
+        </p:nvSpPr>
+        <p:spPr/>
+        <p:txBody>
+          <a:bodyPr/>
+          <a:lstStyle/>
+          <a:p>
+            <a:r>
+              <a:rPr lang="pl-PL" dirty="0"/>
+              <a:t>Krok Piąty: Kolizje</a:t>
+            </a:r>
+          </a:p>
+        </p:txBody>
+      </p:sp>
+    </p:spTree>
+    <p:extLst>
+      <p:ext uri="{BB962C8B-B14F-4D97-AF65-F5344CB8AC3E}">
+        <p14:creationId xmlns:p14="http://schemas.microsoft.com/office/powerpoint/2010/main" val="2145759083"/>
+      </p:ext>
+    </p:extLst>
+  </p:cSld>
+  <p:clrMapOvr>
+    <a:masterClrMapping/>
+  </p:clrMapOvr>
+</p:sld>
+</file>
+
+<file path=ppt/slides/slide21.xml><?xml version="1.0" encoding="utf-8"?>
+<p:sld xmlns:a="http://schemas.openxmlformats.org/drawingml/2006/main" xmlns:r="http://schemas.openxmlformats.org/officeDocument/2006/relationships" xmlns:p="http://schemas.openxmlformats.org/presentationml/2006/main">
+  <p:cSld>
+    <p:spTree>
+      <p:nvGrpSpPr>
+        <p:cNvPr id="1" name=""/>
+        <p:cNvGrpSpPr/>
+        <p:nvPr/>
+      </p:nvGrpSpPr>
+      <p:grpSpPr>
+        <a:xfrm>
+          <a:off x="0" y="0"/>
+          <a:ext cx="0" cy="0"/>
+          <a:chOff x="0" y="0"/>
+          <a:chExt cx="0" cy="0"/>
+        </a:xfrm>
+      </p:grpSpPr>
+      <p:sp>
+        <p:nvSpPr>
+          <p:cNvPr id="5" name="Tytuł 4">
+            <a:extLst>
+              <a:ext uri="{FF2B5EF4-FFF2-40B4-BE49-F238E27FC236}">
+                <a16:creationId xmlns:a16="http://schemas.microsoft.com/office/drawing/2014/main" id="{456E4128-FAD0-455D-BDFA-5158C4D8CF81}"/>
+              </a:ext>
+            </a:extLst>
+          </p:cNvPr>
+          <p:cNvSpPr>
+            <a:spLocks noGrp="1"/>
+          </p:cNvSpPr>
+          <p:nvPr>
+            <p:ph type="title"/>
+          </p:nvPr>
+        </p:nvSpPr>
+        <p:spPr/>
+        <p:txBody>
+          <a:bodyPr/>
+          <a:lstStyle/>
+          <a:p>
+            <a:r>
+              <a:rPr lang="pl-PL" dirty="0"/>
+              <a:t>Krok Szósty</a:t>
+            </a:r>
+            <a:br>
+              <a:rPr lang="pl-PL" dirty="0"/>
+            </a:br>
+            <a:r>
+              <a:rPr lang="pl-PL" dirty="0"/>
+              <a:t>Dodatki</a:t>
+            </a:r>
+          </a:p>
+        </p:txBody>
+      </p:sp>
+      <p:sp>
+        <p:nvSpPr>
+          <p:cNvPr id="6" name="Symbol zastępczy tekstu 5">
+            <a:extLst>
+              <a:ext uri="{FF2B5EF4-FFF2-40B4-BE49-F238E27FC236}">
+                <a16:creationId xmlns:a16="http://schemas.microsoft.com/office/drawing/2014/main" id="{087C7CCC-2194-4176-96D7-25166EF5A7B1}"/>
+              </a:ext>
+            </a:extLst>
+          </p:cNvPr>
+          <p:cNvSpPr>
+            <a:spLocks noGrp="1"/>
+          </p:cNvSpPr>
+          <p:nvPr>
+            <p:ph type="body" idx="1"/>
+          </p:nvPr>
+        </p:nvSpPr>
+        <p:spPr/>
+        <p:txBody>
+          <a:bodyPr/>
+          <a:lstStyle/>
+          <a:p>
+            <a:r>
+              <a:rPr lang="pl-PL" dirty="0"/>
+              <a:t>Jak starczy czasu.</a:t>
+            </a:r>
+          </a:p>
+          <a:p>
+            <a:r>
+              <a:rPr lang="pl-PL" dirty="0"/>
+              <a:t>Tło, koniec gry, efekty dźwiękowe, </a:t>
+            </a:r>
+            <a:r>
+              <a:rPr lang="pl-PL" dirty="0" err="1"/>
+              <a:t>power-up</a:t>
+            </a:r>
+            <a:r>
+              <a:rPr lang="pl-PL" dirty="0"/>
+              <a:t>?</a:t>
+            </a:r>
+          </a:p>
+        </p:txBody>
+      </p:sp>
+    </p:spTree>
+    <p:extLst>
+      <p:ext uri="{BB962C8B-B14F-4D97-AF65-F5344CB8AC3E}">
+        <p14:creationId xmlns:p14="http://schemas.microsoft.com/office/powerpoint/2010/main" val="2144853269"/>
+      </p:ext>
+    </p:extLst>
+  </p:cSld>
+  <p:clrMapOvr>
+    <a:masterClrMapping/>
+  </p:clrMapOvr>
+</p:sld>
+</file>
+
+<file path=ppt/slides/slide22.xml><?xml version="1.0" encoding="utf-8"?>
+<p:sld xmlns:a="http://schemas.openxmlformats.org/drawingml/2006/main" xmlns:r="http://schemas.openxmlformats.org/officeDocument/2006/relationships" xmlns:p="http://schemas.openxmlformats.org/presentationml/2006/main">
+  <p:cSld>
+    <p:spTree>
+      <p:nvGrpSpPr>
+        <p:cNvPr id="1" name=""/>
+        <p:cNvGrpSpPr/>
+        <p:nvPr/>
+      </p:nvGrpSpPr>
+      <p:grpSpPr>
+        <a:xfrm>
+          <a:off x="0" y="0"/>
+          <a:ext cx="0" cy="0"/>
+          <a:chOff x="0" y="0"/>
+          <a:chExt cx="0" cy="0"/>
+        </a:xfrm>
+      </p:grpSpPr>
+      <p:sp>
+        <p:nvSpPr>
+          <p:cNvPr id="2" name="Tytuł 1">
+            <a:extLst>
+              <a:ext uri="{FF2B5EF4-FFF2-40B4-BE49-F238E27FC236}">
+                <a16:creationId xmlns:a16="http://schemas.microsoft.com/office/drawing/2014/main" id="{318DFBF3-98DF-4988-9236-8646486336F8}"/>
+              </a:ext>
+            </a:extLst>
+          </p:cNvPr>
+          <p:cNvSpPr>
+            <a:spLocks noGrp="1"/>
+          </p:cNvSpPr>
+          <p:nvPr>
+            <p:ph type="title"/>
+          </p:nvPr>
+        </p:nvSpPr>
+        <p:spPr/>
+        <p:txBody>
+          <a:bodyPr/>
+          <a:lstStyle/>
+          <a:p>
+            <a:r>
+              <a:rPr lang="pl-PL" dirty="0"/>
+              <a:t>Krok </a:t>
+            </a:r>
+            <a:r>
+              <a:rPr lang="pl-PL"/>
+              <a:t>Szósty: Dodatki</a:t>
+            </a:r>
+            <a:endParaRPr lang="pl-PL" dirty="0"/>
+          </a:p>
+        </p:txBody>
+      </p:sp>
+    </p:spTree>
+    <p:extLst>
+      <p:ext uri="{BB962C8B-B14F-4D97-AF65-F5344CB8AC3E}">
+        <p14:creationId xmlns:p14="http://schemas.microsoft.com/office/powerpoint/2010/main" val="1176857100"/>
+      </p:ext>
+    </p:extLst>
+  </p:cSld>
+  <p:clrMapOvr>
+    <a:masterClrMapping/>
+  </p:clrMapOvr>
+</p:sld>
+</file>
+
 <file path=ppt/slides/slide3.xml><?xml version="1.0" encoding="utf-8"?>
 <p:sld xmlns:a="http://schemas.openxmlformats.org/drawingml/2006/main" xmlns:r="http://schemas.openxmlformats.org/officeDocument/2006/relationships" xmlns:p="http://schemas.openxmlformats.org/presentationml/2006/main">
   <p:cSld>
@@ -7731,7 +10384,7 @@
 </file>
 
 <file path=ppt/slides/slide4.xml><?xml version="1.0" encoding="utf-8"?>
-<p:sld xmlns:a="http://schemas.openxmlformats.org/drawingml/2006/main" xmlns:r="http://schemas.openxmlformats.org/officeDocument/2006/relationships" xmlns:p="http://schemas.openxmlformats.org/presentationml/2006/main">
+<p:sld xmlns:a="http://schemas.openxmlformats.org/drawingml/2006/main" xmlns:r="http://schemas.openxmlformats.org/officeDocument/2006/relationships" xmlns:p="http://schemas.openxmlformats.org/presentationml/2006/main" show="0">
   <p:cSld>
     <p:spTree>
       <p:nvGrpSpPr>
@@ -7824,7 +10477,7 @@
 </file>
 
 <file path=ppt/slides/slide5.xml><?xml version="1.0" encoding="utf-8"?>
-<p:sld xmlns:a="http://schemas.openxmlformats.org/drawingml/2006/main" xmlns:r="http://schemas.openxmlformats.org/officeDocument/2006/relationships" xmlns:p="http://schemas.openxmlformats.org/presentationml/2006/main">
+<p:sld xmlns:a="http://schemas.openxmlformats.org/drawingml/2006/main" xmlns:r="http://schemas.openxmlformats.org/officeDocument/2006/relationships" xmlns:p="http://schemas.openxmlformats.org/presentationml/2006/main" show="0">
   <p:cSld>
     <p:spTree>
       <p:nvGrpSpPr>
@@ -7985,17 +10638,6 @@
           <a:p>
             <a:r>
               <a:rPr lang="pl-PL" dirty="0"/>
-              <a:t>Konfiguracja </a:t>
-            </a:r>
-            <a:r>
-              <a:rPr lang="pl-PL" dirty="0" err="1"/>
-              <a:t>Pygame</a:t>
-            </a:r>
-            <a:endParaRPr lang="pl-PL" dirty="0"/>
-          </a:p>
-          <a:p>
-            <a:r>
-              <a:rPr lang="pl-PL" dirty="0"/>
               <a:t>Pojawia się dzikie okno!</a:t>
             </a:r>
           </a:p>
@@ -8036,7 +10678,7 @@
           <p:cNvPr id="4" name="Tytuł 3">
             <a:extLst>
               <a:ext uri="{FF2B5EF4-FFF2-40B4-BE49-F238E27FC236}">
-                <a16:creationId xmlns:a16="http://schemas.microsoft.com/office/drawing/2014/main" id="{F5C2DC1F-8337-4809-A1EC-0BEC837988AC}"/>
+                <a16:creationId xmlns:a16="http://schemas.microsoft.com/office/drawing/2014/main" id="{2C8802BE-A6AD-4587-8BC2-CF0218B327CA}"/>
               </a:ext>
             </a:extLst>
           </p:cNvPr>
@@ -8054,7 +10696,258 @@
           <a:p>
             <a:r>
               <a:rPr lang="pl-PL" dirty="0"/>
-              <a:t>Krok Pierwszy: Okno Gry</a:t>
+              <a:t>Zmiany w plikach</a:t>
+            </a:r>
+          </a:p>
+        </p:txBody>
+      </p:sp>
+      <p:sp>
+        <p:nvSpPr>
+          <p:cNvPr id="5" name="Symbol zastępczy zawartości 4">
+            <a:extLst>
+              <a:ext uri="{FF2B5EF4-FFF2-40B4-BE49-F238E27FC236}">
+                <a16:creationId xmlns:a16="http://schemas.microsoft.com/office/drawing/2014/main" id="{53CB500A-92AA-48B8-8E54-51A8C5BF2014}"/>
+              </a:ext>
+            </a:extLst>
+          </p:cNvPr>
+          <p:cNvSpPr>
+            <a:spLocks noGrp="1"/>
+          </p:cNvSpPr>
+          <p:nvPr>
+            <p:ph idx="1"/>
+          </p:nvPr>
+        </p:nvSpPr>
+        <p:spPr/>
+        <p:txBody>
+          <a:bodyPr/>
+          <a:lstStyle/>
+          <a:p>
+            <a:endParaRPr lang="pl-PL" dirty="0"/>
+          </a:p>
+        </p:txBody>
+      </p:sp>
+      <p:sp>
+        <p:nvSpPr>
+          <p:cNvPr id="6" name="Prostokąt 5">
+            <a:extLst>
+              <a:ext uri="{FF2B5EF4-FFF2-40B4-BE49-F238E27FC236}">
+                <a16:creationId xmlns:a16="http://schemas.microsoft.com/office/drawing/2014/main" id="{3292BD45-8324-4FD7-8A72-D4A66FB6B857}"/>
+              </a:ext>
+            </a:extLst>
+          </p:cNvPr>
+          <p:cNvSpPr/>
+          <p:nvPr/>
+        </p:nvSpPr>
+        <p:spPr>
+          <a:xfrm>
+            <a:off x="3879308" y="873252"/>
+            <a:ext cx="2555808" cy="1513898"/>
+          </a:xfrm>
+          <a:prstGeom prst="rect">
+            <a:avLst/>
+          </a:prstGeom>
+        </p:spPr>
+        <p:style>
+          <a:lnRef idx="2">
+            <a:schemeClr val="accent1">
+              <a:shade val="50000"/>
+            </a:schemeClr>
+          </a:lnRef>
+          <a:fillRef idx="1">
+            <a:schemeClr val="accent1"/>
+          </a:fillRef>
+          <a:effectRef idx="0">
+            <a:schemeClr val="accent1"/>
+          </a:effectRef>
+          <a:fontRef idx="minor">
+            <a:schemeClr val="lt1"/>
+          </a:fontRef>
+        </p:style>
+        <p:txBody>
+          <a:bodyPr rtlCol="0" anchor="t"/>
+          <a:lstStyle/>
+          <a:p>
+            <a:pPr algn="ctr"/>
+            <a:r>
+              <a:rPr lang="pl-PL" dirty="0">
+                <a:latin typeface="Fira Code" panose="020B0809050000020004" pitchFamily="49" charset="0"/>
+                <a:ea typeface="Fira Code" panose="020B0809050000020004" pitchFamily="49" charset="0"/>
+                <a:cs typeface="Fira Code" panose="020B0809050000020004" pitchFamily="49" charset="0"/>
+              </a:rPr>
+              <a:t>main.py</a:t>
+            </a:r>
+          </a:p>
+          <a:p>
+            <a:pPr marL="85725" indent="-85725">
+              <a:buSzPct val="100000"/>
+              <a:buFont typeface="Corbel" panose="020B0503020204020204" pitchFamily="34" charset="0"/>
+              <a:buChar char="-"/>
+            </a:pPr>
+            <a:r>
+              <a:rPr lang="pl-PL" dirty="0"/>
+              <a:t>Inicjalizacja</a:t>
+            </a:r>
+          </a:p>
+          <a:p>
+            <a:pPr>
+              <a:buSzPct val="100000"/>
+              <a:buFont typeface="Corbel" panose="020B0503020204020204" pitchFamily="34" charset="0"/>
+              <a:buChar char="-"/>
+            </a:pPr>
+            <a:r>
+              <a:rPr lang="pl-PL" dirty="0"/>
+              <a:t>Pętla główna</a:t>
+            </a:r>
+          </a:p>
+          <a:p>
+            <a:pPr marL="85725" lvl="1">
+              <a:buSzPct val="100000"/>
+              <a:buFont typeface="Corbel" panose="020B0503020204020204" pitchFamily="34" charset="0"/>
+              <a:buChar char="-"/>
+            </a:pPr>
+            <a:r>
+              <a:rPr lang="pl-PL" dirty="0"/>
+              <a:t>Uruchomienie kodu z events.py</a:t>
+            </a:r>
+          </a:p>
+          <a:p>
+            <a:pPr marL="85725" lvl="1">
+              <a:buSzPct val="100000"/>
+              <a:buFont typeface="Corbel" panose="020B0503020204020204" pitchFamily="34" charset="0"/>
+              <a:buChar char="-"/>
+            </a:pPr>
+            <a:endParaRPr lang="pl-PL" dirty="0"/>
+          </a:p>
+        </p:txBody>
+      </p:sp>
+      <p:sp>
+        <p:nvSpPr>
+          <p:cNvPr id="7" name="Prostokąt 6">
+            <a:extLst>
+              <a:ext uri="{FF2B5EF4-FFF2-40B4-BE49-F238E27FC236}">
+                <a16:creationId xmlns:a16="http://schemas.microsoft.com/office/drawing/2014/main" id="{A514F68F-151F-4E56-BCC4-E6C54CDBF354}"/>
+              </a:ext>
+            </a:extLst>
+          </p:cNvPr>
+          <p:cNvSpPr/>
+          <p:nvPr/>
+        </p:nvSpPr>
+        <p:spPr>
+          <a:xfrm>
+            <a:off x="3879308" y="4228935"/>
+            <a:ext cx="2555808" cy="1034434"/>
+          </a:xfrm>
+          <a:prstGeom prst="rect">
+            <a:avLst/>
+          </a:prstGeom>
+        </p:spPr>
+        <p:style>
+          <a:lnRef idx="2">
+            <a:schemeClr val="accent1">
+              <a:shade val="50000"/>
+            </a:schemeClr>
+          </a:lnRef>
+          <a:fillRef idx="1">
+            <a:schemeClr val="accent1"/>
+          </a:fillRef>
+          <a:effectRef idx="0">
+            <a:schemeClr val="accent1"/>
+          </a:effectRef>
+          <a:fontRef idx="minor">
+            <a:schemeClr val="lt1"/>
+          </a:fontRef>
+        </p:style>
+        <p:txBody>
+          <a:bodyPr rtlCol="0" anchor="t"/>
+          <a:lstStyle/>
+          <a:p>
+            <a:pPr algn="ctr"/>
+            <a:r>
+              <a:rPr lang="pl-PL" dirty="0">
+                <a:latin typeface="Fira Code" panose="020B0809050000020004" pitchFamily="49" charset="0"/>
+                <a:ea typeface="Fira Code" panose="020B0809050000020004" pitchFamily="49" charset="0"/>
+                <a:cs typeface="Fira Code" panose="020B0809050000020004" pitchFamily="49" charset="0"/>
+              </a:rPr>
+              <a:t>global_vars.py</a:t>
+            </a:r>
+          </a:p>
+          <a:p>
+            <a:pPr>
+              <a:buFont typeface="Fira Code" panose="020B0809050000020004" pitchFamily="49" charset="0"/>
+              <a:buChar char="-"/>
+            </a:pPr>
+            <a:r>
+              <a:rPr lang="pl-PL" dirty="0">
+                <a:ea typeface="Fira Code" panose="020B0809050000020004" pitchFamily="49" charset="0"/>
+                <a:cs typeface="Fira Code" panose="020B0809050000020004" pitchFamily="49" charset="0"/>
+              </a:rPr>
+              <a:t>Zmienne do konfiguracji gry</a:t>
+            </a:r>
+          </a:p>
+        </p:txBody>
+      </p:sp>
+      <p:sp>
+        <p:nvSpPr>
+          <p:cNvPr id="8" name="Prostokąt 7">
+            <a:extLst>
+              <a:ext uri="{FF2B5EF4-FFF2-40B4-BE49-F238E27FC236}">
+                <a16:creationId xmlns:a16="http://schemas.microsoft.com/office/drawing/2014/main" id="{8CF1AC8F-ED5C-4D46-8760-4BFF2CF8E0B1}"/>
+              </a:ext>
+            </a:extLst>
+          </p:cNvPr>
+          <p:cNvSpPr/>
+          <p:nvPr/>
+        </p:nvSpPr>
+        <p:spPr>
+          <a:xfrm>
+            <a:off x="3879308" y="2850842"/>
+            <a:ext cx="2555809" cy="914400"/>
+          </a:xfrm>
+          <a:prstGeom prst="rect">
+            <a:avLst/>
+          </a:prstGeom>
+        </p:spPr>
+        <p:style>
+          <a:lnRef idx="2">
+            <a:schemeClr val="accent1">
+              <a:shade val="50000"/>
+            </a:schemeClr>
+          </a:lnRef>
+          <a:fillRef idx="1">
+            <a:schemeClr val="accent1"/>
+          </a:fillRef>
+          <a:effectRef idx="0">
+            <a:schemeClr val="accent1"/>
+          </a:effectRef>
+          <a:fontRef idx="minor">
+            <a:schemeClr val="lt1"/>
+          </a:fontRef>
+        </p:style>
+        <p:txBody>
+          <a:bodyPr rtlCol="0" anchor="t"/>
+          <a:lstStyle/>
+          <a:p>
+            <a:pPr algn="ctr"/>
+            <a:r>
+              <a:rPr lang="pl-PL" dirty="0">
+                <a:latin typeface="Fira Code" panose="020B0809050000020004" pitchFamily="49" charset="0"/>
+                <a:ea typeface="Fira Code" panose="020B0809050000020004" pitchFamily="49" charset="0"/>
+                <a:cs typeface="Fira Code" panose="020B0809050000020004" pitchFamily="49" charset="0"/>
+              </a:rPr>
+              <a:t>events.py</a:t>
+            </a:r>
+          </a:p>
+          <a:p>
+            <a:pPr>
+              <a:buFont typeface="Corbel" panose="020B0503020204020204" pitchFamily="34" charset="0"/>
+              <a:buChar char="-"/>
+            </a:pPr>
+            <a:r>
+              <a:rPr lang="pl-PL" dirty="0">
+                <a:ea typeface="Fira Code" panose="020B0809050000020004" pitchFamily="49" charset="0"/>
+                <a:cs typeface="Fira Code" panose="020B0809050000020004" pitchFamily="49" charset="0"/>
+              </a:rPr>
+              <a:t>Ustawianie flag zdarzeń</a:t>
             </a:r>
           </a:p>
         </p:txBody>
@@ -8062,7 +10955,7 @@
     </p:spTree>
     <p:extLst>
       <p:ext uri="{BB962C8B-B14F-4D97-AF65-F5344CB8AC3E}">
-        <p14:creationId xmlns:p14="http://schemas.microsoft.com/office/powerpoint/2010/main" val="590778494"/>
+        <p14:creationId xmlns:p14="http://schemas.microsoft.com/office/powerpoint/2010/main" val="4214608343"/>
       </p:ext>
     </p:extLst>
   </p:cSld>
@@ -8091,10 +10984,10 @@
       </p:grpSpPr>
       <p:sp>
         <p:nvSpPr>
-          <p:cNvPr id="3" name="Tytuł 2">
+          <p:cNvPr id="4" name="Tytuł 3">
             <a:extLst>
               <a:ext uri="{FF2B5EF4-FFF2-40B4-BE49-F238E27FC236}">
-                <a16:creationId xmlns:a16="http://schemas.microsoft.com/office/drawing/2014/main" id="{B8A866C6-8730-415D-BCF8-5D20DCE54D0D}"/>
+                <a16:creationId xmlns:a16="http://schemas.microsoft.com/office/drawing/2014/main" id="{F5C2DC1F-8337-4809-A1EC-0BEC837988AC}"/>
               </a:ext>
             </a:extLst>
           </p:cNvPr>
@@ -8112,59 +11005,15 @@
           <a:p>
             <a:r>
               <a:rPr lang="pl-PL" dirty="0"/>
-              <a:t>Krok Drugi</a:t>
-            </a:r>
-            <a:br>
-              <a:rPr lang="pl-PL" dirty="0"/>
-            </a:br>
-            <a:r>
-              <a:rPr lang="pl-PL" dirty="0"/>
-              <a:t>Obsługa klawiatury</a:t>
-            </a:r>
-          </a:p>
-        </p:txBody>
-      </p:sp>
-      <p:sp>
-        <p:nvSpPr>
-          <p:cNvPr id="4" name="Symbol zastępczy tekstu 3">
-            <a:extLst>
-              <a:ext uri="{FF2B5EF4-FFF2-40B4-BE49-F238E27FC236}">
-                <a16:creationId xmlns:a16="http://schemas.microsoft.com/office/drawing/2014/main" id="{48B2D9C0-90BF-4EE9-BB98-49AE52A9F6EC}"/>
-              </a:ext>
-            </a:extLst>
-          </p:cNvPr>
-          <p:cNvSpPr>
-            <a:spLocks noGrp="1"/>
-          </p:cNvSpPr>
-          <p:nvPr>
-            <p:ph type="body" idx="1"/>
-          </p:nvPr>
-        </p:nvSpPr>
-        <p:spPr/>
-        <p:txBody>
-          <a:bodyPr/>
-          <a:lstStyle/>
-          <a:p>
-            <a:r>
-              <a:rPr lang="pl-PL" dirty="0" err="1"/>
-              <a:t>Responsywność</a:t>
-            </a:r>
-            <a:r>
-              <a:rPr lang="pl-PL" dirty="0"/>
-              <a:t> +=</a:t>
-            </a:r>
-            <a:r>
-              <a:rPr lang="ja-JP" altLang="en-US" dirty="0"/>
-              <a:t>∞</a:t>
-            </a:r>
-            <a:endParaRPr lang="pl-PL" dirty="0"/>
+              <a:t>Krok Pierwszy: Okno Gry</a:t>
+            </a:r>
           </a:p>
         </p:txBody>
       </p:sp>
     </p:spTree>
     <p:extLst>
       <p:ext uri="{BB962C8B-B14F-4D97-AF65-F5344CB8AC3E}">
-        <p14:creationId xmlns:p14="http://schemas.microsoft.com/office/powerpoint/2010/main" val="2244318975"/>
+        <p14:creationId xmlns:p14="http://schemas.microsoft.com/office/powerpoint/2010/main" val="590778494"/>
       </p:ext>
     </p:extLst>
   </p:cSld>
@@ -8193,10 +11042,10 @@
       </p:grpSpPr>
       <p:sp>
         <p:nvSpPr>
-          <p:cNvPr id="4" name="Tytuł 3">
+          <p:cNvPr id="3" name="Tytuł 2">
             <a:extLst>
               <a:ext uri="{FF2B5EF4-FFF2-40B4-BE49-F238E27FC236}">
-                <a16:creationId xmlns:a16="http://schemas.microsoft.com/office/drawing/2014/main" id="{88294246-FBB7-4CF3-B140-FAE99286B0CD}"/>
+                <a16:creationId xmlns:a16="http://schemas.microsoft.com/office/drawing/2014/main" id="{B8A866C6-8730-415D-BCF8-5D20DCE54D0D}"/>
               </a:ext>
             </a:extLst>
           </p:cNvPr>
@@ -8214,15 +11063,59 @@
           <a:p>
             <a:r>
               <a:rPr lang="pl-PL" dirty="0"/>
-              <a:t>Krok Drugi: Obsługa klawiatury</a:t>
-            </a:r>
+              <a:t>Krok Drugi</a:t>
+            </a:r>
+            <a:br>
+              <a:rPr lang="pl-PL" dirty="0"/>
+            </a:br>
+            <a:r>
+              <a:rPr lang="pl-PL" dirty="0"/>
+              <a:t>Obsługa klawiatury</a:t>
+            </a:r>
+          </a:p>
+        </p:txBody>
+      </p:sp>
+      <p:sp>
+        <p:nvSpPr>
+          <p:cNvPr id="4" name="Symbol zastępczy tekstu 3">
+            <a:extLst>
+              <a:ext uri="{FF2B5EF4-FFF2-40B4-BE49-F238E27FC236}">
+                <a16:creationId xmlns:a16="http://schemas.microsoft.com/office/drawing/2014/main" id="{48B2D9C0-90BF-4EE9-BB98-49AE52A9F6EC}"/>
+              </a:ext>
+            </a:extLst>
+          </p:cNvPr>
+          <p:cNvSpPr>
+            <a:spLocks noGrp="1"/>
+          </p:cNvSpPr>
+          <p:nvPr>
+            <p:ph type="body" idx="1"/>
+          </p:nvPr>
+        </p:nvSpPr>
+        <p:spPr/>
+        <p:txBody>
+          <a:bodyPr/>
+          <a:lstStyle/>
+          <a:p>
+            <a:r>
+              <a:rPr lang="pl-PL" dirty="0" err="1"/>
+              <a:t>Responsywność</a:t>
+            </a:r>
+            <a:r>
+              <a:rPr lang="pl-PL" dirty="0"/>
+              <a:t> +=</a:t>
+            </a:r>
+            <a:r>
+              <a:rPr lang="ja-JP" altLang="en-US" dirty="0"/>
+              <a:t>∞</a:t>
+            </a:r>
+            <a:endParaRPr lang="pl-PL" dirty="0"/>
           </a:p>
         </p:txBody>
       </p:sp>
     </p:spTree>
     <p:extLst>
       <p:ext uri="{BB962C8B-B14F-4D97-AF65-F5344CB8AC3E}">
-        <p14:creationId xmlns:p14="http://schemas.microsoft.com/office/powerpoint/2010/main" val="3035302849"/>
+        <p14:creationId xmlns:p14="http://schemas.microsoft.com/office/powerpoint/2010/main" val="2244318975"/>
       </p:ext>
     </p:extLst>
   </p:cSld>
@@ -8758,13 +11651,317 @@
 </a:theme>
 </file>
 
+<file path=ppt/theme/theme3.xml><?xml version="1.0" encoding="utf-8"?>
+<a:theme xmlns:a="http://schemas.openxmlformats.org/drawingml/2006/main" name="Motyw pakietu Office">
+  <a:themeElements>
+    <a:clrScheme name="Pakiet Office">
+      <a:dk1>
+        <a:sysClr val="windowText" lastClr="000000"/>
+      </a:dk1>
+      <a:lt1>
+        <a:sysClr val="window" lastClr="FFFFFF"/>
+      </a:lt1>
+      <a:dk2>
+        <a:srgbClr val="44546A"/>
+      </a:dk2>
+      <a:lt2>
+        <a:srgbClr val="E7E6E6"/>
+      </a:lt2>
+      <a:accent1>
+        <a:srgbClr val="4472C4"/>
+      </a:accent1>
+      <a:accent2>
+        <a:srgbClr val="ED7D31"/>
+      </a:accent2>
+      <a:accent3>
+        <a:srgbClr val="A5A5A5"/>
+      </a:accent3>
+      <a:accent4>
+        <a:srgbClr val="FFC000"/>
+      </a:accent4>
+      <a:accent5>
+        <a:srgbClr val="5B9BD5"/>
+      </a:accent5>
+      <a:accent6>
+        <a:srgbClr val="70AD47"/>
+      </a:accent6>
+      <a:hlink>
+        <a:srgbClr val="0563C1"/>
+      </a:hlink>
+      <a:folHlink>
+        <a:srgbClr val="954F72"/>
+      </a:folHlink>
+    </a:clrScheme>
+    <a:fontScheme name="Pakiet Office">
+      <a:majorFont>
+        <a:latin typeface="Calibri Light" panose="020F0302020204030204"/>
+        <a:ea typeface=""/>
+        <a:cs typeface=""/>
+        <a:font script="Jpan" typeface="游ゴシック Light"/>
+        <a:font script="Hang" typeface="맑은 고딕"/>
+        <a:font script="Hans" typeface="等线 Light"/>
+        <a:font script="Hant" typeface="新細明體"/>
+        <a:font script="Arab" typeface="Times New Roman"/>
+        <a:font script="Hebr" typeface="Times New Roman"/>
+        <a:font script="Thai" typeface="Angsana New"/>
+        <a:font script="Ethi" typeface="Nyala"/>
+        <a:font script="Beng" typeface="Vrinda"/>
+        <a:font script="Gujr" typeface="Shruti"/>
+        <a:font script="Khmr" typeface="MoolBoran"/>
+        <a:font script="Knda" typeface="Tunga"/>
+        <a:font script="Guru" typeface="Raavi"/>
+        <a:font script="Cans" typeface="Euphemia"/>
+        <a:font script="Cher" typeface="Plantagenet Cherokee"/>
+        <a:font script="Yiii" typeface="Microsoft Yi Baiti"/>
+        <a:font script="Tibt" typeface="Microsoft Himalaya"/>
+        <a:font script="Thaa" typeface="MV Boli"/>
+        <a:font script="Deva" typeface="Mangal"/>
+        <a:font script="Telu" typeface="Gautami"/>
+        <a:font script="Taml" typeface="Latha"/>
+        <a:font script="Syrc" typeface="Estrangelo Edessa"/>
+        <a:font script="Orya" typeface="Kalinga"/>
+        <a:font script="Mlym" typeface="Kartika"/>
+        <a:font script="Laoo" typeface="DokChampa"/>
+        <a:font script="Sinh" typeface="Iskoola Pota"/>
+        <a:font script="Mong" typeface="Mongolian Baiti"/>
+        <a:font script="Viet" typeface="Times New Roman"/>
+        <a:font script="Uigh" typeface="Microsoft Uighur"/>
+        <a:font script="Geor" typeface="Sylfaen"/>
+        <a:font script="Armn" typeface="Arial"/>
+        <a:font script="Bugi" typeface="Leelawadee UI"/>
+        <a:font script="Bopo" typeface="Microsoft JhengHei"/>
+        <a:font script="Java" typeface="Javanese Text"/>
+        <a:font script="Lisu" typeface="Segoe UI"/>
+        <a:font script="Mymr" typeface="Myanmar Text"/>
+        <a:font script="Nkoo" typeface="Ebrima"/>
+        <a:font script="Olck" typeface="Nirmala UI"/>
+        <a:font script="Osma" typeface="Ebrima"/>
+        <a:font script="Phag" typeface="Phagspa"/>
+        <a:font script="Syrn" typeface="Estrangelo Edessa"/>
+        <a:font script="Syrj" typeface="Estrangelo Edessa"/>
+        <a:font script="Syre" typeface="Estrangelo Edessa"/>
+        <a:font script="Sora" typeface="Nirmala UI"/>
+        <a:font script="Tale" typeface="Microsoft Tai Le"/>
+        <a:font script="Talu" typeface="Microsoft New Tai Lue"/>
+        <a:font script="Tfng" typeface="Ebrima"/>
+      </a:majorFont>
+      <a:minorFont>
+        <a:latin typeface="Calibri" panose="020F0502020204030204"/>
+        <a:ea typeface=""/>
+        <a:cs typeface=""/>
+        <a:font script="Jpan" typeface="游ゴシック"/>
+        <a:font script="Hang" typeface="맑은 고딕"/>
+        <a:font script="Hans" typeface="等线"/>
+        <a:font script="Hant" typeface="新細明體"/>
+        <a:font script="Arab" typeface="Arial"/>
+        <a:font script="Hebr" typeface="Arial"/>
+        <a:font script="Thai" typeface="Cordia New"/>
+        <a:font script="Ethi" typeface="Nyala"/>
+        <a:font script="Beng" typeface="Vrinda"/>
+        <a:font script="Gujr" typeface="Shruti"/>
+        <a:font script="Khmr" typeface="DaunPenh"/>
+        <a:font script="Knda" typeface="Tunga"/>
+        <a:font script="Guru" typeface="Raavi"/>
+        <a:font script="Cans" typeface="Euphemia"/>
+        <a:font script="Cher" typeface="Plantagenet Cherokee"/>
+        <a:font script="Yiii" typeface="Microsoft Yi Baiti"/>
+        <a:font script="Tibt" typeface="Microsoft Himalaya"/>
+        <a:font script="Thaa" typeface="MV Boli"/>
+        <a:font script="Deva" typeface="Mangal"/>
+        <a:font script="Telu" typeface="Gautami"/>
+        <a:font script="Taml" typeface="Latha"/>
+        <a:font script="Syrc" typeface="Estrangelo Edessa"/>
+        <a:font script="Orya" typeface="Kalinga"/>
+        <a:font script="Mlym" typeface="Kartika"/>
+        <a:font script="Laoo" typeface="DokChampa"/>
+        <a:font script="Sinh" typeface="Iskoola Pota"/>
+        <a:font script="Mong" typeface="Mongolian Baiti"/>
+        <a:font script="Viet" typeface="Arial"/>
+        <a:font script="Uigh" typeface="Microsoft Uighur"/>
+        <a:font script="Geor" typeface="Sylfaen"/>
+        <a:font script="Armn" typeface="Arial"/>
+        <a:font script="Bugi" typeface="Leelawadee UI"/>
+        <a:font script="Bopo" typeface="Microsoft JhengHei"/>
+        <a:font script="Java" typeface="Javanese Text"/>
+        <a:font script="Lisu" typeface="Segoe UI"/>
+        <a:font script="Mymr" typeface="Myanmar Text"/>
+        <a:font script="Nkoo" typeface="Ebrima"/>
+        <a:font script="Olck" typeface="Nirmala UI"/>
+        <a:font script="Osma" typeface="Ebrima"/>
+        <a:font script="Phag" typeface="Phagspa"/>
+        <a:font script="Syrn" typeface="Estrangelo Edessa"/>
+        <a:font script="Syrj" typeface="Estrangelo Edessa"/>
+        <a:font script="Syre" typeface="Estrangelo Edessa"/>
+        <a:font script="Sora" typeface="Nirmala UI"/>
+        <a:font script="Tale" typeface="Microsoft Tai Le"/>
+        <a:font script="Talu" typeface="Microsoft New Tai Lue"/>
+        <a:font script="Tfng" typeface="Ebrima"/>
+      </a:minorFont>
+    </a:fontScheme>
+    <a:fmtScheme name="Pakiet Office">
+      <a:fillStyleLst>
+        <a:solidFill>
+          <a:schemeClr val="phClr"/>
+        </a:solidFill>
+        <a:gradFill rotWithShape="1">
+          <a:gsLst>
+            <a:gs pos="0">
+              <a:schemeClr val="phClr">
+                <a:lumMod val="110000"/>
+                <a:satMod val="105000"/>
+                <a:tint val="67000"/>
+              </a:schemeClr>
+            </a:gs>
+            <a:gs pos="50000">
+              <a:schemeClr val="phClr">
+                <a:lumMod val="105000"/>
+                <a:satMod val="103000"/>
+                <a:tint val="73000"/>
+              </a:schemeClr>
+            </a:gs>
+            <a:gs pos="100000">
+              <a:schemeClr val="phClr">
+                <a:lumMod val="105000"/>
+                <a:satMod val="109000"/>
+                <a:tint val="81000"/>
+              </a:schemeClr>
+            </a:gs>
+          </a:gsLst>
+          <a:lin ang="5400000" scaled="0"/>
+        </a:gradFill>
+        <a:gradFill rotWithShape="1">
+          <a:gsLst>
+            <a:gs pos="0">
+              <a:schemeClr val="phClr">
+                <a:satMod val="103000"/>
+                <a:lumMod val="102000"/>
+                <a:tint val="94000"/>
+              </a:schemeClr>
+            </a:gs>
+            <a:gs pos="50000">
+              <a:schemeClr val="phClr">
+                <a:satMod val="110000"/>
+                <a:lumMod val="100000"/>
+                <a:shade val="100000"/>
+              </a:schemeClr>
+            </a:gs>
+            <a:gs pos="100000">
+              <a:schemeClr val="phClr">
+                <a:lumMod val="99000"/>
+                <a:satMod val="120000"/>
+                <a:shade val="78000"/>
+              </a:schemeClr>
+            </a:gs>
+          </a:gsLst>
+          <a:lin ang="5400000" scaled="0"/>
+        </a:gradFill>
+      </a:fillStyleLst>
+      <a:lnStyleLst>
+        <a:ln w="6350" cap="flat" cmpd="sng" algn="ctr">
+          <a:solidFill>
+            <a:schemeClr val="phClr"/>
+          </a:solidFill>
+          <a:prstDash val="solid"/>
+          <a:miter lim="800000"/>
+        </a:ln>
+        <a:ln w="12700" cap="flat" cmpd="sng" algn="ctr">
+          <a:solidFill>
+            <a:schemeClr val="phClr"/>
+          </a:solidFill>
+          <a:prstDash val="solid"/>
+          <a:miter lim="800000"/>
+        </a:ln>
+        <a:ln w="19050" cap="flat" cmpd="sng" algn="ctr">
+          <a:solidFill>
+            <a:schemeClr val="phClr"/>
+          </a:solidFill>
+          <a:prstDash val="solid"/>
+          <a:miter lim="800000"/>
+        </a:ln>
+      </a:lnStyleLst>
+      <a:effectStyleLst>
+        <a:effectStyle>
+          <a:effectLst/>
+        </a:effectStyle>
+        <a:effectStyle>
+          <a:effectLst/>
+        </a:effectStyle>
+        <a:effectStyle>
+          <a:effectLst>
+            <a:outerShdw blurRad="57150" dist="19050" dir="5400000" algn="ctr" rotWithShape="0">
+              <a:srgbClr val="000000">
+                <a:alpha val="63000"/>
+              </a:srgbClr>
+            </a:outerShdw>
+          </a:effectLst>
+        </a:effectStyle>
+      </a:effectStyleLst>
+      <a:bgFillStyleLst>
+        <a:solidFill>
+          <a:schemeClr val="phClr"/>
+        </a:solidFill>
+        <a:solidFill>
+          <a:schemeClr val="phClr">
+            <a:tint val="95000"/>
+            <a:satMod val="170000"/>
+          </a:schemeClr>
+        </a:solidFill>
+        <a:gradFill rotWithShape="1">
+          <a:gsLst>
+            <a:gs pos="0">
+              <a:schemeClr val="phClr">
+                <a:tint val="93000"/>
+                <a:satMod val="150000"/>
+                <a:shade val="98000"/>
+                <a:lumMod val="102000"/>
+              </a:schemeClr>
+            </a:gs>
+            <a:gs pos="50000">
+              <a:schemeClr val="phClr">
+                <a:tint val="98000"/>
+                <a:satMod val="130000"/>
+                <a:shade val="90000"/>
+                <a:lumMod val="103000"/>
+              </a:schemeClr>
+            </a:gs>
+            <a:gs pos="100000">
+              <a:schemeClr val="phClr">
+                <a:shade val="63000"/>
+                <a:satMod val="120000"/>
+              </a:schemeClr>
+            </a:gs>
+          </a:gsLst>
+          <a:lin ang="5400000" scaled="0"/>
+        </a:gradFill>
+      </a:bgFillStyleLst>
+    </a:fmtScheme>
+  </a:themeElements>
+  <a:objectDefaults/>
+  <a:extraClrSchemeLst/>
+  <a:extLst>
+    <a:ext uri="{05A4C25C-085E-4340-85A3-A5531E510DB2}">
+      <thm15:themeFamily xmlns:thm15="http://schemas.microsoft.com/office/thememl/2012/main" name="Office Theme" id="{62F939B6-93AF-4DB8-9C6B-D6C7DFDC589F}" vid="{4A3C46E8-61CC-4603-A589-7422A47A8E4A}"/>
+    </a:ext>
+  </a:extLst>
+</a:theme>
+</file>
+
 <file path=customXml/item1.xml><?xml version="1.0" encoding="utf-8"?>
+<?mso-contentType ?>
+<FormTemplates xmlns="http://schemas.microsoft.com/sharepoint/v3/contenttype/forms">
+  <Display>DocumentLibraryForm</Display>
+  <Edit>DocumentLibraryForm</Edit>
+  <New>DocumentLibraryForm</New>
+</FormTemplates>
+</file>
+
+<file path=customXml/item2.xml><?xml version="1.0" encoding="utf-8"?>
 <p:properties xmlns:p="http://schemas.microsoft.com/office/2006/metadata/properties" xmlns:xsi="http://www.w3.org/2001/XMLSchema-instance" xmlns:pc="http://schemas.microsoft.com/office/infopath/2007/PartnerControls">
   <documentManagement/>
 </p:properties>
 </file>
 
-<file path=customXml/item2.xml><?xml version="1.0" encoding="utf-8"?>
+<file path=customXml/item3.xml><?xml version="1.0" encoding="utf-8"?>
 <ct:contentTypeSchema xmlns:ct="http://schemas.microsoft.com/office/2006/metadata/contentType" xmlns:ma="http://schemas.microsoft.com/office/2006/metadata/properties/metaAttributes" ct:_="" ma:_="" ma:contentTypeName="Document" ma:contentTypeID="0x010100A93D22950EC4D64FAB13E859A8F757EF" ma:contentTypeVersion="2" ma:contentTypeDescription="Create a new document." ma:contentTypeScope="" ma:versionID="472780d458fcec431ea225d1190419cf">
   <xsd:schema xmlns:xsd="http://www.w3.org/2001/XMLSchema" xmlns:xs="http://www.w3.org/2001/XMLSchema" xmlns:p="http://schemas.microsoft.com/office/2006/metadata/properties" xmlns:ns3="48689035-49f8-427e-b277-efe7fd70c71a" targetNamespace="http://schemas.microsoft.com/office/2006/metadata/properties" ma:root="true" ma:fieldsID="65511eb06dd7c124ec68d95c0ffb407b" ns3:_="">
     <xsd:import namespace="48689035-49f8-427e-b277-efe7fd70c71a"/>
@@ -8896,16 +12093,15 @@
 </ct:contentTypeSchema>
 </file>
 
-<file path=customXml/item3.xml><?xml version="1.0" encoding="utf-8"?>
-<?mso-contentType ?>
-<FormTemplates xmlns="http://schemas.microsoft.com/sharepoint/v3/contenttype/forms">
-  <Display>DocumentLibraryForm</Display>
-  <Edit>DocumentLibraryForm</Edit>
-  <New>DocumentLibraryForm</New>
-</FormTemplates>
+<file path=customXml/itemProps1.xml><?xml version="1.0" encoding="utf-8"?>
+<ds:datastoreItem xmlns:ds="http://schemas.openxmlformats.org/officeDocument/2006/customXml" ds:itemID="{97905A6F-590C-4E7A-9726-A75505A36DDE}">
+  <ds:schemaRefs>
+    <ds:schemaRef ds:uri="http://schemas.microsoft.com/sharepoint/v3/contenttype/forms"/>
+  </ds:schemaRefs>
+</ds:datastoreItem>
 </file>
 
-<file path=customXml/itemProps1.xml><?xml version="1.0" encoding="utf-8"?>
+<file path=customXml/itemProps2.xml><?xml version="1.0" encoding="utf-8"?>
 <ds:datastoreItem xmlns:ds="http://schemas.openxmlformats.org/officeDocument/2006/customXml" ds:itemID="{73C40CC7-7817-4C5B-B9CE-01E5E1729480}">
   <ds:schemaRefs>
     <ds:schemaRef ds:uri="http://www.w3.org/XML/1998/namespace"/>
@@ -8921,7 +12117,7 @@
 </ds:datastoreItem>
 </file>
 
-<file path=customXml/itemProps2.xml><?xml version="1.0" encoding="utf-8"?>
+<file path=customXml/itemProps3.xml><?xml version="1.0" encoding="utf-8"?>
 <ds:datastoreItem xmlns:ds="http://schemas.openxmlformats.org/officeDocument/2006/customXml" ds:itemID="{F39EB7B9-5F4A-43E8-B4C2-5524831DCCA3}">
   <ds:schemaRefs>
     <ds:schemaRef ds:uri="http://schemas.microsoft.com/office/2006/metadata/contentType"/>
@@ -8937,12 +12133,4 @@
     <ds:schemaRef ds:uri="http://schemas.microsoft.com/internal/obd"/>
   </ds:schemaRefs>
 </ds:datastoreItem>
-</file>
-
-<file path=customXml/itemProps3.xml><?xml version="1.0" encoding="utf-8"?>
-<ds:datastoreItem xmlns:ds="http://schemas.openxmlformats.org/officeDocument/2006/customXml" ds:itemID="{97905A6F-590C-4E7A-9726-A75505A36DDE}">
-  <ds:schemaRefs>
-    <ds:schemaRef ds:uri="http://schemas.microsoft.com/sharepoint/v3/contenttype/forms"/>
-  </ds:schemaRefs>
-</ds:datastoreItem>
 </file>
--- a/PPoint.pptx
+++ b/PPoint.pptx
@@ -5,34 +5,32 @@
     <p:sldMasterId id="2147483840" r:id="rId4"/>
   </p:sldMasterIdLst>
   <p:notesMasterIdLst>
-    <p:notesMasterId r:id="rId27"/>
+    <p:notesMasterId r:id="rId25"/>
   </p:notesMasterIdLst>
   <p:handoutMasterIdLst>
-    <p:handoutMasterId r:id="rId28"/>
+    <p:handoutMasterId r:id="rId26"/>
   </p:handoutMasterIdLst>
   <p:sldIdLst>
     <p:sldId id="256" r:id="rId5"/>
     <p:sldId id="257" r:id="rId6"/>
     <p:sldId id="259" r:id="rId7"/>
-    <p:sldId id="265" r:id="rId8"/>
-    <p:sldId id="266" r:id="rId9"/>
-    <p:sldId id="258" r:id="rId10"/>
-    <p:sldId id="273" r:id="rId11"/>
-    <p:sldId id="262" r:id="rId12"/>
-    <p:sldId id="263" r:id="rId13"/>
-    <p:sldId id="274" r:id="rId14"/>
-    <p:sldId id="264" r:id="rId15"/>
-    <p:sldId id="267" r:id="rId16"/>
-    <p:sldId id="275" r:id="rId17"/>
-    <p:sldId id="268" r:id="rId18"/>
-    <p:sldId id="269" r:id="rId19"/>
-    <p:sldId id="276" r:id="rId20"/>
-    <p:sldId id="270" r:id="rId21"/>
-    <p:sldId id="272" r:id="rId22"/>
-    <p:sldId id="277" r:id="rId23"/>
-    <p:sldId id="271" r:id="rId24"/>
-    <p:sldId id="278" r:id="rId25"/>
-    <p:sldId id="279" r:id="rId26"/>
+    <p:sldId id="258" r:id="rId8"/>
+    <p:sldId id="273" r:id="rId9"/>
+    <p:sldId id="262" r:id="rId10"/>
+    <p:sldId id="263" r:id="rId11"/>
+    <p:sldId id="274" r:id="rId12"/>
+    <p:sldId id="264" r:id="rId13"/>
+    <p:sldId id="267" r:id="rId14"/>
+    <p:sldId id="275" r:id="rId15"/>
+    <p:sldId id="268" r:id="rId16"/>
+    <p:sldId id="269" r:id="rId17"/>
+    <p:sldId id="276" r:id="rId18"/>
+    <p:sldId id="270" r:id="rId19"/>
+    <p:sldId id="272" r:id="rId20"/>
+    <p:sldId id="277" r:id="rId21"/>
+    <p:sldId id="271" r:id="rId22"/>
+    <p:sldId id="278" r:id="rId23"/>
+    <p:sldId id="279" r:id="rId24"/>
   </p:sldIdLst>
   <p:sldSz cx="12192000" cy="6858000"/>
   <p:notesSz cx="6858000" cy="9144000"/>
@@ -236,7 +234,7 @@
           <a:p>
             <a:fld id="{C02CF9BA-860C-463A-B4B5-4702C1C6AAB2}" type="datetimeFigureOut">
               <a:rPr lang="pl-PL" smtClean="0"/>
-              <a:t>22.09.2020</a:t>
+              <a:t>30.09.2020</a:t>
             </a:fld>
             <a:endParaRPr lang="pl-PL"/>
           </a:p>
@@ -413,7 +411,7 @@
           <a:p>
             <a:fld id="{CE2FD119-FAB2-411A-854B-73B505FF6B4C}" type="datetimeFigureOut">
               <a:rPr lang="pl-PL" smtClean="0"/>
-              <a:t>22.09.2020</a:t>
+              <a:t>30.09.2020</a:t>
             </a:fld>
             <a:endParaRPr lang="pl-PL"/>
           </a:p>
@@ -811,102 +809,9 @@
           <a:bodyPr/>
           <a:lstStyle/>
           <a:p>
-            <a:pPr marL="0" marR="0" lvl="0" indent="0" algn="l" defTabSz="914400" rtl="0" eaLnBrk="1" fontAlgn="auto" latinLnBrk="0" hangingPunct="1">
-              <a:lnSpc>
-                <a:spcPct val="100000"/>
-              </a:lnSpc>
-              <a:spcBef>
-                <a:spcPts val="0"/>
-              </a:spcBef>
-              <a:spcAft>
-                <a:spcPts val="0"/>
-              </a:spcAft>
-              <a:buClrTx/>
-              <a:buSzTx/>
-              <a:buFontTx/>
-              <a:buNone/>
-              <a:tabLst/>
-              <a:defRPr/>
-            </a:pPr>
             <a:r>
               <a:rPr lang="pl-PL" dirty="0"/>
-              <a:t>Najpierw zaprogramować gracza w jednej klasie potem rozdzielić na </a:t>
-            </a:r>
-            <a:r>
-              <a:rPr lang="pl-PL" dirty="0" err="1"/>
-              <a:t>base</a:t>
-            </a:r>
-            <a:r>
-              <a:rPr lang="pl-PL" dirty="0"/>
-              <a:t> i </a:t>
-            </a:r>
-            <a:r>
-              <a:rPr lang="pl-PL" dirty="0" err="1"/>
-              <a:t>player</a:t>
-            </a:r>
-            <a:endParaRPr lang="pl-PL" dirty="0"/>
-          </a:p>
-          <a:p>
-            <a:pPr marL="0" marR="0" lvl="0" indent="0" algn="l" defTabSz="914400" rtl="0" eaLnBrk="1" fontAlgn="auto" latinLnBrk="0" hangingPunct="1">
-              <a:lnSpc>
-                <a:spcPct val="100000"/>
-              </a:lnSpc>
-              <a:spcBef>
-                <a:spcPts val="0"/>
-              </a:spcBef>
-              <a:spcAft>
-                <a:spcPts val="0"/>
-              </a:spcAft>
-              <a:buClrTx/>
-              <a:buSzTx/>
-              <a:buFontTx/>
-              <a:buNone/>
-              <a:tabLst/>
-              <a:defRPr/>
-            </a:pPr>
-            <a:endParaRPr lang="pl-PL" dirty="0"/>
-          </a:p>
-          <a:p>
-            <a:pPr marL="228600" indent="-228600">
-              <a:buAutoNum type="arabicPeriod"/>
-            </a:pPr>
-            <a:r>
-              <a:rPr lang="pl-PL" dirty="0"/>
-              <a:t>Podczepić </a:t>
-            </a:r>
-            <a:r>
-              <a:rPr lang="pl-PL" dirty="0" err="1"/>
-              <a:t>player</a:t>
-            </a:r>
-            <a:r>
-              <a:rPr lang="pl-PL" dirty="0"/>
-              <a:t> pod klawiaturę (poruszanie i strzelanie + </a:t>
-            </a:r>
-            <a:r>
-              <a:rPr lang="pl-PL" dirty="0" err="1"/>
-              <a:t>timer</a:t>
-            </a:r>
-            <a:r>
-              <a:rPr lang="pl-PL" dirty="0"/>
-              <a:t> do strzelania)</a:t>
-            </a:r>
-          </a:p>
-          <a:p>
-            <a:pPr marL="228600" indent="-228600">
-              <a:buAutoNum type="arabicPeriod"/>
-            </a:pPr>
-            <a:r>
-              <a:rPr lang="pl-PL" dirty="0"/>
-              <a:t>Wygładzanie poruszania</a:t>
-            </a:r>
-          </a:p>
-          <a:p>
-            <a:pPr marL="228600" indent="-228600">
-              <a:buAutoNum type="arabicPeriod"/>
-            </a:pPr>
-            <a:r>
-              <a:rPr lang="pl-PL" dirty="0"/>
-              <a:t>Zrobić Base na podstawie Player</a:t>
+              <a:t>Dodać enemy na podstawie Player i Base</a:t>
             </a:r>
           </a:p>
         </p:txBody>
@@ -928,7 +833,7 @@
           <a:p>
             <a:fld id="{F895E939-9B44-4E30-8BB9-C3B70D62160D}" type="slidenum">
               <a:rPr lang="pl-PL" smtClean="0"/>
-              <a:t>14</a:t>
+              <a:t>15</a:t>
             </a:fld>
             <a:endParaRPr lang="pl-PL"/>
           </a:p>
@@ -937,7 +842,7 @@
     </p:spTree>
     <p:extLst>
       <p:ext uri="{BB962C8B-B14F-4D97-AF65-F5344CB8AC3E}">
-        <p14:creationId xmlns:p14="http://schemas.microsoft.com/office/powerpoint/2010/main" val="4114879894"/>
+        <p14:creationId xmlns:p14="http://schemas.microsoft.com/office/powerpoint/2010/main" val="1126669537"/>
       </p:ext>
     </p:extLst>
   </p:cSld>
@@ -991,10 +896,7 @@
           <a:bodyPr/>
           <a:lstStyle/>
           <a:p>
-            <a:r>
-              <a:rPr lang="pl-PL" dirty="0"/>
-              <a:t>Dodać enemy na podstawie Player i Base</a:t>
-            </a:r>
+            <a:endParaRPr lang="pl-PL" dirty="0"/>
           </a:p>
         </p:txBody>
       </p:sp>
@@ -1015,7 +917,7 @@
           <a:p>
             <a:fld id="{F895E939-9B44-4E30-8BB9-C3B70D62160D}" type="slidenum">
               <a:rPr lang="pl-PL" smtClean="0"/>
-              <a:t>17</a:t>
+              <a:t>16</a:t>
             </a:fld>
             <a:endParaRPr lang="pl-PL"/>
           </a:p>
@@ -1024,7 +926,7 @@
     </p:spTree>
     <p:extLst>
       <p:ext uri="{BB962C8B-B14F-4D97-AF65-F5344CB8AC3E}">
-        <p14:creationId xmlns:p14="http://schemas.microsoft.com/office/powerpoint/2010/main" val="1126669537"/>
+        <p14:creationId xmlns:p14="http://schemas.microsoft.com/office/powerpoint/2010/main" val="1063459164"/>
       </p:ext>
     </p:extLst>
   </p:cSld>
@@ -1099,7 +1001,7 @@
           <a:p>
             <a:fld id="{F895E939-9B44-4E30-8BB9-C3B70D62160D}" type="slidenum">
               <a:rPr lang="pl-PL" smtClean="0"/>
-              <a:t>18</a:t>
+              <a:t>17</a:t>
             </a:fld>
             <a:endParaRPr lang="pl-PL"/>
           </a:p>
@@ -1108,7 +1010,7 @@
     </p:spTree>
     <p:extLst>
       <p:ext uri="{BB962C8B-B14F-4D97-AF65-F5344CB8AC3E}">
-        <p14:creationId xmlns:p14="http://schemas.microsoft.com/office/powerpoint/2010/main" val="1063459164"/>
+        <p14:creationId xmlns:p14="http://schemas.microsoft.com/office/powerpoint/2010/main" val="879933056"/>
       </p:ext>
     </p:extLst>
   </p:cSld>
@@ -1162,7 +1064,42 @@
           <a:bodyPr/>
           <a:lstStyle/>
           <a:p>
-            <a:endParaRPr lang="pl-PL" dirty="0"/>
+            <a:r>
+              <a:rPr lang="pl-PL" dirty="0"/>
+              <a:t>Grupy kolizji w </a:t>
+            </a:r>
+            <a:r>
+              <a:rPr lang="pl-PL" dirty="0" err="1"/>
+              <a:t>globalach</a:t>
+            </a:r>
+            <a:r>
+              <a:rPr lang="pl-PL" dirty="0"/>
+              <a:t>,</a:t>
+            </a:r>
+          </a:p>
+          <a:p>
+            <a:r>
+              <a:rPr lang="pl-PL" dirty="0"/>
+              <a:t>Detekcja kolizji w Enemy </a:t>
+            </a:r>
+            <a:r>
+              <a:rPr lang="pl-PL" dirty="0" err="1"/>
+              <a:t>Controler</a:t>
+            </a:r>
+            <a:r>
+              <a:rPr lang="pl-PL" dirty="0"/>
+              <a:t> i Player</a:t>
+            </a:r>
+          </a:p>
+          <a:p>
+            <a:r>
+              <a:rPr lang="pl-PL" dirty="0" err="1"/>
+              <a:t>Bullets</a:t>
+            </a:r>
+            <a:r>
+              <a:rPr lang="pl-PL" dirty="0"/>
+              <a:t> jako przykład że nie wszystko musi być klasami</a:t>
+            </a:r>
           </a:p>
         </p:txBody>
       </p:sp>
@@ -1183,7 +1120,7 @@
           <a:p>
             <a:fld id="{F895E939-9B44-4E30-8BB9-C3B70D62160D}" type="slidenum">
               <a:rPr lang="pl-PL" smtClean="0"/>
-              <a:t>19</a:t>
+              <a:t>18</a:t>
             </a:fld>
             <a:endParaRPr lang="pl-PL"/>
           </a:p>
@@ -1192,7 +1129,7 @@
     </p:spTree>
     <p:extLst>
       <p:ext uri="{BB962C8B-B14F-4D97-AF65-F5344CB8AC3E}">
-        <p14:creationId xmlns:p14="http://schemas.microsoft.com/office/powerpoint/2010/main" val="879933056"/>
+        <p14:creationId xmlns:p14="http://schemas.microsoft.com/office/powerpoint/2010/main" val="1673962630"/>
       </p:ext>
     </p:extLst>
   </p:cSld>
@@ -1303,125 +1240,6 @@
             <a:fld id="{F895E939-9B44-4E30-8BB9-C3B70D62160D}" type="slidenum">
               <a:rPr lang="pl-PL" smtClean="0"/>
               <a:t>20</a:t>
-            </a:fld>
-            <a:endParaRPr lang="pl-PL"/>
-          </a:p>
-        </p:txBody>
-      </p:sp>
-    </p:spTree>
-    <p:extLst>
-      <p:ext uri="{BB962C8B-B14F-4D97-AF65-F5344CB8AC3E}">
-        <p14:creationId xmlns:p14="http://schemas.microsoft.com/office/powerpoint/2010/main" val="1673962630"/>
-      </p:ext>
-    </p:extLst>
-  </p:cSld>
-  <p:clrMapOvr>
-    <a:masterClrMapping/>
-  </p:clrMapOvr>
-</p:notes>
-</file>
-
-<file path=ppt/notesSlides/notesSlide15.xml><?xml version="1.0" encoding="utf-8"?>
-<p:notes xmlns:a="http://schemas.openxmlformats.org/drawingml/2006/main" xmlns:r="http://schemas.openxmlformats.org/officeDocument/2006/relationships" xmlns:p="http://schemas.openxmlformats.org/presentationml/2006/main">
-  <p:cSld>
-    <p:spTree>
-      <p:nvGrpSpPr>
-        <p:cNvPr id="1" name=""/>
-        <p:cNvGrpSpPr/>
-        <p:nvPr/>
-      </p:nvGrpSpPr>
-      <p:grpSpPr>
-        <a:xfrm>
-          <a:off x="0" y="0"/>
-          <a:ext cx="0" cy="0"/>
-          <a:chOff x="0" y="0"/>
-          <a:chExt cx="0" cy="0"/>
-        </a:xfrm>
-      </p:grpSpPr>
-      <p:sp>
-        <p:nvSpPr>
-          <p:cNvPr id="2" name="Symbol zastępczy obrazu slajdu 1"/>
-          <p:cNvSpPr>
-            <a:spLocks noGrp="1" noRot="1" noChangeAspect="1"/>
-          </p:cNvSpPr>
-          <p:nvPr>
-            <p:ph type="sldImg"/>
-          </p:nvPr>
-        </p:nvSpPr>
-        <p:spPr/>
-      </p:sp>
-      <p:sp>
-        <p:nvSpPr>
-          <p:cNvPr id="3" name="Symbol zastępczy notatek 2"/>
-          <p:cNvSpPr>
-            <a:spLocks noGrp="1"/>
-          </p:cNvSpPr>
-          <p:nvPr>
-            <p:ph type="body" idx="1"/>
-          </p:nvPr>
-        </p:nvSpPr>
-        <p:spPr/>
-        <p:txBody>
-          <a:bodyPr/>
-          <a:lstStyle/>
-          <a:p>
-            <a:r>
-              <a:rPr lang="pl-PL" dirty="0"/>
-              <a:t>Grupy kolizji w </a:t>
-            </a:r>
-            <a:r>
-              <a:rPr lang="pl-PL" dirty="0" err="1"/>
-              <a:t>globalach</a:t>
-            </a:r>
-            <a:r>
-              <a:rPr lang="pl-PL" dirty="0"/>
-              <a:t>,</a:t>
-            </a:r>
-          </a:p>
-          <a:p>
-            <a:r>
-              <a:rPr lang="pl-PL" dirty="0"/>
-              <a:t>Detekcja kolizji w Enemy </a:t>
-            </a:r>
-            <a:r>
-              <a:rPr lang="pl-PL" dirty="0" err="1"/>
-              <a:t>Controler</a:t>
-            </a:r>
-            <a:r>
-              <a:rPr lang="pl-PL" dirty="0"/>
-              <a:t> i Player</a:t>
-            </a:r>
-          </a:p>
-          <a:p>
-            <a:r>
-              <a:rPr lang="pl-PL" dirty="0" err="1"/>
-              <a:t>Bullets</a:t>
-            </a:r>
-            <a:r>
-              <a:rPr lang="pl-PL" dirty="0"/>
-              <a:t> jako przykład że nie wszystko musi być klasami</a:t>
-            </a:r>
-          </a:p>
-        </p:txBody>
-      </p:sp>
-      <p:sp>
-        <p:nvSpPr>
-          <p:cNvPr id="4" name="Symbol zastępczy numeru slajdu 3"/>
-          <p:cNvSpPr>
-            <a:spLocks noGrp="1"/>
-          </p:cNvSpPr>
-          <p:nvPr>
-            <p:ph type="sldNum" sz="quarter" idx="5"/>
-          </p:nvPr>
-        </p:nvSpPr>
-        <p:spPr/>
-        <p:txBody>
-          <a:bodyPr/>
-          <a:lstStyle/>
-          <a:p>
-            <a:fld id="{F895E939-9B44-4E30-8BB9-C3B70D62160D}" type="slidenum">
-              <a:rPr lang="pl-PL" smtClean="0"/>
-              <a:t>22</a:t>
             </a:fld>
             <a:endParaRPr lang="pl-PL"/>
           </a:p>
@@ -2019,7 +1837,7 @@
           <a:p>
             <a:fld id="{F895E939-9B44-4E30-8BB9-C3B70D62160D}" type="slidenum">
               <a:rPr lang="pl-PL" smtClean="0"/>
-              <a:t>5</a:t>
+              <a:t>4</a:t>
             </a:fld>
             <a:endParaRPr lang="pl-PL"/>
           </a:p>
@@ -2028,7 +1846,7 @@
     </p:spTree>
     <p:extLst>
       <p:ext uri="{BB962C8B-B14F-4D97-AF65-F5344CB8AC3E}">
-        <p14:creationId xmlns:p14="http://schemas.microsoft.com/office/powerpoint/2010/main" val="2908140910"/>
+        <p14:creationId xmlns:p14="http://schemas.microsoft.com/office/powerpoint/2010/main" val="16956064"/>
       </p:ext>
     </p:extLst>
   </p:cSld>
@@ -2082,6 +1900,87 @@
           <a:bodyPr/>
           <a:lstStyle/>
           <a:p>
+            <a:r>
+              <a:rPr lang="pl-PL" dirty="0"/>
+              <a:t>Do zakodowania:</a:t>
+            </a:r>
+          </a:p>
+          <a:p>
+            <a:pPr marL="171450" indent="-171450">
+              <a:buFont typeface="Arial" panose="020B0604020202020204" pitchFamily="34" charset="0"/>
+              <a:buChar char="•"/>
+            </a:pPr>
+            <a:r>
+              <a:rPr lang="pl-PL" dirty="0" err="1"/>
+              <a:t>Init</a:t>
+            </a:r>
+            <a:endParaRPr lang="pl-PL" dirty="0"/>
+          </a:p>
+          <a:p>
+            <a:pPr marL="171450" indent="-171450">
+              <a:buFont typeface="Arial" panose="020B0604020202020204" pitchFamily="34" charset="0"/>
+              <a:buChar char="•"/>
+            </a:pPr>
+            <a:r>
+              <a:rPr lang="pl-PL" dirty="0"/>
+              <a:t>Pokazać okno</a:t>
+            </a:r>
+          </a:p>
+          <a:p>
+            <a:pPr marL="171450" indent="-171450">
+              <a:buFont typeface="Arial" panose="020B0604020202020204" pitchFamily="34" charset="0"/>
+              <a:buChar char="•"/>
+            </a:pPr>
+            <a:r>
+              <a:rPr lang="pl-PL" dirty="0" err="1"/>
+              <a:t>pygame</a:t>
+            </a:r>
+            <a:r>
+              <a:rPr lang="pl-PL" dirty="0"/>
+              <a:t> </a:t>
+            </a:r>
+            <a:r>
+              <a:rPr lang="pl-PL" dirty="0" err="1"/>
+              <a:t>clock</a:t>
+            </a:r>
+            <a:r>
+              <a:rPr lang="pl-PL" dirty="0"/>
+              <a:t> na 60 </a:t>
+            </a:r>
+            <a:r>
+              <a:rPr lang="pl-PL" dirty="0" err="1"/>
+              <a:t>fps</a:t>
+            </a:r>
+            <a:endParaRPr lang="pl-PL" dirty="0"/>
+          </a:p>
+          <a:p>
+            <a:pPr marL="171450" indent="-171450">
+              <a:buFont typeface="Arial" panose="020B0604020202020204" pitchFamily="34" charset="0"/>
+              <a:buChar char="•"/>
+            </a:pPr>
+            <a:r>
+              <a:rPr lang="pl-PL" dirty="0" err="1"/>
+              <a:t>main</a:t>
+            </a:r>
+            <a:r>
+              <a:rPr lang="pl-PL" dirty="0"/>
+              <a:t> </a:t>
+            </a:r>
+            <a:r>
+              <a:rPr lang="pl-PL" dirty="0" err="1"/>
+              <a:t>loop</a:t>
+            </a:r>
+            <a:r>
+              <a:rPr lang="pl-PL" dirty="0"/>
+              <a:t> z eventem na </a:t>
+            </a:r>
+            <a:r>
+              <a:rPr lang="pl-PL" dirty="0" err="1"/>
+              <a:t>quit</a:t>
+            </a:r>
+            <a:endParaRPr lang="pl-PL" dirty="0"/>
+          </a:p>
+          <a:p>
             <a:endParaRPr lang="pl-PL" dirty="0"/>
           </a:p>
         </p:txBody>
@@ -2112,7 +2011,7 @@
     </p:spTree>
     <p:extLst>
       <p:ext uri="{BB962C8B-B14F-4D97-AF65-F5344CB8AC3E}">
-        <p14:creationId xmlns:p14="http://schemas.microsoft.com/office/powerpoint/2010/main" val="16956064"/>
+        <p14:creationId xmlns:p14="http://schemas.microsoft.com/office/powerpoint/2010/main" val="1353715526"/>
       </p:ext>
     </p:extLst>
   </p:cSld>
@@ -2166,87 +2065,6 @@
           <a:bodyPr/>
           <a:lstStyle/>
           <a:p>
-            <a:r>
-              <a:rPr lang="pl-PL" dirty="0"/>
-              <a:t>Do zakodowania:</a:t>
-            </a:r>
-          </a:p>
-          <a:p>
-            <a:pPr marL="171450" indent="-171450">
-              <a:buFont typeface="Arial" panose="020B0604020202020204" pitchFamily="34" charset="0"/>
-              <a:buChar char="•"/>
-            </a:pPr>
-            <a:r>
-              <a:rPr lang="pl-PL" dirty="0" err="1"/>
-              <a:t>Init</a:t>
-            </a:r>
-            <a:endParaRPr lang="pl-PL" dirty="0"/>
-          </a:p>
-          <a:p>
-            <a:pPr marL="171450" indent="-171450">
-              <a:buFont typeface="Arial" panose="020B0604020202020204" pitchFamily="34" charset="0"/>
-              <a:buChar char="•"/>
-            </a:pPr>
-            <a:r>
-              <a:rPr lang="pl-PL" dirty="0"/>
-              <a:t>Pokazać okno</a:t>
-            </a:r>
-          </a:p>
-          <a:p>
-            <a:pPr marL="171450" indent="-171450">
-              <a:buFont typeface="Arial" panose="020B0604020202020204" pitchFamily="34" charset="0"/>
-              <a:buChar char="•"/>
-            </a:pPr>
-            <a:r>
-              <a:rPr lang="pl-PL" dirty="0" err="1"/>
-              <a:t>pygame</a:t>
-            </a:r>
-            <a:r>
-              <a:rPr lang="pl-PL" dirty="0"/>
-              <a:t> </a:t>
-            </a:r>
-            <a:r>
-              <a:rPr lang="pl-PL" dirty="0" err="1"/>
-              <a:t>clock</a:t>
-            </a:r>
-            <a:r>
-              <a:rPr lang="pl-PL" dirty="0"/>
-              <a:t> na 60 </a:t>
-            </a:r>
-            <a:r>
-              <a:rPr lang="pl-PL" dirty="0" err="1"/>
-              <a:t>fps</a:t>
-            </a:r>
-            <a:endParaRPr lang="pl-PL" dirty="0"/>
-          </a:p>
-          <a:p>
-            <a:pPr marL="171450" indent="-171450">
-              <a:buFont typeface="Arial" panose="020B0604020202020204" pitchFamily="34" charset="0"/>
-              <a:buChar char="•"/>
-            </a:pPr>
-            <a:r>
-              <a:rPr lang="pl-PL" dirty="0" err="1"/>
-              <a:t>main</a:t>
-            </a:r>
-            <a:r>
-              <a:rPr lang="pl-PL" dirty="0"/>
-              <a:t> </a:t>
-            </a:r>
-            <a:r>
-              <a:rPr lang="pl-PL" dirty="0" err="1"/>
-              <a:t>loop</a:t>
-            </a:r>
-            <a:r>
-              <a:rPr lang="pl-PL" dirty="0"/>
-              <a:t> z eventem na </a:t>
-            </a:r>
-            <a:r>
-              <a:rPr lang="pl-PL" dirty="0" err="1"/>
-              <a:t>quit</a:t>
-            </a:r>
-            <a:endParaRPr lang="pl-PL" dirty="0"/>
-          </a:p>
-          <a:p>
             <a:endParaRPr lang="pl-PL" dirty="0"/>
           </a:p>
         </p:txBody>
@@ -2268,7 +2086,7 @@
           <a:p>
             <a:fld id="{F895E939-9B44-4E30-8BB9-C3B70D62160D}" type="slidenum">
               <a:rPr lang="pl-PL" smtClean="0"/>
-              <a:t>8</a:t>
+              <a:t>7</a:t>
             </a:fld>
             <a:endParaRPr lang="pl-PL"/>
           </a:p>
@@ -2277,7 +2095,7 @@
     </p:spTree>
     <p:extLst>
       <p:ext uri="{BB962C8B-B14F-4D97-AF65-F5344CB8AC3E}">
-        <p14:creationId xmlns:p14="http://schemas.microsoft.com/office/powerpoint/2010/main" val="1353715526"/>
+        <p14:creationId xmlns:p14="http://schemas.microsoft.com/office/powerpoint/2010/main" val="2200135541"/>
       </p:ext>
     </p:extLst>
   </p:cSld>
@@ -2331,6 +2149,1831 @@
           <a:bodyPr/>
           <a:lstStyle/>
           <a:p>
+            <a:r>
+              <a:rPr lang="pl-PL" dirty="0"/>
+              <a:t>Dodanie zmiennych do </a:t>
+            </a:r>
+            <a:r>
+              <a:rPr lang="pl-PL" dirty="0" err="1"/>
+              <a:t>Events</a:t>
+            </a:r>
+            <a:endParaRPr lang="pl-PL" dirty="0"/>
+          </a:p>
+          <a:p>
+            <a:r>
+              <a:rPr lang="pl-PL" dirty="0"/>
+              <a:t>Tymczasowe dodanie kodu do sprawdzenia czy klawisze działają</a:t>
+            </a:r>
+          </a:p>
+          <a:p>
+            <a:r>
+              <a:rPr lang="pl-PL" b="0" dirty="0">
+                <a:solidFill>
+                  <a:srgbClr val="BBBBBB"/>
+                </a:solidFill>
+                <a:effectLst/>
+                <a:latin typeface=" Fira Code'"/>
+              </a:rPr>
+              <a:t>    </a:t>
+            </a:r>
+            <a:r>
+              <a:rPr lang="pl-PL" b="0" dirty="0" err="1">
+                <a:solidFill>
+                  <a:srgbClr val="E06C75"/>
+                </a:solidFill>
+                <a:effectLst/>
+                <a:latin typeface=" Fira Code'"/>
+              </a:rPr>
+              <a:t>if</a:t>
+            </a:r>
+            <a:r>
+              <a:rPr lang="pl-PL" b="0" dirty="0">
+                <a:solidFill>
+                  <a:srgbClr val="BBBBBB"/>
+                </a:solidFill>
+                <a:effectLst/>
+                <a:latin typeface=" Fira Code'"/>
+              </a:rPr>
+              <a:t> </a:t>
+            </a:r>
+            <a:r>
+              <a:rPr lang="pl-PL" b="0" dirty="0" err="1">
+                <a:solidFill>
+                  <a:srgbClr val="BBBBBB"/>
+                </a:solidFill>
+                <a:effectLst/>
+                <a:latin typeface=" Fira Code'"/>
+              </a:rPr>
+              <a:t>events</a:t>
+            </a:r>
+            <a:r>
+              <a:rPr lang="pl-PL" b="0" dirty="0" err="1">
+                <a:solidFill>
+                  <a:srgbClr val="ABB2BF"/>
+                </a:solidFill>
+                <a:effectLst/>
+                <a:latin typeface=" Fira Code'"/>
+              </a:rPr>
+              <a:t>.</a:t>
+            </a:r>
+            <a:r>
+              <a:rPr lang="pl-PL" b="0" dirty="0" err="1">
+                <a:solidFill>
+                  <a:srgbClr val="56B6C2"/>
+                </a:solidFill>
+                <a:effectLst/>
+                <a:latin typeface=" Fira Code'"/>
+              </a:rPr>
+              <a:t>UP</a:t>
+            </a:r>
+            <a:r>
+              <a:rPr lang="pl-PL" b="0" dirty="0">
+                <a:solidFill>
+                  <a:srgbClr val="ABB2BF"/>
+                </a:solidFill>
+                <a:effectLst/>
+                <a:latin typeface=" Fira Code'"/>
+              </a:rPr>
+              <a:t>:</a:t>
+            </a:r>
+            <a:endParaRPr lang="pl-PL" b="0" dirty="0">
+              <a:solidFill>
+                <a:srgbClr val="BBBBBB"/>
+              </a:solidFill>
+              <a:effectLst/>
+              <a:latin typeface=" Fira Code'"/>
+            </a:endParaRPr>
+          </a:p>
+          <a:p>
+            <a:r>
+              <a:rPr lang="pl-PL" b="0" dirty="0">
+                <a:solidFill>
+                  <a:srgbClr val="BBBBBB"/>
+                </a:solidFill>
+                <a:effectLst/>
+                <a:latin typeface=" Fira Code'"/>
+              </a:rPr>
+              <a:t>        </a:t>
+            </a:r>
+            <a:r>
+              <a:rPr lang="pl-PL" b="0" dirty="0" err="1">
+                <a:solidFill>
+                  <a:srgbClr val="BBBBBB"/>
+                </a:solidFill>
+                <a:effectLst/>
+                <a:latin typeface=" Fira Code'"/>
+              </a:rPr>
+              <a:t>pygame</a:t>
+            </a:r>
+            <a:r>
+              <a:rPr lang="pl-PL" b="0" dirty="0" err="1">
+                <a:solidFill>
+                  <a:srgbClr val="ABB2BF"/>
+                </a:solidFill>
+                <a:effectLst/>
+                <a:latin typeface=" Fira Code'"/>
+              </a:rPr>
+              <a:t>.</a:t>
+            </a:r>
+            <a:r>
+              <a:rPr lang="pl-PL" b="0" dirty="0" err="1">
+                <a:solidFill>
+                  <a:srgbClr val="BBBBBB"/>
+                </a:solidFill>
+                <a:effectLst/>
+                <a:latin typeface=" Fira Code'"/>
+              </a:rPr>
+              <a:t>draw</a:t>
+            </a:r>
+            <a:r>
+              <a:rPr lang="pl-PL" b="0" dirty="0" err="1">
+                <a:solidFill>
+                  <a:srgbClr val="ABB2BF"/>
+                </a:solidFill>
+                <a:effectLst/>
+                <a:latin typeface=" Fira Code'"/>
+              </a:rPr>
+              <a:t>.</a:t>
+            </a:r>
+            <a:r>
+              <a:rPr lang="pl-PL" b="0" dirty="0" err="1">
+                <a:solidFill>
+                  <a:srgbClr val="BBBBBB"/>
+                </a:solidFill>
+                <a:effectLst/>
+                <a:latin typeface=" Fira Code'"/>
+              </a:rPr>
+              <a:t>rect</a:t>
+            </a:r>
+            <a:r>
+              <a:rPr lang="pl-PL" b="0" dirty="0">
+                <a:solidFill>
+                  <a:srgbClr val="BBBBBB"/>
+                </a:solidFill>
+                <a:effectLst/>
+                <a:latin typeface=" Fira Code'"/>
+              </a:rPr>
+              <a:t>(</a:t>
+            </a:r>
+            <a:r>
+              <a:rPr lang="pl-PL" b="0" dirty="0" err="1">
+                <a:solidFill>
+                  <a:srgbClr val="BBBBBB"/>
+                </a:solidFill>
+                <a:effectLst/>
+                <a:latin typeface=" Fira Code'"/>
+              </a:rPr>
+              <a:t>srf</a:t>
+            </a:r>
+            <a:r>
+              <a:rPr lang="pl-PL" b="0" dirty="0">
+                <a:solidFill>
+                  <a:srgbClr val="ABB2BF"/>
+                </a:solidFill>
+                <a:effectLst/>
+                <a:latin typeface=" Fira Code'"/>
+              </a:rPr>
+              <a:t>,</a:t>
+            </a:r>
+            <a:r>
+              <a:rPr lang="pl-PL" b="0" dirty="0">
+                <a:solidFill>
+                  <a:srgbClr val="BBBBBB"/>
+                </a:solidFill>
+                <a:effectLst/>
+                <a:latin typeface=" Fira Code'"/>
+              </a:rPr>
+              <a:t> </a:t>
+            </a:r>
+            <a:r>
+              <a:rPr lang="pl-PL" b="0" dirty="0">
+                <a:solidFill>
+                  <a:srgbClr val="56B6C2"/>
+                </a:solidFill>
+                <a:effectLst/>
+                <a:latin typeface=" Fira Code'"/>
+              </a:rPr>
+              <a:t>WHITE</a:t>
+            </a:r>
+            <a:r>
+              <a:rPr lang="pl-PL" b="0" dirty="0">
+                <a:solidFill>
+                  <a:srgbClr val="ABB2BF"/>
+                </a:solidFill>
+                <a:effectLst/>
+                <a:latin typeface=" Fira Code'"/>
+              </a:rPr>
+              <a:t>,</a:t>
+            </a:r>
+            <a:r>
+              <a:rPr lang="pl-PL" b="0" dirty="0">
+                <a:solidFill>
+                  <a:srgbClr val="BBBBBB"/>
+                </a:solidFill>
+                <a:effectLst/>
+                <a:latin typeface=" Fira Code'"/>
+              </a:rPr>
+              <a:t> (</a:t>
+            </a:r>
+            <a:r>
+              <a:rPr lang="pl-PL" b="0" dirty="0">
+                <a:solidFill>
+                  <a:srgbClr val="C678DD"/>
+                </a:solidFill>
+                <a:effectLst/>
+                <a:latin typeface=" Fira Code'"/>
+              </a:rPr>
+              <a:t>349</a:t>
+            </a:r>
+            <a:r>
+              <a:rPr lang="pl-PL" b="0" dirty="0">
+                <a:solidFill>
+                  <a:srgbClr val="ABB2BF"/>
+                </a:solidFill>
+                <a:effectLst/>
+                <a:latin typeface=" Fira Code'"/>
+              </a:rPr>
+              <a:t>,</a:t>
+            </a:r>
+            <a:r>
+              <a:rPr lang="pl-PL" b="0" dirty="0">
+                <a:solidFill>
+                  <a:srgbClr val="BBBBBB"/>
+                </a:solidFill>
+                <a:effectLst/>
+                <a:latin typeface=" Fira Code'"/>
+              </a:rPr>
+              <a:t> </a:t>
+            </a:r>
+            <a:r>
+              <a:rPr lang="pl-PL" b="0" dirty="0">
+                <a:solidFill>
+                  <a:srgbClr val="C678DD"/>
+                </a:solidFill>
+                <a:effectLst/>
+                <a:latin typeface=" Fira Code'"/>
+              </a:rPr>
+              <a:t>210</a:t>
+            </a:r>
+            <a:r>
+              <a:rPr lang="pl-PL" b="0" dirty="0">
+                <a:solidFill>
+                  <a:srgbClr val="ABB2BF"/>
+                </a:solidFill>
+                <a:effectLst/>
+                <a:latin typeface=" Fira Code'"/>
+              </a:rPr>
+              <a:t>,</a:t>
+            </a:r>
+            <a:r>
+              <a:rPr lang="pl-PL" b="0" dirty="0">
+                <a:solidFill>
+                  <a:srgbClr val="BBBBBB"/>
+                </a:solidFill>
+                <a:effectLst/>
+                <a:latin typeface=" Fira Code'"/>
+              </a:rPr>
+              <a:t> </a:t>
+            </a:r>
+            <a:r>
+              <a:rPr lang="pl-PL" b="0" dirty="0">
+                <a:solidFill>
+                  <a:srgbClr val="C678DD"/>
+                </a:solidFill>
+                <a:effectLst/>
+                <a:latin typeface=" Fira Code'"/>
+              </a:rPr>
+              <a:t>100</a:t>
+            </a:r>
+            <a:r>
+              <a:rPr lang="pl-PL" b="0" dirty="0">
+                <a:solidFill>
+                  <a:srgbClr val="ABB2BF"/>
+                </a:solidFill>
+                <a:effectLst/>
+                <a:latin typeface=" Fira Code'"/>
+              </a:rPr>
+              <a:t>,</a:t>
+            </a:r>
+            <a:r>
+              <a:rPr lang="pl-PL" b="0" dirty="0">
+                <a:solidFill>
+                  <a:srgbClr val="BBBBBB"/>
+                </a:solidFill>
+                <a:effectLst/>
+                <a:latin typeface=" Fira Code'"/>
+              </a:rPr>
+              <a:t> </a:t>
+            </a:r>
+            <a:r>
+              <a:rPr lang="pl-PL" b="0" dirty="0">
+                <a:solidFill>
+                  <a:srgbClr val="C678DD"/>
+                </a:solidFill>
+                <a:effectLst/>
+                <a:latin typeface=" Fira Code'"/>
+              </a:rPr>
+              <a:t>100</a:t>
+            </a:r>
+            <a:r>
+              <a:rPr lang="pl-PL" b="0" dirty="0">
+                <a:solidFill>
+                  <a:srgbClr val="BBBBBB"/>
+                </a:solidFill>
+                <a:effectLst/>
+                <a:latin typeface=" Fira Code'"/>
+              </a:rPr>
+              <a:t>)</a:t>
+            </a:r>
+            <a:r>
+              <a:rPr lang="pl-PL" b="0" dirty="0">
+                <a:solidFill>
+                  <a:srgbClr val="ABB2BF"/>
+                </a:solidFill>
+                <a:effectLst/>
+                <a:latin typeface=" Fira Code'"/>
+              </a:rPr>
+              <a:t>,</a:t>
+            </a:r>
+            <a:r>
+              <a:rPr lang="pl-PL" b="0" dirty="0">
+                <a:solidFill>
+                  <a:srgbClr val="BBBBBB"/>
+                </a:solidFill>
+                <a:effectLst/>
+                <a:latin typeface=" Fira Code'"/>
+              </a:rPr>
+              <a:t> </a:t>
+            </a:r>
+            <a:r>
+              <a:rPr lang="pl-PL" b="0" dirty="0">
+                <a:solidFill>
+                  <a:srgbClr val="C678DD"/>
+                </a:solidFill>
+                <a:effectLst/>
+                <a:latin typeface=" Fira Code'"/>
+              </a:rPr>
+              <a:t>1</a:t>
+            </a:r>
+            <a:r>
+              <a:rPr lang="pl-PL" b="0" dirty="0">
+                <a:solidFill>
+                  <a:srgbClr val="BBBBBB"/>
+                </a:solidFill>
+                <a:effectLst/>
+                <a:latin typeface=" Fira Code'"/>
+              </a:rPr>
+              <a:t>)</a:t>
+            </a:r>
+          </a:p>
+          <a:p>
+            <a:r>
+              <a:rPr lang="pl-PL" b="0" dirty="0">
+                <a:solidFill>
+                  <a:srgbClr val="BBBBBB"/>
+                </a:solidFill>
+                <a:effectLst/>
+                <a:latin typeface=" Fira Code'"/>
+              </a:rPr>
+              <a:t>    </a:t>
+            </a:r>
+            <a:r>
+              <a:rPr lang="pl-PL" b="0" dirty="0" err="1">
+                <a:solidFill>
+                  <a:srgbClr val="E06C75"/>
+                </a:solidFill>
+                <a:effectLst/>
+                <a:latin typeface=" Fira Code'"/>
+              </a:rPr>
+              <a:t>if</a:t>
+            </a:r>
+            <a:r>
+              <a:rPr lang="pl-PL" b="0" dirty="0">
+                <a:solidFill>
+                  <a:srgbClr val="BBBBBB"/>
+                </a:solidFill>
+                <a:effectLst/>
+                <a:latin typeface=" Fira Code'"/>
+              </a:rPr>
+              <a:t> </a:t>
+            </a:r>
+            <a:r>
+              <a:rPr lang="pl-PL" b="0" dirty="0" err="1">
+                <a:solidFill>
+                  <a:srgbClr val="BBBBBB"/>
+                </a:solidFill>
+                <a:effectLst/>
+                <a:latin typeface=" Fira Code'"/>
+              </a:rPr>
+              <a:t>events</a:t>
+            </a:r>
+            <a:r>
+              <a:rPr lang="pl-PL" b="0" dirty="0" err="1">
+                <a:solidFill>
+                  <a:srgbClr val="ABB2BF"/>
+                </a:solidFill>
+                <a:effectLst/>
+                <a:latin typeface=" Fira Code'"/>
+              </a:rPr>
+              <a:t>.</a:t>
+            </a:r>
+            <a:r>
+              <a:rPr lang="pl-PL" b="0" dirty="0" err="1">
+                <a:solidFill>
+                  <a:srgbClr val="56B6C2"/>
+                </a:solidFill>
+                <a:effectLst/>
+                <a:latin typeface=" Fira Code'"/>
+              </a:rPr>
+              <a:t>DOWN</a:t>
+            </a:r>
+            <a:r>
+              <a:rPr lang="pl-PL" b="0" dirty="0">
+                <a:solidFill>
+                  <a:srgbClr val="ABB2BF"/>
+                </a:solidFill>
+                <a:effectLst/>
+                <a:latin typeface=" Fira Code'"/>
+              </a:rPr>
+              <a:t>:</a:t>
+            </a:r>
+            <a:endParaRPr lang="pl-PL" b="0" dirty="0">
+              <a:solidFill>
+                <a:srgbClr val="BBBBBB"/>
+              </a:solidFill>
+              <a:effectLst/>
+              <a:latin typeface=" Fira Code'"/>
+            </a:endParaRPr>
+          </a:p>
+          <a:p>
+            <a:r>
+              <a:rPr lang="pl-PL" b="0" dirty="0">
+                <a:solidFill>
+                  <a:srgbClr val="BBBBBB"/>
+                </a:solidFill>
+                <a:effectLst/>
+                <a:latin typeface=" Fira Code'"/>
+              </a:rPr>
+              <a:t>        </a:t>
+            </a:r>
+            <a:r>
+              <a:rPr lang="pl-PL" b="0" dirty="0" err="1">
+                <a:solidFill>
+                  <a:srgbClr val="BBBBBB"/>
+                </a:solidFill>
+                <a:effectLst/>
+                <a:latin typeface=" Fira Code'"/>
+              </a:rPr>
+              <a:t>pygame</a:t>
+            </a:r>
+            <a:r>
+              <a:rPr lang="pl-PL" b="0" dirty="0" err="1">
+                <a:solidFill>
+                  <a:srgbClr val="ABB2BF"/>
+                </a:solidFill>
+                <a:effectLst/>
+                <a:latin typeface=" Fira Code'"/>
+              </a:rPr>
+              <a:t>.</a:t>
+            </a:r>
+            <a:r>
+              <a:rPr lang="pl-PL" b="0" dirty="0" err="1">
+                <a:solidFill>
+                  <a:srgbClr val="BBBBBB"/>
+                </a:solidFill>
+                <a:effectLst/>
+                <a:latin typeface=" Fira Code'"/>
+              </a:rPr>
+              <a:t>draw</a:t>
+            </a:r>
+            <a:r>
+              <a:rPr lang="pl-PL" b="0" dirty="0" err="1">
+                <a:solidFill>
+                  <a:srgbClr val="ABB2BF"/>
+                </a:solidFill>
+                <a:effectLst/>
+                <a:latin typeface=" Fira Code'"/>
+              </a:rPr>
+              <a:t>.</a:t>
+            </a:r>
+            <a:r>
+              <a:rPr lang="pl-PL" b="0" dirty="0" err="1">
+                <a:solidFill>
+                  <a:srgbClr val="BBBBBB"/>
+                </a:solidFill>
+                <a:effectLst/>
+                <a:latin typeface=" Fira Code'"/>
+              </a:rPr>
+              <a:t>rect</a:t>
+            </a:r>
+            <a:r>
+              <a:rPr lang="pl-PL" b="0" dirty="0">
+                <a:solidFill>
+                  <a:srgbClr val="BBBBBB"/>
+                </a:solidFill>
+                <a:effectLst/>
+                <a:latin typeface=" Fira Code'"/>
+              </a:rPr>
+              <a:t>(</a:t>
+            </a:r>
+            <a:r>
+              <a:rPr lang="pl-PL" b="0" dirty="0" err="1">
+                <a:solidFill>
+                  <a:srgbClr val="BBBBBB"/>
+                </a:solidFill>
+                <a:effectLst/>
+                <a:latin typeface=" Fira Code'"/>
+              </a:rPr>
+              <a:t>srf</a:t>
+            </a:r>
+            <a:r>
+              <a:rPr lang="pl-PL" b="0" dirty="0">
+                <a:solidFill>
+                  <a:srgbClr val="ABB2BF"/>
+                </a:solidFill>
+                <a:effectLst/>
+                <a:latin typeface=" Fira Code'"/>
+              </a:rPr>
+              <a:t>,</a:t>
+            </a:r>
+            <a:r>
+              <a:rPr lang="pl-PL" b="0" dirty="0">
+                <a:solidFill>
+                  <a:srgbClr val="BBBBBB"/>
+                </a:solidFill>
+                <a:effectLst/>
+                <a:latin typeface=" Fira Code'"/>
+              </a:rPr>
+              <a:t> </a:t>
+            </a:r>
+            <a:r>
+              <a:rPr lang="pl-PL" b="0" dirty="0">
+                <a:solidFill>
+                  <a:srgbClr val="56B6C2"/>
+                </a:solidFill>
+                <a:effectLst/>
+                <a:latin typeface=" Fira Code'"/>
+              </a:rPr>
+              <a:t>WHITE</a:t>
+            </a:r>
+            <a:r>
+              <a:rPr lang="pl-PL" b="0" dirty="0">
+                <a:solidFill>
+                  <a:srgbClr val="ABB2BF"/>
+                </a:solidFill>
+                <a:effectLst/>
+                <a:latin typeface=" Fira Code'"/>
+              </a:rPr>
+              <a:t>,</a:t>
+            </a:r>
+            <a:r>
+              <a:rPr lang="pl-PL" b="0" dirty="0">
+                <a:solidFill>
+                  <a:srgbClr val="BBBBBB"/>
+                </a:solidFill>
+                <a:effectLst/>
+                <a:latin typeface=" Fira Code'"/>
+              </a:rPr>
+              <a:t> (</a:t>
+            </a:r>
+            <a:r>
+              <a:rPr lang="pl-PL" b="0" dirty="0">
+                <a:solidFill>
+                  <a:srgbClr val="C678DD"/>
+                </a:solidFill>
+                <a:effectLst/>
+                <a:latin typeface=" Fira Code'"/>
+              </a:rPr>
+              <a:t>213</a:t>
+            </a:r>
+            <a:r>
+              <a:rPr lang="pl-PL" b="0" dirty="0">
+                <a:solidFill>
+                  <a:srgbClr val="ABB2BF"/>
+                </a:solidFill>
+                <a:effectLst/>
+                <a:latin typeface=" Fira Code'"/>
+              </a:rPr>
+              <a:t>,</a:t>
+            </a:r>
+            <a:r>
+              <a:rPr lang="pl-PL" b="0" dirty="0">
+                <a:solidFill>
+                  <a:srgbClr val="BBBBBB"/>
+                </a:solidFill>
+                <a:effectLst/>
+                <a:latin typeface=" Fira Code'"/>
+              </a:rPr>
+              <a:t> </a:t>
+            </a:r>
+            <a:r>
+              <a:rPr lang="pl-PL" b="0" dirty="0">
+                <a:solidFill>
+                  <a:srgbClr val="C678DD"/>
+                </a:solidFill>
+                <a:effectLst/>
+                <a:latin typeface=" Fira Code'"/>
+              </a:rPr>
+              <a:t>346</a:t>
+            </a:r>
+            <a:r>
+              <a:rPr lang="pl-PL" b="0" dirty="0">
+                <a:solidFill>
+                  <a:srgbClr val="ABB2BF"/>
+                </a:solidFill>
+                <a:effectLst/>
+                <a:latin typeface=" Fira Code'"/>
+              </a:rPr>
+              <a:t>,</a:t>
+            </a:r>
+            <a:r>
+              <a:rPr lang="pl-PL" b="0" dirty="0">
+                <a:solidFill>
+                  <a:srgbClr val="BBBBBB"/>
+                </a:solidFill>
+                <a:effectLst/>
+                <a:latin typeface=" Fira Code'"/>
+              </a:rPr>
+              <a:t> </a:t>
+            </a:r>
+            <a:r>
+              <a:rPr lang="pl-PL" b="0" dirty="0">
+                <a:solidFill>
+                  <a:srgbClr val="C678DD"/>
+                </a:solidFill>
+                <a:effectLst/>
+                <a:latin typeface=" Fira Code'"/>
+              </a:rPr>
+              <a:t>100</a:t>
+            </a:r>
+            <a:r>
+              <a:rPr lang="pl-PL" b="0" dirty="0">
+                <a:solidFill>
+                  <a:srgbClr val="ABB2BF"/>
+                </a:solidFill>
+                <a:effectLst/>
+                <a:latin typeface=" Fira Code'"/>
+              </a:rPr>
+              <a:t>,</a:t>
+            </a:r>
+            <a:r>
+              <a:rPr lang="pl-PL" b="0" dirty="0">
+                <a:solidFill>
+                  <a:srgbClr val="BBBBBB"/>
+                </a:solidFill>
+                <a:effectLst/>
+                <a:latin typeface=" Fira Code'"/>
+              </a:rPr>
+              <a:t> </a:t>
+            </a:r>
+            <a:r>
+              <a:rPr lang="pl-PL" b="0" dirty="0">
+                <a:solidFill>
+                  <a:srgbClr val="C678DD"/>
+                </a:solidFill>
+                <a:effectLst/>
+                <a:latin typeface=" Fira Code'"/>
+              </a:rPr>
+              <a:t>100</a:t>
+            </a:r>
+            <a:r>
+              <a:rPr lang="pl-PL" b="0" dirty="0">
+                <a:solidFill>
+                  <a:srgbClr val="BBBBBB"/>
+                </a:solidFill>
+                <a:effectLst/>
+                <a:latin typeface=" Fira Code'"/>
+              </a:rPr>
+              <a:t>)</a:t>
+            </a:r>
+            <a:r>
+              <a:rPr lang="pl-PL" b="0" dirty="0">
+                <a:solidFill>
+                  <a:srgbClr val="ABB2BF"/>
+                </a:solidFill>
+                <a:effectLst/>
+                <a:latin typeface=" Fira Code'"/>
+              </a:rPr>
+              <a:t>,</a:t>
+            </a:r>
+            <a:r>
+              <a:rPr lang="pl-PL" b="0" dirty="0">
+                <a:solidFill>
+                  <a:srgbClr val="BBBBBB"/>
+                </a:solidFill>
+                <a:effectLst/>
+                <a:latin typeface=" Fira Code'"/>
+              </a:rPr>
+              <a:t> </a:t>
+            </a:r>
+            <a:r>
+              <a:rPr lang="pl-PL" b="0" dirty="0">
+                <a:solidFill>
+                  <a:srgbClr val="C678DD"/>
+                </a:solidFill>
+                <a:effectLst/>
+                <a:latin typeface=" Fira Code'"/>
+              </a:rPr>
+              <a:t>1</a:t>
+            </a:r>
+            <a:r>
+              <a:rPr lang="pl-PL" b="0" dirty="0">
+                <a:solidFill>
+                  <a:srgbClr val="BBBBBB"/>
+                </a:solidFill>
+                <a:effectLst/>
+                <a:latin typeface=" Fira Code'"/>
+              </a:rPr>
+              <a:t>)</a:t>
+            </a:r>
+          </a:p>
+          <a:p>
+            <a:r>
+              <a:rPr lang="pl-PL" b="0" dirty="0">
+                <a:solidFill>
+                  <a:srgbClr val="BBBBBB"/>
+                </a:solidFill>
+                <a:effectLst/>
+                <a:latin typeface=" Fira Code'"/>
+              </a:rPr>
+              <a:t>    </a:t>
+            </a:r>
+            <a:r>
+              <a:rPr lang="pl-PL" b="0" dirty="0" err="1">
+                <a:solidFill>
+                  <a:srgbClr val="E06C75"/>
+                </a:solidFill>
+                <a:effectLst/>
+                <a:latin typeface=" Fira Code'"/>
+              </a:rPr>
+              <a:t>if</a:t>
+            </a:r>
+            <a:r>
+              <a:rPr lang="pl-PL" b="0" dirty="0">
+                <a:solidFill>
+                  <a:srgbClr val="BBBBBB"/>
+                </a:solidFill>
+                <a:effectLst/>
+                <a:latin typeface=" Fira Code'"/>
+              </a:rPr>
+              <a:t> </a:t>
+            </a:r>
+            <a:r>
+              <a:rPr lang="pl-PL" b="0" dirty="0" err="1">
+                <a:solidFill>
+                  <a:srgbClr val="BBBBBB"/>
+                </a:solidFill>
+                <a:effectLst/>
+                <a:latin typeface=" Fira Code'"/>
+              </a:rPr>
+              <a:t>events</a:t>
+            </a:r>
+            <a:r>
+              <a:rPr lang="pl-PL" b="0" dirty="0" err="1">
+                <a:solidFill>
+                  <a:srgbClr val="ABB2BF"/>
+                </a:solidFill>
+                <a:effectLst/>
+                <a:latin typeface=" Fira Code'"/>
+              </a:rPr>
+              <a:t>.</a:t>
+            </a:r>
+            <a:r>
+              <a:rPr lang="pl-PL" b="0" dirty="0" err="1">
+                <a:solidFill>
+                  <a:srgbClr val="56B6C2"/>
+                </a:solidFill>
+                <a:effectLst/>
+                <a:latin typeface=" Fira Code'"/>
+              </a:rPr>
+              <a:t>LEFT</a:t>
+            </a:r>
+            <a:r>
+              <a:rPr lang="pl-PL" b="0" dirty="0">
+                <a:solidFill>
+                  <a:srgbClr val="ABB2BF"/>
+                </a:solidFill>
+                <a:effectLst/>
+                <a:latin typeface=" Fira Code'"/>
+              </a:rPr>
+              <a:t>:</a:t>
+            </a:r>
+            <a:endParaRPr lang="pl-PL" b="0" dirty="0">
+              <a:solidFill>
+                <a:srgbClr val="BBBBBB"/>
+              </a:solidFill>
+              <a:effectLst/>
+              <a:latin typeface=" Fira Code'"/>
+            </a:endParaRPr>
+          </a:p>
+          <a:p>
+            <a:r>
+              <a:rPr lang="pl-PL" b="0" dirty="0">
+                <a:solidFill>
+                  <a:srgbClr val="BBBBBB"/>
+                </a:solidFill>
+                <a:effectLst/>
+                <a:latin typeface=" Fira Code'"/>
+              </a:rPr>
+              <a:t>        </a:t>
+            </a:r>
+            <a:r>
+              <a:rPr lang="pl-PL" b="0" dirty="0" err="1">
+                <a:solidFill>
+                  <a:srgbClr val="BBBBBB"/>
+                </a:solidFill>
+                <a:effectLst/>
+                <a:latin typeface=" Fira Code'"/>
+              </a:rPr>
+              <a:t>pygame</a:t>
+            </a:r>
+            <a:r>
+              <a:rPr lang="pl-PL" b="0" dirty="0" err="1">
+                <a:solidFill>
+                  <a:srgbClr val="ABB2BF"/>
+                </a:solidFill>
+                <a:effectLst/>
+                <a:latin typeface=" Fira Code'"/>
+              </a:rPr>
+              <a:t>.</a:t>
+            </a:r>
+            <a:r>
+              <a:rPr lang="pl-PL" b="0" dirty="0" err="1">
+                <a:solidFill>
+                  <a:srgbClr val="BBBBBB"/>
+                </a:solidFill>
+                <a:effectLst/>
+                <a:latin typeface=" Fira Code'"/>
+              </a:rPr>
+              <a:t>draw</a:t>
+            </a:r>
+            <a:r>
+              <a:rPr lang="pl-PL" b="0" dirty="0" err="1">
+                <a:solidFill>
+                  <a:srgbClr val="ABB2BF"/>
+                </a:solidFill>
+                <a:effectLst/>
+                <a:latin typeface=" Fira Code'"/>
+              </a:rPr>
+              <a:t>.</a:t>
+            </a:r>
+            <a:r>
+              <a:rPr lang="pl-PL" b="0" dirty="0" err="1">
+                <a:solidFill>
+                  <a:srgbClr val="BBBBBB"/>
+                </a:solidFill>
+                <a:effectLst/>
+                <a:latin typeface=" Fira Code'"/>
+              </a:rPr>
+              <a:t>rect</a:t>
+            </a:r>
+            <a:r>
+              <a:rPr lang="pl-PL" b="0" dirty="0">
+                <a:solidFill>
+                  <a:srgbClr val="BBBBBB"/>
+                </a:solidFill>
+                <a:effectLst/>
+                <a:latin typeface=" Fira Code'"/>
+              </a:rPr>
+              <a:t>(</a:t>
+            </a:r>
+            <a:r>
+              <a:rPr lang="pl-PL" b="0" dirty="0" err="1">
+                <a:solidFill>
+                  <a:srgbClr val="BBBBBB"/>
+                </a:solidFill>
+                <a:effectLst/>
+                <a:latin typeface=" Fira Code'"/>
+              </a:rPr>
+              <a:t>srf</a:t>
+            </a:r>
+            <a:r>
+              <a:rPr lang="pl-PL" b="0" dirty="0">
+                <a:solidFill>
+                  <a:srgbClr val="ABB2BF"/>
+                </a:solidFill>
+                <a:effectLst/>
+                <a:latin typeface=" Fira Code'"/>
+              </a:rPr>
+              <a:t>,</a:t>
+            </a:r>
+            <a:r>
+              <a:rPr lang="pl-PL" b="0" dirty="0">
+                <a:solidFill>
+                  <a:srgbClr val="BBBBBB"/>
+                </a:solidFill>
+                <a:effectLst/>
+                <a:latin typeface=" Fira Code'"/>
+              </a:rPr>
+              <a:t> </a:t>
+            </a:r>
+            <a:r>
+              <a:rPr lang="pl-PL" b="0" dirty="0">
+                <a:solidFill>
+                  <a:srgbClr val="56B6C2"/>
+                </a:solidFill>
+                <a:effectLst/>
+                <a:latin typeface=" Fira Code'"/>
+              </a:rPr>
+              <a:t>WHITE</a:t>
+            </a:r>
+            <a:r>
+              <a:rPr lang="pl-PL" b="0" dirty="0">
+                <a:solidFill>
+                  <a:srgbClr val="ABB2BF"/>
+                </a:solidFill>
+                <a:effectLst/>
+                <a:latin typeface=" Fira Code'"/>
+              </a:rPr>
+              <a:t>,</a:t>
+            </a:r>
+            <a:r>
+              <a:rPr lang="pl-PL" b="0" dirty="0">
+                <a:solidFill>
+                  <a:srgbClr val="BBBBBB"/>
+                </a:solidFill>
+                <a:effectLst/>
+                <a:latin typeface=" Fira Code'"/>
+              </a:rPr>
+              <a:t> (</a:t>
+            </a:r>
+            <a:r>
+              <a:rPr lang="pl-PL" b="0" dirty="0">
+                <a:solidFill>
+                  <a:srgbClr val="C678DD"/>
+                </a:solidFill>
+                <a:effectLst/>
+                <a:latin typeface=" Fira Code'"/>
+              </a:rPr>
+              <a:t>349</a:t>
+            </a:r>
+            <a:r>
+              <a:rPr lang="pl-PL" b="0" dirty="0">
+                <a:solidFill>
+                  <a:srgbClr val="ABB2BF"/>
+                </a:solidFill>
+                <a:effectLst/>
+                <a:latin typeface=" Fira Code'"/>
+              </a:rPr>
+              <a:t>,</a:t>
+            </a:r>
+            <a:r>
+              <a:rPr lang="pl-PL" b="0" dirty="0">
+                <a:solidFill>
+                  <a:srgbClr val="BBBBBB"/>
+                </a:solidFill>
+                <a:effectLst/>
+                <a:latin typeface=" Fira Code'"/>
+              </a:rPr>
+              <a:t> </a:t>
+            </a:r>
+            <a:r>
+              <a:rPr lang="pl-PL" b="0" dirty="0">
+                <a:solidFill>
+                  <a:srgbClr val="C678DD"/>
+                </a:solidFill>
+                <a:effectLst/>
+                <a:latin typeface=" Fira Code'"/>
+              </a:rPr>
+              <a:t>346</a:t>
+            </a:r>
+            <a:r>
+              <a:rPr lang="pl-PL" b="0" dirty="0">
+                <a:solidFill>
+                  <a:srgbClr val="ABB2BF"/>
+                </a:solidFill>
+                <a:effectLst/>
+                <a:latin typeface=" Fira Code'"/>
+              </a:rPr>
+              <a:t>,</a:t>
+            </a:r>
+            <a:r>
+              <a:rPr lang="pl-PL" b="0" dirty="0">
+                <a:solidFill>
+                  <a:srgbClr val="BBBBBB"/>
+                </a:solidFill>
+                <a:effectLst/>
+                <a:latin typeface=" Fira Code'"/>
+              </a:rPr>
+              <a:t> </a:t>
+            </a:r>
+            <a:r>
+              <a:rPr lang="pl-PL" b="0" dirty="0">
+                <a:solidFill>
+                  <a:srgbClr val="C678DD"/>
+                </a:solidFill>
+                <a:effectLst/>
+                <a:latin typeface=" Fira Code'"/>
+              </a:rPr>
+              <a:t>100</a:t>
+            </a:r>
+            <a:r>
+              <a:rPr lang="pl-PL" b="0" dirty="0">
+                <a:solidFill>
+                  <a:srgbClr val="ABB2BF"/>
+                </a:solidFill>
+                <a:effectLst/>
+                <a:latin typeface=" Fira Code'"/>
+              </a:rPr>
+              <a:t>,</a:t>
+            </a:r>
+            <a:r>
+              <a:rPr lang="pl-PL" b="0" dirty="0">
+                <a:solidFill>
+                  <a:srgbClr val="BBBBBB"/>
+                </a:solidFill>
+                <a:effectLst/>
+                <a:latin typeface=" Fira Code'"/>
+              </a:rPr>
+              <a:t> </a:t>
+            </a:r>
+            <a:r>
+              <a:rPr lang="pl-PL" b="0" dirty="0">
+                <a:solidFill>
+                  <a:srgbClr val="C678DD"/>
+                </a:solidFill>
+                <a:effectLst/>
+                <a:latin typeface=" Fira Code'"/>
+              </a:rPr>
+              <a:t>100</a:t>
+            </a:r>
+            <a:r>
+              <a:rPr lang="pl-PL" b="0" dirty="0">
+                <a:solidFill>
+                  <a:srgbClr val="BBBBBB"/>
+                </a:solidFill>
+                <a:effectLst/>
+                <a:latin typeface=" Fira Code'"/>
+              </a:rPr>
+              <a:t>)</a:t>
+            </a:r>
+            <a:r>
+              <a:rPr lang="pl-PL" b="0" dirty="0">
+                <a:solidFill>
+                  <a:srgbClr val="ABB2BF"/>
+                </a:solidFill>
+                <a:effectLst/>
+                <a:latin typeface=" Fira Code'"/>
+              </a:rPr>
+              <a:t>,</a:t>
+            </a:r>
+            <a:r>
+              <a:rPr lang="pl-PL" b="0" dirty="0">
+                <a:solidFill>
+                  <a:srgbClr val="BBBBBB"/>
+                </a:solidFill>
+                <a:effectLst/>
+                <a:latin typeface=" Fira Code'"/>
+              </a:rPr>
+              <a:t> </a:t>
+            </a:r>
+            <a:r>
+              <a:rPr lang="pl-PL" b="0" dirty="0">
+                <a:solidFill>
+                  <a:srgbClr val="C678DD"/>
+                </a:solidFill>
+                <a:effectLst/>
+                <a:latin typeface=" Fira Code'"/>
+              </a:rPr>
+              <a:t>1</a:t>
+            </a:r>
+            <a:r>
+              <a:rPr lang="pl-PL" b="0" dirty="0">
+                <a:solidFill>
+                  <a:srgbClr val="BBBBBB"/>
+                </a:solidFill>
+                <a:effectLst/>
+                <a:latin typeface=" Fira Code'"/>
+              </a:rPr>
+              <a:t>)</a:t>
+            </a:r>
+          </a:p>
+          <a:p>
+            <a:r>
+              <a:rPr lang="pl-PL" b="0" dirty="0">
+                <a:solidFill>
+                  <a:srgbClr val="BBBBBB"/>
+                </a:solidFill>
+                <a:effectLst/>
+                <a:latin typeface=" Fira Code'"/>
+              </a:rPr>
+              <a:t>    </a:t>
+            </a:r>
+            <a:r>
+              <a:rPr lang="pl-PL" b="0" dirty="0" err="1">
+                <a:solidFill>
+                  <a:srgbClr val="E06C75"/>
+                </a:solidFill>
+                <a:effectLst/>
+                <a:latin typeface=" Fira Code'"/>
+              </a:rPr>
+              <a:t>if</a:t>
+            </a:r>
+            <a:r>
+              <a:rPr lang="pl-PL" b="0" dirty="0">
+                <a:solidFill>
+                  <a:srgbClr val="BBBBBB"/>
+                </a:solidFill>
+                <a:effectLst/>
+                <a:latin typeface=" Fira Code'"/>
+              </a:rPr>
+              <a:t> </a:t>
+            </a:r>
+            <a:r>
+              <a:rPr lang="pl-PL" b="0" dirty="0" err="1">
+                <a:solidFill>
+                  <a:srgbClr val="BBBBBB"/>
+                </a:solidFill>
+                <a:effectLst/>
+                <a:latin typeface=" Fira Code'"/>
+              </a:rPr>
+              <a:t>events</a:t>
+            </a:r>
+            <a:r>
+              <a:rPr lang="pl-PL" b="0" dirty="0" err="1">
+                <a:solidFill>
+                  <a:srgbClr val="ABB2BF"/>
+                </a:solidFill>
+                <a:effectLst/>
+                <a:latin typeface=" Fira Code'"/>
+              </a:rPr>
+              <a:t>.</a:t>
+            </a:r>
+            <a:r>
+              <a:rPr lang="pl-PL" b="0" dirty="0" err="1">
+                <a:solidFill>
+                  <a:srgbClr val="56B6C2"/>
+                </a:solidFill>
+                <a:effectLst/>
+                <a:latin typeface=" Fira Code'"/>
+              </a:rPr>
+              <a:t>RIGHT</a:t>
+            </a:r>
+            <a:r>
+              <a:rPr lang="pl-PL" b="0" dirty="0">
+                <a:solidFill>
+                  <a:srgbClr val="ABB2BF"/>
+                </a:solidFill>
+                <a:effectLst/>
+                <a:latin typeface=" Fira Code'"/>
+              </a:rPr>
+              <a:t>:</a:t>
+            </a:r>
+            <a:endParaRPr lang="pl-PL" b="0" dirty="0">
+              <a:solidFill>
+                <a:srgbClr val="BBBBBB"/>
+              </a:solidFill>
+              <a:effectLst/>
+              <a:latin typeface=" Fira Code'"/>
+            </a:endParaRPr>
+          </a:p>
+          <a:p>
+            <a:r>
+              <a:rPr lang="pl-PL" b="0" dirty="0">
+                <a:solidFill>
+                  <a:srgbClr val="BBBBBB"/>
+                </a:solidFill>
+                <a:effectLst/>
+                <a:latin typeface=" Fira Code'"/>
+              </a:rPr>
+              <a:t>        </a:t>
+            </a:r>
+            <a:r>
+              <a:rPr lang="pl-PL" b="0" dirty="0" err="1">
+                <a:solidFill>
+                  <a:srgbClr val="BBBBBB"/>
+                </a:solidFill>
+                <a:effectLst/>
+                <a:latin typeface=" Fira Code'"/>
+              </a:rPr>
+              <a:t>pygame</a:t>
+            </a:r>
+            <a:r>
+              <a:rPr lang="pl-PL" b="0" dirty="0" err="1">
+                <a:solidFill>
+                  <a:srgbClr val="ABB2BF"/>
+                </a:solidFill>
+                <a:effectLst/>
+                <a:latin typeface=" Fira Code'"/>
+              </a:rPr>
+              <a:t>.</a:t>
+            </a:r>
+            <a:r>
+              <a:rPr lang="pl-PL" b="0" dirty="0" err="1">
+                <a:solidFill>
+                  <a:srgbClr val="BBBBBB"/>
+                </a:solidFill>
+                <a:effectLst/>
+                <a:latin typeface=" Fira Code'"/>
+              </a:rPr>
+              <a:t>draw</a:t>
+            </a:r>
+            <a:r>
+              <a:rPr lang="pl-PL" b="0" dirty="0" err="1">
+                <a:solidFill>
+                  <a:srgbClr val="ABB2BF"/>
+                </a:solidFill>
+                <a:effectLst/>
+                <a:latin typeface=" Fira Code'"/>
+              </a:rPr>
+              <a:t>.</a:t>
+            </a:r>
+            <a:r>
+              <a:rPr lang="pl-PL" b="0" dirty="0" err="1">
+                <a:solidFill>
+                  <a:srgbClr val="BBBBBB"/>
+                </a:solidFill>
+                <a:effectLst/>
+                <a:latin typeface=" Fira Code'"/>
+              </a:rPr>
+              <a:t>rect</a:t>
+            </a:r>
+            <a:r>
+              <a:rPr lang="pl-PL" b="0" dirty="0">
+                <a:solidFill>
+                  <a:srgbClr val="BBBBBB"/>
+                </a:solidFill>
+                <a:effectLst/>
+                <a:latin typeface=" Fira Code'"/>
+              </a:rPr>
+              <a:t>(</a:t>
+            </a:r>
+            <a:r>
+              <a:rPr lang="pl-PL" b="0" dirty="0" err="1">
+                <a:solidFill>
+                  <a:srgbClr val="BBBBBB"/>
+                </a:solidFill>
+                <a:effectLst/>
+                <a:latin typeface=" Fira Code'"/>
+              </a:rPr>
+              <a:t>srf</a:t>
+            </a:r>
+            <a:r>
+              <a:rPr lang="pl-PL" b="0" dirty="0">
+                <a:solidFill>
+                  <a:srgbClr val="ABB2BF"/>
+                </a:solidFill>
+                <a:effectLst/>
+                <a:latin typeface=" Fira Code'"/>
+              </a:rPr>
+              <a:t>,</a:t>
+            </a:r>
+            <a:r>
+              <a:rPr lang="pl-PL" b="0" dirty="0">
+                <a:solidFill>
+                  <a:srgbClr val="BBBBBB"/>
+                </a:solidFill>
+                <a:effectLst/>
+                <a:latin typeface=" Fira Code'"/>
+              </a:rPr>
+              <a:t> </a:t>
+            </a:r>
+            <a:r>
+              <a:rPr lang="pl-PL" b="0" dirty="0">
+                <a:solidFill>
+                  <a:srgbClr val="56B6C2"/>
+                </a:solidFill>
+                <a:effectLst/>
+                <a:latin typeface=" Fira Code'"/>
+              </a:rPr>
+              <a:t>WHITE</a:t>
+            </a:r>
+            <a:r>
+              <a:rPr lang="pl-PL" b="0" dirty="0">
+                <a:solidFill>
+                  <a:srgbClr val="ABB2BF"/>
+                </a:solidFill>
+                <a:effectLst/>
+                <a:latin typeface=" Fira Code'"/>
+              </a:rPr>
+              <a:t>,</a:t>
+            </a:r>
+            <a:r>
+              <a:rPr lang="pl-PL" b="0" dirty="0">
+                <a:solidFill>
+                  <a:srgbClr val="BBBBBB"/>
+                </a:solidFill>
+                <a:effectLst/>
+                <a:latin typeface=" Fira Code'"/>
+              </a:rPr>
+              <a:t> (</a:t>
+            </a:r>
+            <a:r>
+              <a:rPr lang="pl-PL" b="0" dirty="0">
+                <a:solidFill>
+                  <a:srgbClr val="C678DD"/>
+                </a:solidFill>
+                <a:effectLst/>
+                <a:latin typeface=" Fira Code'"/>
+              </a:rPr>
+              <a:t>485</a:t>
+            </a:r>
+            <a:r>
+              <a:rPr lang="pl-PL" b="0" dirty="0">
+                <a:solidFill>
+                  <a:srgbClr val="ABB2BF"/>
+                </a:solidFill>
+                <a:effectLst/>
+                <a:latin typeface=" Fira Code'"/>
+              </a:rPr>
+              <a:t>,</a:t>
+            </a:r>
+            <a:r>
+              <a:rPr lang="pl-PL" b="0" dirty="0">
+                <a:solidFill>
+                  <a:srgbClr val="BBBBBB"/>
+                </a:solidFill>
+                <a:effectLst/>
+                <a:latin typeface=" Fira Code'"/>
+              </a:rPr>
+              <a:t> </a:t>
+            </a:r>
+            <a:r>
+              <a:rPr lang="pl-PL" b="0" dirty="0">
+                <a:solidFill>
+                  <a:srgbClr val="C678DD"/>
+                </a:solidFill>
+                <a:effectLst/>
+                <a:latin typeface=" Fira Code'"/>
+              </a:rPr>
+              <a:t>346</a:t>
+            </a:r>
+            <a:r>
+              <a:rPr lang="pl-PL" b="0" dirty="0">
+                <a:solidFill>
+                  <a:srgbClr val="ABB2BF"/>
+                </a:solidFill>
+                <a:effectLst/>
+                <a:latin typeface=" Fira Code'"/>
+              </a:rPr>
+              <a:t>,</a:t>
+            </a:r>
+            <a:r>
+              <a:rPr lang="pl-PL" b="0" dirty="0">
+                <a:solidFill>
+                  <a:srgbClr val="BBBBBB"/>
+                </a:solidFill>
+                <a:effectLst/>
+                <a:latin typeface=" Fira Code'"/>
+              </a:rPr>
+              <a:t> </a:t>
+            </a:r>
+            <a:r>
+              <a:rPr lang="pl-PL" b="0" dirty="0">
+                <a:solidFill>
+                  <a:srgbClr val="C678DD"/>
+                </a:solidFill>
+                <a:effectLst/>
+                <a:latin typeface=" Fira Code'"/>
+              </a:rPr>
+              <a:t>100</a:t>
+            </a:r>
+            <a:r>
+              <a:rPr lang="pl-PL" b="0" dirty="0">
+                <a:solidFill>
+                  <a:srgbClr val="ABB2BF"/>
+                </a:solidFill>
+                <a:effectLst/>
+                <a:latin typeface=" Fira Code'"/>
+              </a:rPr>
+              <a:t>,</a:t>
+            </a:r>
+            <a:r>
+              <a:rPr lang="pl-PL" b="0" dirty="0">
+                <a:solidFill>
+                  <a:srgbClr val="BBBBBB"/>
+                </a:solidFill>
+                <a:effectLst/>
+                <a:latin typeface=" Fira Code'"/>
+              </a:rPr>
+              <a:t> </a:t>
+            </a:r>
+            <a:r>
+              <a:rPr lang="pl-PL" b="0" dirty="0">
+                <a:solidFill>
+                  <a:srgbClr val="C678DD"/>
+                </a:solidFill>
+                <a:effectLst/>
+                <a:latin typeface=" Fira Code'"/>
+              </a:rPr>
+              <a:t>100</a:t>
+            </a:r>
+            <a:r>
+              <a:rPr lang="pl-PL" b="0" dirty="0">
+                <a:solidFill>
+                  <a:srgbClr val="BBBBBB"/>
+                </a:solidFill>
+                <a:effectLst/>
+                <a:latin typeface=" Fira Code'"/>
+              </a:rPr>
+              <a:t>)</a:t>
+            </a:r>
+            <a:r>
+              <a:rPr lang="pl-PL" b="0" dirty="0">
+                <a:solidFill>
+                  <a:srgbClr val="ABB2BF"/>
+                </a:solidFill>
+                <a:effectLst/>
+                <a:latin typeface=" Fira Code'"/>
+              </a:rPr>
+              <a:t>,</a:t>
+            </a:r>
+            <a:r>
+              <a:rPr lang="pl-PL" b="0" dirty="0">
+                <a:solidFill>
+                  <a:srgbClr val="BBBBBB"/>
+                </a:solidFill>
+                <a:effectLst/>
+                <a:latin typeface=" Fira Code'"/>
+              </a:rPr>
+              <a:t> </a:t>
+            </a:r>
+            <a:r>
+              <a:rPr lang="pl-PL" b="0" dirty="0">
+                <a:solidFill>
+                  <a:srgbClr val="C678DD"/>
+                </a:solidFill>
+                <a:effectLst/>
+                <a:latin typeface=" Fira Code'"/>
+              </a:rPr>
+              <a:t>1</a:t>
+            </a:r>
+            <a:r>
+              <a:rPr lang="pl-PL" b="0" dirty="0">
+                <a:solidFill>
+                  <a:srgbClr val="BBBBBB"/>
+                </a:solidFill>
+                <a:effectLst/>
+                <a:latin typeface=" Fira Code'"/>
+              </a:rPr>
+              <a:t>)</a:t>
+            </a:r>
+          </a:p>
+          <a:p>
+            <a:r>
+              <a:rPr lang="pl-PL" b="0" dirty="0">
+                <a:solidFill>
+                  <a:srgbClr val="BBBBBB"/>
+                </a:solidFill>
+                <a:effectLst/>
+                <a:latin typeface=" Fira Code'"/>
+              </a:rPr>
+              <a:t>    </a:t>
+            </a:r>
+            <a:r>
+              <a:rPr lang="pl-PL" b="0" dirty="0" err="1">
+                <a:solidFill>
+                  <a:srgbClr val="E06C75"/>
+                </a:solidFill>
+                <a:effectLst/>
+                <a:latin typeface=" Fira Code'"/>
+              </a:rPr>
+              <a:t>if</a:t>
+            </a:r>
+            <a:r>
+              <a:rPr lang="pl-PL" b="0" dirty="0">
+                <a:solidFill>
+                  <a:srgbClr val="BBBBBB"/>
+                </a:solidFill>
+                <a:effectLst/>
+                <a:latin typeface=" Fira Code'"/>
+              </a:rPr>
+              <a:t> </a:t>
+            </a:r>
+            <a:r>
+              <a:rPr lang="pl-PL" b="0" dirty="0" err="1">
+                <a:solidFill>
+                  <a:srgbClr val="BBBBBB"/>
+                </a:solidFill>
+                <a:effectLst/>
+                <a:latin typeface=" Fira Code'"/>
+              </a:rPr>
+              <a:t>events</a:t>
+            </a:r>
+            <a:r>
+              <a:rPr lang="pl-PL" b="0" dirty="0" err="1">
+                <a:solidFill>
+                  <a:srgbClr val="ABB2BF"/>
+                </a:solidFill>
+                <a:effectLst/>
+                <a:latin typeface=" Fira Code'"/>
+              </a:rPr>
+              <a:t>.</a:t>
+            </a:r>
+            <a:r>
+              <a:rPr lang="pl-PL" b="0" dirty="0" err="1">
+                <a:solidFill>
+                  <a:srgbClr val="56B6C2"/>
+                </a:solidFill>
+                <a:effectLst/>
+                <a:latin typeface=" Fira Code'"/>
+              </a:rPr>
+              <a:t>SHOOT</a:t>
+            </a:r>
+            <a:r>
+              <a:rPr lang="pl-PL" b="0" dirty="0">
+                <a:solidFill>
+                  <a:srgbClr val="ABB2BF"/>
+                </a:solidFill>
+                <a:effectLst/>
+                <a:latin typeface=" Fira Code'"/>
+              </a:rPr>
+              <a:t>:</a:t>
+            </a:r>
+            <a:endParaRPr lang="pl-PL" b="0" dirty="0">
+              <a:solidFill>
+                <a:srgbClr val="BBBBBB"/>
+              </a:solidFill>
+              <a:effectLst/>
+              <a:latin typeface=" Fira Code'"/>
+            </a:endParaRPr>
+          </a:p>
+          <a:p>
+            <a:r>
+              <a:rPr lang="pl-PL" b="0" dirty="0">
+                <a:solidFill>
+                  <a:srgbClr val="BBBBBB"/>
+                </a:solidFill>
+                <a:effectLst/>
+                <a:latin typeface=" Fira Code'"/>
+              </a:rPr>
+              <a:t>        </a:t>
+            </a:r>
+            <a:r>
+              <a:rPr lang="pl-PL" b="0" dirty="0" err="1">
+                <a:solidFill>
+                  <a:srgbClr val="BBBBBB"/>
+                </a:solidFill>
+                <a:effectLst/>
+                <a:latin typeface=" Fira Code'"/>
+              </a:rPr>
+              <a:t>pygame</a:t>
+            </a:r>
+            <a:r>
+              <a:rPr lang="pl-PL" b="0" dirty="0" err="1">
+                <a:solidFill>
+                  <a:srgbClr val="ABB2BF"/>
+                </a:solidFill>
+                <a:effectLst/>
+                <a:latin typeface=" Fira Code'"/>
+              </a:rPr>
+              <a:t>.</a:t>
+            </a:r>
+            <a:r>
+              <a:rPr lang="pl-PL" b="0" dirty="0" err="1">
+                <a:solidFill>
+                  <a:srgbClr val="BBBBBB"/>
+                </a:solidFill>
+                <a:effectLst/>
+                <a:latin typeface=" Fira Code'"/>
+              </a:rPr>
+              <a:t>draw</a:t>
+            </a:r>
+            <a:r>
+              <a:rPr lang="pl-PL" b="0" dirty="0" err="1">
+                <a:solidFill>
+                  <a:srgbClr val="ABB2BF"/>
+                </a:solidFill>
+                <a:effectLst/>
+                <a:latin typeface=" Fira Code'"/>
+              </a:rPr>
+              <a:t>.</a:t>
+            </a:r>
+            <a:r>
+              <a:rPr lang="pl-PL" b="0" dirty="0" err="1">
+                <a:solidFill>
+                  <a:srgbClr val="BBBBBB"/>
+                </a:solidFill>
+                <a:effectLst/>
+                <a:latin typeface=" Fira Code'"/>
+              </a:rPr>
+              <a:t>rect</a:t>
+            </a:r>
+            <a:r>
+              <a:rPr lang="pl-PL" b="0" dirty="0">
+                <a:solidFill>
+                  <a:srgbClr val="BBBBBB"/>
+                </a:solidFill>
+                <a:effectLst/>
+                <a:latin typeface=" Fira Code'"/>
+              </a:rPr>
+              <a:t>(</a:t>
+            </a:r>
+            <a:r>
+              <a:rPr lang="pl-PL" b="0" dirty="0" err="1">
+                <a:solidFill>
+                  <a:srgbClr val="BBBBBB"/>
+                </a:solidFill>
+                <a:effectLst/>
+                <a:latin typeface=" Fira Code'"/>
+              </a:rPr>
+              <a:t>srf</a:t>
+            </a:r>
+            <a:r>
+              <a:rPr lang="pl-PL" b="0" dirty="0">
+                <a:solidFill>
+                  <a:srgbClr val="ABB2BF"/>
+                </a:solidFill>
+                <a:effectLst/>
+                <a:latin typeface=" Fira Code'"/>
+              </a:rPr>
+              <a:t>,</a:t>
+            </a:r>
+            <a:r>
+              <a:rPr lang="pl-PL" b="0" dirty="0">
+                <a:solidFill>
+                  <a:srgbClr val="BBBBBB"/>
+                </a:solidFill>
+                <a:effectLst/>
+                <a:latin typeface=" Fira Code'"/>
+              </a:rPr>
+              <a:t> </a:t>
+            </a:r>
+            <a:r>
+              <a:rPr lang="pl-PL" b="0" dirty="0">
+                <a:solidFill>
+                  <a:srgbClr val="56B6C2"/>
+                </a:solidFill>
+                <a:effectLst/>
+                <a:latin typeface=" Fira Code'"/>
+              </a:rPr>
+              <a:t>WHITE</a:t>
+            </a:r>
+            <a:r>
+              <a:rPr lang="pl-PL" b="0" dirty="0">
+                <a:solidFill>
+                  <a:srgbClr val="ABB2BF"/>
+                </a:solidFill>
+                <a:effectLst/>
+                <a:latin typeface=" Fira Code'"/>
+              </a:rPr>
+              <a:t>,</a:t>
+            </a:r>
+            <a:r>
+              <a:rPr lang="pl-PL" b="0" dirty="0">
+                <a:solidFill>
+                  <a:srgbClr val="BBBBBB"/>
+                </a:solidFill>
+                <a:effectLst/>
+                <a:latin typeface=" Fira Code'"/>
+              </a:rPr>
+              <a:t> (</a:t>
+            </a:r>
+            <a:r>
+              <a:rPr lang="pl-PL" b="0" dirty="0">
+                <a:solidFill>
+                  <a:srgbClr val="C678DD"/>
+                </a:solidFill>
+                <a:effectLst/>
+                <a:latin typeface=" Fira Code'"/>
+              </a:rPr>
+              <a:t>213</a:t>
+            </a:r>
+            <a:r>
+              <a:rPr lang="pl-PL" b="0" dirty="0">
+                <a:solidFill>
+                  <a:srgbClr val="ABB2BF"/>
+                </a:solidFill>
+                <a:effectLst/>
+                <a:latin typeface=" Fira Code'"/>
+              </a:rPr>
+              <a:t>,</a:t>
+            </a:r>
+            <a:r>
+              <a:rPr lang="pl-PL" b="0" dirty="0">
+                <a:solidFill>
+                  <a:srgbClr val="BBBBBB"/>
+                </a:solidFill>
+                <a:effectLst/>
+                <a:latin typeface=" Fira Code'"/>
+              </a:rPr>
+              <a:t> </a:t>
+            </a:r>
+            <a:r>
+              <a:rPr lang="pl-PL" b="0" dirty="0">
+                <a:solidFill>
+                  <a:srgbClr val="C678DD"/>
+                </a:solidFill>
+                <a:effectLst/>
+                <a:latin typeface=" Fira Code'"/>
+              </a:rPr>
+              <a:t>482</a:t>
+            </a:r>
+            <a:r>
+              <a:rPr lang="pl-PL" b="0" dirty="0">
+                <a:solidFill>
+                  <a:srgbClr val="ABB2BF"/>
+                </a:solidFill>
+                <a:effectLst/>
+                <a:latin typeface=" Fira Code'"/>
+              </a:rPr>
+              <a:t>,</a:t>
+            </a:r>
+            <a:r>
+              <a:rPr lang="pl-PL" b="0" dirty="0">
+                <a:solidFill>
+                  <a:srgbClr val="BBBBBB"/>
+                </a:solidFill>
+                <a:effectLst/>
+                <a:latin typeface=" Fira Code'"/>
+              </a:rPr>
+              <a:t> </a:t>
+            </a:r>
+            <a:r>
+              <a:rPr lang="pl-PL" b="0" dirty="0">
+                <a:solidFill>
+                  <a:srgbClr val="C678DD"/>
+                </a:solidFill>
+                <a:effectLst/>
+                <a:latin typeface=" Fira Code'"/>
+              </a:rPr>
+              <a:t>372</a:t>
+            </a:r>
+            <a:r>
+              <a:rPr lang="pl-PL" b="0" dirty="0">
+                <a:solidFill>
+                  <a:srgbClr val="ABB2BF"/>
+                </a:solidFill>
+                <a:effectLst/>
+                <a:latin typeface=" Fira Code'"/>
+              </a:rPr>
+              <a:t>,</a:t>
+            </a:r>
+            <a:r>
+              <a:rPr lang="pl-PL" b="0" dirty="0">
+                <a:solidFill>
+                  <a:srgbClr val="BBBBBB"/>
+                </a:solidFill>
+                <a:effectLst/>
+                <a:latin typeface=" Fira Code'"/>
+              </a:rPr>
+              <a:t> </a:t>
+            </a:r>
+            <a:r>
+              <a:rPr lang="pl-PL" b="0" dirty="0">
+                <a:solidFill>
+                  <a:srgbClr val="C678DD"/>
+                </a:solidFill>
+                <a:effectLst/>
+                <a:latin typeface=" Fira Code'"/>
+              </a:rPr>
+              <a:t>100</a:t>
+            </a:r>
+            <a:r>
+              <a:rPr lang="pl-PL" b="0" dirty="0">
+                <a:solidFill>
+                  <a:srgbClr val="BBBBBB"/>
+                </a:solidFill>
+                <a:effectLst/>
+                <a:latin typeface=" Fira Code'"/>
+              </a:rPr>
+              <a:t>)</a:t>
+            </a:r>
+            <a:r>
+              <a:rPr lang="pl-PL" b="0" dirty="0">
+                <a:solidFill>
+                  <a:srgbClr val="ABB2BF"/>
+                </a:solidFill>
+                <a:effectLst/>
+                <a:latin typeface=" Fira Code'"/>
+              </a:rPr>
+              <a:t>,</a:t>
+            </a:r>
+            <a:r>
+              <a:rPr lang="pl-PL" b="0" dirty="0">
+                <a:solidFill>
+                  <a:srgbClr val="BBBBBB"/>
+                </a:solidFill>
+                <a:effectLst/>
+                <a:latin typeface=" Fira Code'"/>
+              </a:rPr>
+              <a:t> </a:t>
+            </a:r>
+            <a:r>
+              <a:rPr lang="pl-PL" b="0" dirty="0">
+                <a:solidFill>
+                  <a:srgbClr val="C678DD"/>
+                </a:solidFill>
+                <a:effectLst/>
+                <a:latin typeface=" Fira Code'"/>
+              </a:rPr>
+              <a:t>1</a:t>
+            </a:r>
+            <a:r>
+              <a:rPr lang="pl-PL" b="0" dirty="0">
+                <a:solidFill>
+                  <a:srgbClr val="BBBBBB"/>
+                </a:solidFill>
+                <a:effectLst/>
+                <a:latin typeface=" Fira Code'"/>
+              </a:rPr>
+              <a:t>)</a:t>
+            </a:r>
+          </a:p>
+          <a:p>
+            <a:endParaRPr lang="pl-PL" dirty="0"/>
+          </a:p>
+          <a:p>
             <a:endParaRPr lang="pl-PL" dirty="0"/>
           </a:p>
         </p:txBody>
@@ -2361,7 +4004,7 @@
     </p:spTree>
     <p:extLst>
       <p:ext uri="{BB962C8B-B14F-4D97-AF65-F5344CB8AC3E}">
-        <p14:creationId xmlns:p14="http://schemas.microsoft.com/office/powerpoint/2010/main" val="2200135541"/>
+        <p14:creationId xmlns:p14="http://schemas.microsoft.com/office/powerpoint/2010/main" val="718492647"/>
       </p:ext>
     </p:extLst>
   </p:cSld>
@@ -2415,1831 +4058,6 @@
           <a:bodyPr/>
           <a:lstStyle/>
           <a:p>
-            <a:r>
-              <a:rPr lang="pl-PL" dirty="0"/>
-              <a:t>Dodanie zmiennych do </a:t>
-            </a:r>
-            <a:r>
-              <a:rPr lang="pl-PL" dirty="0" err="1"/>
-              <a:t>Events</a:t>
-            </a:r>
-            <a:endParaRPr lang="pl-PL" dirty="0"/>
-          </a:p>
-          <a:p>
-            <a:r>
-              <a:rPr lang="pl-PL" dirty="0"/>
-              <a:t>Tymczasowe dodanie kodu do sprawdzenia czy klawisze działają</a:t>
-            </a:r>
-          </a:p>
-          <a:p>
-            <a:r>
-              <a:rPr lang="pl-PL" b="0" dirty="0">
-                <a:solidFill>
-                  <a:srgbClr val="BBBBBB"/>
-                </a:solidFill>
-                <a:effectLst/>
-                <a:latin typeface=" Fira Code'"/>
-              </a:rPr>
-              <a:t>    </a:t>
-            </a:r>
-            <a:r>
-              <a:rPr lang="pl-PL" b="0" dirty="0" err="1">
-                <a:solidFill>
-                  <a:srgbClr val="E06C75"/>
-                </a:solidFill>
-                <a:effectLst/>
-                <a:latin typeface=" Fira Code'"/>
-              </a:rPr>
-              <a:t>if</a:t>
-            </a:r>
-            <a:r>
-              <a:rPr lang="pl-PL" b="0" dirty="0">
-                <a:solidFill>
-                  <a:srgbClr val="BBBBBB"/>
-                </a:solidFill>
-                <a:effectLst/>
-                <a:latin typeface=" Fira Code'"/>
-              </a:rPr>
-              <a:t> </a:t>
-            </a:r>
-            <a:r>
-              <a:rPr lang="pl-PL" b="0" dirty="0" err="1">
-                <a:solidFill>
-                  <a:srgbClr val="BBBBBB"/>
-                </a:solidFill>
-                <a:effectLst/>
-                <a:latin typeface=" Fira Code'"/>
-              </a:rPr>
-              <a:t>events</a:t>
-            </a:r>
-            <a:r>
-              <a:rPr lang="pl-PL" b="0" dirty="0" err="1">
-                <a:solidFill>
-                  <a:srgbClr val="ABB2BF"/>
-                </a:solidFill>
-                <a:effectLst/>
-                <a:latin typeface=" Fira Code'"/>
-              </a:rPr>
-              <a:t>.</a:t>
-            </a:r>
-            <a:r>
-              <a:rPr lang="pl-PL" b="0" dirty="0" err="1">
-                <a:solidFill>
-                  <a:srgbClr val="56B6C2"/>
-                </a:solidFill>
-                <a:effectLst/>
-                <a:latin typeface=" Fira Code'"/>
-              </a:rPr>
-              <a:t>UP</a:t>
-            </a:r>
-            <a:r>
-              <a:rPr lang="pl-PL" b="0" dirty="0">
-                <a:solidFill>
-                  <a:srgbClr val="ABB2BF"/>
-                </a:solidFill>
-                <a:effectLst/>
-                <a:latin typeface=" Fira Code'"/>
-              </a:rPr>
-              <a:t>:</a:t>
-            </a:r>
-            <a:endParaRPr lang="pl-PL" b="0" dirty="0">
-              <a:solidFill>
-                <a:srgbClr val="BBBBBB"/>
-              </a:solidFill>
-              <a:effectLst/>
-              <a:latin typeface=" Fira Code'"/>
-            </a:endParaRPr>
-          </a:p>
-          <a:p>
-            <a:r>
-              <a:rPr lang="pl-PL" b="0" dirty="0">
-                <a:solidFill>
-                  <a:srgbClr val="BBBBBB"/>
-                </a:solidFill>
-                <a:effectLst/>
-                <a:latin typeface=" Fira Code'"/>
-              </a:rPr>
-              <a:t>        </a:t>
-            </a:r>
-            <a:r>
-              <a:rPr lang="pl-PL" b="0" dirty="0" err="1">
-                <a:solidFill>
-                  <a:srgbClr val="BBBBBB"/>
-                </a:solidFill>
-                <a:effectLst/>
-                <a:latin typeface=" Fira Code'"/>
-              </a:rPr>
-              <a:t>pygame</a:t>
-            </a:r>
-            <a:r>
-              <a:rPr lang="pl-PL" b="0" dirty="0" err="1">
-                <a:solidFill>
-                  <a:srgbClr val="ABB2BF"/>
-                </a:solidFill>
-                <a:effectLst/>
-                <a:latin typeface=" Fira Code'"/>
-              </a:rPr>
-              <a:t>.</a:t>
-            </a:r>
-            <a:r>
-              <a:rPr lang="pl-PL" b="0" dirty="0" err="1">
-                <a:solidFill>
-                  <a:srgbClr val="BBBBBB"/>
-                </a:solidFill>
-                <a:effectLst/>
-                <a:latin typeface=" Fira Code'"/>
-              </a:rPr>
-              <a:t>draw</a:t>
-            </a:r>
-            <a:r>
-              <a:rPr lang="pl-PL" b="0" dirty="0" err="1">
-                <a:solidFill>
-                  <a:srgbClr val="ABB2BF"/>
-                </a:solidFill>
-                <a:effectLst/>
-                <a:latin typeface=" Fira Code'"/>
-              </a:rPr>
-              <a:t>.</a:t>
-            </a:r>
-            <a:r>
-              <a:rPr lang="pl-PL" b="0" dirty="0" err="1">
-                <a:solidFill>
-                  <a:srgbClr val="BBBBBB"/>
-                </a:solidFill>
-                <a:effectLst/>
-                <a:latin typeface=" Fira Code'"/>
-              </a:rPr>
-              <a:t>rect</a:t>
-            </a:r>
-            <a:r>
-              <a:rPr lang="pl-PL" b="0" dirty="0">
-                <a:solidFill>
-                  <a:srgbClr val="BBBBBB"/>
-                </a:solidFill>
-                <a:effectLst/>
-                <a:latin typeface=" Fira Code'"/>
-              </a:rPr>
-              <a:t>(</a:t>
-            </a:r>
-            <a:r>
-              <a:rPr lang="pl-PL" b="0" dirty="0" err="1">
-                <a:solidFill>
-                  <a:srgbClr val="BBBBBB"/>
-                </a:solidFill>
-                <a:effectLst/>
-                <a:latin typeface=" Fira Code'"/>
-              </a:rPr>
-              <a:t>srf</a:t>
-            </a:r>
-            <a:r>
-              <a:rPr lang="pl-PL" b="0" dirty="0">
-                <a:solidFill>
-                  <a:srgbClr val="ABB2BF"/>
-                </a:solidFill>
-                <a:effectLst/>
-                <a:latin typeface=" Fira Code'"/>
-              </a:rPr>
-              <a:t>,</a:t>
-            </a:r>
-            <a:r>
-              <a:rPr lang="pl-PL" b="0" dirty="0">
-                <a:solidFill>
-                  <a:srgbClr val="BBBBBB"/>
-                </a:solidFill>
-                <a:effectLst/>
-                <a:latin typeface=" Fira Code'"/>
-              </a:rPr>
-              <a:t> </a:t>
-            </a:r>
-            <a:r>
-              <a:rPr lang="pl-PL" b="0" dirty="0">
-                <a:solidFill>
-                  <a:srgbClr val="56B6C2"/>
-                </a:solidFill>
-                <a:effectLst/>
-                <a:latin typeface=" Fira Code'"/>
-              </a:rPr>
-              <a:t>WHITE</a:t>
-            </a:r>
-            <a:r>
-              <a:rPr lang="pl-PL" b="0" dirty="0">
-                <a:solidFill>
-                  <a:srgbClr val="ABB2BF"/>
-                </a:solidFill>
-                <a:effectLst/>
-                <a:latin typeface=" Fira Code'"/>
-              </a:rPr>
-              <a:t>,</a:t>
-            </a:r>
-            <a:r>
-              <a:rPr lang="pl-PL" b="0" dirty="0">
-                <a:solidFill>
-                  <a:srgbClr val="BBBBBB"/>
-                </a:solidFill>
-                <a:effectLst/>
-                <a:latin typeface=" Fira Code'"/>
-              </a:rPr>
-              <a:t> (</a:t>
-            </a:r>
-            <a:r>
-              <a:rPr lang="pl-PL" b="0" dirty="0">
-                <a:solidFill>
-                  <a:srgbClr val="C678DD"/>
-                </a:solidFill>
-                <a:effectLst/>
-                <a:latin typeface=" Fira Code'"/>
-              </a:rPr>
-              <a:t>349</a:t>
-            </a:r>
-            <a:r>
-              <a:rPr lang="pl-PL" b="0" dirty="0">
-                <a:solidFill>
-                  <a:srgbClr val="ABB2BF"/>
-                </a:solidFill>
-                <a:effectLst/>
-                <a:latin typeface=" Fira Code'"/>
-              </a:rPr>
-              <a:t>,</a:t>
-            </a:r>
-            <a:r>
-              <a:rPr lang="pl-PL" b="0" dirty="0">
-                <a:solidFill>
-                  <a:srgbClr val="BBBBBB"/>
-                </a:solidFill>
-                <a:effectLst/>
-                <a:latin typeface=" Fira Code'"/>
-              </a:rPr>
-              <a:t> </a:t>
-            </a:r>
-            <a:r>
-              <a:rPr lang="pl-PL" b="0" dirty="0">
-                <a:solidFill>
-                  <a:srgbClr val="C678DD"/>
-                </a:solidFill>
-                <a:effectLst/>
-                <a:latin typeface=" Fira Code'"/>
-              </a:rPr>
-              <a:t>210</a:t>
-            </a:r>
-            <a:r>
-              <a:rPr lang="pl-PL" b="0" dirty="0">
-                <a:solidFill>
-                  <a:srgbClr val="ABB2BF"/>
-                </a:solidFill>
-                <a:effectLst/>
-                <a:latin typeface=" Fira Code'"/>
-              </a:rPr>
-              <a:t>,</a:t>
-            </a:r>
-            <a:r>
-              <a:rPr lang="pl-PL" b="0" dirty="0">
-                <a:solidFill>
-                  <a:srgbClr val="BBBBBB"/>
-                </a:solidFill>
-                <a:effectLst/>
-                <a:latin typeface=" Fira Code'"/>
-              </a:rPr>
-              <a:t> </a:t>
-            </a:r>
-            <a:r>
-              <a:rPr lang="pl-PL" b="0" dirty="0">
-                <a:solidFill>
-                  <a:srgbClr val="C678DD"/>
-                </a:solidFill>
-                <a:effectLst/>
-                <a:latin typeface=" Fira Code'"/>
-              </a:rPr>
-              <a:t>100</a:t>
-            </a:r>
-            <a:r>
-              <a:rPr lang="pl-PL" b="0" dirty="0">
-                <a:solidFill>
-                  <a:srgbClr val="ABB2BF"/>
-                </a:solidFill>
-                <a:effectLst/>
-                <a:latin typeface=" Fira Code'"/>
-              </a:rPr>
-              <a:t>,</a:t>
-            </a:r>
-            <a:r>
-              <a:rPr lang="pl-PL" b="0" dirty="0">
-                <a:solidFill>
-                  <a:srgbClr val="BBBBBB"/>
-                </a:solidFill>
-                <a:effectLst/>
-                <a:latin typeface=" Fira Code'"/>
-              </a:rPr>
-              <a:t> </a:t>
-            </a:r>
-            <a:r>
-              <a:rPr lang="pl-PL" b="0" dirty="0">
-                <a:solidFill>
-                  <a:srgbClr val="C678DD"/>
-                </a:solidFill>
-                <a:effectLst/>
-                <a:latin typeface=" Fira Code'"/>
-              </a:rPr>
-              <a:t>100</a:t>
-            </a:r>
-            <a:r>
-              <a:rPr lang="pl-PL" b="0" dirty="0">
-                <a:solidFill>
-                  <a:srgbClr val="BBBBBB"/>
-                </a:solidFill>
-                <a:effectLst/>
-                <a:latin typeface=" Fira Code'"/>
-              </a:rPr>
-              <a:t>)</a:t>
-            </a:r>
-            <a:r>
-              <a:rPr lang="pl-PL" b="0" dirty="0">
-                <a:solidFill>
-                  <a:srgbClr val="ABB2BF"/>
-                </a:solidFill>
-                <a:effectLst/>
-                <a:latin typeface=" Fira Code'"/>
-              </a:rPr>
-              <a:t>,</a:t>
-            </a:r>
-            <a:r>
-              <a:rPr lang="pl-PL" b="0" dirty="0">
-                <a:solidFill>
-                  <a:srgbClr val="BBBBBB"/>
-                </a:solidFill>
-                <a:effectLst/>
-                <a:latin typeface=" Fira Code'"/>
-              </a:rPr>
-              <a:t> </a:t>
-            </a:r>
-            <a:r>
-              <a:rPr lang="pl-PL" b="0" dirty="0">
-                <a:solidFill>
-                  <a:srgbClr val="C678DD"/>
-                </a:solidFill>
-                <a:effectLst/>
-                <a:latin typeface=" Fira Code'"/>
-              </a:rPr>
-              <a:t>1</a:t>
-            </a:r>
-            <a:r>
-              <a:rPr lang="pl-PL" b="0" dirty="0">
-                <a:solidFill>
-                  <a:srgbClr val="BBBBBB"/>
-                </a:solidFill>
-                <a:effectLst/>
-                <a:latin typeface=" Fira Code'"/>
-              </a:rPr>
-              <a:t>)</a:t>
-            </a:r>
-          </a:p>
-          <a:p>
-            <a:r>
-              <a:rPr lang="pl-PL" b="0" dirty="0">
-                <a:solidFill>
-                  <a:srgbClr val="BBBBBB"/>
-                </a:solidFill>
-                <a:effectLst/>
-                <a:latin typeface=" Fira Code'"/>
-              </a:rPr>
-              <a:t>    </a:t>
-            </a:r>
-            <a:r>
-              <a:rPr lang="pl-PL" b="0" dirty="0" err="1">
-                <a:solidFill>
-                  <a:srgbClr val="E06C75"/>
-                </a:solidFill>
-                <a:effectLst/>
-                <a:latin typeface=" Fira Code'"/>
-              </a:rPr>
-              <a:t>if</a:t>
-            </a:r>
-            <a:r>
-              <a:rPr lang="pl-PL" b="0" dirty="0">
-                <a:solidFill>
-                  <a:srgbClr val="BBBBBB"/>
-                </a:solidFill>
-                <a:effectLst/>
-                <a:latin typeface=" Fira Code'"/>
-              </a:rPr>
-              <a:t> </a:t>
-            </a:r>
-            <a:r>
-              <a:rPr lang="pl-PL" b="0" dirty="0" err="1">
-                <a:solidFill>
-                  <a:srgbClr val="BBBBBB"/>
-                </a:solidFill>
-                <a:effectLst/>
-                <a:latin typeface=" Fira Code'"/>
-              </a:rPr>
-              <a:t>events</a:t>
-            </a:r>
-            <a:r>
-              <a:rPr lang="pl-PL" b="0" dirty="0" err="1">
-                <a:solidFill>
-                  <a:srgbClr val="ABB2BF"/>
-                </a:solidFill>
-                <a:effectLst/>
-                <a:latin typeface=" Fira Code'"/>
-              </a:rPr>
-              <a:t>.</a:t>
-            </a:r>
-            <a:r>
-              <a:rPr lang="pl-PL" b="0" dirty="0" err="1">
-                <a:solidFill>
-                  <a:srgbClr val="56B6C2"/>
-                </a:solidFill>
-                <a:effectLst/>
-                <a:latin typeface=" Fira Code'"/>
-              </a:rPr>
-              <a:t>DOWN</a:t>
-            </a:r>
-            <a:r>
-              <a:rPr lang="pl-PL" b="0" dirty="0">
-                <a:solidFill>
-                  <a:srgbClr val="ABB2BF"/>
-                </a:solidFill>
-                <a:effectLst/>
-                <a:latin typeface=" Fira Code'"/>
-              </a:rPr>
-              <a:t>:</a:t>
-            </a:r>
-            <a:endParaRPr lang="pl-PL" b="0" dirty="0">
-              <a:solidFill>
-                <a:srgbClr val="BBBBBB"/>
-              </a:solidFill>
-              <a:effectLst/>
-              <a:latin typeface=" Fira Code'"/>
-            </a:endParaRPr>
-          </a:p>
-          <a:p>
-            <a:r>
-              <a:rPr lang="pl-PL" b="0" dirty="0">
-                <a:solidFill>
-                  <a:srgbClr val="BBBBBB"/>
-                </a:solidFill>
-                <a:effectLst/>
-                <a:latin typeface=" Fira Code'"/>
-              </a:rPr>
-              <a:t>        </a:t>
-            </a:r>
-            <a:r>
-              <a:rPr lang="pl-PL" b="0" dirty="0" err="1">
-                <a:solidFill>
-                  <a:srgbClr val="BBBBBB"/>
-                </a:solidFill>
-                <a:effectLst/>
-                <a:latin typeface=" Fira Code'"/>
-              </a:rPr>
-              <a:t>pygame</a:t>
-            </a:r>
-            <a:r>
-              <a:rPr lang="pl-PL" b="0" dirty="0" err="1">
-                <a:solidFill>
-                  <a:srgbClr val="ABB2BF"/>
-                </a:solidFill>
-                <a:effectLst/>
-                <a:latin typeface=" Fira Code'"/>
-              </a:rPr>
-              <a:t>.</a:t>
-            </a:r>
-            <a:r>
-              <a:rPr lang="pl-PL" b="0" dirty="0" err="1">
-                <a:solidFill>
-                  <a:srgbClr val="BBBBBB"/>
-                </a:solidFill>
-                <a:effectLst/>
-                <a:latin typeface=" Fira Code'"/>
-              </a:rPr>
-              <a:t>draw</a:t>
-            </a:r>
-            <a:r>
-              <a:rPr lang="pl-PL" b="0" dirty="0" err="1">
-                <a:solidFill>
-                  <a:srgbClr val="ABB2BF"/>
-                </a:solidFill>
-                <a:effectLst/>
-                <a:latin typeface=" Fira Code'"/>
-              </a:rPr>
-              <a:t>.</a:t>
-            </a:r>
-            <a:r>
-              <a:rPr lang="pl-PL" b="0" dirty="0" err="1">
-                <a:solidFill>
-                  <a:srgbClr val="BBBBBB"/>
-                </a:solidFill>
-                <a:effectLst/>
-                <a:latin typeface=" Fira Code'"/>
-              </a:rPr>
-              <a:t>rect</a:t>
-            </a:r>
-            <a:r>
-              <a:rPr lang="pl-PL" b="0" dirty="0">
-                <a:solidFill>
-                  <a:srgbClr val="BBBBBB"/>
-                </a:solidFill>
-                <a:effectLst/>
-                <a:latin typeface=" Fira Code'"/>
-              </a:rPr>
-              <a:t>(</a:t>
-            </a:r>
-            <a:r>
-              <a:rPr lang="pl-PL" b="0" dirty="0" err="1">
-                <a:solidFill>
-                  <a:srgbClr val="BBBBBB"/>
-                </a:solidFill>
-                <a:effectLst/>
-                <a:latin typeface=" Fira Code'"/>
-              </a:rPr>
-              <a:t>srf</a:t>
-            </a:r>
-            <a:r>
-              <a:rPr lang="pl-PL" b="0" dirty="0">
-                <a:solidFill>
-                  <a:srgbClr val="ABB2BF"/>
-                </a:solidFill>
-                <a:effectLst/>
-                <a:latin typeface=" Fira Code'"/>
-              </a:rPr>
-              <a:t>,</a:t>
-            </a:r>
-            <a:r>
-              <a:rPr lang="pl-PL" b="0" dirty="0">
-                <a:solidFill>
-                  <a:srgbClr val="BBBBBB"/>
-                </a:solidFill>
-                <a:effectLst/>
-                <a:latin typeface=" Fira Code'"/>
-              </a:rPr>
-              <a:t> </a:t>
-            </a:r>
-            <a:r>
-              <a:rPr lang="pl-PL" b="0" dirty="0">
-                <a:solidFill>
-                  <a:srgbClr val="56B6C2"/>
-                </a:solidFill>
-                <a:effectLst/>
-                <a:latin typeface=" Fira Code'"/>
-              </a:rPr>
-              <a:t>WHITE</a:t>
-            </a:r>
-            <a:r>
-              <a:rPr lang="pl-PL" b="0" dirty="0">
-                <a:solidFill>
-                  <a:srgbClr val="ABB2BF"/>
-                </a:solidFill>
-                <a:effectLst/>
-                <a:latin typeface=" Fira Code'"/>
-              </a:rPr>
-              <a:t>,</a:t>
-            </a:r>
-            <a:r>
-              <a:rPr lang="pl-PL" b="0" dirty="0">
-                <a:solidFill>
-                  <a:srgbClr val="BBBBBB"/>
-                </a:solidFill>
-                <a:effectLst/>
-                <a:latin typeface=" Fira Code'"/>
-              </a:rPr>
-              <a:t> (</a:t>
-            </a:r>
-            <a:r>
-              <a:rPr lang="pl-PL" b="0" dirty="0">
-                <a:solidFill>
-                  <a:srgbClr val="C678DD"/>
-                </a:solidFill>
-                <a:effectLst/>
-                <a:latin typeface=" Fira Code'"/>
-              </a:rPr>
-              <a:t>213</a:t>
-            </a:r>
-            <a:r>
-              <a:rPr lang="pl-PL" b="0" dirty="0">
-                <a:solidFill>
-                  <a:srgbClr val="ABB2BF"/>
-                </a:solidFill>
-                <a:effectLst/>
-                <a:latin typeface=" Fira Code'"/>
-              </a:rPr>
-              <a:t>,</a:t>
-            </a:r>
-            <a:r>
-              <a:rPr lang="pl-PL" b="0" dirty="0">
-                <a:solidFill>
-                  <a:srgbClr val="BBBBBB"/>
-                </a:solidFill>
-                <a:effectLst/>
-                <a:latin typeface=" Fira Code'"/>
-              </a:rPr>
-              <a:t> </a:t>
-            </a:r>
-            <a:r>
-              <a:rPr lang="pl-PL" b="0" dirty="0">
-                <a:solidFill>
-                  <a:srgbClr val="C678DD"/>
-                </a:solidFill>
-                <a:effectLst/>
-                <a:latin typeface=" Fira Code'"/>
-              </a:rPr>
-              <a:t>346</a:t>
-            </a:r>
-            <a:r>
-              <a:rPr lang="pl-PL" b="0" dirty="0">
-                <a:solidFill>
-                  <a:srgbClr val="ABB2BF"/>
-                </a:solidFill>
-                <a:effectLst/>
-                <a:latin typeface=" Fira Code'"/>
-              </a:rPr>
-              <a:t>,</a:t>
-            </a:r>
-            <a:r>
-              <a:rPr lang="pl-PL" b="0" dirty="0">
-                <a:solidFill>
-                  <a:srgbClr val="BBBBBB"/>
-                </a:solidFill>
-                <a:effectLst/>
-                <a:latin typeface=" Fira Code'"/>
-              </a:rPr>
-              <a:t> </a:t>
-            </a:r>
-            <a:r>
-              <a:rPr lang="pl-PL" b="0" dirty="0">
-                <a:solidFill>
-                  <a:srgbClr val="C678DD"/>
-                </a:solidFill>
-                <a:effectLst/>
-                <a:latin typeface=" Fira Code'"/>
-              </a:rPr>
-              <a:t>100</a:t>
-            </a:r>
-            <a:r>
-              <a:rPr lang="pl-PL" b="0" dirty="0">
-                <a:solidFill>
-                  <a:srgbClr val="ABB2BF"/>
-                </a:solidFill>
-                <a:effectLst/>
-                <a:latin typeface=" Fira Code'"/>
-              </a:rPr>
-              <a:t>,</a:t>
-            </a:r>
-            <a:r>
-              <a:rPr lang="pl-PL" b="0" dirty="0">
-                <a:solidFill>
-                  <a:srgbClr val="BBBBBB"/>
-                </a:solidFill>
-                <a:effectLst/>
-                <a:latin typeface=" Fira Code'"/>
-              </a:rPr>
-              <a:t> </a:t>
-            </a:r>
-            <a:r>
-              <a:rPr lang="pl-PL" b="0" dirty="0">
-                <a:solidFill>
-                  <a:srgbClr val="C678DD"/>
-                </a:solidFill>
-                <a:effectLst/>
-                <a:latin typeface=" Fira Code'"/>
-              </a:rPr>
-              <a:t>100</a:t>
-            </a:r>
-            <a:r>
-              <a:rPr lang="pl-PL" b="0" dirty="0">
-                <a:solidFill>
-                  <a:srgbClr val="BBBBBB"/>
-                </a:solidFill>
-                <a:effectLst/>
-                <a:latin typeface=" Fira Code'"/>
-              </a:rPr>
-              <a:t>)</a:t>
-            </a:r>
-            <a:r>
-              <a:rPr lang="pl-PL" b="0" dirty="0">
-                <a:solidFill>
-                  <a:srgbClr val="ABB2BF"/>
-                </a:solidFill>
-                <a:effectLst/>
-                <a:latin typeface=" Fira Code'"/>
-              </a:rPr>
-              <a:t>,</a:t>
-            </a:r>
-            <a:r>
-              <a:rPr lang="pl-PL" b="0" dirty="0">
-                <a:solidFill>
-                  <a:srgbClr val="BBBBBB"/>
-                </a:solidFill>
-                <a:effectLst/>
-                <a:latin typeface=" Fira Code'"/>
-              </a:rPr>
-              <a:t> </a:t>
-            </a:r>
-            <a:r>
-              <a:rPr lang="pl-PL" b="0" dirty="0">
-                <a:solidFill>
-                  <a:srgbClr val="C678DD"/>
-                </a:solidFill>
-                <a:effectLst/>
-                <a:latin typeface=" Fira Code'"/>
-              </a:rPr>
-              <a:t>1</a:t>
-            </a:r>
-            <a:r>
-              <a:rPr lang="pl-PL" b="0" dirty="0">
-                <a:solidFill>
-                  <a:srgbClr val="BBBBBB"/>
-                </a:solidFill>
-                <a:effectLst/>
-                <a:latin typeface=" Fira Code'"/>
-              </a:rPr>
-              <a:t>)</a:t>
-            </a:r>
-          </a:p>
-          <a:p>
-            <a:r>
-              <a:rPr lang="pl-PL" b="0" dirty="0">
-                <a:solidFill>
-                  <a:srgbClr val="BBBBBB"/>
-                </a:solidFill>
-                <a:effectLst/>
-                <a:latin typeface=" Fira Code'"/>
-              </a:rPr>
-              <a:t>    </a:t>
-            </a:r>
-            <a:r>
-              <a:rPr lang="pl-PL" b="0" dirty="0" err="1">
-                <a:solidFill>
-                  <a:srgbClr val="E06C75"/>
-                </a:solidFill>
-                <a:effectLst/>
-                <a:latin typeface=" Fira Code'"/>
-              </a:rPr>
-              <a:t>if</a:t>
-            </a:r>
-            <a:r>
-              <a:rPr lang="pl-PL" b="0" dirty="0">
-                <a:solidFill>
-                  <a:srgbClr val="BBBBBB"/>
-                </a:solidFill>
-                <a:effectLst/>
-                <a:latin typeface=" Fira Code'"/>
-              </a:rPr>
-              <a:t> </a:t>
-            </a:r>
-            <a:r>
-              <a:rPr lang="pl-PL" b="0" dirty="0" err="1">
-                <a:solidFill>
-                  <a:srgbClr val="BBBBBB"/>
-                </a:solidFill>
-                <a:effectLst/>
-                <a:latin typeface=" Fira Code'"/>
-              </a:rPr>
-              <a:t>events</a:t>
-            </a:r>
-            <a:r>
-              <a:rPr lang="pl-PL" b="0" dirty="0" err="1">
-                <a:solidFill>
-                  <a:srgbClr val="ABB2BF"/>
-                </a:solidFill>
-                <a:effectLst/>
-                <a:latin typeface=" Fira Code'"/>
-              </a:rPr>
-              <a:t>.</a:t>
-            </a:r>
-            <a:r>
-              <a:rPr lang="pl-PL" b="0" dirty="0" err="1">
-                <a:solidFill>
-                  <a:srgbClr val="56B6C2"/>
-                </a:solidFill>
-                <a:effectLst/>
-                <a:latin typeface=" Fira Code'"/>
-              </a:rPr>
-              <a:t>LEFT</a:t>
-            </a:r>
-            <a:r>
-              <a:rPr lang="pl-PL" b="0" dirty="0">
-                <a:solidFill>
-                  <a:srgbClr val="ABB2BF"/>
-                </a:solidFill>
-                <a:effectLst/>
-                <a:latin typeface=" Fira Code'"/>
-              </a:rPr>
-              <a:t>:</a:t>
-            </a:r>
-            <a:endParaRPr lang="pl-PL" b="0" dirty="0">
-              <a:solidFill>
-                <a:srgbClr val="BBBBBB"/>
-              </a:solidFill>
-              <a:effectLst/>
-              <a:latin typeface=" Fira Code'"/>
-            </a:endParaRPr>
-          </a:p>
-          <a:p>
-            <a:r>
-              <a:rPr lang="pl-PL" b="0" dirty="0">
-                <a:solidFill>
-                  <a:srgbClr val="BBBBBB"/>
-                </a:solidFill>
-                <a:effectLst/>
-                <a:latin typeface=" Fira Code'"/>
-              </a:rPr>
-              <a:t>        </a:t>
-            </a:r>
-            <a:r>
-              <a:rPr lang="pl-PL" b="0" dirty="0" err="1">
-                <a:solidFill>
-                  <a:srgbClr val="BBBBBB"/>
-                </a:solidFill>
-                <a:effectLst/>
-                <a:latin typeface=" Fira Code'"/>
-              </a:rPr>
-              <a:t>pygame</a:t>
-            </a:r>
-            <a:r>
-              <a:rPr lang="pl-PL" b="0" dirty="0" err="1">
-                <a:solidFill>
-                  <a:srgbClr val="ABB2BF"/>
-                </a:solidFill>
-                <a:effectLst/>
-                <a:latin typeface=" Fira Code'"/>
-              </a:rPr>
-              <a:t>.</a:t>
-            </a:r>
-            <a:r>
-              <a:rPr lang="pl-PL" b="0" dirty="0" err="1">
-                <a:solidFill>
-                  <a:srgbClr val="BBBBBB"/>
-                </a:solidFill>
-                <a:effectLst/>
-                <a:latin typeface=" Fira Code'"/>
-              </a:rPr>
-              <a:t>draw</a:t>
-            </a:r>
-            <a:r>
-              <a:rPr lang="pl-PL" b="0" dirty="0" err="1">
-                <a:solidFill>
-                  <a:srgbClr val="ABB2BF"/>
-                </a:solidFill>
-                <a:effectLst/>
-                <a:latin typeface=" Fira Code'"/>
-              </a:rPr>
-              <a:t>.</a:t>
-            </a:r>
-            <a:r>
-              <a:rPr lang="pl-PL" b="0" dirty="0" err="1">
-                <a:solidFill>
-                  <a:srgbClr val="BBBBBB"/>
-                </a:solidFill>
-                <a:effectLst/>
-                <a:latin typeface=" Fira Code'"/>
-              </a:rPr>
-              <a:t>rect</a:t>
-            </a:r>
-            <a:r>
-              <a:rPr lang="pl-PL" b="0" dirty="0">
-                <a:solidFill>
-                  <a:srgbClr val="BBBBBB"/>
-                </a:solidFill>
-                <a:effectLst/>
-                <a:latin typeface=" Fira Code'"/>
-              </a:rPr>
-              <a:t>(</a:t>
-            </a:r>
-            <a:r>
-              <a:rPr lang="pl-PL" b="0" dirty="0" err="1">
-                <a:solidFill>
-                  <a:srgbClr val="BBBBBB"/>
-                </a:solidFill>
-                <a:effectLst/>
-                <a:latin typeface=" Fira Code'"/>
-              </a:rPr>
-              <a:t>srf</a:t>
-            </a:r>
-            <a:r>
-              <a:rPr lang="pl-PL" b="0" dirty="0">
-                <a:solidFill>
-                  <a:srgbClr val="ABB2BF"/>
-                </a:solidFill>
-                <a:effectLst/>
-                <a:latin typeface=" Fira Code'"/>
-              </a:rPr>
-              <a:t>,</a:t>
-            </a:r>
-            <a:r>
-              <a:rPr lang="pl-PL" b="0" dirty="0">
-                <a:solidFill>
-                  <a:srgbClr val="BBBBBB"/>
-                </a:solidFill>
-                <a:effectLst/>
-                <a:latin typeface=" Fira Code'"/>
-              </a:rPr>
-              <a:t> </a:t>
-            </a:r>
-            <a:r>
-              <a:rPr lang="pl-PL" b="0" dirty="0">
-                <a:solidFill>
-                  <a:srgbClr val="56B6C2"/>
-                </a:solidFill>
-                <a:effectLst/>
-                <a:latin typeface=" Fira Code'"/>
-              </a:rPr>
-              <a:t>WHITE</a:t>
-            </a:r>
-            <a:r>
-              <a:rPr lang="pl-PL" b="0" dirty="0">
-                <a:solidFill>
-                  <a:srgbClr val="ABB2BF"/>
-                </a:solidFill>
-                <a:effectLst/>
-                <a:latin typeface=" Fira Code'"/>
-              </a:rPr>
-              <a:t>,</a:t>
-            </a:r>
-            <a:r>
-              <a:rPr lang="pl-PL" b="0" dirty="0">
-                <a:solidFill>
-                  <a:srgbClr val="BBBBBB"/>
-                </a:solidFill>
-                <a:effectLst/>
-                <a:latin typeface=" Fira Code'"/>
-              </a:rPr>
-              <a:t> (</a:t>
-            </a:r>
-            <a:r>
-              <a:rPr lang="pl-PL" b="0" dirty="0">
-                <a:solidFill>
-                  <a:srgbClr val="C678DD"/>
-                </a:solidFill>
-                <a:effectLst/>
-                <a:latin typeface=" Fira Code'"/>
-              </a:rPr>
-              <a:t>349</a:t>
-            </a:r>
-            <a:r>
-              <a:rPr lang="pl-PL" b="0" dirty="0">
-                <a:solidFill>
-                  <a:srgbClr val="ABB2BF"/>
-                </a:solidFill>
-                <a:effectLst/>
-                <a:latin typeface=" Fira Code'"/>
-              </a:rPr>
-              <a:t>,</a:t>
-            </a:r>
-            <a:r>
-              <a:rPr lang="pl-PL" b="0" dirty="0">
-                <a:solidFill>
-                  <a:srgbClr val="BBBBBB"/>
-                </a:solidFill>
-                <a:effectLst/>
-                <a:latin typeface=" Fira Code'"/>
-              </a:rPr>
-              <a:t> </a:t>
-            </a:r>
-            <a:r>
-              <a:rPr lang="pl-PL" b="0" dirty="0">
-                <a:solidFill>
-                  <a:srgbClr val="C678DD"/>
-                </a:solidFill>
-                <a:effectLst/>
-                <a:latin typeface=" Fira Code'"/>
-              </a:rPr>
-              <a:t>346</a:t>
-            </a:r>
-            <a:r>
-              <a:rPr lang="pl-PL" b="0" dirty="0">
-                <a:solidFill>
-                  <a:srgbClr val="ABB2BF"/>
-                </a:solidFill>
-                <a:effectLst/>
-                <a:latin typeface=" Fira Code'"/>
-              </a:rPr>
-              <a:t>,</a:t>
-            </a:r>
-            <a:r>
-              <a:rPr lang="pl-PL" b="0" dirty="0">
-                <a:solidFill>
-                  <a:srgbClr val="BBBBBB"/>
-                </a:solidFill>
-                <a:effectLst/>
-                <a:latin typeface=" Fira Code'"/>
-              </a:rPr>
-              <a:t> </a:t>
-            </a:r>
-            <a:r>
-              <a:rPr lang="pl-PL" b="0" dirty="0">
-                <a:solidFill>
-                  <a:srgbClr val="C678DD"/>
-                </a:solidFill>
-                <a:effectLst/>
-                <a:latin typeface=" Fira Code'"/>
-              </a:rPr>
-              <a:t>100</a:t>
-            </a:r>
-            <a:r>
-              <a:rPr lang="pl-PL" b="0" dirty="0">
-                <a:solidFill>
-                  <a:srgbClr val="ABB2BF"/>
-                </a:solidFill>
-                <a:effectLst/>
-                <a:latin typeface=" Fira Code'"/>
-              </a:rPr>
-              <a:t>,</a:t>
-            </a:r>
-            <a:r>
-              <a:rPr lang="pl-PL" b="0" dirty="0">
-                <a:solidFill>
-                  <a:srgbClr val="BBBBBB"/>
-                </a:solidFill>
-                <a:effectLst/>
-                <a:latin typeface=" Fira Code'"/>
-              </a:rPr>
-              <a:t> </a:t>
-            </a:r>
-            <a:r>
-              <a:rPr lang="pl-PL" b="0" dirty="0">
-                <a:solidFill>
-                  <a:srgbClr val="C678DD"/>
-                </a:solidFill>
-                <a:effectLst/>
-                <a:latin typeface=" Fira Code'"/>
-              </a:rPr>
-              <a:t>100</a:t>
-            </a:r>
-            <a:r>
-              <a:rPr lang="pl-PL" b="0" dirty="0">
-                <a:solidFill>
-                  <a:srgbClr val="BBBBBB"/>
-                </a:solidFill>
-                <a:effectLst/>
-                <a:latin typeface=" Fira Code'"/>
-              </a:rPr>
-              <a:t>)</a:t>
-            </a:r>
-            <a:r>
-              <a:rPr lang="pl-PL" b="0" dirty="0">
-                <a:solidFill>
-                  <a:srgbClr val="ABB2BF"/>
-                </a:solidFill>
-                <a:effectLst/>
-                <a:latin typeface=" Fira Code'"/>
-              </a:rPr>
-              <a:t>,</a:t>
-            </a:r>
-            <a:r>
-              <a:rPr lang="pl-PL" b="0" dirty="0">
-                <a:solidFill>
-                  <a:srgbClr val="BBBBBB"/>
-                </a:solidFill>
-                <a:effectLst/>
-                <a:latin typeface=" Fira Code'"/>
-              </a:rPr>
-              <a:t> </a:t>
-            </a:r>
-            <a:r>
-              <a:rPr lang="pl-PL" b="0" dirty="0">
-                <a:solidFill>
-                  <a:srgbClr val="C678DD"/>
-                </a:solidFill>
-                <a:effectLst/>
-                <a:latin typeface=" Fira Code'"/>
-              </a:rPr>
-              <a:t>1</a:t>
-            </a:r>
-            <a:r>
-              <a:rPr lang="pl-PL" b="0" dirty="0">
-                <a:solidFill>
-                  <a:srgbClr val="BBBBBB"/>
-                </a:solidFill>
-                <a:effectLst/>
-                <a:latin typeface=" Fira Code'"/>
-              </a:rPr>
-              <a:t>)</a:t>
-            </a:r>
-          </a:p>
-          <a:p>
-            <a:r>
-              <a:rPr lang="pl-PL" b="0" dirty="0">
-                <a:solidFill>
-                  <a:srgbClr val="BBBBBB"/>
-                </a:solidFill>
-                <a:effectLst/>
-                <a:latin typeface=" Fira Code'"/>
-              </a:rPr>
-              <a:t>    </a:t>
-            </a:r>
-            <a:r>
-              <a:rPr lang="pl-PL" b="0" dirty="0" err="1">
-                <a:solidFill>
-                  <a:srgbClr val="E06C75"/>
-                </a:solidFill>
-                <a:effectLst/>
-                <a:latin typeface=" Fira Code'"/>
-              </a:rPr>
-              <a:t>if</a:t>
-            </a:r>
-            <a:r>
-              <a:rPr lang="pl-PL" b="0" dirty="0">
-                <a:solidFill>
-                  <a:srgbClr val="BBBBBB"/>
-                </a:solidFill>
-                <a:effectLst/>
-                <a:latin typeface=" Fira Code'"/>
-              </a:rPr>
-              <a:t> </a:t>
-            </a:r>
-            <a:r>
-              <a:rPr lang="pl-PL" b="0" dirty="0" err="1">
-                <a:solidFill>
-                  <a:srgbClr val="BBBBBB"/>
-                </a:solidFill>
-                <a:effectLst/>
-                <a:latin typeface=" Fira Code'"/>
-              </a:rPr>
-              <a:t>events</a:t>
-            </a:r>
-            <a:r>
-              <a:rPr lang="pl-PL" b="0" dirty="0" err="1">
-                <a:solidFill>
-                  <a:srgbClr val="ABB2BF"/>
-                </a:solidFill>
-                <a:effectLst/>
-                <a:latin typeface=" Fira Code'"/>
-              </a:rPr>
-              <a:t>.</a:t>
-            </a:r>
-            <a:r>
-              <a:rPr lang="pl-PL" b="0" dirty="0" err="1">
-                <a:solidFill>
-                  <a:srgbClr val="56B6C2"/>
-                </a:solidFill>
-                <a:effectLst/>
-                <a:latin typeface=" Fira Code'"/>
-              </a:rPr>
-              <a:t>RIGHT</a:t>
-            </a:r>
-            <a:r>
-              <a:rPr lang="pl-PL" b="0" dirty="0">
-                <a:solidFill>
-                  <a:srgbClr val="ABB2BF"/>
-                </a:solidFill>
-                <a:effectLst/>
-                <a:latin typeface=" Fira Code'"/>
-              </a:rPr>
-              <a:t>:</a:t>
-            </a:r>
-            <a:endParaRPr lang="pl-PL" b="0" dirty="0">
-              <a:solidFill>
-                <a:srgbClr val="BBBBBB"/>
-              </a:solidFill>
-              <a:effectLst/>
-              <a:latin typeface=" Fira Code'"/>
-            </a:endParaRPr>
-          </a:p>
-          <a:p>
-            <a:r>
-              <a:rPr lang="pl-PL" b="0" dirty="0">
-                <a:solidFill>
-                  <a:srgbClr val="BBBBBB"/>
-                </a:solidFill>
-                <a:effectLst/>
-                <a:latin typeface=" Fira Code'"/>
-              </a:rPr>
-              <a:t>        </a:t>
-            </a:r>
-            <a:r>
-              <a:rPr lang="pl-PL" b="0" dirty="0" err="1">
-                <a:solidFill>
-                  <a:srgbClr val="BBBBBB"/>
-                </a:solidFill>
-                <a:effectLst/>
-                <a:latin typeface=" Fira Code'"/>
-              </a:rPr>
-              <a:t>pygame</a:t>
-            </a:r>
-            <a:r>
-              <a:rPr lang="pl-PL" b="0" dirty="0" err="1">
-                <a:solidFill>
-                  <a:srgbClr val="ABB2BF"/>
-                </a:solidFill>
-                <a:effectLst/>
-                <a:latin typeface=" Fira Code'"/>
-              </a:rPr>
-              <a:t>.</a:t>
-            </a:r>
-            <a:r>
-              <a:rPr lang="pl-PL" b="0" dirty="0" err="1">
-                <a:solidFill>
-                  <a:srgbClr val="BBBBBB"/>
-                </a:solidFill>
-                <a:effectLst/>
-                <a:latin typeface=" Fira Code'"/>
-              </a:rPr>
-              <a:t>draw</a:t>
-            </a:r>
-            <a:r>
-              <a:rPr lang="pl-PL" b="0" dirty="0" err="1">
-                <a:solidFill>
-                  <a:srgbClr val="ABB2BF"/>
-                </a:solidFill>
-                <a:effectLst/>
-                <a:latin typeface=" Fira Code'"/>
-              </a:rPr>
-              <a:t>.</a:t>
-            </a:r>
-            <a:r>
-              <a:rPr lang="pl-PL" b="0" dirty="0" err="1">
-                <a:solidFill>
-                  <a:srgbClr val="BBBBBB"/>
-                </a:solidFill>
-                <a:effectLst/>
-                <a:latin typeface=" Fira Code'"/>
-              </a:rPr>
-              <a:t>rect</a:t>
-            </a:r>
-            <a:r>
-              <a:rPr lang="pl-PL" b="0" dirty="0">
-                <a:solidFill>
-                  <a:srgbClr val="BBBBBB"/>
-                </a:solidFill>
-                <a:effectLst/>
-                <a:latin typeface=" Fira Code'"/>
-              </a:rPr>
-              <a:t>(</a:t>
-            </a:r>
-            <a:r>
-              <a:rPr lang="pl-PL" b="0" dirty="0" err="1">
-                <a:solidFill>
-                  <a:srgbClr val="BBBBBB"/>
-                </a:solidFill>
-                <a:effectLst/>
-                <a:latin typeface=" Fira Code'"/>
-              </a:rPr>
-              <a:t>srf</a:t>
-            </a:r>
-            <a:r>
-              <a:rPr lang="pl-PL" b="0" dirty="0">
-                <a:solidFill>
-                  <a:srgbClr val="ABB2BF"/>
-                </a:solidFill>
-                <a:effectLst/>
-                <a:latin typeface=" Fira Code'"/>
-              </a:rPr>
-              <a:t>,</a:t>
-            </a:r>
-            <a:r>
-              <a:rPr lang="pl-PL" b="0" dirty="0">
-                <a:solidFill>
-                  <a:srgbClr val="BBBBBB"/>
-                </a:solidFill>
-                <a:effectLst/>
-                <a:latin typeface=" Fira Code'"/>
-              </a:rPr>
-              <a:t> </a:t>
-            </a:r>
-            <a:r>
-              <a:rPr lang="pl-PL" b="0" dirty="0">
-                <a:solidFill>
-                  <a:srgbClr val="56B6C2"/>
-                </a:solidFill>
-                <a:effectLst/>
-                <a:latin typeface=" Fira Code'"/>
-              </a:rPr>
-              <a:t>WHITE</a:t>
-            </a:r>
-            <a:r>
-              <a:rPr lang="pl-PL" b="0" dirty="0">
-                <a:solidFill>
-                  <a:srgbClr val="ABB2BF"/>
-                </a:solidFill>
-                <a:effectLst/>
-                <a:latin typeface=" Fira Code'"/>
-              </a:rPr>
-              <a:t>,</a:t>
-            </a:r>
-            <a:r>
-              <a:rPr lang="pl-PL" b="0" dirty="0">
-                <a:solidFill>
-                  <a:srgbClr val="BBBBBB"/>
-                </a:solidFill>
-                <a:effectLst/>
-                <a:latin typeface=" Fira Code'"/>
-              </a:rPr>
-              <a:t> (</a:t>
-            </a:r>
-            <a:r>
-              <a:rPr lang="pl-PL" b="0" dirty="0">
-                <a:solidFill>
-                  <a:srgbClr val="C678DD"/>
-                </a:solidFill>
-                <a:effectLst/>
-                <a:latin typeface=" Fira Code'"/>
-              </a:rPr>
-              <a:t>485</a:t>
-            </a:r>
-            <a:r>
-              <a:rPr lang="pl-PL" b="0" dirty="0">
-                <a:solidFill>
-                  <a:srgbClr val="ABB2BF"/>
-                </a:solidFill>
-                <a:effectLst/>
-                <a:latin typeface=" Fira Code'"/>
-              </a:rPr>
-              <a:t>,</a:t>
-            </a:r>
-            <a:r>
-              <a:rPr lang="pl-PL" b="0" dirty="0">
-                <a:solidFill>
-                  <a:srgbClr val="BBBBBB"/>
-                </a:solidFill>
-                <a:effectLst/>
-                <a:latin typeface=" Fira Code'"/>
-              </a:rPr>
-              <a:t> </a:t>
-            </a:r>
-            <a:r>
-              <a:rPr lang="pl-PL" b="0" dirty="0">
-                <a:solidFill>
-                  <a:srgbClr val="C678DD"/>
-                </a:solidFill>
-                <a:effectLst/>
-                <a:latin typeface=" Fira Code'"/>
-              </a:rPr>
-              <a:t>346</a:t>
-            </a:r>
-            <a:r>
-              <a:rPr lang="pl-PL" b="0" dirty="0">
-                <a:solidFill>
-                  <a:srgbClr val="ABB2BF"/>
-                </a:solidFill>
-                <a:effectLst/>
-                <a:latin typeface=" Fira Code'"/>
-              </a:rPr>
-              <a:t>,</a:t>
-            </a:r>
-            <a:r>
-              <a:rPr lang="pl-PL" b="0" dirty="0">
-                <a:solidFill>
-                  <a:srgbClr val="BBBBBB"/>
-                </a:solidFill>
-                <a:effectLst/>
-                <a:latin typeface=" Fira Code'"/>
-              </a:rPr>
-              <a:t> </a:t>
-            </a:r>
-            <a:r>
-              <a:rPr lang="pl-PL" b="0" dirty="0">
-                <a:solidFill>
-                  <a:srgbClr val="C678DD"/>
-                </a:solidFill>
-                <a:effectLst/>
-                <a:latin typeface=" Fira Code'"/>
-              </a:rPr>
-              <a:t>100</a:t>
-            </a:r>
-            <a:r>
-              <a:rPr lang="pl-PL" b="0" dirty="0">
-                <a:solidFill>
-                  <a:srgbClr val="ABB2BF"/>
-                </a:solidFill>
-                <a:effectLst/>
-                <a:latin typeface=" Fira Code'"/>
-              </a:rPr>
-              <a:t>,</a:t>
-            </a:r>
-            <a:r>
-              <a:rPr lang="pl-PL" b="0" dirty="0">
-                <a:solidFill>
-                  <a:srgbClr val="BBBBBB"/>
-                </a:solidFill>
-                <a:effectLst/>
-                <a:latin typeface=" Fira Code'"/>
-              </a:rPr>
-              <a:t> </a:t>
-            </a:r>
-            <a:r>
-              <a:rPr lang="pl-PL" b="0" dirty="0">
-                <a:solidFill>
-                  <a:srgbClr val="C678DD"/>
-                </a:solidFill>
-                <a:effectLst/>
-                <a:latin typeface=" Fira Code'"/>
-              </a:rPr>
-              <a:t>100</a:t>
-            </a:r>
-            <a:r>
-              <a:rPr lang="pl-PL" b="0" dirty="0">
-                <a:solidFill>
-                  <a:srgbClr val="BBBBBB"/>
-                </a:solidFill>
-                <a:effectLst/>
-                <a:latin typeface=" Fira Code'"/>
-              </a:rPr>
-              <a:t>)</a:t>
-            </a:r>
-            <a:r>
-              <a:rPr lang="pl-PL" b="0" dirty="0">
-                <a:solidFill>
-                  <a:srgbClr val="ABB2BF"/>
-                </a:solidFill>
-                <a:effectLst/>
-                <a:latin typeface=" Fira Code'"/>
-              </a:rPr>
-              <a:t>,</a:t>
-            </a:r>
-            <a:r>
-              <a:rPr lang="pl-PL" b="0" dirty="0">
-                <a:solidFill>
-                  <a:srgbClr val="BBBBBB"/>
-                </a:solidFill>
-                <a:effectLst/>
-                <a:latin typeface=" Fira Code'"/>
-              </a:rPr>
-              <a:t> </a:t>
-            </a:r>
-            <a:r>
-              <a:rPr lang="pl-PL" b="0" dirty="0">
-                <a:solidFill>
-                  <a:srgbClr val="C678DD"/>
-                </a:solidFill>
-                <a:effectLst/>
-                <a:latin typeface=" Fira Code'"/>
-              </a:rPr>
-              <a:t>1</a:t>
-            </a:r>
-            <a:r>
-              <a:rPr lang="pl-PL" b="0" dirty="0">
-                <a:solidFill>
-                  <a:srgbClr val="BBBBBB"/>
-                </a:solidFill>
-                <a:effectLst/>
-                <a:latin typeface=" Fira Code'"/>
-              </a:rPr>
-              <a:t>)</a:t>
-            </a:r>
-          </a:p>
-          <a:p>
-            <a:r>
-              <a:rPr lang="pl-PL" b="0" dirty="0">
-                <a:solidFill>
-                  <a:srgbClr val="BBBBBB"/>
-                </a:solidFill>
-                <a:effectLst/>
-                <a:latin typeface=" Fira Code'"/>
-              </a:rPr>
-              <a:t>    </a:t>
-            </a:r>
-            <a:r>
-              <a:rPr lang="pl-PL" b="0" dirty="0" err="1">
-                <a:solidFill>
-                  <a:srgbClr val="E06C75"/>
-                </a:solidFill>
-                <a:effectLst/>
-                <a:latin typeface=" Fira Code'"/>
-              </a:rPr>
-              <a:t>if</a:t>
-            </a:r>
-            <a:r>
-              <a:rPr lang="pl-PL" b="0" dirty="0">
-                <a:solidFill>
-                  <a:srgbClr val="BBBBBB"/>
-                </a:solidFill>
-                <a:effectLst/>
-                <a:latin typeface=" Fira Code'"/>
-              </a:rPr>
-              <a:t> </a:t>
-            </a:r>
-            <a:r>
-              <a:rPr lang="pl-PL" b="0" dirty="0" err="1">
-                <a:solidFill>
-                  <a:srgbClr val="BBBBBB"/>
-                </a:solidFill>
-                <a:effectLst/>
-                <a:latin typeface=" Fira Code'"/>
-              </a:rPr>
-              <a:t>events</a:t>
-            </a:r>
-            <a:r>
-              <a:rPr lang="pl-PL" b="0" dirty="0" err="1">
-                <a:solidFill>
-                  <a:srgbClr val="ABB2BF"/>
-                </a:solidFill>
-                <a:effectLst/>
-                <a:latin typeface=" Fira Code'"/>
-              </a:rPr>
-              <a:t>.</a:t>
-            </a:r>
-            <a:r>
-              <a:rPr lang="pl-PL" b="0" dirty="0" err="1">
-                <a:solidFill>
-                  <a:srgbClr val="56B6C2"/>
-                </a:solidFill>
-                <a:effectLst/>
-                <a:latin typeface=" Fira Code'"/>
-              </a:rPr>
-              <a:t>SHOOT</a:t>
-            </a:r>
-            <a:r>
-              <a:rPr lang="pl-PL" b="0" dirty="0">
-                <a:solidFill>
-                  <a:srgbClr val="ABB2BF"/>
-                </a:solidFill>
-                <a:effectLst/>
-                <a:latin typeface=" Fira Code'"/>
-              </a:rPr>
-              <a:t>:</a:t>
-            </a:r>
-            <a:endParaRPr lang="pl-PL" b="0" dirty="0">
-              <a:solidFill>
-                <a:srgbClr val="BBBBBB"/>
-              </a:solidFill>
-              <a:effectLst/>
-              <a:latin typeface=" Fira Code'"/>
-            </a:endParaRPr>
-          </a:p>
-          <a:p>
-            <a:r>
-              <a:rPr lang="pl-PL" b="0" dirty="0">
-                <a:solidFill>
-                  <a:srgbClr val="BBBBBB"/>
-                </a:solidFill>
-                <a:effectLst/>
-                <a:latin typeface=" Fira Code'"/>
-              </a:rPr>
-              <a:t>        </a:t>
-            </a:r>
-            <a:r>
-              <a:rPr lang="pl-PL" b="0" dirty="0" err="1">
-                <a:solidFill>
-                  <a:srgbClr val="BBBBBB"/>
-                </a:solidFill>
-                <a:effectLst/>
-                <a:latin typeface=" Fira Code'"/>
-              </a:rPr>
-              <a:t>pygame</a:t>
-            </a:r>
-            <a:r>
-              <a:rPr lang="pl-PL" b="0" dirty="0" err="1">
-                <a:solidFill>
-                  <a:srgbClr val="ABB2BF"/>
-                </a:solidFill>
-                <a:effectLst/>
-                <a:latin typeface=" Fira Code'"/>
-              </a:rPr>
-              <a:t>.</a:t>
-            </a:r>
-            <a:r>
-              <a:rPr lang="pl-PL" b="0" dirty="0" err="1">
-                <a:solidFill>
-                  <a:srgbClr val="BBBBBB"/>
-                </a:solidFill>
-                <a:effectLst/>
-                <a:latin typeface=" Fira Code'"/>
-              </a:rPr>
-              <a:t>draw</a:t>
-            </a:r>
-            <a:r>
-              <a:rPr lang="pl-PL" b="0" dirty="0" err="1">
-                <a:solidFill>
-                  <a:srgbClr val="ABB2BF"/>
-                </a:solidFill>
-                <a:effectLst/>
-                <a:latin typeface=" Fira Code'"/>
-              </a:rPr>
-              <a:t>.</a:t>
-            </a:r>
-            <a:r>
-              <a:rPr lang="pl-PL" b="0" dirty="0" err="1">
-                <a:solidFill>
-                  <a:srgbClr val="BBBBBB"/>
-                </a:solidFill>
-                <a:effectLst/>
-                <a:latin typeface=" Fira Code'"/>
-              </a:rPr>
-              <a:t>rect</a:t>
-            </a:r>
-            <a:r>
-              <a:rPr lang="pl-PL" b="0" dirty="0">
-                <a:solidFill>
-                  <a:srgbClr val="BBBBBB"/>
-                </a:solidFill>
-                <a:effectLst/>
-                <a:latin typeface=" Fira Code'"/>
-              </a:rPr>
-              <a:t>(</a:t>
-            </a:r>
-            <a:r>
-              <a:rPr lang="pl-PL" b="0" dirty="0" err="1">
-                <a:solidFill>
-                  <a:srgbClr val="BBBBBB"/>
-                </a:solidFill>
-                <a:effectLst/>
-                <a:latin typeface=" Fira Code'"/>
-              </a:rPr>
-              <a:t>srf</a:t>
-            </a:r>
-            <a:r>
-              <a:rPr lang="pl-PL" b="0" dirty="0">
-                <a:solidFill>
-                  <a:srgbClr val="ABB2BF"/>
-                </a:solidFill>
-                <a:effectLst/>
-                <a:latin typeface=" Fira Code'"/>
-              </a:rPr>
-              <a:t>,</a:t>
-            </a:r>
-            <a:r>
-              <a:rPr lang="pl-PL" b="0" dirty="0">
-                <a:solidFill>
-                  <a:srgbClr val="BBBBBB"/>
-                </a:solidFill>
-                <a:effectLst/>
-                <a:latin typeface=" Fira Code'"/>
-              </a:rPr>
-              <a:t> </a:t>
-            </a:r>
-            <a:r>
-              <a:rPr lang="pl-PL" b="0" dirty="0">
-                <a:solidFill>
-                  <a:srgbClr val="56B6C2"/>
-                </a:solidFill>
-                <a:effectLst/>
-                <a:latin typeface=" Fira Code'"/>
-              </a:rPr>
-              <a:t>WHITE</a:t>
-            </a:r>
-            <a:r>
-              <a:rPr lang="pl-PL" b="0" dirty="0">
-                <a:solidFill>
-                  <a:srgbClr val="ABB2BF"/>
-                </a:solidFill>
-                <a:effectLst/>
-                <a:latin typeface=" Fira Code'"/>
-              </a:rPr>
-              <a:t>,</a:t>
-            </a:r>
-            <a:r>
-              <a:rPr lang="pl-PL" b="0" dirty="0">
-                <a:solidFill>
-                  <a:srgbClr val="BBBBBB"/>
-                </a:solidFill>
-                <a:effectLst/>
-                <a:latin typeface=" Fira Code'"/>
-              </a:rPr>
-              <a:t> (</a:t>
-            </a:r>
-            <a:r>
-              <a:rPr lang="pl-PL" b="0" dirty="0">
-                <a:solidFill>
-                  <a:srgbClr val="C678DD"/>
-                </a:solidFill>
-                <a:effectLst/>
-                <a:latin typeface=" Fira Code'"/>
-              </a:rPr>
-              <a:t>213</a:t>
-            </a:r>
-            <a:r>
-              <a:rPr lang="pl-PL" b="0" dirty="0">
-                <a:solidFill>
-                  <a:srgbClr val="ABB2BF"/>
-                </a:solidFill>
-                <a:effectLst/>
-                <a:latin typeface=" Fira Code'"/>
-              </a:rPr>
-              <a:t>,</a:t>
-            </a:r>
-            <a:r>
-              <a:rPr lang="pl-PL" b="0" dirty="0">
-                <a:solidFill>
-                  <a:srgbClr val="BBBBBB"/>
-                </a:solidFill>
-                <a:effectLst/>
-                <a:latin typeface=" Fira Code'"/>
-              </a:rPr>
-              <a:t> </a:t>
-            </a:r>
-            <a:r>
-              <a:rPr lang="pl-PL" b="0" dirty="0">
-                <a:solidFill>
-                  <a:srgbClr val="C678DD"/>
-                </a:solidFill>
-                <a:effectLst/>
-                <a:latin typeface=" Fira Code'"/>
-              </a:rPr>
-              <a:t>482</a:t>
-            </a:r>
-            <a:r>
-              <a:rPr lang="pl-PL" b="0" dirty="0">
-                <a:solidFill>
-                  <a:srgbClr val="ABB2BF"/>
-                </a:solidFill>
-                <a:effectLst/>
-                <a:latin typeface=" Fira Code'"/>
-              </a:rPr>
-              <a:t>,</a:t>
-            </a:r>
-            <a:r>
-              <a:rPr lang="pl-PL" b="0" dirty="0">
-                <a:solidFill>
-                  <a:srgbClr val="BBBBBB"/>
-                </a:solidFill>
-                <a:effectLst/>
-                <a:latin typeface=" Fira Code'"/>
-              </a:rPr>
-              <a:t> </a:t>
-            </a:r>
-            <a:r>
-              <a:rPr lang="pl-PL" b="0" dirty="0">
-                <a:solidFill>
-                  <a:srgbClr val="C678DD"/>
-                </a:solidFill>
-                <a:effectLst/>
-                <a:latin typeface=" Fira Code'"/>
-              </a:rPr>
-              <a:t>372</a:t>
-            </a:r>
-            <a:r>
-              <a:rPr lang="pl-PL" b="0" dirty="0">
-                <a:solidFill>
-                  <a:srgbClr val="ABB2BF"/>
-                </a:solidFill>
-                <a:effectLst/>
-                <a:latin typeface=" Fira Code'"/>
-              </a:rPr>
-              <a:t>,</a:t>
-            </a:r>
-            <a:r>
-              <a:rPr lang="pl-PL" b="0" dirty="0">
-                <a:solidFill>
-                  <a:srgbClr val="BBBBBB"/>
-                </a:solidFill>
-                <a:effectLst/>
-                <a:latin typeface=" Fira Code'"/>
-              </a:rPr>
-              <a:t> </a:t>
-            </a:r>
-            <a:r>
-              <a:rPr lang="pl-PL" b="0" dirty="0">
-                <a:solidFill>
-                  <a:srgbClr val="C678DD"/>
-                </a:solidFill>
-                <a:effectLst/>
-                <a:latin typeface=" Fira Code'"/>
-              </a:rPr>
-              <a:t>100</a:t>
-            </a:r>
-            <a:r>
-              <a:rPr lang="pl-PL" b="0" dirty="0">
-                <a:solidFill>
-                  <a:srgbClr val="BBBBBB"/>
-                </a:solidFill>
-                <a:effectLst/>
-                <a:latin typeface=" Fira Code'"/>
-              </a:rPr>
-              <a:t>)</a:t>
-            </a:r>
-            <a:r>
-              <a:rPr lang="pl-PL" b="0" dirty="0">
-                <a:solidFill>
-                  <a:srgbClr val="ABB2BF"/>
-                </a:solidFill>
-                <a:effectLst/>
-                <a:latin typeface=" Fira Code'"/>
-              </a:rPr>
-              <a:t>,</a:t>
-            </a:r>
-            <a:r>
-              <a:rPr lang="pl-PL" b="0" dirty="0">
-                <a:solidFill>
-                  <a:srgbClr val="BBBBBB"/>
-                </a:solidFill>
-                <a:effectLst/>
-                <a:latin typeface=" Fira Code'"/>
-              </a:rPr>
-              <a:t> </a:t>
-            </a:r>
-            <a:r>
-              <a:rPr lang="pl-PL" b="0" dirty="0">
-                <a:solidFill>
-                  <a:srgbClr val="C678DD"/>
-                </a:solidFill>
-                <a:effectLst/>
-                <a:latin typeface=" Fira Code'"/>
-              </a:rPr>
-              <a:t>1</a:t>
-            </a:r>
-            <a:r>
-              <a:rPr lang="pl-PL" b="0" dirty="0">
-                <a:solidFill>
-                  <a:srgbClr val="BBBBBB"/>
-                </a:solidFill>
-                <a:effectLst/>
-                <a:latin typeface=" Fira Code'"/>
-              </a:rPr>
-              <a:t>)</a:t>
-            </a:r>
-          </a:p>
-          <a:p>
-            <a:endParaRPr lang="pl-PL" dirty="0"/>
-          </a:p>
-          <a:p>
             <a:endParaRPr lang="pl-PL" dirty="0"/>
           </a:p>
         </p:txBody>
@@ -4261,7 +4079,7 @@
           <a:p>
             <a:fld id="{F895E939-9B44-4E30-8BB9-C3B70D62160D}" type="slidenum">
               <a:rPr lang="pl-PL" smtClean="0"/>
-              <a:t>11</a:t>
+              <a:t>10</a:t>
             </a:fld>
             <a:endParaRPr lang="pl-PL"/>
           </a:p>
@@ -4270,7 +4088,7 @@
     </p:spTree>
     <p:extLst>
       <p:ext uri="{BB962C8B-B14F-4D97-AF65-F5344CB8AC3E}">
-        <p14:creationId xmlns:p14="http://schemas.microsoft.com/office/powerpoint/2010/main" val="718492647"/>
+        <p14:creationId xmlns:p14="http://schemas.microsoft.com/office/powerpoint/2010/main" val="1935415951"/>
       </p:ext>
     </p:extLst>
   </p:cSld>
@@ -4324,7 +4142,103 @@
           <a:bodyPr/>
           <a:lstStyle/>
           <a:p>
+            <a:pPr marL="0" marR="0" lvl="0" indent="0" algn="l" defTabSz="914400" rtl="0" eaLnBrk="1" fontAlgn="auto" latinLnBrk="0" hangingPunct="1">
+              <a:lnSpc>
+                <a:spcPct val="100000"/>
+              </a:lnSpc>
+              <a:spcBef>
+                <a:spcPts val="0"/>
+              </a:spcBef>
+              <a:spcAft>
+                <a:spcPts val="0"/>
+              </a:spcAft>
+              <a:buClrTx/>
+              <a:buSzTx/>
+              <a:buFontTx/>
+              <a:buNone/>
+              <a:tabLst/>
+              <a:defRPr/>
+            </a:pPr>
+            <a:r>
+              <a:rPr lang="pl-PL" dirty="0"/>
+              <a:t>Najpierw zaprogramować gracza w jednej klasie potem rozdzielić na </a:t>
+            </a:r>
+            <a:r>
+              <a:rPr lang="pl-PL" dirty="0" err="1"/>
+              <a:t>base</a:t>
+            </a:r>
+            <a:r>
+              <a:rPr lang="pl-PL" dirty="0"/>
+              <a:t> i </a:t>
+            </a:r>
+            <a:r>
+              <a:rPr lang="pl-PL" dirty="0" err="1"/>
+              <a:t>player</a:t>
+            </a:r>
             <a:endParaRPr lang="pl-PL" dirty="0"/>
+          </a:p>
+          <a:p>
+            <a:pPr marL="0" marR="0" lvl="0" indent="0" algn="l" defTabSz="914400" rtl="0" eaLnBrk="1" fontAlgn="auto" latinLnBrk="0" hangingPunct="1">
+              <a:lnSpc>
+                <a:spcPct val="100000"/>
+              </a:lnSpc>
+              <a:spcBef>
+                <a:spcPts val="0"/>
+              </a:spcBef>
+              <a:spcAft>
+                <a:spcPts val="0"/>
+              </a:spcAft>
+              <a:buClrTx/>
+              <a:buSzTx/>
+              <a:buFontTx/>
+              <a:buNone/>
+              <a:tabLst/>
+              <a:defRPr/>
+            </a:pPr>
+            <a:endParaRPr lang="pl-PL" dirty="0"/>
+          </a:p>
+          <a:p>
+            <a:pPr marL="228600" indent="-228600">
+              <a:buAutoNum type="arabicPeriod"/>
+            </a:pPr>
+            <a:r>
+              <a:rPr lang="pl-PL" dirty="0"/>
+              <a:t>Podczepić </a:t>
+            </a:r>
+            <a:r>
+              <a:rPr lang="pl-PL" dirty="0" err="1"/>
+              <a:t>player</a:t>
+            </a:r>
+            <a:r>
+              <a:rPr lang="pl-PL" dirty="0"/>
+              <a:t> pod klawiaturę (poruszanie i strzelanie + </a:t>
+            </a:r>
+            <a:r>
+              <a:rPr lang="pl-PL" dirty="0" err="1"/>
+              <a:t>timer</a:t>
+            </a:r>
+            <a:r>
+              <a:rPr lang="pl-PL" dirty="0"/>
+              <a:t> do strzelania)</a:t>
+            </a:r>
+          </a:p>
+          <a:p>
+            <a:pPr marL="228600" indent="-228600">
+              <a:buAutoNum type="arabicPeriod"/>
+            </a:pPr>
+            <a:r>
+              <a:rPr lang="pl-PL" dirty="0"/>
+              <a:t>Wygładzanie poruszania</a:t>
+            </a:r>
+          </a:p>
+          <a:p>
+            <a:pPr marL="228600" indent="-228600">
+              <a:buAutoNum type="arabicPeriod"/>
+            </a:pPr>
+            <a:r>
+              <a:rPr lang="pl-PL" dirty="0"/>
+              <a:t>Zrobić Base na podstawie Player</a:t>
+            </a:r>
           </a:p>
         </p:txBody>
       </p:sp>
@@ -4354,7 +4268,7 @@
     </p:spTree>
     <p:extLst>
       <p:ext uri="{BB962C8B-B14F-4D97-AF65-F5344CB8AC3E}">
-        <p14:creationId xmlns:p14="http://schemas.microsoft.com/office/powerpoint/2010/main" val="1935415951"/>
+        <p14:creationId xmlns:p14="http://schemas.microsoft.com/office/powerpoint/2010/main" val="4114879894"/>
       </p:ext>
     </p:extLst>
   </p:cSld>
@@ -4589,7 +4503,7 @@
             <a:fld id="{5586B75A-687E-405C-8A0B-8D00578BA2C3}" type="datetimeFigureOut">
               <a:rPr lang="en-US" dirty="0"/>
               <a:pPr/>
-              <a:t>9/22/2020</a:t>
+              <a:t>9/30/2020</a:t>
             </a:fld>
             <a:endParaRPr lang="en-US" dirty="0"/>
           </a:p>
@@ -4859,7 +4773,7 @@
             <a:fld id="{5586B75A-687E-405C-8A0B-8D00578BA2C3}" type="datetimeFigureOut">
               <a:rPr lang="en-US" dirty="0"/>
               <a:pPr/>
-              <a:t>9/22/2020</a:t>
+              <a:t>9/30/2020</a:t>
             </a:fld>
             <a:endParaRPr lang="en-US" dirty="0"/>
           </a:p>
@@ -5031,7 +4945,7 @@
             <a:fld id="{5586B75A-687E-405C-8A0B-8D00578BA2C3}" type="datetimeFigureOut">
               <a:rPr lang="en-US" dirty="0"/>
               <a:pPr/>
-              <a:t>9/22/2020</a:t>
+              <a:t>9/30/2020</a:t>
             </a:fld>
             <a:endParaRPr lang="en-US" dirty="0"/>
           </a:p>
@@ -5208,7 +5122,7 @@
             <a:fld id="{5586B75A-687E-405C-8A0B-8D00578BA2C3}" type="datetimeFigureOut">
               <a:rPr lang="en-US" dirty="0"/>
               <a:pPr/>
-              <a:t>9/22/2020</a:t>
+              <a:t>9/30/2020</a:t>
             </a:fld>
             <a:endParaRPr lang="en-US" dirty="0"/>
           </a:p>
@@ -5566,7 +5480,7 @@
             <a:fld id="{5586B75A-687E-405C-8A0B-8D00578BA2C3}" type="datetimeFigureOut">
               <a:rPr lang="en-US" dirty="0"/>
               <a:pPr/>
-              <a:t>9/22/2020</a:t>
+              <a:t>9/30/2020</a:t>
             </a:fld>
             <a:endParaRPr lang="en-US" dirty="0"/>
           </a:p>
@@ -5821,7 +5735,7 @@
             <a:fld id="{5586B75A-687E-405C-8A0B-8D00578BA2C3}" type="datetimeFigureOut">
               <a:rPr lang="en-US" dirty="0"/>
               <a:pPr/>
-              <a:t>9/22/2020</a:t>
+              <a:t>9/30/2020</a:t>
             </a:fld>
             <a:endParaRPr lang="en-US" dirty="0"/>
           </a:p>
@@ -6106,7 +6020,7 @@
             <a:fld id="{5586B75A-687E-405C-8A0B-8D00578BA2C3}" type="datetimeFigureOut">
               <a:rPr lang="en-US" dirty="0"/>
               <a:pPr/>
-              <a:t>9/22/2020</a:t>
+              <a:t>9/30/2020</a:t>
             </a:fld>
             <a:endParaRPr lang="en-US" dirty="0"/>
           </a:p>
@@ -6545,7 +6459,7 @@
             <a:fld id="{5586B75A-687E-405C-8A0B-8D00578BA2C3}" type="datetimeFigureOut">
               <a:rPr lang="en-US" dirty="0"/>
               <a:pPr/>
-              <a:t>9/22/2020</a:t>
+              <a:t>9/30/2020</a:t>
             </a:fld>
             <a:endParaRPr lang="en-US" dirty="0"/>
           </a:p>
@@ -6660,7 +6574,7 @@
             <a:fld id="{5586B75A-687E-405C-8A0B-8D00578BA2C3}" type="datetimeFigureOut">
               <a:rPr lang="en-US" dirty="0"/>
               <a:pPr/>
-              <a:t>9/22/2020</a:t>
+              <a:t>9/30/2020</a:t>
             </a:fld>
             <a:endParaRPr lang="en-US" dirty="0"/>
           </a:p>
@@ -6752,7 +6666,7 @@
             <a:fld id="{5586B75A-687E-405C-8A0B-8D00578BA2C3}" type="datetimeFigureOut">
               <a:rPr lang="en-US" dirty="0"/>
               <a:pPr/>
-              <a:t>9/22/2020</a:t>
+              <a:t>9/30/2020</a:t>
             </a:fld>
             <a:endParaRPr lang="en-US" dirty="0"/>
           </a:p>
@@ -7037,7 +6951,7 @@
             <a:fld id="{5586B75A-687E-405C-8A0B-8D00578BA2C3}" type="datetimeFigureOut">
               <a:rPr lang="en-US" dirty="0"/>
               <a:pPr/>
-              <a:t>9/22/2020</a:t>
+              <a:t>9/30/2020</a:t>
             </a:fld>
             <a:endParaRPr lang="en-US" dirty="0"/>
           </a:p>
@@ -7335,7 +7249,7 @@
             <a:fld id="{5586B75A-687E-405C-8A0B-8D00578BA2C3}" type="datetimeFigureOut">
               <a:rPr lang="en-US" dirty="0"/>
               <a:pPr/>
-              <a:t>9/22/2020</a:t>
+              <a:t>9/30/2020</a:t>
             </a:fld>
             <a:endParaRPr lang="en-US" dirty="0"/>
           </a:p>
@@ -7908,10 +7822,10 @@
       </p:grpSpPr>
       <p:sp>
         <p:nvSpPr>
-          <p:cNvPr id="4" name="Tytuł 3">
+          <p:cNvPr id="3" name="Tytuł 2">
             <a:extLst>
               <a:ext uri="{FF2B5EF4-FFF2-40B4-BE49-F238E27FC236}">
-                <a16:creationId xmlns:a16="http://schemas.microsoft.com/office/drawing/2014/main" id="{A4F30059-0E5F-44C1-BA94-2514DAF7AB17}"/>
+                <a16:creationId xmlns:a16="http://schemas.microsoft.com/office/drawing/2014/main" id="{C52C3893-154F-46C2-A934-D2801D895EFD}"/>
               </a:ext>
             </a:extLst>
           </p:cNvPr>
@@ -7929,207 +7843,42 @@
           <a:p>
             <a:r>
               <a:rPr lang="pl-PL" dirty="0"/>
-              <a:t>Zmiany w Plikach</a:t>
-            </a:r>
-          </a:p>
-        </p:txBody>
-      </p:sp>
-      <p:sp>
-        <p:nvSpPr>
-          <p:cNvPr id="7" name="Prostokąt 6">
+              <a:t>Krok Trzeci</a:t>
+            </a:r>
+            <a:br>
+              <a:rPr lang="pl-PL" dirty="0"/>
+            </a:br>
+            <a:r>
+              <a:rPr lang="pl-PL" dirty="0"/>
+              <a:t>„Znak gracza”</a:t>
+            </a:r>
+          </a:p>
+        </p:txBody>
+      </p:sp>
+      <p:sp>
+        <p:nvSpPr>
+          <p:cNvPr id="4" name="Symbol zastępczy tekstu 3">
             <a:extLst>
               <a:ext uri="{FF2B5EF4-FFF2-40B4-BE49-F238E27FC236}">
-                <a16:creationId xmlns:a16="http://schemas.microsoft.com/office/drawing/2014/main" id="{0284144B-42E3-46CA-BB0F-6E6305DADC73}"/>
+                <a16:creationId xmlns:a16="http://schemas.microsoft.com/office/drawing/2014/main" id="{4624C219-140A-4295-85B1-71A450723136}"/>
               </a:ext>
             </a:extLst>
           </p:cNvPr>
-          <p:cNvSpPr/>
-          <p:nvPr/>
-        </p:nvSpPr>
-        <p:spPr>
-          <a:xfrm>
-            <a:off x="3869268" y="873252"/>
-            <a:ext cx="2555808" cy="914400"/>
-          </a:xfrm>
-          <a:prstGeom prst="rect">
-            <a:avLst/>
-          </a:prstGeom>
-        </p:spPr>
-        <p:style>
-          <a:lnRef idx="2">
-            <a:schemeClr val="accent1">
-              <a:shade val="50000"/>
-            </a:schemeClr>
-          </a:lnRef>
-          <a:fillRef idx="1">
-            <a:schemeClr val="accent1"/>
-          </a:fillRef>
-          <a:effectRef idx="0">
-            <a:schemeClr val="accent1"/>
-          </a:effectRef>
-          <a:fontRef idx="minor">
-            <a:schemeClr val="lt1"/>
-          </a:fontRef>
-        </p:style>
-        <p:txBody>
-          <a:bodyPr rtlCol="0" anchor="t"/>
-          <a:lstStyle/>
-          <a:p>
-            <a:pPr algn="ctr"/>
-            <a:r>
-              <a:rPr lang="pl-PL" dirty="0">
-                <a:latin typeface="Fira Code" panose="020B0809050000020004" pitchFamily="49" charset="0"/>
-                <a:ea typeface="Fira Code" panose="020B0809050000020004" pitchFamily="49" charset="0"/>
-                <a:cs typeface="Fira Code" panose="020B0809050000020004" pitchFamily="49" charset="0"/>
-              </a:rPr>
-              <a:t>main.py</a:t>
-            </a:r>
-          </a:p>
-          <a:p>
-            <a:pPr marL="85725" lvl="1">
-              <a:buSzPct val="100000"/>
-              <a:buFont typeface="Corbel" panose="020B0503020204020204" pitchFamily="34" charset="0"/>
-              <a:buChar char="-"/>
-            </a:pPr>
+          <p:cNvSpPr>
+            <a:spLocks noGrp="1"/>
+          </p:cNvSpPr>
+          <p:nvPr>
+            <p:ph type="body" idx="1"/>
+          </p:nvPr>
+        </p:nvSpPr>
+        <p:spPr/>
+        <p:txBody>
+          <a:bodyPr/>
+          <a:lstStyle/>
+          <a:p>
             <a:r>
               <a:rPr lang="pl-PL" dirty="0"/>
-              <a:t>Tymczasowy kod do testowania klawiatury</a:t>
-            </a:r>
-          </a:p>
-        </p:txBody>
-      </p:sp>
-      <p:sp>
-        <p:nvSpPr>
-          <p:cNvPr id="11" name="Prostokąt 10">
-            <a:extLst>
-              <a:ext uri="{FF2B5EF4-FFF2-40B4-BE49-F238E27FC236}">
-                <a16:creationId xmlns:a16="http://schemas.microsoft.com/office/drawing/2014/main" id="{CB7704B9-FF7B-4417-B615-401906EE66F6}"/>
-              </a:ext>
-            </a:extLst>
-          </p:cNvPr>
-          <p:cNvSpPr/>
-          <p:nvPr/>
-        </p:nvSpPr>
-        <p:spPr>
-          <a:xfrm>
-            <a:off x="3869266" y="2390344"/>
-            <a:ext cx="2555809" cy="914400"/>
-          </a:xfrm>
-          <a:prstGeom prst="rect">
-            <a:avLst/>
-          </a:prstGeom>
-        </p:spPr>
-        <p:style>
-          <a:lnRef idx="2">
-            <a:schemeClr val="accent1">
-              <a:shade val="50000"/>
-            </a:schemeClr>
-          </a:lnRef>
-          <a:fillRef idx="1">
-            <a:schemeClr val="accent1"/>
-          </a:fillRef>
-          <a:effectRef idx="0">
-            <a:schemeClr val="accent1"/>
-          </a:effectRef>
-          <a:fontRef idx="minor">
-            <a:schemeClr val="lt1"/>
-          </a:fontRef>
-        </p:style>
-        <p:txBody>
-          <a:bodyPr rtlCol="0" anchor="t"/>
-          <a:lstStyle/>
-          <a:p>
-            <a:pPr algn="ctr"/>
-            <a:r>
-              <a:rPr lang="pl-PL" dirty="0">
-                <a:latin typeface="Fira Code" panose="020B0809050000020004" pitchFamily="49" charset="0"/>
-                <a:ea typeface="Fira Code" panose="020B0809050000020004" pitchFamily="49" charset="0"/>
-                <a:cs typeface="Fira Code" panose="020B0809050000020004" pitchFamily="49" charset="0"/>
-              </a:rPr>
-              <a:t>events.py</a:t>
-            </a:r>
-          </a:p>
-          <a:p>
-            <a:pPr>
-              <a:buFont typeface="Corbel" panose="020B0503020204020204" pitchFamily="34" charset="0"/>
-              <a:buChar char="-"/>
-            </a:pPr>
-            <a:r>
-              <a:rPr lang="pl-PL" dirty="0">
-                <a:ea typeface="Fira Code" panose="020B0809050000020004" pitchFamily="49" charset="0"/>
-                <a:cs typeface="Fira Code" panose="020B0809050000020004" pitchFamily="49" charset="0"/>
-              </a:rPr>
-              <a:t>Dodanie nowych flag na zdarzenia klawiatury</a:t>
-            </a:r>
-          </a:p>
-        </p:txBody>
-      </p:sp>
-      <p:sp>
-        <p:nvSpPr>
-          <p:cNvPr id="8" name="Prostokąt 7">
-            <a:extLst>
-              <a:ext uri="{FF2B5EF4-FFF2-40B4-BE49-F238E27FC236}">
-                <a16:creationId xmlns:a16="http://schemas.microsoft.com/office/drawing/2014/main" id="{F9C1A457-BEA1-49D3-AFBE-0E534E157EE1}"/>
-              </a:ext>
-            </a:extLst>
-          </p:cNvPr>
-          <p:cNvSpPr/>
-          <p:nvPr/>
-        </p:nvSpPr>
-        <p:spPr>
-          <a:xfrm>
-            <a:off x="3869266" y="3907436"/>
-            <a:ext cx="2555808" cy="588901"/>
-          </a:xfrm>
-          <a:prstGeom prst="rect">
-            <a:avLst/>
-          </a:prstGeom>
-        </p:spPr>
-        <p:style>
-          <a:lnRef idx="2">
-            <a:schemeClr val="accent1">
-              <a:shade val="50000"/>
-            </a:schemeClr>
-          </a:lnRef>
-          <a:fillRef idx="1">
-            <a:schemeClr val="accent1"/>
-          </a:fillRef>
-          <a:effectRef idx="0">
-            <a:schemeClr val="accent1"/>
-          </a:effectRef>
-          <a:fontRef idx="minor">
-            <a:schemeClr val="lt1"/>
-          </a:fontRef>
-        </p:style>
-        <p:txBody>
-          <a:bodyPr rtlCol="0" anchor="t"/>
-          <a:lstStyle/>
-          <a:p>
-            <a:pPr algn="ctr"/>
-            <a:r>
-              <a:rPr lang="pl-PL" dirty="0">
-                <a:latin typeface="Fira Code" panose="020B0809050000020004" pitchFamily="49" charset="0"/>
-                <a:ea typeface="Fira Code" panose="020B0809050000020004" pitchFamily="49" charset="0"/>
-                <a:cs typeface="Fira Code" panose="020B0809050000020004" pitchFamily="49" charset="0"/>
-              </a:rPr>
-              <a:t>loader.py</a:t>
-            </a:r>
-          </a:p>
-          <a:p>
-            <a:pPr>
-              <a:buFont typeface="Corbel" panose="020B0503020204020204" pitchFamily="34" charset="0"/>
-              <a:buChar char="-"/>
-              <a:tabLst>
-                <a:tab pos="0" algn="l"/>
-              </a:tabLst>
-            </a:pPr>
-            <a:r>
-              <a:rPr lang="pl-PL" dirty="0">
-                <a:latin typeface="+mj-lt"/>
-                <a:ea typeface="Fira Code" panose="020B0809050000020004" pitchFamily="49" charset="0"/>
-                <a:cs typeface="Fira Code" panose="020B0809050000020004" pitchFamily="49" charset="0"/>
-              </a:rPr>
-              <a:t>Wczytanie plików</a:t>
+              <a:t>Aktualny Status: Tech Demo</a:t>
             </a:r>
           </a:p>
         </p:txBody>
@@ -8137,7 +7886,7 @@
     </p:spTree>
     <p:extLst>
       <p:ext uri="{BB962C8B-B14F-4D97-AF65-F5344CB8AC3E}">
-        <p14:creationId xmlns:p14="http://schemas.microsoft.com/office/powerpoint/2010/main" val="2364991935"/>
+        <p14:creationId xmlns:p14="http://schemas.microsoft.com/office/powerpoint/2010/main" val="2235839334"/>
       </p:ext>
     </p:extLst>
   </p:cSld>
@@ -8169,7 +7918,7 @@
           <p:cNvPr id="4" name="Tytuł 3">
             <a:extLst>
               <a:ext uri="{FF2B5EF4-FFF2-40B4-BE49-F238E27FC236}">
-                <a16:creationId xmlns:a16="http://schemas.microsoft.com/office/drawing/2014/main" id="{88294246-FBB7-4CF3-B140-FAE99286B0CD}"/>
+                <a16:creationId xmlns:a16="http://schemas.microsoft.com/office/drawing/2014/main" id="{A4F30059-0E5F-44C1-BA94-2514DAF7AB17}"/>
               </a:ext>
             </a:extLst>
           </p:cNvPr>
@@ -8187,15 +7936,469 @@
           <a:p>
             <a:r>
               <a:rPr lang="pl-PL" dirty="0"/>
-              <a:t>Krok Drugi: Obsługa klawiatury</a:t>
-            </a:r>
+              <a:t>Zmiany w Plikach</a:t>
+            </a:r>
+          </a:p>
+        </p:txBody>
+      </p:sp>
+      <p:sp>
+        <p:nvSpPr>
+          <p:cNvPr id="5" name="Symbol zastępczy zawartości 4">
+            <a:extLst>
+              <a:ext uri="{FF2B5EF4-FFF2-40B4-BE49-F238E27FC236}">
+                <a16:creationId xmlns:a16="http://schemas.microsoft.com/office/drawing/2014/main" id="{8E3DED06-1798-45C4-B141-AEA17C7D328B}"/>
+              </a:ext>
+            </a:extLst>
+          </p:cNvPr>
+          <p:cNvSpPr>
+            <a:spLocks noGrp="1"/>
+          </p:cNvSpPr>
+          <p:nvPr>
+            <p:ph idx="1"/>
+          </p:nvPr>
+        </p:nvSpPr>
+        <p:spPr/>
+        <p:txBody>
+          <a:bodyPr/>
+          <a:lstStyle/>
+          <a:p>
+            <a:endParaRPr lang="pl-PL" dirty="0"/>
+          </a:p>
+        </p:txBody>
+      </p:sp>
+      <p:sp>
+        <p:nvSpPr>
+          <p:cNvPr id="7" name="Prostokąt 6">
+            <a:extLst>
+              <a:ext uri="{FF2B5EF4-FFF2-40B4-BE49-F238E27FC236}">
+                <a16:creationId xmlns:a16="http://schemas.microsoft.com/office/drawing/2014/main" id="{0284144B-42E3-46CA-BB0F-6E6305DADC73}"/>
+              </a:ext>
+            </a:extLst>
+          </p:cNvPr>
+          <p:cNvSpPr/>
+          <p:nvPr/>
+        </p:nvSpPr>
+        <p:spPr>
+          <a:xfrm>
+            <a:off x="3869268" y="873251"/>
+            <a:ext cx="2555808" cy="1545773"/>
+          </a:xfrm>
+          <a:prstGeom prst="rect">
+            <a:avLst/>
+          </a:prstGeom>
+        </p:spPr>
+        <p:style>
+          <a:lnRef idx="2">
+            <a:schemeClr val="accent1">
+              <a:shade val="50000"/>
+            </a:schemeClr>
+          </a:lnRef>
+          <a:fillRef idx="1">
+            <a:schemeClr val="accent1"/>
+          </a:fillRef>
+          <a:effectRef idx="0">
+            <a:schemeClr val="accent1"/>
+          </a:effectRef>
+          <a:fontRef idx="minor">
+            <a:schemeClr val="lt1"/>
+          </a:fontRef>
+        </p:style>
+        <p:txBody>
+          <a:bodyPr rtlCol="0" anchor="t"/>
+          <a:lstStyle/>
+          <a:p>
+            <a:pPr algn="ctr"/>
+            <a:r>
+              <a:rPr lang="pl-PL" dirty="0">
+                <a:latin typeface="Fira Code" panose="020B0809050000020004" pitchFamily="49" charset="0"/>
+                <a:ea typeface="Fira Code" panose="020B0809050000020004" pitchFamily="49" charset="0"/>
+                <a:cs typeface="Fira Code" panose="020B0809050000020004" pitchFamily="49" charset="0"/>
+              </a:rPr>
+              <a:t>main.py</a:t>
+            </a:r>
+          </a:p>
+          <a:p>
+            <a:pPr marL="85725" lvl="1">
+              <a:buSzPct val="100000"/>
+              <a:buFont typeface="Corbel" panose="020B0503020204020204" pitchFamily="34" charset="0"/>
+              <a:buChar char="-"/>
+            </a:pPr>
+            <a:r>
+              <a:rPr lang="pl-PL" dirty="0"/>
+              <a:t>Inicjalizacja gracza</a:t>
+            </a:r>
+          </a:p>
+          <a:p>
+            <a:pPr marL="85725" lvl="1">
+              <a:buSzPct val="100000"/>
+              <a:buFont typeface="Corbel" panose="020B0503020204020204" pitchFamily="34" charset="0"/>
+              <a:buChar char="-"/>
+            </a:pPr>
+            <a:r>
+              <a:rPr lang="pl-PL" dirty="0"/>
+              <a:t>W pętli głównej: </a:t>
+            </a:r>
+          </a:p>
+          <a:p>
+            <a:pPr marL="177800" lvl="2">
+              <a:buSzPct val="100000"/>
+              <a:buFont typeface="Corbel" panose="020B0503020204020204" pitchFamily="34" charset="0"/>
+              <a:buChar char="-"/>
+            </a:pPr>
+            <a:r>
+              <a:rPr lang="pl-PL" dirty="0"/>
+              <a:t>Przeliczanie fizyki i wyświetlanie gracza </a:t>
+            </a:r>
+          </a:p>
+        </p:txBody>
+      </p:sp>
+      <p:sp>
+        <p:nvSpPr>
+          <p:cNvPr id="2" name="Prostokąt 1">
+            <a:extLst>
+              <a:ext uri="{FF2B5EF4-FFF2-40B4-BE49-F238E27FC236}">
+                <a16:creationId xmlns:a16="http://schemas.microsoft.com/office/drawing/2014/main" id="{57837B36-638E-4998-8422-C1B8BBC1AECF}"/>
+              </a:ext>
+            </a:extLst>
+          </p:cNvPr>
+          <p:cNvSpPr/>
+          <p:nvPr/>
+        </p:nvSpPr>
+        <p:spPr>
+          <a:xfrm>
+            <a:off x="6969545" y="873249"/>
+            <a:ext cx="2555808" cy="2048181"/>
+          </a:xfrm>
+          <a:prstGeom prst="rect">
+            <a:avLst/>
+          </a:prstGeom>
+        </p:spPr>
+        <p:style>
+          <a:lnRef idx="2">
+            <a:schemeClr val="accent1">
+              <a:shade val="50000"/>
+            </a:schemeClr>
+          </a:lnRef>
+          <a:fillRef idx="1">
+            <a:schemeClr val="accent1"/>
+          </a:fillRef>
+          <a:effectRef idx="0">
+            <a:schemeClr val="accent1"/>
+          </a:effectRef>
+          <a:fontRef idx="minor">
+            <a:schemeClr val="lt1"/>
+          </a:fontRef>
+        </p:style>
+        <p:txBody>
+          <a:bodyPr rtlCol="0" anchor="t"/>
+          <a:lstStyle/>
+          <a:p>
+            <a:pPr algn="ctr"/>
+            <a:r>
+              <a:rPr lang="pl-PL" dirty="0">
+                <a:latin typeface="Fira Code" panose="020B0809050000020004" pitchFamily="49" charset="0"/>
+                <a:ea typeface="Fira Code" panose="020B0809050000020004" pitchFamily="49" charset="0"/>
+                <a:cs typeface="Fira Code" panose="020B0809050000020004" pitchFamily="49" charset="0"/>
+              </a:rPr>
+              <a:t>player.py</a:t>
+            </a:r>
+          </a:p>
+          <a:p>
+            <a:pPr>
+              <a:buFont typeface="Corbel" panose="020B0503020204020204" pitchFamily="34" charset="0"/>
+              <a:buChar char="-"/>
+              <a:tabLst>
+                <a:tab pos="0" algn="l"/>
+              </a:tabLst>
+            </a:pPr>
+            <a:r>
+              <a:rPr lang="pl-PL" dirty="0">
+                <a:latin typeface="+mj-lt"/>
+                <a:ea typeface="Fira Code" panose="020B0809050000020004" pitchFamily="49" charset="0"/>
+                <a:cs typeface="Fira Code" panose="020B0809050000020004" pitchFamily="49" charset="0"/>
+              </a:rPr>
+              <a:t>Wyświetlanie</a:t>
+            </a:r>
+          </a:p>
+          <a:p>
+            <a:pPr marL="177800" lvl="1">
+              <a:buFont typeface="Corbel" panose="020B0503020204020204" pitchFamily="34" charset="0"/>
+              <a:buChar char="-"/>
+              <a:tabLst>
+                <a:tab pos="0" algn="l"/>
+              </a:tabLst>
+            </a:pPr>
+            <a:r>
+              <a:rPr lang="pl-PL" dirty="0">
+                <a:latin typeface="+mj-lt"/>
+                <a:ea typeface="Fira Code" panose="020B0809050000020004" pitchFamily="49" charset="0"/>
+                <a:cs typeface="Fira Code" panose="020B0809050000020004" pitchFamily="49" charset="0"/>
+              </a:rPr>
+              <a:t>Warunek „jeżeli żyje”</a:t>
+            </a:r>
+          </a:p>
+          <a:p>
+            <a:pPr>
+              <a:buFont typeface="Corbel" panose="020B0503020204020204" pitchFamily="34" charset="0"/>
+              <a:buChar char="-"/>
+              <a:tabLst>
+                <a:tab pos="0" algn="l"/>
+              </a:tabLst>
+            </a:pPr>
+            <a:r>
+              <a:rPr lang="pl-PL" dirty="0">
+                <a:latin typeface="+mj-lt"/>
+                <a:ea typeface="Fira Code" panose="020B0809050000020004" pitchFamily="49" charset="0"/>
+                <a:cs typeface="Fira Code" panose="020B0809050000020004" pitchFamily="49" charset="0"/>
+              </a:rPr>
+              <a:t>Obliczenia fizyczne</a:t>
+            </a:r>
+          </a:p>
+          <a:p>
+            <a:pPr marL="177800" lvl="1">
+              <a:buFont typeface="Corbel" panose="020B0503020204020204" pitchFamily="34" charset="0"/>
+              <a:buChar char="-"/>
+              <a:tabLst>
+                <a:tab pos="0" algn="l"/>
+              </a:tabLst>
+            </a:pPr>
+            <a:r>
+              <a:rPr lang="pl-PL" dirty="0">
+                <a:latin typeface="+mj-lt"/>
+                <a:ea typeface="Fira Code" panose="020B0809050000020004" pitchFamily="49" charset="0"/>
+                <a:cs typeface="Fira Code" panose="020B0809050000020004" pitchFamily="49" charset="0"/>
+              </a:rPr>
+              <a:t>Przygotowanie do strzelania</a:t>
+            </a:r>
+          </a:p>
+          <a:p>
+            <a:pPr marL="177800" lvl="1">
+              <a:buFont typeface="Corbel" panose="020B0503020204020204" pitchFamily="34" charset="0"/>
+              <a:buChar char="-"/>
+              <a:tabLst>
+                <a:tab pos="0" algn="l"/>
+              </a:tabLst>
+            </a:pPr>
+            <a:r>
+              <a:rPr lang="pl-PL" dirty="0">
+                <a:latin typeface="+mj-lt"/>
+                <a:ea typeface="Fira Code" panose="020B0809050000020004" pitchFamily="49" charset="0"/>
+                <a:cs typeface="Fira Code" panose="020B0809050000020004" pitchFamily="49" charset="0"/>
+              </a:rPr>
+              <a:t>Poruszanie się</a:t>
+            </a:r>
+          </a:p>
+          <a:p>
+            <a:pPr>
+              <a:buFont typeface="Corbel" panose="020B0503020204020204" pitchFamily="34" charset="0"/>
+              <a:buChar char="-"/>
+              <a:tabLst>
+                <a:tab pos="0" algn="l"/>
+              </a:tabLst>
+            </a:pPr>
+            <a:endParaRPr lang="pl-PL" dirty="0">
+              <a:latin typeface="+mj-lt"/>
+              <a:ea typeface="Fira Code" panose="020B0809050000020004" pitchFamily="49" charset="0"/>
+              <a:cs typeface="Fira Code" panose="020B0809050000020004" pitchFamily="49" charset="0"/>
+            </a:endParaRPr>
+          </a:p>
+        </p:txBody>
+      </p:sp>
+      <p:sp>
+        <p:nvSpPr>
+          <p:cNvPr id="8" name="Prostokąt 7">
+            <a:extLst>
+              <a:ext uri="{FF2B5EF4-FFF2-40B4-BE49-F238E27FC236}">
+                <a16:creationId xmlns:a16="http://schemas.microsoft.com/office/drawing/2014/main" id="{23FFD333-9379-46E0-A91A-7B65801C54BB}"/>
+              </a:ext>
+            </a:extLst>
+          </p:cNvPr>
+          <p:cNvSpPr/>
+          <p:nvPr/>
+        </p:nvSpPr>
+        <p:spPr>
+          <a:xfrm>
+            <a:off x="6969545" y="3424428"/>
+            <a:ext cx="2555808" cy="2300592"/>
+          </a:xfrm>
+          <a:prstGeom prst="rect">
+            <a:avLst/>
+          </a:prstGeom>
+        </p:spPr>
+        <p:style>
+          <a:lnRef idx="2">
+            <a:schemeClr val="accent1">
+              <a:shade val="50000"/>
+            </a:schemeClr>
+          </a:lnRef>
+          <a:fillRef idx="1">
+            <a:schemeClr val="accent1"/>
+          </a:fillRef>
+          <a:effectRef idx="0">
+            <a:schemeClr val="accent1"/>
+          </a:effectRef>
+          <a:fontRef idx="minor">
+            <a:schemeClr val="lt1"/>
+          </a:fontRef>
+        </p:style>
+        <p:txBody>
+          <a:bodyPr rtlCol="0" anchor="t"/>
+          <a:lstStyle/>
+          <a:p>
+            <a:pPr algn="ctr"/>
+            <a:r>
+              <a:rPr lang="pl-PL" dirty="0">
+                <a:latin typeface="Fira Code" panose="020B0809050000020004" pitchFamily="49" charset="0"/>
+                <a:ea typeface="Fira Code" panose="020B0809050000020004" pitchFamily="49" charset="0"/>
+                <a:cs typeface="Fira Code" panose="020B0809050000020004" pitchFamily="49" charset="0"/>
+              </a:rPr>
+              <a:t>__base.py</a:t>
+            </a:r>
+          </a:p>
+          <a:p>
+            <a:pPr>
+              <a:buFont typeface="Corbel" panose="020B0503020204020204" pitchFamily="34" charset="0"/>
+              <a:buChar char="-"/>
+              <a:tabLst>
+                <a:tab pos="0" algn="l"/>
+              </a:tabLst>
+            </a:pPr>
+            <a:r>
+              <a:rPr lang="pl-PL" dirty="0">
+                <a:latin typeface="+mj-lt"/>
+                <a:ea typeface="Fira Code" panose="020B0809050000020004" pitchFamily="49" charset="0"/>
+                <a:cs typeface="Fira Code" panose="020B0809050000020004" pitchFamily="49" charset="0"/>
+              </a:rPr>
+              <a:t>Inicjalizacja</a:t>
+            </a:r>
+          </a:p>
+          <a:p>
+            <a:pPr>
+              <a:buFont typeface="Corbel" panose="020B0503020204020204" pitchFamily="34" charset="0"/>
+              <a:buChar char="-"/>
+              <a:tabLst>
+                <a:tab pos="0" algn="l"/>
+              </a:tabLst>
+            </a:pPr>
+            <a:r>
+              <a:rPr lang="pl-PL" dirty="0">
+                <a:latin typeface="+mj-lt"/>
+                <a:ea typeface="Fira Code" panose="020B0809050000020004" pitchFamily="49" charset="0"/>
+                <a:cs typeface="Fira Code" panose="020B0809050000020004" pitchFamily="49" charset="0"/>
+              </a:rPr>
+              <a:t>Wyświetlanie</a:t>
+            </a:r>
+          </a:p>
+          <a:p>
+            <a:pPr marL="177800" lvl="1">
+              <a:buFont typeface="Corbel" panose="020B0503020204020204" pitchFamily="34" charset="0"/>
+              <a:buChar char="-"/>
+              <a:tabLst>
+                <a:tab pos="0" algn="l"/>
+              </a:tabLst>
+            </a:pPr>
+            <a:r>
+              <a:rPr lang="pl-PL" dirty="0" err="1">
+                <a:latin typeface="+mj-lt"/>
+                <a:ea typeface="Fira Code" panose="020B0809050000020004" pitchFamily="49" charset="0"/>
+                <a:cs typeface="Fira Code" panose="020B0809050000020004" pitchFamily="49" charset="0"/>
+              </a:rPr>
+              <a:t>Sprite</a:t>
+            </a:r>
+            <a:r>
+              <a:rPr lang="pl-PL" dirty="0">
+                <a:latin typeface="+mj-lt"/>
+                <a:ea typeface="Fira Code" panose="020B0809050000020004" pitchFamily="49" charset="0"/>
+                <a:cs typeface="Fira Code" panose="020B0809050000020004" pitchFamily="49" charset="0"/>
+              </a:rPr>
+              <a:t> pojawia się w oknie</a:t>
+            </a:r>
+          </a:p>
+          <a:p>
+            <a:pPr>
+              <a:buFont typeface="Corbel" panose="020B0503020204020204" pitchFamily="34" charset="0"/>
+              <a:buChar char="-"/>
+              <a:tabLst>
+                <a:tab pos="0" algn="l"/>
+              </a:tabLst>
+            </a:pPr>
+            <a:r>
+              <a:rPr lang="pl-PL" dirty="0">
+                <a:latin typeface="+mj-lt"/>
+                <a:ea typeface="Fira Code" panose="020B0809050000020004" pitchFamily="49" charset="0"/>
+                <a:cs typeface="Fira Code" panose="020B0809050000020004" pitchFamily="49" charset="0"/>
+              </a:rPr>
+              <a:t>Obliczenia fizyczne</a:t>
+            </a:r>
+          </a:p>
+          <a:p>
+            <a:pPr marL="177800" lvl="1">
+              <a:buFont typeface="Corbel" panose="020B0503020204020204" pitchFamily="34" charset="0"/>
+              <a:buChar char="-"/>
+              <a:tabLst>
+                <a:tab pos="0" algn="l"/>
+              </a:tabLst>
+            </a:pPr>
+            <a:r>
+              <a:rPr lang="pl-PL" dirty="0">
+                <a:latin typeface="+mj-lt"/>
+                <a:ea typeface="Fira Code" panose="020B0809050000020004" pitchFamily="49" charset="0"/>
+                <a:cs typeface="Fira Code" panose="020B0809050000020004" pitchFamily="49" charset="0"/>
+              </a:rPr>
+              <a:t>Przesunięcie liniowe</a:t>
+            </a:r>
+          </a:p>
+          <a:p>
+            <a:pPr>
+              <a:buFont typeface="Corbel" panose="020B0503020204020204" pitchFamily="34" charset="0"/>
+              <a:buChar char="-"/>
+              <a:tabLst>
+                <a:tab pos="0" algn="l"/>
+              </a:tabLst>
+            </a:pPr>
+            <a:r>
+              <a:rPr lang="pl-PL" dirty="0">
+                <a:latin typeface="+mj-lt"/>
+                <a:ea typeface="Fira Code" panose="020B0809050000020004" pitchFamily="49" charset="0"/>
+                <a:cs typeface="Fira Code" panose="020B0809050000020004" pitchFamily="49" charset="0"/>
+              </a:rPr>
+              <a:t>Funkcje pomocnicze</a:t>
+            </a:r>
+          </a:p>
+          <a:p>
+            <a:pPr marL="177800" lvl="1">
+              <a:buFont typeface="Corbel" panose="020B0503020204020204" pitchFamily="34" charset="0"/>
+              <a:buChar char="-"/>
+              <a:tabLst>
+                <a:tab pos="0" algn="l"/>
+              </a:tabLst>
+            </a:pPr>
+            <a:endParaRPr lang="pl-PL" dirty="0">
+              <a:latin typeface="+mj-lt"/>
+              <a:ea typeface="Fira Code" panose="020B0809050000020004" pitchFamily="49" charset="0"/>
+              <a:cs typeface="Fira Code" panose="020B0809050000020004" pitchFamily="49" charset="0"/>
+            </a:endParaRPr>
+          </a:p>
+          <a:p>
+            <a:pPr>
+              <a:buFont typeface="Corbel" panose="020B0503020204020204" pitchFamily="34" charset="0"/>
+              <a:buChar char="-"/>
+              <a:tabLst>
+                <a:tab pos="0" algn="l"/>
+              </a:tabLst>
+            </a:pPr>
+            <a:endParaRPr lang="pl-PL" dirty="0">
+              <a:latin typeface="+mj-lt"/>
+              <a:ea typeface="Fira Code" panose="020B0809050000020004" pitchFamily="49" charset="0"/>
+              <a:cs typeface="Fira Code" panose="020B0809050000020004" pitchFamily="49" charset="0"/>
+            </a:endParaRPr>
           </a:p>
         </p:txBody>
       </p:sp>
     </p:spTree>
     <p:extLst>
       <p:ext uri="{BB962C8B-B14F-4D97-AF65-F5344CB8AC3E}">
-        <p14:creationId xmlns:p14="http://schemas.microsoft.com/office/powerpoint/2010/main" val="3035302849"/>
+        <p14:creationId xmlns:p14="http://schemas.microsoft.com/office/powerpoint/2010/main" val="2881218596"/>
       </p:ext>
     </p:extLst>
   </p:cSld>
@@ -8224,10 +8427,10 @@
       </p:grpSpPr>
       <p:sp>
         <p:nvSpPr>
-          <p:cNvPr id="3" name="Tytuł 2">
+          <p:cNvPr id="4" name="Tytuł 3">
             <a:extLst>
               <a:ext uri="{FF2B5EF4-FFF2-40B4-BE49-F238E27FC236}">
-                <a16:creationId xmlns:a16="http://schemas.microsoft.com/office/drawing/2014/main" id="{C52C3893-154F-46C2-A934-D2801D895EFD}"/>
+                <a16:creationId xmlns:a16="http://schemas.microsoft.com/office/drawing/2014/main" id="{6C98E7D4-571C-43F8-9031-210ECD560F71}"/>
               </a:ext>
             </a:extLst>
           </p:cNvPr>
@@ -8245,42 +8448,7 @@
           <a:p>
             <a:r>
               <a:rPr lang="pl-PL" dirty="0"/>
-              <a:t>Krok Trzeci</a:t>
-            </a:r>
-            <a:br>
-              <a:rPr lang="pl-PL" dirty="0"/>
-            </a:br>
-            <a:r>
-              <a:rPr lang="pl-PL" dirty="0"/>
-              <a:t>„Znak gracza”</a:t>
-            </a:r>
-          </a:p>
-        </p:txBody>
-      </p:sp>
-      <p:sp>
-        <p:nvSpPr>
-          <p:cNvPr id="4" name="Symbol zastępczy tekstu 3">
-            <a:extLst>
-              <a:ext uri="{FF2B5EF4-FFF2-40B4-BE49-F238E27FC236}">
-                <a16:creationId xmlns:a16="http://schemas.microsoft.com/office/drawing/2014/main" id="{4624C219-140A-4295-85B1-71A450723136}"/>
-              </a:ext>
-            </a:extLst>
-          </p:cNvPr>
-          <p:cNvSpPr>
-            <a:spLocks noGrp="1"/>
-          </p:cNvSpPr>
-          <p:nvPr>
-            <p:ph type="body" idx="1"/>
-          </p:nvPr>
-        </p:nvSpPr>
-        <p:spPr/>
-        <p:txBody>
-          <a:bodyPr/>
-          <a:lstStyle/>
-          <a:p>
-            <a:r>
-              <a:rPr lang="pl-PL" dirty="0"/>
-              <a:t>Aktualny Status: Tech Demo</a:t>
+              <a:t>Krok Trzeci: „Znak Gracza”</a:t>
             </a:r>
           </a:p>
         </p:txBody>
@@ -8288,7 +8456,7 @@
     </p:spTree>
     <p:extLst>
       <p:ext uri="{BB962C8B-B14F-4D97-AF65-F5344CB8AC3E}">
-        <p14:creationId xmlns:p14="http://schemas.microsoft.com/office/powerpoint/2010/main" val="2235839334"/>
+        <p14:creationId xmlns:p14="http://schemas.microsoft.com/office/powerpoint/2010/main" val="2056797221"/>
       </p:ext>
     </p:extLst>
   </p:cSld>
@@ -8317,10 +8485,10 @@
       </p:grpSpPr>
       <p:sp>
         <p:nvSpPr>
-          <p:cNvPr id="4" name="Tytuł 3">
+          <p:cNvPr id="3" name="Tytuł 2">
             <a:extLst>
               <a:ext uri="{FF2B5EF4-FFF2-40B4-BE49-F238E27FC236}">
-                <a16:creationId xmlns:a16="http://schemas.microsoft.com/office/drawing/2014/main" id="{A4F30059-0E5F-44C1-BA94-2514DAF7AB17}"/>
+                <a16:creationId xmlns:a16="http://schemas.microsoft.com/office/drawing/2014/main" id="{A82705B4-4497-42E1-9B12-4B55D5B4B0D7}"/>
               </a:ext>
             </a:extLst>
           </p:cNvPr>
@@ -8338,17 +8506,24 @@
           <a:p>
             <a:r>
               <a:rPr lang="pl-PL" dirty="0"/>
-              <a:t>Zmiany w Plikach</a:t>
-            </a:r>
-          </a:p>
-        </p:txBody>
-      </p:sp>
-      <p:sp>
-        <p:nvSpPr>
-          <p:cNvPr id="5" name="Symbol zastępczy zawartości 4">
+              <a:t>Krok Czwarty</a:t>
+            </a:r>
+            <a:br>
+              <a:rPr lang="pl-PL" dirty="0"/>
+            </a:br>
+            <a:r>
+              <a:rPr lang="pl-PL" dirty="0"/>
+              <a:t>Przeciwnicy</a:t>
+            </a:r>
+          </a:p>
+        </p:txBody>
+      </p:sp>
+      <p:sp>
+        <p:nvSpPr>
+          <p:cNvPr id="4" name="Symbol zastępczy tekstu 3">
             <a:extLst>
               <a:ext uri="{FF2B5EF4-FFF2-40B4-BE49-F238E27FC236}">
-                <a16:creationId xmlns:a16="http://schemas.microsoft.com/office/drawing/2014/main" id="{8E3DED06-1798-45C4-B141-AEA17C7D328B}"/>
+                <a16:creationId xmlns:a16="http://schemas.microsoft.com/office/drawing/2014/main" id="{F09098D3-7A35-4965-997A-7643818CB89D}"/>
               </a:ext>
             </a:extLst>
           </p:cNvPr>
@@ -8356,7 +8531,7 @@
             <a:spLocks noGrp="1"/>
           </p:cNvSpPr>
           <p:nvPr>
-            <p:ph idx="1"/>
+            <p:ph type="body" idx="1"/>
           </p:nvPr>
         </p:nvSpPr>
         <p:spPr/>
@@ -8364,443 +8539,17 @@
           <a:bodyPr/>
           <a:lstStyle/>
           <a:p>
-            <a:endParaRPr lang="pl-PL" dirty="0"/>
-          </a:p>
-        </p:txBody>
-      </p:sp>
-      <p:sp>
-        <p:nvSpPr>
-          <p:cNvPr id="7" name="Prostokąt 6">
-            <a:extLst>
-              <a:ext uri="{FF2B5EF4-FFF2-40B4-BE49-F238E27FC236}">
-                <a16:creationId xmlns:a16="http://schemas.microsoft.com/office/drawing/2014/main" id="{0284144B-42E3-46CA-BB0F-6E6305DADC73}"/>
-              </a:ext>
-            </a:extLst>
-          </p:cNvPr>
-          <p:cNvSpPr/>
-          <p:nvPr/>
-        </p:nvSpPr>
-        <p:spPr>
-          <a:xfrm>
-            <a:off x="3869268" y="873251"/>
-            <a:ext cx="2555808" cy="1545773"/>
-          </a:xfrm>
-          <a:prstGeom prst="rect">
-            <a:avLst/>
-          </a:prstGeom>
-        </p:spPr>
-        <p:style>
-          <a:lnRef idx="2">
-            <a:schemeClr val="accent1">
-              <a:shade val="50000"/>
-            </a:schemeClr>
-          </a:lnRef>
-          <a:fillRef idx="1">
-            <a:schemeClr val="accent1"/>
-          </a:fillRef>
-          <a:effectRef idx="0">
-            <a:schemeClr val="accent1"/>
-          </a:effectRef>
-          <a:fontRef idx="minor">
-            <a:schemeClr val="lt1"/>
-          </a:fontRef>
-        </p:style>
-        <p:txBody>
-          <a:bodyPr rtlCol="0" anchor="t"/>
-          <a:lstStyle/>
-          <a:p>
-            <a:pPr algn="ctr"/>
-            <a:r>
-              <a:rPr lang="pl-PL" dirty="0">
-                <a:latin typeface="Fira Code" panose="020B0809050000020004" pitchFamily="49" charset="0"/>
-                <a:ea typeface="Fira Code" panose="020B0809050000020004" pitchFamily="49" charset="0"/>
-                <a:cs typeface="Fira Code" panose="020B0809050000020004" pitchFamily="49" charset="0"/>
-              </a:rPr>
-              <a:t>main.py</a:t>
-            </a:r>
-          </a:p>
-          <a:p>
-            <a:pPr marL="85725" lvl="1">
-              <a:buSzPct val="100000"/>
-              <a:buFont typeface="Corbel" panose="020B0503020204020204" pitchFamily="34" charset="0"/>
-              <a:buChar char="-"/>
-            </a:pPr>
             <a:r>
               <a:rPr lang="pl-PL" dirty="0"/>
-              <a:t>Inicjalizacja gracza</a:t>
-            </a:r>
-          </a:p>
-          <a:p>
-            <a:pPr marL="85725" lvl="1">
-              <a:buSzPct val="100000"/>
-              <a:buFont typeface="Corbel" panose="020B0503020204020204" pitchFamily="34" charset="0"/>
-              <a:buChar char="-"/>
-            </a:pPr>
-            <a:r>
-              <a:rPr lang="pl-PL" dirty="0"/>
-              <a:t>W pętli głównej: </a:t>
-            </a:r>
-          </a:p>
-          <a:p>
-            <a:pPr marL="177800" lvl="2">
-              <a:buSzPct val="100000"/>
-              <a:buFont typeface="Corbel" panose="020B0503020204020204" pitchFamily="34" charset="0"/>
-              <a:buChar char="-"/>
-            </a:pPr>
-            <a:r>
-              <a:rPr lang="pl-PL" dirty="0"/>
-              <a:t>Przeliczanie fizyki i wyświetlanie gracza </a:t>
-            </a:r>
-          </a:p>
-        </p:txBody>
-      </p:sp>
-      <p:sp>
-        <p:nvSpPr>
-          <p:cNvPr id="2" name="Prostokąt 1">
-            <a:extLst>
-              <a:ext uri="{FF2B5EF4-FFF2-40B4-BE49-F238E27FC236}">
-                <a16:creationId xmlns:a16="http://schemas.microsoft.com/office/drawing/2014/main" id="{57837B36-638E-4998-8422-C1B8BBC1AECF}"/>
-              </a:ext>
-            </a:extLst>
-          </p:cNvPr>
-          <p:cNvSpPr/>
-          <p:nvPr/>
-        </p:nvSpPr>
-        <p:spPr>
-          <a:xfrm>
-            <a:off x="6969545" y="873249"/>
-            <a:ext cx="2555808" cy="2048181"/>
-          </a:xfrm>
-          <a:prstGeom prst="rect">
-            <a:avLst/>
-          </a:prstGeom>
-        </p:spPr>
-        <p:style>
-          <a:lnRef idx="2">
-            <a:schemeClr val="accent1">
-              <a:shade val="50000"/>
-            </a:schemeClr>
-          </a:lnRef>
-          <a:fillRef idx="1">
-            <a:schemeClr val="accent1"/>
-          </a:fillRef>
-          <a:effectRef idx="0">
-            <a:schemeClr val="accent1"/>
-          </a:effectRef>
-          <a:fontRef idx="minor">
-            <a:schemeClr val="lt1"/>
-          </a:fontRef>
-        </p:style>
-        <p:txBody>
-          <a:bodyPr rtlCol="0" anchor="t"/>
-          <a:lstStyle/>
-          <a:p>
-            <a:pPr algn="ctr"/>
-            <a:r>
-              <a:rPr lang="pl-PL" dirty="0">
-                <a:latin typeface="Fira Code" panose="020B0809050000020004" pitchFamily="49" charset="0"/>
-                <a:ea typeface="Fira Code" panose="020B0809050000020004" pitchFamily="49" charset="0"/>
-                <a:cs typeface="Fira Code" panose="020B0809050000020004" pitchFamily="49" charset="0"/>
-              </a:rPr>
-              <a:t>player.py</a:t>
-            </a:r>
-          </a:p>
-          <a:p>
-            <a:pPr>
-              <a:buFont typeface="Corbel" panose="020B0503020204020204" pitchFamily="34" charset="0"/>
-              <a:buChar char="-"/>
-              <a:tabLst>
-                <a:tab pos="0" algn="l"/>
-              </a:tabLst>
-            </a:pPr>
-            <a:r>
-              <a:rPr lang="pl-PL" dirty="0">
-                <a:latin typeface="+mj-lt"/>
-                <a:ea typeface="Fira Code" panose="020B0809050000020004" pitchFamily="49" charset="0"/>
-                <a:cs typeface="Fira Code" panose="020B0809050000020004" pitchFamily="49" charset="0"/>
-              </a:rPr>
-              <a:t>Wyświetlanie</a:t>
-            </a:r>
-          </a:p>
-          <a:p>
-            <a:pPr marL="177800" lvl="1">
-              <a:buFont typeface="Corbel" panose="020B0503020204020204" pitchFamily="34" charset="0"/>
-              <a:buChar char="-"/>
-              <a:tabLst>
-                <a:tab pos="0" algn="l"/>
-              </a:tabLst>
-            </a:pPr>
-            <a:r>
-              <a:rPr lang="pl-PL" dirty="0">
-                <a:latin typeface="+mj-lt"/>
-                <a:ea typeface="Fira Code" panose="020B0809050000020004" pitchFamily="49" charset="0"/>
-                <a:cs typeface="Fira Code" panose="020B0809050000020004" pitchFamily="49" charset="0"/>
-              </a:rPr>
-              <a:t>Warunek „jeżeli żyje”</a:t>
-            </a:r>
-          </a:p>
-          <a:p>
-            <a:pPr>
-              <a:buFont typeface="Corbel" panose="020B0503020204020204" pitchFamily="34" charset="0"/>
-              <a:buChar char="-"/>
-              <a:tabLst>
-                <a:tab pos="0" algn="l"/>
-              </a:tabLst>
-            </a:pPr>
-            <a:r>
-              <a:rPr lang="pl-PL" dirty="0">
-                <a:latin typeface="+mj-lt"/>
-                <a:ea typeface="Fira Code" panose="020B0809050000020004" pitchFamily="49" charset="0"/>
-                <a:cs typeface="Fira Code" panose="020B0809050000020004" pitchFamily="49" charset="0"/>
-              </a:rPr>
-              <a:t>Obliczenia fizyczne</a:t>
-            </a:r>
-          </a:p>
-          <a:p>
-            <a:pPr marL="177800" lvl="1">
-              <a:buFont typeface="Corbel" panose="020B0503020204020204" pitchFamily="34" charset="0"/>
-              <a:buChar char="-"/>
-              <a:tabLst>
-                <a:tab pos="0" algn="l"/>
-              </a:tabLst>
-            </a:pPr>
-            <a:r>
-              <a:rPr lang="pl-PL" dirty="0">
-                <a:latin typeface="+mj-lt"/>
-                <a:ea typeface="Fira Code" panose="020B0809050000020004" pitchFamily="49" charset="0"/>
-                <a:cs typeface="Fira Code" panose="020B0809050000020004" pitchFamily="49" charset="0"/>
-              </a:rPr>
-              <a:t>Przygotowanie do strzelania</a:t>
-            </a:r>
-          </a:p>
-          <a:p>
-            <a:pPr marL="177800" lvl="1">
-              <a:buFont typeface="Corbel" panose="020B0503020204020204" pitchFamily="34" charset="0"/>
-              <a:buChar char="-"/>
-              <a:tabLst>
-                <a:tab pos="0" algn="l"/>
-              </a:tabLst>
-            </a:pPr>
-            <a:r>
-              <a:rPr lang="pl-PL" dirty="0">
-                <a:latin typeface="+mj-lt"/>
-                <a:ea typeface="Fira Code" panose="020B0809050000020004" pitchFamily="49" charset="0"/>
-                <a:cs typeface="Fira Code" panose="020B0809050000020004" pitchFamily="49" charset="0"/>
-              </a:rPr>
-              <a:t>Poruszanie się</a:t>
-            </a:r>
-          </a:p>
-          <a:p>
-            <a:pPr>
-              <a:buFont typeface="Corbel" panose="020B0503020204020204" pitchFamily="34" charset="0"/>
-              <a:buChar char="-"/>
-              <a:tabLst>
-                <a:tab pos="0" algn="l"/>
-              </a:tabLst>
-            </a:pPr>
-            <a:endParaRPr lang="pl-PL" dirty="0">
-              <a:latin typeface="+mj-lt"/>
-              <a:ea typeface="Fira Code" panose="020B0809050000020004" pitchFamily="49" charset="0"/>
-              <a:cs typeface="Fira Code" panose="020B0809050000020004" pitchFamily="49" charset="0"/>
-            </a:endParaRPr>
-          </a:p>
-        </p:txBody>
-      </p:sp>
-      <p:sp>
-        <p:nvSpPr>
-          <p:cNvPr id="8" name="Prostokąt 7">
-            <a:extLst>
-              <a:ext uri="{FF2B5EF4-FFF2-40B4-BE49-F238E27FC236}">
-                <a16:creationId xmlns:a16="http://schemas.microsoft.com/office/drawing/2014/main" id="{23FFD333-9379-46E0-A91A-7B65801C54BB}"/>
-              </a:ext>
-            </a:extLst>
-          </p:cNvPr>
-          <p:cNvSpPr/>
-          <p:nvPr/>
-        </p:nvSpPr>
-        <p:spPr>
-          <a:xfrm>
-            <a:off x="6969545" y="3424428"/>
-            <a:ext cx="2555808" cy="2300592"/>
-          </a:xfrm>
-          <a:prstGeom prst="rect">
-            <a:avLst/>
-          </a:prstGeom>
-        </p:spPr>
-        <p:style>
-          <a:lnRef idx="2">
-            <a:schemeClr val="accent1">
-              <a:shade val="50000"/>
-            </a:schemeClr>
-          </a:lnRef>
-          <a:fillRef idx="1">
-            <a:schemeClr val="accent1"/>
-          </a:fillRef>
-          <a:effectRef idx="0">
-            <a:schemeClr val="accent1"/>
-          </a:effectRef>
-          <a:fontRef idx="minor">
-            <a:schemeClr val="lt1"/>
-          </a:fontRef>
-        </p:style>
-        <p:txBody>
-          <a:bodyPr rtlCol="0" anchor="t"/>
-          <a:lstStyle/>
-          <a:p>
-            <a:pPr algn="ctr"/>
-            <a:r>
-              <a:rPr lang="pl-PL" dirty="0">
-                <a:latin typeface="Fira Code" panose="020B0809050000020004" pitchFamily="49" charset="0"/>
-                <a:ea typeface="Fira Code" panose="020B0809050000020004" pitchFamily="49" charset="0"/>
-                <a:cs typeface="Fira Code" panose="020B0809050000020004" pitchFamily="49" charset="0"/>
-              </a:rPr>
-              <a:t>__base.py</a:t>
-            </a:r>
-          </a:p>
-          <a:p>
-            <a:pPr>
-              <a:buFont typeface="Corbel" panose="020B0503020204020204" pitchFamily="34" charset="0"/>
-              <a:buChar char="-"/>
-              <a:tabLst>
-                <a:tab pos="0" algn="l"/>
-              </a:tabLst>
-            </a:pPr>
-            <a:r>
-              <a:rPr lang="pl-PL" dirty="0">
-                <a:latin typeface="+mj-lt"/>
-                <a:ea typeface="Fira Code" panose="020B0809050000020004" pitchFamily="49" charset="0"/>
-                <a:cs typeface="Fira Code" panose="020B0809050000020004" pitchFamily="49" charset="0"/>
-              </a:rPr>
-              <a:t>Inicjalizacja</a:t>
-            </a:r>
-          </a:p>
-          <a:p>
-            <a:pPr>
-              <a:buFont typeface="Corbel" panose="020B0503020204020204" pitchFamily="34" charset="0"/>
-              <a:buChar char="-"/>
-              <a:tabLst>
-                <a:tab pos="0" algn="l"/>
-              </a:tabLst>
-            </a:pPr>
-            <a:r>
-              <a:rPr lang="pl-PL" dirty="0">
-                <a:latin typeface="+mj-lt"/>
-                <a:ea typeface="Fira Code" panose="020B0809050000020004" pitchFamily="49" charset="0"/>
-                <a:cs typeface="Fira Code" panose="020B0809050000020004" pitchFamily="49" charset="0"/>
-              </a:rPr>
-              <a:t>Wyświetlanie</a:t>
-            </a:r>
-          </a:p>
-          <a:p>
-            <a:pPr marL="177800" lvl="1">
-              <a:buFont typeface="Corbel" panose="020B0503020204020204" pitchFamily="34" charset="0"/>
-              <a:buChar char="-"/>
-              <a:tabLst>
-                <a:tab pos="0" algn="l"/>
-              </a:tabLst>
-            </a:pPr>
-            <a:r>
-              <a:rPr lang="pl-PL" dirty="0" err="1">
-                <a:latin typeface="+mj-lt"/>
-                <a:ea typeface="Fira Code" panose="020B0809050000020004" pitchFamily="49" charset="0"/>
-                <a:cs typeface="Fira Code" panose="020B0809050000020004" pitchFamily="49" charset="0"/>
-              </a:rPr>
-              <a:t>Sprite</a:t>
-            </a:r>
-            <a:r>
-              <a:rPr lang="pl-PL" dirty="0">
-                <a:latin typeface="+mj-lt"/>
-                <a:ea typeface="Fira Code" panose="020B0809050000020004" pitchFamily="49" charset="0"/>
-                <a:cs typeface="Fira Code" panose="020B0809050000020004" pitchFamily="49" charset="0"/>
-              </a:rPr>
-              <a:t> pojawia się w oknie</a:t>
-            </a:r>
-          </a:p>
-          <a:p>
-            <a:pPr>
-              <a:buFont typeface="Corbel" panose="020B0503020204020204" pitchFamily="34" charset="0"/>
-              <a:buChar char="-"/>
-              <a:tabLst>
-                <a:tab pos="0" algn="l"/>
-              </a:tabLst>
-            </a:pPr>
-            <a:r>
-              <a:rPr lang="pl-PL" dirty="0">
-                <a:latin typeface="+mj-lt"/>
-                <a:ea typeface="Fira Code" panose="020B0809050000020004" pitchFamily="49" charset="0"/>
-                <a:cs typeface="Fira Code" panose="020B0809050000020004" pitchFamily="49" charset="0"/>
-              </a:rPr>
-              <a:t>Obliczenia fizyczne</a:t>
-            </a:r>
-          </a:p>
-          <a:p>
-            <a:pPr marL="177800" lvl="1">
-              <a:buFont typeface="Corbel" panose="020B0503020204020204" pitchFamily="34" charset="0"/>
-              <a:buChar char="-"/>
-              <a:tabLst>
-                <a:tab pos="0" algn="l"/>
-              </a:tabLst>
-            </a:pPr>
-            <a:r>
-              <a:rPr lang="pl-PL" dirty="0">
-                <a:latin typeface="+mj-lt"/>
-                <a:ea typeface="Fira Code" panose="020B0809050000020004" pitchFamily="49" charset="0"/>
-                <a:cs typeface="Fira Code" panose="020B0809050000020004" pitchFamily="49" charset="0"/>
-              </a:rPr>
-              <a:t>Przesunięcie liniowe</a:t>
-            </a:r>
-          </a:p>
-          <a:p>
-            <a:pPr>
-              <a:buFont typeface="Corbel" panose="020B0503020204020204" pitchFamily="34" charset="0"/>
-              <a:buChar char="-"/>
-              <a:tabLst>
-                <a:tab pos="0" algn="l"/>
-              </a:tabLst>
-            </a:pPr>
-            <a:r>
-              <a:rPr lang="pl-PL" dirty="0">
-                <a:latin typeface="+mj-lt"/>
-                <a:ea typeface="Fira Code" panose="020B0809050000020004" pitchFamily="49" charset="0"/>
-                <a:cs typeface="Fira Code" panose="020B0809050000020004" pitchFamily="49" charset="0"/>
-              </a:rPr>
-              <a:t>Funkcje pomocnicze</a:t>
-            </a:r>
-          </a:p>
-          <a:p>
-            <a:pPr marL="177800" lvl="1">
-              <a:buFont typeface="Corbel" panose="020B0503020204020204" pitchFamily="34" charset="0"/>
-              <a:buChar char="-"/>
-              <a:tabLst>
-                <a:tab pos="0" algn="l"/>
-              </a:tabLst>
-            </a:pPr>
-            <a:endParaRPr lang="pl-PL" dirty="0">
-              <a:latin typeface="+mj-lt"/>
-              <a:ea typeface="Fira Code" panose="020B0809050000020004" pitchFamily="49" charset="0"/>
-              <a:cs typeface="Fira Code" panose="020B0809050000020004" pitchFamily="49" charset="0"/>
-            </a:endParaRPr>
-          </a:p>
-          <a:p>
-            <a:pPr>
-              <a:buFont typeface="Corbel" panose="020B0503020204020204" pitchFamily="34" charset="0"/>
-              <a:buChar char="-"/>
-              <a:tabLst>
-                <a:tab pos="0" algn="l"/>
-              </a:tabLst>
-            </a:pPr>
-            <a:endParaRPr lang="pl-PL" dirty="0">
-              <a:latin typeface="+mj-lt"/>
-              <a:ea typeface="Fira Code" panose="020B0809050000020004" pitchFamily="49" charset="0"/>
-              <a:cs typeface="Fira Code" panose="020B0809050000020004" pitchFamily="49" charset="0"/>
-            </a:endParaRPr>
+              <a:t>Pociski w zestawie</a:t>
+            </a:r>
           </a:p>
         </p:txBody>
       </p:sp>
     </p:spTree>
     <p:extLst>
       <p:ext uri="{BB962C8B-B14F-4D97-AF65-F5344CB8AC3E}">
-        <p14:creationId xmlns:p14="http://schemas.microsoft.com/office/powerpoint/2010/main" val="2881218596"/>
+        <p14:creationId xmlns:p14="http://schemas.microsoft.com/office/powerpoint/2010/main" val="4142479184"/>
       </p:ext>
     </p:extLst>
   </p:cSld>
@@ -8832,7 +8581,7 @@
           <p:cNvPr id="4" name="Tytuł 3">
             <a:extLst>
               <a:ext uri="{FF2B5EF4-FFF2-40B4-BE49-F238E27FC236}">
-                <a16:creationId xmlns:a16="http://schemas.microsoft.com/office/drawing/2014/main" id="{6C98E7D4-571C-43F8-9031-210ECD560F71}"/>
+                <a16:creationId xmlns:a16="http://schemas.microsoft.com/office/drawing/2014/main" id="{A4F30059-0E5F-44C1-BA94-2514DAF7AB17}"/>
               </a:ext>
             </a:extLst>
           </p:cNvPr>
@@ -8850,7 +8599,359 @@
           <a:p>
             <a:r>
               <a:rPr lang="pl-PL" dirty="0"/>
-              <a:t>Krok Trzeci: „Znak Gracza”</a:t>
+              <a:t>Zmiany w Plikach</a:t>
+            </a:r>
+          </a:p>
+        </p:txBody>
+      </p:sp>
+      <p:sp>
+        <p:nvSpPr>
+          <p:cNvPr id="5" name="Symbol zastępczy zawartości 4">
+            <a:extLst>
+              <a:ext uri="{FF2B5EF4-FFF2-40B4-BE49-F238E27FC236}">
+                <a16:creationId xmlns:a16="http://schemas.microsoft.com/office/drawing/2014/main" id="{8E3DED06-1798-45C4-B141-AEA17C7D328B}"/>
+              </a:ext>
+            </a:extLst>
+          </p:cNvPr>
+          <p:cNvSpPr>
+            <a:spLocks noGrp="1"/>
+          </p:cNvSpPr>
+          <p:nvPr>
+            <p:ph idx="1"/>
+          </p:nvPr>
+        </p:nvSpPr>
+        <p:spPr/>
+        <p:txBody>
+          <a:bodyPr/>
+          <a:lstStyle/>
+          <a:p>
+            <a:endParaRPr lang="pl-PL" dirty="0"/>
+          </a:p>
+        </p:txBody>
+      </p:sp>
+      <p:sp>
+        <p:nvSpPr>
+          <p:cNvPr id="7" name="Prostokąt 6">
+            <a:extLst>
+              <a:ext uri="{FF2B5EF4-FFF2-40B4-BE49-F238E27FC236}">
+                <a16:creationId xmlns:a16="http://schemas.microsoft.com/office/drawing/2014/main" id="{0284144B-42E3-46CA-BB0F-6E6305DADC73}"/>
+              </a:ext>
+            </a:extLst>
+          </p:cNvPr>
+          <p:cNvSpPr/>
+          <p:nvPr/>
+        </p:nvSpPr>
+        <p:spPr>
+          <a:xfrm>
+            <a:off x="3869268" y="873251"/>
+            <a:ext cx="2555808" cy="1738213"/>
+          </a:xfrm>
+          <a:prstGeom prst="rect">
+            <a:avLst/>
+          </a:prstGeom>
+        </p:spPr>
+        <p:style>
+          <a:lnRef idx="2">
+            <a:schemeClr val="accent1">
+              <a:shade val="50000"/>
+            </a:schemeClr>
+          </a:lnRef>
+          <a:fillRef idx="1">
+            <a:schemeClr val="accent1"/>
+          </a:fillRef>
+          <a:effectRef idx="0">
+            <a:schemeClr val="accent1"/>
+          </a:effectRef>
+          <a:fontRef idx="minor">
+            <a:schemeClr val="lt1"/>
+          </a:fontRef>
+        </p:style>
+        <p:txBody>
+          <a:bodyPr rtlCol="0" anchor="t"/>
+          <a:lstStyle/>
+          <a:p>
+            <a:pPr algn="ctr"/>
+            <a:r>
+              <a:rPr lang="pl-PL" dirty="0">
+                <a:latin typeface="Fira Code" panose="020B0809050000020004" pitchFamily="49" charset="0"/>
+                <a:ea typeface="Fira Code" panose="020B0809050000020004" pitchFamily="49" charset="0"/>
+                <a:cs typeface="Fira Code" panose="020B0809050000020004" pitchFamily="49" charset="0"/>
+              </a:rPr>
+              <a:t>main.py</a:t>
+            </a:r>
+          </a:p>
+          <a:p>
+            <a:pPr marL="85725" lvl="1">
+              <a:buSzPct val="100000"/>
+              <a:buFont typeface="Corbel" panose="020B0503020204020204" pitchFamily="34" charset="0"/>
+              <a:buChar char="-"/>
+            </a:pPr>
+            <a:r>
+              <a:rPr lang="pl-PL" dirty="0"/>
+              <a:t>Inicjalizacja kontrolera</a:t>
+            </a:r>
+          </a:p>
+          <a:p>
+            <a:pPr marL="85725" lvl="1">
+              <a:buSzPct val="100000"/>
+              <a:buFont typeface="Corbel" panose="020B0503020204020204" pitchFamily="34" charset="0"/>
+              <a:buChar char="-"/>
+            </a:pPr>
+            <a:r>
+              <a:rPr lang="pl-PL" dirty="0"/>
+              <a:t>W pętli głównej: </a:t>
+            </a:r>
+          </a:p>
+          <a:p>
+            <a:pPr marL="177800" lvl="2">
+              <a:buSzPct val="100000"/>
+              <a:buFont typeface="Corbel" panose="020B0503020204020204" pitchFamily="34" charset="0"/>
+              <a:buChar char="-"/>
+            </a:pPr>
+            <a:r>
+              <a:rPr lang="pl-PL" dirty="0"/>
+              <a:t>Obliczenia i rysowanie </a:t>
+            </a:r>
+            <a:r>
+              <a:rPr lang="pl-PL" dirty="0" err="1"/>
+              <a:t>niemilców</a:t>
+            </a:r>
+            <a:endParaRPr lang="pl-PL" dirty="0"/>
+          </a:p>
+        </p:txBody>
+      </p:sp>
+      <p:sp>
+        <p:nvSpPr>
+          <p:cNvPr id="2" name="Prostokąt 1">
+            <a:extLst>
+              <a:ext uri="{FF2B5EF4-FFF2-40B4-BE49-F238E27FC236}">
+                <a16:creationId xmlns:a16="http://schemas.microsoft.com/office/drawing/2014/main" id="{57837B36-638E-4998-8422-C1B8BBC1AECF}"/>
+              </a:ext>
+            </a:extLst>
+          </p:cNvPr>
+          <p:cNvSpPr/>
+          <p:nvPr/>
+        </p:nvSpPr>
+        <p:spPr>
+          <a:xfrm>
+            <a:off x="6969545" y="873249"/>
+            <a:ext cx="2555808" cy="3954474"/>
+          </a:xfrm>
+          <a:prstGeom prst="rect">
+            <a:avLst/>
+          </a:prstGeom>
+        </p:spPr>
+        <p:style>
+          <a:lnRef idx="2">
+            <a:schemeClr val="accent1">
+              <a:shade val="50000"/>
+            </a:schemeClr>
+          </a:lnRef>
+          <a:fillRef idx="1">
+            <a:schemeClr val="accent1"/>
+          </a:fillRef>
+          <a:effectRef idx="0">
+            <a:schemeClr val="accent1"/>
+          </a:effectRef>
+          <a:fontRef idx="minor">
+            <a:schemeClr val="lt1"/>
+          </a:fontRef>
+        </p:style>
+        <p:txBody>
+          <a:bodyPr rtlCol="0" anchor="t"/>
+          <a:lstStyle/>
+          <a:p>
+            <a:pPr algn="ctr"/>
+            <a:r>
+              <a:rPr lang="pl-PL" dirty="0">
+                <a:latin typeface="Fira Code" panose="020B0809050000020004" pitchFamily="49" charset="0"/>
+                <a:ea typeface="Fira Code" panose="020B0809050000020004" pitchFamily="49" charset="0"/>
+                <a:cs typeface="Fira Code" panose="020B0809050000020004" pitchFamily="49" charset="0"/>
+              </a:rPr>
+              <a:t>enemy.py</a:t>
+            </a:r>
+          </a:p>
+          <a:p>
+            <a:pPr>
+              <a:buFont typeface="Corbel" panose="020B0503020204020204" pitchFamily="34" charset="0"/>
+              <a:buChar char="-"/>
+              <a:tabLst>
+                <a:tab pos="0" algn="l"/>
+              </a:tabLst>
+            </a:pPr>
+            <a:r>
+              <a:rPr lang="pl-PL" dirty="0">
+                <a:latin typeface="+mj-lt"/>
+                <a:ea typeface="Fira Code" panose="020B0809050000020004" pitchFamily="49" charset="0"/>
+                <a:cs typeface="Fira Code" panose="020B0809050000020004" pitchFamily="49" charset="0"/>
+              </a:rPr>
+              <a:t>Przeciwnik</a:t>
+            </a:r>
+          </a:p>
+          <a:p>
+            <a:pPr marL="177800" lvl="1">
+              <a:buFont typeface="Corbel" panose="020B0503020204020204" pitchFamily="34" charset="0"/>
+              <a:buChar char="-"/>
+              <a:tabLst>
+                <a:tab pos="0" algn="l"/>
+              </a:tabLst>
+            </a:pPr>
+            <a:r>
+              <a:rPr lang="pl-PL" dirty="0">
+                <a:latin typeface="+mj-lt"/>
+                <a:ea typeface="Fira Code" panose="020B0809050000020004" pitchFamily="49" charset="0"/>
+                <a:cs typeface="Fira Code" panose="020B0809050000020004" pitchFamily="49" charset="0"/>
+              </a:rPr>
+              <a:t>Wyświetlanie</a:t>
+            </a:r>
+          </a:p>
+          <a:p>
+            <a:pPr marL="271463" lvl="2">
+              <a:buFont typeface="Corbel" panose="020B0503020204020204" pitchFamily="34" charset="0"/>
+              <a:buChar char="-"/>
+              <a:tabLst>
+                <a:tab pos="0" algn="l"/>
+              </a:tabLst>
+            </a:pPr>
+            <a:r>
+              <a:rPr lang="pl-PL" dirty="0">
+                <a:latin typeface="+mj-lt"/>
+                <a:ea typeface="Fira Code" panose="020B0809050000020004" pitchFamily="49" charset="0"/>
+                <a:cs typeface="Fira Code" panose="020B0809050000020004" pitchFamily="49" charset="0"/>
+              </a:rPr>
+              <a:t>Warunek „jeżeli żyje”</a:t>
+            </a:r>
+          </a:p>
+          <a:p>
+            <a:pPr marL="177800" lvl="1">
+              <a:buFont typeface="Corbel" panose="020B0503020204020204" pitchFamily="34" charset="0"/>
+              <a:buChar char="-"/>
+              <a:tabLst>
+                <a:tab pos="0" algn="l"/>
+              </a:tabLst>
+            </a:pPr>
+            <a:r>
+              <a:rPr lang="pl-PL" dirty="0">
+                <a:latin typeface="+mj-lt"/>
+                <a:ea typeface="Fira Code" panose="020B0809050000020004" pitchFamily="49" charset="0"/>
+                <a:cs typeface="Fira Code" panose="020B0809050000020004" pitchFamily="49" charset="0"/>
+              </a:rPr>
+              <a:t>Obliczenia fizyczne</a:t>
+            </a:r>
+          </a:p>
+          <a:p>
+            <a:pPr marL="271463" lvl="2">
+              <a:buFont typeface="Corbel" panose="020B0503020204020204" pitchFamily="34" charset="0"/>
+              <a:buChar char="-"/>
+              <a:tabLst>
+                <a:tab pos="0" algn="l"/>
+              </a:tabLst>
+            </a:pPr>
+            <a:r>
+              <a:rPr lang="pl-PL" dirty="0">
+                <a:latin typeface="+mj-lt"/>
+                <a:ea typeface="Fira Code" panose="020B0809050000020004" pitchFamily="49" charset="0"/>
+                <a:cs typeface="Fira Code" panose="020B0809050000020004" pitchFamily="49" charset="0"/>
+              </a:rPr>
+              <a:t>Przygotowanie do strzelania</a:t>
+            </a:r>
+          </a:p>
+          <a:p>
+            <a:pPr marL="271463" lvl="2">
+              <a:buFont typeface="Corbel" panose="020B0503020204020204" pitchFamily="34" charset="0"/>
+              <a:buChar char="-"/>
+              <a:tabLst>
+                <a:tab pos="0" algn="l"/>
+              </a:tabLst>
+            </a:pPr>
+            <a:r>
+              <a:rPr lang="pl-PL" dirty="0">
+                <a:latin typeface="+mj-lt"/>
+                <a:ea typeface="Fira Code" panose="020B0809050000020004" pitchFamily="49" charset="0"/>
+                <a:cs typeface="Fira Code" panose="020B0809050000020004" pitchFamily="49" charset="0"/>
+              </a:rPr>
+              <a:t>Podstawowe AI</a:t>
+            </a:r>
+          </a:p>
+          <a:p>
+            <a:pPr>
+              <a:buFont typeface="Corbel" panose="020B0503020204020204" pitchFamily="34" charset="0"/>
+              <a:buChar char="-"/>
+              <a:tabLst>
+                <a:tab pos="0" algn="l"/>
+              </a:tabLst>
+            </a:pPr>
+            <a:r>
+              <a:rPr lang="pl-PL" dirty="0">
+                <a:latin typeface="+mj-lt"/>
+                <a:ea typeface="Fira Code" panose="020B0809050000020004" pitchFamily="49" charset="0"/>
+                <a:cs typeface="Fira Code" panose="020B0809050000020004" pitchFamily="49" charset="0"/>
+              </a:rPr>
+              <a:t>Kontroler</a:t>
+            </a:r>
+          </a:p>
+          <a:p>
+            <a:pPr marL="177800" lvl="1">
+              <a:buFont typeface="Corbel" panose="020B0503020204020204" pitchFamily="34" charset="0"/>
+              <a:buChar char="-"/>
+              <a:tabLst>
+                <a:tab pos="0" algn="l"/>
+              </a:tabLst>
+            </a:pPr>
+            <a:r>
+              <a:rPr lang="pl-PL" dirty="0">
+                <a:latin typeface="+mj-lt"/>
+                <a:ea typeface="Fira Code" panose="020B0809050000020004" pitchFamily="49" charset="0"/>
+                <a:cs typeface="Fira Code" panose="020B0809050000020004" pitchFamily="49" charset="0"/>
+              </a:rPr>
+              <a:t>Dodawanie </a:t>
+            </a:r>
+            <a:r>
+              <a:rPr lang="pl-PL" dirty="0" err="1">
+                <a:latin typeface="+mj-lt"/>
+                <a:ea typeface="Fira Code" panose="020B0809050000020004" pitchFamily="49" charset="0"/>
+                <a:cs typeface="Fira Code" panose="020B0809050000020004" pitchFamily="49" charset="0"/>
+              </a:rPr>
+              <a:t>niemilców</a:t>
+            </a:r>
+            <a:endParaRPr lang="pl-PL" dirty="0">
+              <a:latin typeface="+mj-lt"/>
+              <a:ea typeface="Fira Code" panose="020B0809050000020004" pitchFamily="49" charset="0"/>
+              <a:cs typeface="Fira Code" panose="020B0809050000020004" pitchFamily="49" charset="0"/>
+            </a:endParaRPr>
+          </a:p>
+          <a:p>
+            <a:pPr marL="177800" lvl="1">
+              <a:buFont typeface="Corbel" panose="020B0503020204020204" pitchFamily="34" charset="0"/>
+              <a:buChar char="-"/>
+              <a:tabLst>
+                <a:tab pos="0" algn="l"/>
+              </a:tabLst>
+            </a:pPr>
+            <a:r>
+              <a:rPr lang="pl-PL" dirty="0">
+                <a:latin typeface="+mj-lt"/>
+                <a:ea typeface="Fira Code" panose="020B0809050000020004" pitchFamily="49" charset="0"/>
+                <a:cs typeface="Fira Code" panose="020B0809050000020004" pitchFamily="49" charset="0"/>
+              </a:rPr>
+              <a:t>Usuwanie martwych</a:t>
+            </a:r>
+          </a:p>
+          <a:p>
+            <a:pPr marL="177800" lvl="1">
+              <a:buFont typeface="Corbel" panose="020B0503020204020204" pitchFamily="34" charset="0"/>
+              <a:buChar char="-"/>
+              <a:tabLst>
+                <a:tab pos="0" algn="l"/>
+              </a:tabLst>
+            </a:pPr>
+            <a:r>
+              <a:rPr lang="pl-PL" dirty="0">
+                <a:latin typeface="+mj-lt"/>
+                <a:ea typeface="Fira Code" panose="020B0809050000020004" pitchFamily="49" charset="0"/>
+                <a:cs typeface="Fira Code" panose="020B0809050000020004" pitchFamily="49" charset="0"/>
+              </a:rPr>
+              <a:t>Uruchamianie rysowania i obliczeń przeciwników </a:t>
             </a:r>
           </a:p>
         </p:txBody>
@@ -8858,7 +8959,7 @@
     </p:spTree>
     <p:extLst>
       <p:ext uri="{BB962C8B-B14F-4D97-AF65-F5344CB8AC3E}">
-        <p14:creationId xmlns:p14="http://schemas.microsoft.com/office/powerpoint/2010/main" val="2056797221"/>
+        <p14:creationId xmlns:p14="http://schemas.microsoft.com/office/powerpoint/2010/main" val="4117563009"/>
       </p:ext>
     </p:extLst>
   </p:cSld>
@@ -8887,10 +8988,10 @@
       </p:grpSpPr>
       <p:sp>
         <p:nvSpPr>
-          <p:cNvPr id="3" name="Tytuł 2">
+          <p:cNvPr id="4" name="Tytuł 3">
             <a:extLst>
               <a:ext uri="{FF2B5EF4-FFF2-40B4-BE49-F238E27FC236}">
-                <a16:creationId xmlns:a16="http://schemas.microsoft.com/office/drawing/2014/main" id="{A82705B4-4497-42E1-9B12-4B55D5B4B0D7}"/>
+                <a16:creationId xmlns:a16="http://schemas.microsoft.com/office/drawing/2014/main" id="{35B307CB-3E2A-4493-BB97-D478540F1241}"/>
               </a:ext>
             </a:extLst>
           </p:cNvPr>
@@ -8910,40 +9011,9 @@
               <a:rPr lang="pl-PL" dirty="0"/>
               <a:t>Krok Czwarty</a:t>
             </a:r>
-            <a:br>
-              <a:rPr lang="pl-PL" dirty="0"/>
-            </a:br>
-            <a:r>
-              <a:rPr lang="pl-PL" dirty="0"/>
-              <a:t>Przeciwnicy</a:t>
-            </a:r>
-          </a:p>
-        </p:txBody>
-      </p:sp>
-      <p:sp>
-        <p:nvSpPr>
-          <p:cNvPr id="4" name="Symbol zastępczy tekstu 3">
-            <a:extLst>
-              <a:ext uri="{FF2B5EF4-FFF2-40B4-BE49-F238E27FC236}">
-                <a16:creationId xmlns:a16="http://schemas.microsoft.com/office/drawing/2014/main" id="{F09098D3-7A35-4965-997A-7643818CB89D}"/>
-              </a:ext>
-            </a:extLst>
-          </p:cNvPr>
-          <p:cNvSpPr>
-            <a:spLocks noGrp="1"/>
-          </p:cNvSpPr>
-          <p:nvPr>
-            <p:ph type="body" idx="1"/>
-          </p:nvPr>
-        </p:nvSpPr>
-        <p:spPr/>
-        <p:txBody>
-          <a:bodyPr/>
-          <a:lstStyle/>
-          <a:p>
-            <a:r>
-              <a:rPr lang="pl-PL" dirty="0"/>
-              <a:t>Pociski w zestawie</a:t>
+            <a:r>
+              <a:rPr lang="pl-PL"/>
+              <a:t>: Przeciwnicy</a:t>
             </a:r>
           </a:p>
         </p:txBody>
@@ -8951,7 +9021,7 @@
     </p:spTree>
     <p:extLst>
       <p:ext uri="{BB962C8B-B14F-4D97-AF65-F5344CB8AC3E}">
-        <p14:creationId xmlns:p14="http://schemas.microsoft.com/office/powerpoint/2010/main" val="4142479184"/>
+        <p14:creationId xmlns:p14="http://schemas.microsoft.com/office/powerpoint/2010/main" val="1817906763"/>
       </p:ext>
     </p:extLst>
   </p:cSld>
@@ -8980,10 +9050,10 @@
       </p:grpSpPr>
       <p:sp>
         <p:nvSpPr>
-          <p:cNvPr id="4" name="Tytuł 3">
+          <p:cNvPr id="3" name="Tytuł 2">
             <a:extLst>
               <a:ext uri="{FF2B5EF4-FFF2-40B4-BE49-F238E27FC236}">
-                <a16:creationId xmlns:a16="http://schemas.microsoft.com/office/drawing/2014/main" id="{A4F30059-0E5F-44C1-BA94-2514DAF7AB17}"/>
+                <a16:creationId xmlns:a16="http://schemas.microsoft.com/office/drawing/2014/main" id="{C643C7F9-37FA-4663-A400-37411E853145}"/>
               </a:ext>
             </a:extLst>
           </p:cNvPr>
@@ -9001,17 +9071,24 @@
           <a:p>
             <a:r>
               <a:rPr lang="pl-PL" dirty="0"/>
-              <a:t>Zmiany w Plikach</a:t>
-            </a:r>
-          </a:p>
-        </p:txBody>
-      </p:sp>
-      <p:sp>
-        <p:nvSpPr>
-          <p:cNvPr id="5" name="Symbol zastępczy zawartości 4">
+              <a:t>Krok Piąty</a:t>
+            </a:r>
+            <a:br>
+              <a:rPr lang="pl-PL" dirty="0"/>
+            </a:br>
+            <a:r>
+              <a:rPr lang="pl-PL" dirty="0"/>
+              <a:t>Kolizje</a:t>
+            </a:r>
+          </a:p>
+        </p:txBody>
+      </p:sp>
+      <p:sp>
+        <p:nvSpPr>
+          <p:cNvPr id="4" name="Symbol zastępczy tekstu 3">
             <a:extLst>
               <a:ext uri="{FF2B5EF4-FFF2-40B4-BE49-F238E27FC236}">
-                <a16:creationId xmlns:a16="http://schemas.microsoft.com/office/drawing/2014/main" id="{8E3DED06-1798-45C4-B141-AEA17C7D328B}"/>
+                <a16:creationId xmlns:a16="http://schemas.microsoft.com/office/drawing/2014/main" id="{D4263FA3-B97A-49C9-ACF5-49AA9AA91AB9}"/>
               </a:ext>
             </a:extLst>
           </p:cNvPr>
@@ -9019,7 +9096,7 @@
             <a:spLocks noGrp="1"/>
           </p:cNvSpPr>
           <p:nvPr>
-            <p:ph idx="1"/>
+            <p:ph type="body" idx="1"/>
           </p:nvPr>
         </p:nvSpPr>
         <p:spPr/>
@@ -9028,340 +9105,13 @@
           <a:lstStyle/>
           <a:p>
             <a:endParaRPr lang="pl-PL" dirty="0"/>
-          </a:p>
-        </p:txBody>
-      </p:sp>
-      <p:sp>
-        <p:nvSpPr>
-          <p:cNvPr id="7" name="Prostokąt 6">
-            <a:extLst>
-              <a:ext uri="{FF2B5EF4-FFF2-40B4-BE49-F238E27FC236}">
-                <a16:creationId xmlns:a16="http://schemas.microsoft.com/office/drawing/2014/main" id="{0284144B-42E3-46CA-BB0F-6E6305DADC73}"/>
-              </a:ext>
-            </a:extLst>
-          </p:cNvPr>
-          <p:cNvSpPr/>
-          <p:nvPr/>
-        </p:nvSpPr>
-        <p:spPr>
-          <a:xfrm>
-            <a:off x="3869268" y="873251"/>
-            <a:ext cx="2555808" cy="1738213"/>
-          </a:xfrm>
-          <a:prstGeom prst="rect">
-            <a:avLst/>
-          </a:prstGeom>
-        </p:spPr>
-        <p:style>
-          <a:lnRef idx="2">
-            <a:schemeClr val="accent1">
-              <a:shade val="50000"/>
-            </a:schemeClr>
-          </a:lnRef>
-          <a:fillRef idx="1">
-            <a:schemeClr val="accent1"/>
-          </a:fillRef>
-          <a:effectRef idx="0">
-            <a:schemeClr val="accent1"/>
-          </a:effectRef>
-          <a:fontRef idx="minor">
-            <a:schemeClr val="lt1"/>
-          </a:fontRef>
-        </p:style>
-        <p:txBody>
-          <a:bodyPr rtlCol="0" anchor="t"/>
-          <a:lstStyle/>
-          <a:p>
-            <a:pPr algn="ctr"/>
-            <a:r>
-              <a:rPr lang="pl-PL" dirty="0">
-                <a:latin typeface="Fira Code" panose="020B0809050000020004" pitchFamily="49" charset="0"/>
-                <a:ea typeface="Fira Code" panose="020B0809050000020004" pitchFamily="49" charset="0"/>
-                <a:cs typeface="Fira Code" panose="020B0809050000020004" pitchFamily="49" charset="0"/>
-              </a:rPr>
-              <a:t>main.py</a:t>
-            </a:r>
-          </a:p>
-          <a:p>
-            <a:pPr marL="85725" lvl="1">
-              <a:buSzPct val="100000"/>
-              <a:buFont typeface="Corbel" panose="020B0503020204020204" pitchFamily="34" charset="0"/>
-              <a:buChar char="-"/>
-            </a:pPr>
-            <a:r>
-              <a:rPr lang="pl-PL" dirty="0"/>
-              <a:t>Inicjalizacja kontrolera</a:t>
-            </a:r>
-          </a:p>
-          <a:p>
-            <a:pPr marL="85725" lvl="1">
-              <a:buSzPct val="100000"/>
-              <a:buFont typeface="Corbel" panose="020B0503020204020204" pitchFamily="34" charset="0"/>
-              <a:buChar char="-"/>
-            </a:pPr>
-            <a:r>
-              <a:rPr lang="pl-PL" dirty="0"/>
-              <a:t>W pętli głównej: </a:t>
-            </a:r>
-          </a:p>
-          <a:p>
-            <a:pPr marL="177800" lvl="2">
-              <a:buSzPct val="100000"/>
-              <a:buFont typeface="Corbel" panose="020B0503020204020204" pitchFamily="34" charset="0"/>
-              <a:buChar char="-"/>
-            </a:pPr>
-            <a:r>
-              <a:rPr lang="pl-PL" dirty="0"/>
-              <a:t>Obliczenia i rysowanie </a:t>
-            </a:r>
-            <a:r>
-              <a:rPr lang="pl-PL" dirty="0" err="1"/>
-              <a:t>niemilców</a:t>
-            </a:r>
-            <a:endParaRPr lang="pl-PL" dirty="0"/>
-          </a:p>
-        </p:txBody>
-      </p:sp>
-      <p:sp>
-        <p:nvSpPr>
-          <p:cNvPr id="2" name="Prostokąt 1">
-            <a:extLst>
-              <a:ext uri="{FF2B5EF4-FFF2-40B4-BE49-F238E27FC236}">
-                <a16:creationId xmlns:a16="http://schemas.microsoft.com/office/drawing/2014/main" id="{57837B36-638E-4998-8422-C1B8BBC1AECF}"/>
-              </a:ext>
-            </a:extLst>
-          </p:cNvPr>
-          <p:cNvSpPr/>
-          <p:nvPr/>
-        </p:nvSpPr>
-        <p:spPr>
-          <a:xfrm>
-            <a:off x="6969545" y="873249"/>
-            <a:ext cx="2555808" cy="3954474"/>
-          </a:xfrm>
-          <a:prstGeom prst="rect">
-            <a:avLst/>
-          </a:prstGeom>
-        </p:spPr>
-        <p:style>
-          <a:lnRef idx="2">
-            <a:schemeClr val="accent1">
-              <a:shade val="50000"/>
-            </a:schemeClr>
-          </a:lnRef>
-          <a:fillRef idx="1">
-            <a:schemeClr val="accent1"/>
-          </a:fillRef>
-          <a:effectRef idx="0">
-            <a:schemeClr val="accent1"/>
-          </a:effectRef>
-          <a:fontRef idx="minor">
-            <a:schemeClr val="lt1"/>
-          </a:fontRef>
-        </p:style>
-        <p:txBody>
-          <a:bodyPr rtlCol="0" anchor="t"/>
-          <a:lstStyle/>
-          <a:p>
-            <a:pPr algn="ctr"/>
-            <a:r>
-              <a:rPr lang="pl-PL" dirty="0">
-                <a:latin typeface="Fira Code" panose="020B0809050000020004" pitchFamily="49" charset="0"/>
-                <a:ea typeface="Fira Code" panose="020B0809050000020004" pitchFamily="49" charset="0"/>
-                <a:cs typeface="Fira Code" panose="020B0809050000020004" pitchFamily="49" charset="0"/>
-              </a:rPr>
-              <a:t>enemy.py</a:t>
-            </a:r>
-          </a:p>
-          <a:p>
-            <a:pPr>
-              <a:buFont typeface="Corbel" panose="020B0503020204020204" pitchFamily="34" charset="0"/>
-              <a:buChar char="-"/>
-              <a:tabLst>
-                <a:tab pos="0" algn="l"/>
-              </a:tabLst>
-            </a:pPr>
-            <a:r>
-              <a:rPr lang="pl-PL" dirty="0">
-                <a:latin typeface="+mj-lt"/>
-                <a:ea typeface="Fira Code" panose="020B0809050000020004" pitchFamily="49" charset="0"/>
-                <a:cs typeface="Fira Code" panose="020B0809050000020004" pitchFamily="49" charset="0"/>
-              </a:rPr>
-              <a:t>Przeciwnik</a:t>
-            </a:r>
-          </a:p>
-          <a:p>
-            <a:pPr marL="177800" lvl="1">
-              <a:buFont typeface="Corbel" panose="020B0503020204020204" pitchFamily="34" charset="0"/>
-              <a:buChar char="-"/>
-              <a:tabLst>
-                <a:tab pos="0" algn="l"/>
-              </a:tabLst>
-            </a:pPr>
-            <a:r>
-              <a:rPr lang="pl-PL" dirty="0">
-                <a:latin typeface="+mj-lt"/>
-                <a:ea typeface="Fira Code" panose="020B0809050000020004" pitchFamily="49" charset="0"/>
-                <a:cs typeface="Fira Code" panose="020B0809050000020004" pitchFamily="49" charset="0"/>
-              </a:rPr>
-              <a:t>Wyświetlanie</a:t>
-            </a:r>
-          </a:p>
-          <a:p>
-            <a:pPr marL="271463" lvl="2">
-              <a:buFont typeface="Corbel" panose="020B0503020204020204" pitchFamily="34" charset="0"/>
-              <a:buChar char="-"/>
-              <a:tabLst>
-                <a:tab pos="0" algn="l"/>
-              </a:tabLst>
-            </a:pPr>
-            <a:r>
-              <a:rPr lang="pl-PL" dirty="0">
-                <a:latin typeface="+mj-lt"/>
-                <a:ea typeface="Fira Code" panose="020B0809050000020004" pitchFamily="49" charset="0"/>
-                <a:cs typeface="Fira Code" panose="020B0809050000020004" pitchFamily="49" charset="0"/>
-              </a:rPr>
-              <a:t>Warunek „jeżeli żyje”</a:t>
-            </a:r>
-          </a:p>
-          <a:p>
-            <a:pPr marL="177800" lvl="1">
-              <a:buFont typeface="Corbel" panose="020B0503020204020204" pitchFamily="34" charset="0"/>
-              <a:buChar char="-"/>
-              <a:tabLst>
-                <a:tab pos="0" algn="l"/>
-              </a:tabLst>
-            </a:pPr>
-            <a:r>
-              <a:rPr lang="pl-PL" dirty="0">
-                <a:latin typeface="+mj-lt"/>
-                <a:ea typeface="Fira Code" panose="020B0809050000020004" pitchFamily="49" charset="0"/>
-                <a:cs typeface="Fira Code" panose="020B0809050000020004" pitchFamily="49" charset="0"/>
-              </a:rPr>
-              <a:t>Obliczenia fizyczne</a:t>
-            </a:r>
-          </a:p>
-          <a:p>
-            <a:pPr marL="271463" lvl="2">
-              <a:buFont typeface="Corbel" panose="020B0503020204020204" pitchFamily="34" charset="0"/>
-              <a:buChar char="-"/>
-              <a:tabLst>
-                <a:tab pos="0" algn="l"/>
-              </a:tabLst>
-            </a:pPr>
-            <a:r>
-              <a:rPr lang="pl-PL" dirty="0">
-                <a:latin typeface="+mj-lt"/>
-                <a:ea typeface="Fira Code" panose="020B0809050000020004" pitchFamily="49" charset="0"/>
-                <a:cs typeface="Fira Code" panose="020B0809050000020004" pitchFamily="49" charset="0"/>
-              </a:rPr>
-              <a:t>Przygotowanie do strzelania</a:t>
-            </a:r>
-          </a:p>
-          <a:p>
-            <a:pPr marL="271463" lvl="2">
-              <a:buFont typeface="Corbel" panose="020B0503020204020204" pitchFamily="34" charset="0"/>
-              <a:buChar char="-"/>
-              <a:tabLst>
-                <a:tab pos="0" algn="l"/>
-              </a:tabLst>
-            </a:pPr>
-            <a:r>
-              <a:rPr lang="pl-PL" dirty="0">
-                <a:latin typeface="+mj-lt"/>
-                <a:ea typeface="Fira Code" panose="020B0809050000020004" pitchFamily="49" charset="0"/>
-                <a:cs typeface="Fira Code" panose="020B0809050000020004" pitchFamily="49" charset="0"/>
-              </a:rPr>
-              <a:t>Podstawowe AI</a:t>
-            </a:r>
-          </a:p>
-          <a:p>
-            <a:pPr>
-              <a:buFont typeface="Corbel" panose="020B0503020204020204" pitchFamily="34" charset="0"/>
-              <a:buChar char="-"/>
-              <a:tabLst>
-                <a:tab pos="0" algn="l"/>
-              </a:tabLst>
-            </a:pPr>
-            <a:r>
-              <a:rPr lang="pl-PL" dirty="0">
-                <a:latin typeface="+mj-lt"/>
-                <a:ea typeface="Fira Code" panose="020B0809050000020004" pitchFamily="49" charset="0"/>
-                <a:cs typeface="Fira Code" panose="020B0809050000020004" pitchFamily="49" charset="0"/>
-              </a:rPr>
-              <a:t>Kontroler</a:t>
-            </a:r>
-          </a:p>
-          <a:p>
-            <a:pPr marL="177800" lvl="1">
-              <a:buFont typeface="Corbel" panose="020B0503020204020204" pitchFamily="34" charset="0"/>
-              <a:buChar char="-"/>
-              <a:tabLst>
-                <a:tab pos="0" algn="l"/>
-              </a:tabLst>
-            </a:pPr>
-            <a:r>
-              <a:rPr lang="pl-PL" dirty="0">
-                <a:latin typeface="+mj-lt"/>
-                <a:ea typeface="Fira Code" panose="020B0809050000020004" pitchFamily="49" charset="0"/>
-                <a:cs typeface="Fira Code" panose="020B0809050000020004" pitchFamily="49" charset="0"/>
-              </a:rPr>
-              <a:t>Dodawanie </a:t>
-            </a:r>
-            <a:r>
-              <a:rPr lang="pl-PL" dirty="0" err="1">
-                <a:latin typeface="+mj-lt"/>
-                <a:ea typeface="Fira Code" panose="020B0809050000020004" pitchFamily="49" charset="0"/>
-                <a:cs typeface="Fira Code" panose="020B0809050000020004" pitchFamily="49" charset="0"/>
-              </a:rPr>
-              <a:t>niemilców</a:t>
-            </a:r>
-            <a:endParaRPr lang="pl-PL" dirty="0">
-              <a:latin typeface="+mj-lt"/>
-              <a:ea typeface="Fira Code" panose="020B0809050000020004" pitchFamily="49" charset="0"/>
-              <a:cs typeface="Fira Code" panose="020B0809050000020004" pitchFamily="49" charset="0"/>
-            </a:endParaRPr>
-          </a:p>
-          <a:p>
-            <a:pPr marL="177800" lvl="1">
-              <a:buFont typeface="Corbel" panose="020B0503020204020204" pitchFamily="34" charset="0"/>
-              <a:buChar char="-"/>
-              <a:tabLst>
-                <a:tab pos="0" algn="l"/>
-              </a:tabLst>
-            </a:pPr>
-            <a:r>
-              <a:rPr lang="pl-PL" dirty="0">
-                <a:latin typeface="+mj-lt"/>
-                <a:ea typeface="Fira Code" panose="020B0809050000020004" pitchFamily="49" charset="0"/>
-                <a:cs typeface="Fira Code" panose="020B0809050000020004" pitchFamily="49" charset="0"/>
-              </a:rPr>
-              <a:t>Usuwanie martwych</a:t>
-            </a:r>
-          </a:p>
-          <a:p>
-            <a:pPr marL="177800" lvl="1">
-              <a:buFont typeface="Corbel" panose="020B0503020204020204" pitchFamily="34" charset="0"/>
-              <a:buChar char="-"/>
-              <a:tabLst>
-                <a:tab pos="0" algn="l"/>
-              </a:tabLst>
-            </a:pPr>
-            <a:r>
-              <a:rPr lang="pl-PL" dirty="0">
-                <a:latin typeface="+mj-lt"/>
-                <a:ea typeface="Fira Code" panose="020B0809050000020004" pitchFamily="49" charset="0"/>
-                <a:cs typeface="Fira Code" panose="020B0809050000020004" pitchFamily="49" charset="0"/>
-              </a:rPr>
-              <a:t>Uruchamianie rysowania i obliczeń przeciwników </a:t>
-            </a:r>
           </a:p>
         </p:txBody>
       </p:sp>
     </p:spTree>
     <p:extLst>
       <p:ext uri="{BB962C8B-B14F-4D97-AF65-F5344CB8AC3E}">
-        <p14:creationId xmlns:p14="http://schemas.microsoft.com/office/powerpoint/2010/main" val="4117563009"/>
+        <p14:creationId xmlns:p14="http://schemas.microsoft.com/office/powerpoint/2010/main" val="2026084043"/>
       </p:ext>
     </p:extLst>
   </p:cSld>
@@ -9393,7 +9143,7 @@
           <p:cNvPr id="4" name="Tytuł 3">
             <a:extLst>
               <a:ext uri="{FF2B5EF4-FFF2-40B4-BE49-F238E27FC236}">
-                <a16:creationId xmlns:a16="http://schemas.microsoft.com/office/drawing/2014/main" id="{35B307CB-3E2A-4493-BB97-D478540F1241}"/>
+                <a16:creationId xmlns:a16="http://schemas.microsoft.com/office/drawing/2014/main" id="{A4F30059-0E5F-44C1-BA94-2514DAF7AB17}"/>
               </a:ext>
             </a:extLst>
           </p:cNvPr>
@@ -9411,19 +9161,438 @@
           <a:p>
             <a:r>
               <a:rPr lang="pl-PL" dirty="0"/>
-              <a:t>Krok Czwarty</a:t>
-            </a:r>
-            <a:r>
-              <a:rPr lang="pl-PL"/>
-              <a:t>: Przeciwnicy</a:t>
-            </a:r>
+              <a:t>Zmiany w Plikach</a:t>
+            </a:r>
+          </a:p>
+        </p:txBody>
+      </p:sp>
+      <p:sp>
+        <p:nvSpPr>
+          <p:cNvPr id="5" name="Symbol zastępczy zawartości 4">
+            <a:extLst>
+              <a:ext uri="{FF2B5EF4-FFF2-40B4-BE49-F238E27FC236}">
+                <a16:creationId xmlns:a16="http://schemas.microsoft.com/office/drawing/2014/main" id="{8E3DED06-1798-45C4-B141-AEA17C7D328B}"/>
+              </a:ext>
+            </a:extLst>
+          </p:cNvPr>
+          <p:cNvSpPr>
+            <a:spLocks noGrp="1"/>
+          </p:cNvSpPr>
+          <p:nvPr>
+            <p:ph idx="1"/>
+          </p:nvPr>
+        </p:nvSpPr>
+        <p:spPr/>
+        <p:txBody>
+          <a:bodyPr/>
+          <a:lstStyle/>
+          <a:p>
+            <a:endParaRPr lang="pl-PL" dirty="0"/>
+          </a:p>
+        </p:txBody>
+      </p:sp>
+      <p:sp>
+        <p:nvSpPr>
+          <p:cNvPr id="7" name="Prostokąt 6">
+            <a:extLst>
+              <a:ext uri="{FF2B5EF4-FFF2-40B4-BE49-F238E27FC236}">
+                <a16:creationId xmlns:a16="http://schemas.microsoft.com/office/drawing/2014/main" id="{0284144B-42E3-46CA-BB0F-6E6305DADC73}"/>
+              </a:ext>
+            </a:extLst>
+          </p:cNvPr>
+          <p:cNvSpPr/>
+          <p:nvPr/>
+        </p:nvSpPr>
+        <p:spPr>
+          <a:xfrm>
+            <a:off x="3869268" y="873251"/>
+            <a:ext cx="2555808" cy="1738213"/>
+          </a:xfrm>
+          <a:prstGeom prst="rect">
+            <a:avLst/>
+          </a:prstGeom>
+        </p:spPr>
+        <p:style>
+          <a:lnRef idx="2">
+            <a:schemeClr val="accent1">
+              <a:shade val="50000"/>
+            </a:schemeClr>
+          </a:lnRef>
+          <a:fillRef idx="1">
+            <a:schemeClr val="accent1"/>
+          </a:fillRef>
+          <a:effectRef idx="0">
+            <a:schemeClr val="accent1"/>
+          </a:effectRef>
+          <a:fontRef idx="minor">
+            <a:schemeClr val="lt1"/>
+          </a:fontRef>
+        </p:style>
+        <p:txBody>
+          <a:bodyPr rtlCol="0" anchor="t"/>
+          <a:lstStyle/>
+          <a:p>
+            <a:pPr algn="ctr"/>
+            <a:r>
+              <a:rPr lang="pl-PL" dirty="0">
+                <a:latin typeface="Fira Code" panose="020B0809050000020004" pitchFamily="49" charset="0"/>
+                <a:ea typeface="Fira Code" panose="020B0809050000020004" pitchFamily="49" charset="0"/>
+                <a:cs typeface="Fira Code" panose="020B0809050000020004" pitchFamily="49" charset="0"/>
+              </a:rPr>
+              <a:t>main.py</a:t>
+            </a:r>
+          </a:p>
+          <a:p>
+            <a:pPr marL="85725" lvl="1">
+              <a:buSzPct val="100000"/>
+              <a:buFont typeface="Corbel" panose="020B0503020204020204" pitchFamily="34" charset="0"/>
+              <a:buChar char="-"/>
+            </a:pPr>
+            <a:r>
+              <a:rPr lang="pl-PL" dirty="0"/>
+              <a:t>W pętli głównej:</a:t>
+            </a:r>
+          </a:p>
+          <a:p>
+            <a:pPr marL="177800" lvl="2">
+              <a:buSzPct val="100000"/>
+              <a:buFont typeface="Corbel" panose="020B0503020204020204" pitchFamily="34" charset="0"/>
+              <a:buChar char="-"/>
+            </a:pPr>
+            <a:r>
+              <a:rPr lang="pl-PL" dirty="0"/>
+              <a:t>Przeliczenia i rysowanie pocisków </a:t>
+            </a:r>
+          </a:p>
+        </p:txBody>
+      </p:sp>
+      <p:sp>
+        <p:nvSpPr>
+          <p:cNvPr id="2" name="Prostokąt 1">
+            <a:extLst>
+              <a:ext uri="{FF2B5EF4-FFF2-40B4-BE49-F238E27FC236}">
+                <a16:creationId xmlns:a16="http://schemas.microsoft.com/office/drawing/2014/main" id="{57837B36-638E-4998-8422-C1B8BBC1AECF}"/>
+              </a:ext>
+            </a:extLst>
+          </p:cNvPr>
+          <p:cNvSpPr/>
+          <p:nvPr/>
+        </p:nvSpPr>
+        <p:spPr>
+          <a:xfrm>
+            <a:off x="3869268" y="2810537"/>
+            <a:ext cx="2555808" cy="1838954"/>
+          </a:xfrm>
+          <a:prstGeom prst="rect">
+            <a:avLst/>
+          </a:prstGeom>
+        </p:spPr>
+        <p:style>
+          <a:lnRef idx="2">
+            <a:schemeClr val="accent1">
+              <a:shade val="50000"/>
+            </a:schemeClr>
+          </a:lnRef>
+          <a:fillRef idx="1">
+            <a:schemeClr val="accent1"/>
+          </a:fillRef>
+          <a:effectRef idx="0">
+            <a:schemeClr val="accent1"/>
+          </a:effectRef>
+          <a:fontRef idx="minor">
+            <a:schemeClr val="lt1"/>
+          </a:fontRef>
+        </p:style>
+        <p:txBody>
+          <a:bodyPr rtlCol="0" anchor="t"/>
+          <a:lstStyle/>
+          <a:p>
+            <a:pPr algn="ctr"/>
+            <a:r>
+              <a:rPr lang="pl-PL" dirty="0">
+                <a:latin typeface="Fira Code" panose="020B0809050000020004" pitchFamily="49" charset="0"/>
+                <a:ea typeface="Fira Code" panose="020B0809050000020004" pitchFamily="49" charset="0"/>
+                <a:cs typeface="Fira Code" panose="020B0809050000020004" pitchFamily="49" charset="0"/>
+              </a:rPr>
+              <a:t>bullets.py</a:t>
+            </a:r>
+          </a:p>
+          <a:p>
+            <a:pPr>
+              <a:buFont typeface="Corbel" panose="020B0503020204020204" pitchFamily="34" charset="0"/>
+              <a:buChar char="-"/>
+              <a:tabLst>
+                <a:tab pos="0" algn="l"/>
+              </a:tabLst>
+            </a:pPr>
+            <a:r>
+              <a:rPr lang="pl-PL" dirty="0">
+                <a:latin typeface="+mj-lt"/>
+                <a:ea typeface="Fira Code" panose="020B0809050000020004" pitchFamily="49" charset="0"/>
+                <a:cs typeface="Fira Code" panose="020B0809050000020004" pitchFamily="49" charset="0"/>
+              </a:rPr>
+              <a:t>Pocisk</a:t>
+            </a:r>
+          </a:p>
+          <a:p>
+            <a:pPr marL="177800" lvl="1">
+              <a:buFont typeface="Corbel" panose="020B0503020204020204" pitchFamily="34" charset="0"/>
+              <a:buChar char="-"/>
+              <a:tabLst>
+                <a:tab pos="0" algn="l"/>
+              </a:tabLst>
+            </a:pPr>
+            <a:r>
+              <a:rPr lang="pl-PL" dirty="0">
+                <a:latin typeface="+mj-lt"/>
+                <a:ea typeface="Fira Code" panose="020B0809050000020004" pitchFamily="49" charset="0"/>
+                <a:cs typeface="Fira Code" panose="020B0809050000020004" pitchFamily="49" charset="0"/>
+              </a:rPr>
+              <a:t>Obliczenia i rysowanie</a:t>
+            </a:r>
+          </a:p>
+          <a:p>
+            <a:pPr>
+              <a:buFont typeface="Corbel" panose="020B0503020204020204" pitchFamily="34" charset="0"/>
+              <a:buChar char="-"/>
+              <a:tabLst>
+                <a:tab pos="0" algn="l"/>
+              </a:tabLst>
+            </a:pPr>
+            <a:r>
+              <a:rPr lang="pl-PL" dirty="0">
+                <a:latin typeface="+mj-lt"/>
+                <a:ea typeface="Fira Code" panose="020B0809050000020004" pitchFamily="49" charset="0"/>
+                <a:cs typeface="Fira Code" panose="020B0809050000020004" pitchFamily="49" charset="0"/>
+              </a:rPr>
+              <a:t>Uruchamianie rysowania i obliczeń wszystkich pocisków</a:t>
+            </a:r>
+          </a:p>
+          <a:p>
+            <a:pPr>
+              <a:buFont typeface="Corbel" panose="020B0503020204020204" pitchFamily="34" charset="0"/>
+              <a:buChar char="-"/>
+              <a:tabLst>
+                <a:tab pos="0" algn="l"/>
+              </a:tabLst>
+            </a:pPr>
+            <a:endParaRPr lang="pl-PL" dirty="0">
+              <a:latin typeface="+mj-lt"/>
+              <a:ea typeface="Fira Code" panose="020B0809050000020004" pitchFamily="49" charset="0"/>
+              <a:cs typeface="Fira Code" panose="020B0809050000020004" pitchFamily="49" charset="0"/>
+            </a:endParaRPr>
+          </a:p>
+        </p:txBody>
+      </p:sp>
+      <p:sp>
+        <p:nvSpPr>
+          <p:cNvPr id="6" name="Prostokąt 5">
+            <a:extLst>
+              <a:ext uri="{FF2B5EF4-FFF2-40B4-BE49-F238E27FC236}">
+                <a16:creationId xmlns:a16="http://schemas.microsoft.com/office/drawing/2014/main" id="{38239FE8-07AA-49E9-A528-6A08F5647B41}"/>
+              </a:ext>
+            </a:extLst>
+          </p:cNvPr>
+          <p:cNvSpPr/>
+          <p:nvPr/>
+        </p:nvSpPr>
+        <p:spPr>
+          <a:xfrm>
+            <a:off x="6958597" y="873251"/>
+            <a:ext cx="2555808" cy="1869949"/>
+          </a:xfrm>
+          <a:prstGeom prst="rect">
+            <a:avLst/>
+          </a:prstGeom>
+        </p:spPr>
+        <p:style>
+          <a:lnRef idx="2">
+            <a:schemeClr val="accent1">
+              <a:shade val="50000"/>
+            </a:schemeClr>
+          </a:lnRef>
+          <a:fillRef idx="1">
+            <a:schemeClr val="accent1"/>
+          </a:fillRef>
+          <a:effectRef idx="0">
+            <a:schemeClr val="accent1"/>
+          </a:effectRef>
+          <a:fontRef idx="minor">
+            <a:schemeClr val="lt1"/>
+          </a:fontRef>
+        </p:style>
+        <p:txBody>
+          <a:bodyPr rtlCol="0" anchor="t"/>
+          <a:lstStyle/>
+          <a:p>
+            <a:pPr algn="ctr"/>
+            <a:r>
+              <a:rPr lang="pl-PL" dirty="0">
+                <a:latin typeface="Fira Code" panose="020B0809050000020004" pitchFamily="49" charset="0"/>
+                <a:ea typeface="Fira Code" panose="020B0809050000020004" pitchFamily="49" charset="0"/>
+                <a:cs typeface="Fira Code" panose="020B0809050000020004" pitchFamily="49" charset="0"/>
+              </a:rPr>
+              <a:t>enemy.py</a:t>
+            </a:r>
+          </a:p>
+          <a:p>
+            <a:pPr>
+              <a:buFont typeface="Corbel" panose="020B0503020204020204" pitchFamily="34" charset="0"/>
+              <a:buChar char="-"/>
+              <a:tabLst>
+                <a:tab pos="0" algn="l"/>
+              </a:tabLst>
+            </a:pPr>
+            <a:r>
+              <a:rPr lang="pl-PL" dirty="0">
+                <a:latin typeface="+mj-lt"/>
+                <a:ea typeface="Fira Code" panose="020B0809050000020004" pitchFamily="49" charset="0"/>
+                <a:cs typeface="Fira Code" panose="020B0809050000020004" pitchFamily="49" charset="0"/>
+              </a:rPr>
+              <a:t>Przeciwnik</a:t>
+            </a:r>
+          </a:p>
+          <a:p>
+            <a:pPr marL="177800" lvl="1">
+              <a:buFont typeface="Corbel" panose="020B0503020204020204" pitchFamily="34" charset="0"/>
+              <a:buChar char="-"/>
+              <a:tabLst>
+                <a:tab pos="0" algn="l"/>
+              </a:tabLst>
+            </a:pPr>
+            <a:r>
+              <a:rPr lang="pl-PL" dirty="0">
+                <a:latin typeface="+mj-lt"/>
+                <a:ea typeface="Fira Code" panose="020B0809050000020004" pitchFamily="49" charset="0"/>
+                <a:cs typeface="Fira Code" panose="020B0809050000020004" pitchFamily="49" charset="0"/>
+              </a:rPr>
+              <a:t>Strzela</a:t>
+            </a:r>
+          </a:p>
+          <a:p>
+            <a:pPr>
+              <a:buFont typeface="Corbel" panose="020B0503020204020204" pitchFamily="34" charset="0"/>
+              <a:buChar char="-"/>
+              <a:tabLst>
+                <a:tab pos="0" algn="l"/>
+              </a:tabLst>
+            </a:pPr>
+            <a:r>
+              <a:rPr lang="pl-PL" dirty="0">
+                <a:latin typeface="+mj-lt"/>
+                <a:ea typeface="Fira Code" panose="020B0809050000020004" pitchFamily="49" charset="0"/>
+                <a:cs typeface="Fira Code" panose="020B0809050000020004" pitchFamily="49" charset="0"/>
+              </a:rPr>
+              <a:t>Kontroler</a:t>
+            </a:r>
+          </a:p>
+          <a:p>
+            <a:pPr marL="177800" lvl="1">
+              <a:buFont typeface="Corbel" panose="020B0503020204020204" pitchFamily="34" charset="0"/>
+              <a:buChar char="-"/>
+              <a:tabLst>
+                <a:tab pos="0" algn="l"/>
+              </a:tabLst>
+            </a:pPr>
+            <a:r>
+              <a:rPr lang="pl-PL" dirty="0">
+                <a:latin typeface="+mj-lt"/>
+                <a:ea typeface="Fira Code" panose="020B0809050000020004" pitchFamily="49" charset="0"/>
+                <a:cs typeface="Fira Code" panose="020B0809050000020004" pitchFamily="49" charset="0"/>
+              </a:rPr>
+              <a:t>Sprawdza trafienia pocisków gracza</a:t>
+            </a:r>
+          </a:p>
+        </p:txBody>
+      </p:sp>
+      <p:sp>
+        <p:nvSpPr>
+          <p:cNvPr id="12" name="Prostokąt 11">
+            <a:extLst>
+              <a:ext uri="{FF2B5EF4-FFF2-40B4-BE49-F238E27FC236}">
+                <a16:creationId xmlns:a16="http://schemas.microsoft.com/office/drawing/2014/main" id="{2FE1A9DE-20FE-405F-A254-67DA781B5E3B}"/>
+              </a:ext>
+            </a:extLst>
+          </p:cNvPr>
+          <p:cNvSpPr/>
+          <p:nvPr/>
+        </p:nvSpPr>
+        <p:spPr>
+          <a:xfrm>
+            <a:off x="6958597" y="3090710"/>
+            <a:ext cx="2555808" cy="2048181"/>
+          </a:xfrm>
+          <a:prstGeom prst="rect">
+            <a:avLst/>
+          </a:prstGeom>
+        </p:spPr>
+        <p:style>
+          <a:lnRef idx="2">
+            <a:schemeClr val="accent1">
+              <a:shade val="50000"/>
+            </a:schemeClr>
+          </a:lnRef>
+          <a:fillRef idx="1">
+            <a:schemeClr val="accent1"/>
+          </a:fillRef>
+          <a:effectRef idx="0">
+            <a:schemeClr val="accent1"/>
+          </a:effectRef>
+          <a:fontRef idx="minor">
+            <a:schemeClr val="lt1"/>
+          </a:fontRef>
+        </p:style>
+        <p:txBody>
+          <a:bodyPr rtlCol="0" anchor="t"/>
+          <a:lstStyle/>
+          <a:p>
+            <a:pPr algn="ctr"/>
+            <a:r>
+              <a:rPr lang="pl-PL" dirty="0">
+                <a:latin typeface="Fira Code" panose="020B0809050000020004" pitchFamily="49" charset="0"/>
+                <a:ea typeface="Fira Code" panose="020B0809050000020004" pitchFamily="49" charset="0"/>
+                <a:cs typeface="Fira Code" panose="020B0809050000020004" pitchFamily="49" charset="0"/>
+              </a:rPr>
+              <a:t>player.py</a:t>
+            </a:r>
+          </a:p>
+          <a:p>
+            <a:pPr>
+              <a:buFont typeface="Corbel" panose="020B0503020204020204" pitchFamily="34" charset="0"/>
+              <a:buChar char="-"/>
+              <a:tabLst>
+                <a:tab pos="0" algn="l"/>
+              </a:tabLst>
+            </a:pPr>
+            <a:r>
+              <a:rPr lang="pl-PL" dirty="0">
+                <a:latin typeface="+mj-lt"/>
+                <a:ea typeface="Fira Code" panose="020B0809050000020004" pitchFamily="49" charset="0"/>
+                <a:cs typeface="Fira Code" panose="020B0809050000020004" pitchFamily="49" charset="0"/>
+              </a:rPr>
+              <a:t>Sprawdza czy został trafiony przez pocisk przeciwnika</a:t>
+            </a:r>
+          </a:p>
+          <a:p>
+            <a:pPr>
+              <a:buFont typeface="Corbel" panose="020B0503020204020204" pitchFamily="34" charset="0"/>
+              <a:buChar char="-"/>
+              <a:tabLst>
+                <a:tab pos="0" algn="l"/>
+              </a:tabLst>
+            </a:pPr>
+            <a:endParaRPr lang="pl-PL" dirty="0">
+              <a:latin typeface="+mj-lt"/>
+              <a:ea typeface="Fira Code" panose="020B0809050000020004" pitchFamily="49" charset="0"/>
+              <a:cs typeface="Fira Code" panose="020B0809050000020004" pitchFamily="49" charset="0"/>
+            </a:endParaRPr>
           </a:p>
         </p:txBody>
       </p:sp>
     </p:spTree>
     <p:extLst>
       <p:ext uri="{BB962C8B-B14F-4D97-AF65-F5344CB8AC3E}">
-        <p14:creationId xmlns:p14="http://schemas.microsoft.com/office/powerpoint/2010/main" val="1817906763"/>
+        <p14:creationId xmlns:p14="http://schemas.microsoft.com/office/powerpoint/2010/main" val="1811176252"/>
       </p:ext>
     </p:extLst>
   </p:cSld>
@@ -9452,10 +9621,10 @@
       </p:grpSpPr>
       <p:sp>
         <p:nvSpPr>
-          <p:cNvPr id="3" name="Tytuł 2">
+          <p:cNvPr id="2" name="Tytuł 1">
             <a:extLst>
               <a:ext uri="{FF2B5EF4-FFF2-40B4-BE49-F238E27FC236}">
-                <a16:creationId xmlns:a16="http://schemas.microsoft.com/office/drawing/2014/main" id="{C643C7F9-37FA-4663-A400-37411E853145}"/>
+                <a16:creationId xmlns:a16="http://schemas.microsoft.com/office/drawing/2014/main" id="{318DFBF3-98DF-4988-9236-8646486336F8}"/>
               </a:ext>
             </a:extLst>
           </p:cNvPr>
@@ -9473,47 +9642,15 @@
           <a:p>
             <a:r>
               <a:rPr lang="pl-PL" dirty="0"/>
-              <a:t>Krok Piąty</a:t>
-            </a:r>
-            <a:br>
-              <a:rPr lang="pl-PL" dirty="0"/>
-            </a:br>
-            <a:r>
-              <a:rPr lang="pl-PL" dirty="0"/>
-              <a:t>Kolizje</a:t>
-            </a:r>
-          </a:p>
-        </p:txBody>
-      </p:sp>
-      <p:sp>
-        <p:nvSpPr>
-          <p:cNvPr id="4" name="Symbol zastępczy tekstu 3">
-            <a:extLst>
-              <a:ext uri="{FF2B5EF4-FFF2-40B4-BE49-F238E27FC236}">
-                <a16:creationId xmlns:a16="http://schemas.microsoft.com/office/drawing/2014/main" id="{D4263FA3-B97A-49C9-ACF5-49AA9AA91AB9}"/>
-              </a:ext>
-            </a:extLst>
-          </p:cNvPr>
-          <p:cNvSpPr>
-            <a:spLocks noGrp="1"/>
-          </p:cNvSpPr>
-          <p:nvPr>
-            <p:ph type="body" idx="1"/>
-          </p:nvPr>
-        </p:nvSpPr>
-        <p:spPr/>
-        <p:txBody>
-          <a:bodyPr/>
-          <a:lstStyle/>
-          <a:p>
-            <a:endParaRPr lang="pl-PL" dirty="0"/>
+              <a:t>Krok Piąty: Kolizje</a:t>
+            </a:r>
           </a:p>
         </p:txBody>
       </p:sp>
     </p:spTree>
     <p:extLst>
       <p:ext uri="{BB962C8B-B14F-4D97-AF65-F5344CB8AC3E}">
-        <p14:creationId xmlns:p14="http://schemas.microsoft.com/office/powerpoint/2010/main" val="2026084043"/>
+        <p14:creationId xmlns:p14="http://schemas.microsoft.com/office/powerpoint/2010/main" val="2145759083"/>
       </p:ext>
     </p:extLst>
   </p:cSld>
@@ -9542,10 +9679,10 @@
       </p:grpSpPr>
       <p:sp>
         <p:nvSpPr>
-          <p:cNvPr id="4" name="Tytuł 3">
+          <p:cNvPr id="5" name="Tytuł 4">
             <a:extLst>
               <a:ext uri="{FF2B5EF4-FFF2-40B4-BE49-F238E27FC236}">
-                <a16:creationId xmlns:a16="http://schemas.microsoft.com/office/drawing/2014/main" id="{A4F30059-0E5F-44C1-BA94-2514DAF7AB17}"/>
+                <a16:creationId xmlns:a16="http://schemas.microsoft.com/office/drawing/2014/main" id="{456E4128-FAD0-455D-BDFA-5158C4D8CF81}"/>
               </a:ext>
             </a:extLst>
           </p:cNvPr>
@@ -9563,17 +9700,24 @@
           <a:p>
             <a:r>
               <a:rPr lang="pl-PL" dirty="0"/>
-              <a:t>Zmiany w Plikach</a:t>
-            </a:r>
-          </a:p>
-        </p:txBody>
-      </p:sp>
-      <p:sp>
-        <p:nvSpPr>
-          <p:cNvPr id="5" name="Symbol zastępczy zawartości 4">
+              <a:t>Krok Szósty</a:t>
+            </a:r>
+            <a:br>
+              <a:rPr lang="pl-PL" dirty="0"/>
+            </a:br>
+            <a:r>
+              <a:rPr lang="pl-PL" dirty="0"/>
+              <a:t>Dodatki</a:t>
+            </a:r>
+          </a:p>
+        </p:txBody>
+      </p:sp>
+      <p:sp>
+        <p:nvSpPr>
+          <p:cNvPr id="6" name="Symbol zastępczy tekstu 5">
             <a:extLst>
               <a:ext uri="{FF2B5EF4-FFF2-40B4-BE49-F238E27FC236}">
-                <a16:creationId xmlns:a16="http://schemas.microsoft.com/office/drawing/2014/main" id="{8E3DED06-1798-45C4-B141-AEA17C7D328B}"/>
+                <a16:creationId xmlns:a16="http://schemas.microsoft.com/office/drawing/2014/main" id="{087C7CCC-2194-4176-96D7-25166EF5A7B1}"/>
               </a:ext>
             </a:extLst>
           </p:cNvPr>
@@ -9581,7 +9725,7 @@
             <a:spLocks noGrp="1"/>
           </p:cNvSpPr>
           <p:nvPr>
-            <p:ph idx="1"/>
+            <p:ph type="body" idx="1"/>
           </p:nvPr>
         </p:nvSpPr>
         <p:spPr/>
@@ -9589,412 +9733,31 @@
           <a:bodyPr/>
           <a:lstStyle/>
           <a:p>
-            <a:endParaRPr lang="pl-PL" dirty="0"/>
-          </a:p>
-        </p:txBody>
-      </p:sp>
-      <p:sp>
-        <p:nvSpPr>
-          <p:cNvPr id="7" name="Prostokąt 6">
-            <a:extLst>
-              <a:ext uri="{FF2B5EF4-FFF2-40B4-BE49-F238E27FC236}">
-                <a16:creationId xmlns:a16="http://schemas.microsoft.com/office/drawing/2014/main" id="{0284144B-42E3-46CA-BB0F-6E6305DADC73}"/>
-              </a:ext>
-            </a:extLst>
-          </p:cNvPr>
-          <p:cNvSpPr/>
-          <p:nvPr/>
-        </p:nvSpPr>
-        <p:spPr>
-          <a:xfrm>
-            <a:off x="3869268" y="873251"/>
-            <a:ext cx="2555808" cy="1738213"/>
-          </a:xfrm>
-          <a:prstGeom prst="rect">
-            <a:avLst/>
-          </a:prstGeom>
-        </p:spPr>
-        <p:style>
-          <a:lnRef idx="2">
-            <a:schemeClr val="accent1">
-              <a:shade val="50000"/>
-            </a:schemeClr>
-          </a:lnRef>
-          <a:fillRef idx="1">
-            <a:schemeClr val="accent1"/>
-          </a:fillRef>
-          <a:effectRef idx="0">
-            <a:schemeClr val="accent1"/>
-          </a:effectRef>
-          <a:fontRef idx="minor">
-            <a:schemeClr val="lt1"/>
-          </a:fontRef>
-        </p:style>
-        <p:txBody>
-          <a:bodyPr rtlCol="0" anchor="t"/>
-          <a:lstStyle/>
-          <a:p>
-            <a:pPr algn="ctr"/>
-            <a:r>
-              <a:rPr lang="pl-PL" dirty="0">
-                <a:latin typeface="Fira Code" panose="020B0809050000020004" pitchFamily="49" charset="0"/>
-                <a:ea typeface="Fira Code" panose="020B0809050000020004" pitchFamily="49" charset="0"/>
-                <a:cs typeface="Fira Code" panose="020B0809050000020004" pitchFamily="49" charset="0"/>
-              </a:rPr>
-              <a:t>main.py</a:t>
-            </a:r>
-          </a:p>
-          <a:p>
-            <a:pPr marL="85725" lvl="1">
-              <a:buSzPct val="100000"/>
-              <a:buFont typeface="Corbel" panose="020B0503020204020204" pitchFamily="34" charset="0"/>
-              <a:buChar char="-"/>
-            </a:pPr>
             <a:r>
               <a:rPr lang="pl-PL" dirty="0"/>
-              <a:t>W pętli głównej:</a:t>
-            </a:r>
-          </a:p>
-          <a:p>
-            <a:pPr marL="177800" lvl="2">
-              <a:buSzPct val="100000"/>
-              <a:buFont typeface="Corbel" panose="020B0503020204020204" pitchFamily="34" charset="0"/>
-              <a:buChar char="-"/>
-            </a:pPr>
+              <a:t>Jak starczy czasu.</a:t>
+            </a:r>
+          </a:p>
+          <a:p>
             <a:r>
               <a:rPr lang="pl-PL" dirty="0"/>
-              <a:t>Przeliczenia i rysowanie pocisków </a:t>
-            </a:r>
-          </a:p>
-        </p:txBody>
-      </p:sp>
-      <p:sp>
-        <p:nvSpPr>
-          <p:cNvPr id="2" name="Prostokąt 1">
-            <a:extLst>
-              <a:ext uri="{FF2B5EF4-FFF2-40B4-BE49-F238E27FC236}">
-                <a16:creationId xmlns:a16="http://schemas.microsoft.com/office/drawing/2014/main" id="{57837B36-638E-4998-8422-C1B8BBC1AECF}"/>
-              </a:ext>
-            </a:extLst>
-          </p:cNvPr>
-          <p:cNvSpPr/>
-          <p:nvPr/>
-        </p:nvSpPr>
-        <p:spPr>
-          <a:xfrm>
-            <a:off x="3869268" y="2810537"/>
-            <a:ext cx="2555808" cy="1838954"/>
-          </a:xfrm>
-          <a:prstGeom prst="rect">
-            <a:avLst/>
-          </a:prstGeom>
-        </p:spPr>
-        <p:style>
-          <a:lnRef idx="2">
-            <a:schemeClr val="accent1">
-              <a:shade val="50000"/>
-            </a:schemeClr>
-          </a:lnRef>
-          <a:fillRef idx="1">
-            <a:schemeClr val="accent1"/>
-          </a:fillRef>
-          <a:effectRef idx="0">
-            <a:schemeClr val="accent1"/>
-          </a:effectRef>
-          <a:fontRef idx="minor">
-            <a:schemeClr val="lt1"/>
-          </a:fontRef>
-        </p:style>
-        <p:txBody>
-          <a:bodyPr rtlCol="0" anchor="t"/>
-          <a:lstStyle/>
-          <a:p>
-            <a:pPr algn="ctr"/>
-            <a:r>
-              <a:rPr lang="pl-PL" dirty="0">
-                <a:latin typeface="Fira Code" panose="020B0809050000020004" pitchFamily="49" charset="0"/>
-                <a:ea typeface="Fira Code" panose="020B0809050000020004" pitchFamily="49" charset="0"/>
-                <a:cs typeface="Fira Code" panose="020B0809050000020004" pitchFamily="49" charset="0"/>
-              </a:rPr>
-              <a:t>bullets.py</a:t>
-            </a:r>
-          </a:p>
-          <a:p>
-            <a:pPr>
-              <a:buFont typeface="Corbel" panose="020B0503020204020204" pitchFamily="34" charset="0"/>
-              <a:buChar char="-"/>
-              <a:tabLst>
-                <a:tab pos="0" algn="l"/>
-              </a:tabLst>
-            </a:pPr>
-            <a:r>
-              <a:rPr lang="pl-PL" dirty="0">
-                <a:latin typeface="+mj-lt"/>
-                <a:ea typeface="Fira Code" panose="020B0809050000020004" pitchFamily="49" charset="0"/>
-                <a:cs typeface="Fira Code" panose="020B0809050000020004" pitchFamily="49" charset="0"/>
-              </a:rPr>
-              <a:t>Pocisk</a:t>
-            </a:r>
-          </a:p>
-          <a:p>
-            <a:pPr marL="177800" lvl="1">
-              <a:buFont typeface="Corbel" panose="020B0503020204020204" pitchFamily="34" charset="0"/>
-              <a:buChar char="-"/>
-              <a:tabLst>
-                <a:tab pos="0" algn="l"/>
-              </a:tabLst>
-            </a:pPr>
-            <a:r>
-              <a:rPr lang="pl-PL" dirty="0">
-                <a:latin typeface="+mj-lt"/>
-                <a:ea typeface="Fira Code" panose="020B0809050000020004" pitchFamily="49" charset="0"/>
-                <a:cs typeface="Fira Code" panose="020B0809050000020004" pitchFamily="49" charset="0"/>
-              </a:rPr>
-              <a:t>Obliczenia i rysowanie</a:t>
-            </a:r>
-          </a:p>
-          <a:p>
-            <a:pPr>
-              <a:buFont typeface="Corbel" panose="020B0503020204020204" pitchFamily="34" charset="0"/>
-              <a:buChar char="-"/>
-              <a:tabLst>
-                <a:tab pos="0" algn="l"/>
-              </a:tabLst>
-            </a:pPr>
-            <a:r>
-              <a:rPr lang="pl-PL" dirty="0">
-                <a:latin typeface="+mj-lt"/>
-                <a:ea typeface="Fira Code" panose="020B0809050000020004" pitchFamily="49" charset="0"/>
-                <a:cs typeface="Fira Code" panose="020B0809050000020004" pitchFamily="49" charset="0"/>
-              </a:rPr>
-              <a:t>Uruchamianie rysowania i obliczeń wszystkich pocisków</a:t>
-            </a:r>
-          </a:p>
-          <a:p>
-            <a:pPr>
-              <a:buFont typeface="Corbel" panose="020B0503020204020204" pitchFamily="34" charset="0"/>
-              <a:buChar char="-"/>
-              <a:tabLst>
-                <a:tab pos="0" algn="l"/>
-              </a:tabLst>
-            </a:pPr>
-            <a:endParaRPr lang="pl-PL" dirty="0">
-              <a:latin typeface="+mj-lt"/>
-              <a:ea typeface="Fira Code" panose="020B0809050000020004" pitchFamily="49" charset="0"/>
-              <a:cs typeface="Fira Code" panose="020B0809050000020004" pitchFamily="49" charset="0"/>
-            </a:endParaRPr>
-          </a:p>
-        </p:txBody>
-      </p:sp>
-      <p:sp>
-        <p:nvSpPr>
-          <p:cNvPr id="6" name="Prostokąt 5">
-            <a:extLst>
-              <a:ext uri="{FF2B5EF4-FFF2-40B4-BE49-F238E27FC236}">
-                <a16:creationId xmlns:a16="http://schemas.microsoft.com/office/drawing/2014/main" id="{38239FE8-07AA-49E9-A528-6A08F5647B41}"/>
-              </a:ext>
-            </a:extLst>
-          </p:cNvPr>
-          <p:cNvSpPr/>
-          <p:nvPr/>
-        </p:nvSpPr>
-        <p:spPr>
-          <a:xfrm>
-            <a:off x="6958597" y="873251"/>
-            <a:ext cx="2555808" cy="1869949"/>
-          </a:xfrm>
-          <a:prstGeom prst="rect">
-            <a:avLst/>
-          </a:prstGeom>
-        </p:spPr>
-        <p:style>
-          <a:lnRef idx="2">
-            <a:schemeClr val="accent1">
-              <a:shade val="50000"/>
-            </a:schemeClr>
-          </a:lnRef>
-          <a:fillRef idx="1">
-            <a:schemeClr val="accent1"/>
-          </a:fillRef>
-          <a:effectRef idx="0">
-            <a:schemeClr val="accent1"/>
-          </a:effectRef>
-          <a:fontRef idx="minor">
-            <a:schemeClr val="lt1"/>
-          </a:fontRef>
-        </p:style>
-        <p:txBody>
-          <a:bodyPr rtlCol="0" anchor="t"/>
-          <a:lstStyle/>
-          <a:p>
-            <a:pPr algn="ctr"/>
-            <a:r>
-              <a:rPr lang="pl-PL" dirty="0">
-                <a:latin typeface="Fira Code" panose="020B0809050000020004" pitchFamily="49" charset="0"/>
-                <a:ea typeface="Fira Code" panose="020B0809050000020004" pitchFamily="49" charset="0"/>
-                <a:cs typeface="Fira Code" panose="020B0809050000020004" pitchFamily="49" charset="0"/>
-              </a:rPr>
-              <a:t>enemy.py</a:t>
-            </a:r>
-          </a:p>
-          <a:p>
-            <a:pPr>
-              <a:buFont typeface="Corbel" panose="020B0503020204020204" pitchFamily="34" charset="0"/>
-              <a:buChar char="-"/>
-              <a:tabLst>
-                <a:tab pos="0" algn="l"/>
-              </a:tabLst>
-            </a:pPr>
-            <a:r>
-              <a:rPr lang="pl-PL" dirty="0">
-                <a:latin typeface="+mj-lt"/>
-                <a:ea typeface="Fira Code" panose="020B0809050000020004" pitchFamily="49" charset="0"/>
-                <a:cs typeface="Fira Code" panose="020B0809050000020004" pitchFamily="49" charset="0"/>
-              </a:rPr>
-              <a:t>Przeciwnik</a:t>
-            </a:r>
-          </a:p>
-          <a:p>
-            <a:pPr marL="177800" lvl="1">
-              <a:buFont typeface="Corbel" panose="020B0503020204020204" pitchFamily="34" charset="0"/>
-              <a:buChar char="-"/>
-              <a:tabLst>
-                <a:tab pos="0" algn="l"/>
-              </a:tabLst>
-            </a:pPr>
-            <a:r>
-              <a:rPr lang="pl-PL" dirty="0">
-                <a:latin typeface="+mj-lt"/>
-                <a:ea typeface="Fira Code" panose="020B0809050000020004" pitchFamily="49" charset="0"/>
-                <a:cs typeface="Fira Code" panose="020B0809050000020004" pitchFamily="49" charset="0"/>
-              </a:rPr>
-              <a:t>Strzela</a:t>
-            </a:r>
-          </a:p>
-          <a:p>
-            <a:pPr>
-              <a:buFont typeface="Corbel" panose="020B0503020204020204" pitchFamily="34" charset="0"/>
-              <a:buChar char="-"/>
-              <a:tabLst>
-                <a:tab pos="0" algn="l"/>
-              </a:tabLst>
-            </a:pPr>
-            <a:r>
-              <a:rPr lang="pl-PL" dirty="0">
-                <a:latin typeface="+mj-lt"/>
-                <a:ea typeface="Fira Code" panose="020B0809050000020004" pitchFamily="49" charset="0"/>
-                <a:cs typeface="Fira Code" panose="020B0809050000020004" pitchFamily="49" charset="0"/>
-              </a:rPr>
-              <a:t>Kontroler</a:t>
-            </a:r>
-          </a:p>
-          <a:p>
-            <a:pPr marL="177800" lvl="1">
-              <a:buFont typeface="Corbel" panose="020B0503020204020204" pitchFamily="34" charset="0"/>
-              <a:buChar char="-"/>
-              <a:tabLst>
-                <a:tab pos="0" algn="l"/>
-              </a:tabLst>
-            </a:pPr>
-            <a:r>
-              <a:rPr lang="pl-PL" dirty="0">
-                <a:latin typeface="+mj-lt"/>
-                <a:ea typeface="Fira Code" panose="020B0809050000020004" pitchFamily="49" charset="0"/>
-                <a:cs typeface="Fira Code" panose="020B0809050000020004" pitchFamily="49" charset="0"/>
-              </a:rPr>
-              <a:t>Sprawdza trafienia pocisków gracza</a:t>
-            </a:r>
-          </a:p>
-        </p:txBody>
-      </p:sp>
-      <p:sp>
-        <p:nvSpPr>
-          <p:cNvPr id="12" name="Prostokąt 11">
-            <a:extLst>
-              <a:ext uri="{FF2B5EF4-FFF2-40B4-BE49-F238E27FC236}">
-                <a16:creationId xmlns:a16="http://schemas.microsoft.com/office/drawing/2014/main" id="{2FE1A9DE-20FE-405F-A254-67DA781B5E3B}"/>
-              </a:ext>
-            </a:extLst>
-          </p:cNvPr>
-          <p:cNvSpPr/>
-          <p:nvPr/>
-        </p:nvSpPr>
-        <p:spPr>
-          <a:xfrm>
-            <a:off x="6958597" y="3090710"/>
-            <a:ext cx="2555808" cy="2048181"/>
-          </a:xfrm>
-          <a:prstGeom prst="rect">
-            <a:avLst/>
-          </a:prstGeom>
-        </p:spPr>
-        <p:style>
-          <a:lnRef idx="2">
-            <a:schemeClr val="accent1">
-              <a:shade val="50000"/>
-            </a:schemeClr>
-          </a:lnRef>
-          <a:fillRef idx="1">
-            <a:schemeClr val="accent1"/>
-          </a:fillRef>
-          <a:effectRef idx="0">
-            <a:schemeClr val="accent1"/>
-          </a:effectRef>
-          <a:fontRef idx="minor">
-            <a:schemeClr val="lt1"/>
-          </a:fontRef>
-        </p:style>
-        <p:txBody>
-          <a:bodyPr rtlCol="0" anchor="t"/>
-          <a:lstStyle/>
-          <a:p>
-            <a:pPr algn="ctr"/>
-            <a:r>
-              <a:rPr lang="pl-PL" dirty="0">
-                <a:latin typeface="Fira Code" panose="020B0809050000020004" pitchFamily="49" charset="0"/>
-                <a:ea typeface="Fira Code" panose="020B0809050000020004" pitchFamily="49" charset="0"/>
-                <a:cs typeface="Fira Code" panose="020B0809050000020004" pitchFamily="49" charset="0"/>
-              </a:rPr>
-              <a:t>player.py</a:t>
-            </a:r>
-          </a:p>
-          <a:p>
-            <a:pPr>
-              <a:buFont typeface="Corbel" panose="020B0503020204020204" pitchFamily="34" charset="0"/>
-              <a:buChar char="-"/>
-              <a:tabLst>
-                <a:tab pos="0" algn="l"/>
-              </a:tabLst>
-            </a:pPr>
-            <a:r>
-              <a:rPr lang="pl-PL" dirty="0">
-                <a:latin typeface="+mj-lt"/>
-                <a:ea typeface="Fira Code" panose="020B0809050000020004" pitchFamily="49" charset="0"/>
-                <a:cs typeface="Fira Code" panose="020B0809050000020004" pitchFamily="49" charset="0"/>
-              </a:rPr>
-              <a:t>Sprawdza czy został trafiony przez pocisk przeciwnika</a:t>
-            </a:r>
-          </a:p>
-          <a:p>
-            <a:pPr>
-              <a:buFont typeface="Corbel" panose="020B0503020204020204" pitchFamily="34" charset="0"/>
-              <a:buChar char="-"/>
-              <a:tabLst>
-                <a:tab pos="0" algn="l"/>
-              </a:tabLst>
-            </a:pPr>
-            <a:endParaRPr lang="pl-PL" dirty="0">
-              <a:latin typeface="+mj-lt"/>
-              <a:ea typeface="Fira Code" panose="020B0809050000020004" pitchFamily="49" charset="0"/>
-              <a:cs typeface="Fira Code" panose="020B0809050000020004" pitchFamily="49" charset="0"/>
-            </a:endParaRPr>
+              <a:t>Tło, koniec gry, efekty dźwiękowe, </a:t>
+            </a:r>
+            <a:r>
+              <a:rPr lang="pl-PL" dirty="0" err="1"/>
+              <a:t>power-up</a:t>
+            </a:r>
+            <a:r>
+              <a:rPr lang="pl-PL" dirty="0"/>
+              <a:t>?</a:t>
+            </a:r>
           </a:p>
         </p:txBody>
       </p:sp>
     </p:spTree>
     <p:extLst>
       <p:ext uri="{BB962C8B-B14F-4D97-AF65-F5344CB8AC3E}">
-        <p14:creationId xmlns:p14="http://schemas.microsoft.com/office/powerpoint/2010/main" val="1811176252"/>
+        <p14:creationId xmlns:p14="http://schemas.microsoft.com/office/powerpoint/2010/main" val="2144853269"/>
       </p:ext>
     </p:extLst>
   </p:cSld>
@@ -10137,171 +9900,6 @@
           <a:p>
             <a:r>
               <a:rPr lang="pl-PL" dirty="0"/>
-              <a:t>Krok Piąty: Kolizje</a:t>
-            </a:r>
-          </a:p>
-        </p:txBody>
-      </p:sp>
-    </p:spTree>
-    <p:extLst>
-      <p:ext uri="{BB962C8B-B14F-4D97-AF65-F5344CB8AC3E}">
-        <p14:creationId xmlns:p14="http://schemas.microsoft.com/office/powerpoint/2010/main" val="2145759083"/>
-      </p:ext>
-    </p:extLst>
-  </p:cSld>
-  <p:clrMapOvr>
-    <a:masterClrMapping/>
-  </p:clrMapOvr>
-</p:sld>
-</file>
-
-<file path=ppt/slides/slide21.xml><?xml version="1.0" encoding="utf-8"?>
-<p:sld xmlns:a="http://schemas.openxmlformats.org/drawingml/2006/main" xmlns:r="http://schemas.openxmlformats.org/officeDocument/2006/relationships" xmlns:p="http://schemas.openxmlformats.org/presentationml/2006/main">
-  <p:cSld>
-    <p:spTree>
-      <p:nvGrpSpPr>
-        <p:cNvPr id="1" name=""/>
-        <p:cNvGrpSpPr/>
-        <p:nvPr/>
-      </p:nvGrpSpPr>
-      <p:grpSpPr>
-        <a:xfrm>
-          <a:off x="0" y="0"/>
-          <a:ext cx="0" cy="0"/>
-          <a:chOff x="0" y="0"/>
-          <a:chExt cx="0" cy="0"/>
-        </a:xfrm>
-      </p:grpSpPr>
-      <p:sp>
-        <p:nvSpPr>
-          <p:cNvPr id="5" name="Tytuł 4">
-            <a:extLst>
-              <a:ext uri="{FF2B5EF4-FFF2-40B4-BE49-F238E27FC236}">
-                <a16:creationId xmlns:a16="http://schemas.microsoft.com/office/drawing/2014/main" id="{456E4128-FAD0-455D-BDFA-5158C4D8CF81}"/>
-              </a:ext>
-            </a:extLst>
-          </p:cNvPr>
-          <p:cNvSpPr>
-            <a:spLocks noGrp="1"/>
-          </p:cNvSpPr>
-          <p:nvPr>
-            <p:ph type="title"/>
-          </p:nvPr>
-        </p:nvSpPr>
-        <p:spPr/>
-        <p:txBody>
-          <a:bodyPr/>
-          <a:lstStyle/>
-          <a:p>
-            <a:r>
-              <a:rPr lang="pl-PL" dirty="0"/>
-              <a:t>Krok Szósty</a:t>
-            </a:r>
-            <a:br>
-              <a:rPr lang="pl-PL" dirty="0"/>
-            </a:br>
-            <a:r>
-              <a:rPr lang="pl-PL" dirty="0"/>
-              <a:t>Dodatki</a:t>
-            </a:r>
-          </a:p>
-        </p:txBody>
-      </p:sp>
-      <p:sp>
-        <p:nvSpPr>
-          <p:cNvPr id="6" name="Symbol zastępczy tekstu 5">
-            <a:extLst>
-              <a:ext uri="{FF2B5EF4-FFF2-40B4-BE49-F238E27FC236}">
-                <a16:creationId xmlns:a16="http://schemas.microsoft.com/office/drawing/2014/main" id="{087C7CCC-2194-4176-96D7-25166EF5A7B1}"/>
-              </a:ext>
-            </a:extLst>
-          </p:cNvPr>
-          <p:cNvSpPr>
-            <a:spLocks noGrp="1"/>
-          </p:cNvSpPr>
-          <p:nvPr>
-            <p:ph type="body" idx="1"/>
-          </p:nvPr>
-        </p:nvSpPr>
-        <p:spPr/>
-        <p:txBody>
-          <a:bodyPr/>
-          <a:lstStyle/>
-          <a:p>
-            <a:r>
-              <a:rPr lang="pl-PL" dirty="0"/>
-              <a:t>Jak starczy czasu.</a:t>
-            </a:r>
-          </a:p>
-          <a:p>
-            <a:r>
-              <a:rPr lang="pl-PL" dirty="0"/>
-              <a:t>Tło, koniec gry, efekty dźwiękowe, </a:t>
-            </a:r>
-            <a:r>
-              <a:rPr lang="pl-PL" dirty="0" err="1"/>
-              <a:t>power-up</a:t>
-            </a:r>
-            <a:r>
-              <a:rPr lang="pl-PL" dirty="0"/>
-              <a:t>?</a:t>
-            </a:r>
-          </a:p>
-        </p:txBody>
-      </p:sp>
-    </p:spTree>
-    <p:extLst>
-      <p:ext uri="{BB962C8B-B14F-4D97-AF65-F5344CB8AC3E}">
-        <p14:creationId xmlns:p14="http://schemas.microsoft.com/office/powerpoint/2010/main" val="2144853269"/>
-      </p:ext>
-    </p:extLst>
-  </p:cSld>
-  <p:clrMapOvr>
-    <a:masterClrMapping/>
-  </p:clrMapOvr>
-</p:sld>
-</file>
-
-<file path=ppt/slides/slide22.xml><?xml version="1.0" encoding="utf-8"?>
-<p:sld xmlns:a="http://schemas.openxmlformats.org/drawingml/2006/main" xmlns:r="http://schemas.openxmlformats.org/officeDocument/2006/relationships" xmlns:p="http://schemas.openxmlformats.org/presentationml/2006/main">
-  <p:cSld>
-    <p:spTree>
-      <p:nvGrpSpPr>
-        <p:cNvPr id="1" name=""/>
-        <p:cNvGrpSpPr/>
-        <p:nvPr/>
-      </p:nvGrpSpPr>
-      <p:grpSpPr>
-        <a:xfrm>
-          <a:off x="0" y="0"/>
-          <a:ext cx="0" cy="0"/>
-          <a:chOff x="0" y="0"/>
-          <a:chExt cx="0" cy="0"/>
-        </a:xfrm>
-      </p:grpSpPr>
-      <p:sp>
-        <p:nvSpPr>
-          <p:cNvPr id="2" name="Tytuł 1">
-            <a:extLst>
-              <a:ext uri="{FF2B5EF4-FFF2-40B4-BE49-F238E27FC236}">
-                <a16:creationId xmlns:a16="http://schemas.microsoft.com/office/drawing/2014/main" id="{318DFBF3-98DF-4988-9236-8646486336F8}"/>
-              </a:ext>
-            </a:extLst>
-          </p:cNvPr>
-          <p:cNvSpPr>
-            <a:spLocks noGrp="1"/>
-          </p:cNvSpPr>
-          <p:nvPr>
-            <p:ph type="title"/>
-          </p:nvPr>
-        </p:nvSpPr>
-        <p:spPr/>
-        <p:txBody>
-          <a:bodyPr/>
-          <a:lstStyle/>
-          <a:p>
-            <a:r>
-              <a:rPr lang="pl-PL" dirty="0"/>
               <a:t>Krok </a:t>
             </a:r>
             <a:r>
@@ -10384,7 +9982,7 @@
 </file>
 
 <file path=ppt/slides/slide4.xml><?xml version="1.0" encoding="utf-8"?>
-<p:sld xmlns:a="http://schemas.openxmlformats.org/drawingml/2006/main" xmlns:r="http://schemas.openxmlformats.org/officeDocument/2006/relationships" xmlns:p="http://schemas.openxmlformats.org/presentationml/2006/main" show="0">
+<p:sld xmlns:a="http://schemas.openxmlformats.org/drawingml/2006/main" xmlns:r="http://schemas.openxmlformats.org/officeDocument/2006/relationships" xmlns:p="http://schemas.openxmlformats.org/presentationml/2006/main">
   <p:cSld>
     <p:spTree>
       <p:nvGrpSpPr>
@@ -10402,10 +10000,10 @@
       </p:grpSpPr>
       <p:sp>
         <p:nvSpPr>
-          <p:cNvPr id="3" name="Tytuł 2">
+          <p:cNvPr id="8" name="Tytuł 7">
             <a:extLst>
               <a:ext uri="{FF2B5EF4-FFF2-40B4-BE49-F238E27FC236}">
-                <a16:creationId xmlns:a16="http://schemas.microsoft.com/office/drawing/2014/main" id="{D1CDA005-0DC7-42EA-8624-C743C04CBCBA}"/>
+                <a16:creationId xmlns:a16="http://schemas.microsoft.com/office/drawing/2014/main" id="{5DE2A08A-D3A5-4F36-9138-2ED611AA12BD}"/>
               </a:ext>
             </a:extLst>
           </p:cNvPr>
@@ -10423,24 +10021,24 @@
           <a:p>
             <a:r>
               <a:rPr lang="pl-PL" dirty="0"/>
-              <a:t>Krok Zero-Pół</a:t>
+              <a:t>Krok Pierwszy</a:t>
             </a:r>
             <a:br>
               <a:rPr lang="pl-PL" dirty="0"/>
             </a:br>
             <a:r>
               <a:rPr lang="pl-PL" dirty="0"/>
-              <a:t>Teoria</a:t>
-            </a:r>
-          </a:p>
-        </p:txBody>
-      </p:sp>
-      <p:sp>
-        <p:nvSpPr>
-          <p:cNvPr id="4" name="Symbol zastępczy tekstu 3">
+              <a:t>Okno gry</a:t>
+            </a:r>
+          </a:p>
+        </p:txBody>
+      </p:sp>
+      <p:sp>
+        <p:nvSpPr>
+          <p:cNvPr id="13" name="Symbol zastępczy tekstu 12">
             <a:extLst>
               <a:ext uri="{FF2B5EF4-FFF2-40B4-BE49-F238E27FC236}">
-                <a16:creationId xmlns:a16="http://schemas.microsoft.com/office/drawing/2014/main" id="{0A2AB7F8-03C0-4E98-A7AB-AFE88C704E3E}"/>
+                <a16:creationId xmlns:a16="http://schemas.microsoft.com/office/drawing/2014/main" id="{7FC05B5B-3D23-45AF-85FF-15C2E6E92993}"/>
               </a:ext>
             </a:extLst>
           </p:cNvPr>
@@ -10458,7 +10056,7 @@
           <a:p>
             <a:r>
               <a:rPr lang="pl-PL" dirty="0"/>
-              <a:t>Jak to działa?</a:t>
+              <a:t>Pojawia się dzikie okno!</a:t>
             </a:r>
           </a:p>
         </p:txBody>
@@ -10466,7 +10064,7 @@
     </p:spTree>
     <p:extLst>
       <p:ext uri="{BB962C8B-B14F-4D97-AF65-F5344CB8AC3E}">
-        <p14:creationId xmlns:p14="http://schemas.microsoft.com/office/powerpoint/2010/main" val="743880283"/>
+        <p14:creationId xmlns:p14="http://schemas.microsoft.com/office/powerpoint/2010/main" val="1342786780"/>
       </p:ext>
     </p:extLst>
   </p:cSld>
@@ -10477,7 +10075,7 @@
 </file>
 
 <file path=ppt/slides/slide5.xml><?xml version="1.0" encoding="utf-8"?>
-<p:sld xmlns:a="http://schemas.openxmlformats.org/drawingml/2006/main" xmlns:r="http://schemas.openxmlformats.org/officeDocument/2006/relationships" xmlns:p="http://schemas.openxmlformats.org/presentationml/2006/main" show="0">
+<p:sld xmlns:a="http://schemas.openxmlformats.org/drawingml/2006/main" xmlns:r="http://schemas.openxmlformats.org/officeDocument/2006/relationships" xmlns:p="http://schemas.openxmlformats.org/presentationml/2006/main">
   <p:cSld>
     <p:spTree>
       <p:nvGrpSpPr>
@@ -10495,10 +10093,10 @@
       </p:grpSpPr>
       <p:sp>
         <p:nvSpPr>
-          <p:cNvPr id="5" name="Tytuł 4">
+          <p:cNvPr id="4" name="Tytuł 3">
             <a:extLst>
               <a:ext uri="{FF2B5EF4-FFF2-40B4-BE49-F238E27FC236}">
-                <a16:creationId xmlns:a16="http://schemas.microsoft.com/office/drawing/2014/main" id="{33BE70EB-9C7E-4D6F-956B-183C9BD92C5D}"/>
+                <a16:creationId xmlns:a16="http://schemas.microsoft.com/office/drawing/2014/main" id="{2C8802BE-A6AD-4587-8BC2-CF0218B327CA}"/>
               </a:ext>
             </a:extLst>
           </p:cNvPr>
@@ -10516,44 +10114,266 @@
           <a:p>
             <a:r>
               <a:rPr lang="pl-PL" dirty="0"/>
-              <a:t>Podstawowa struktura</a:t>
-            </a:r>
-          </a:p>
-        </p:txBody>
-      </p:sp>
-      <p:pic>
-        <p:nvPicPr>
-          <p:cNvPr id="25" name="Symbol zastępczy zawartości 24">
+              <a:t>Zmiany w plikach</a:t>
+            </a:r>
+          </a:p>
+        </p:txBody>
+      </p:sp>
+      <p:sp>
+        <p:nvSpPr>
+          <p:cNvPr id="5" name="Symbol zastępczy zawartości 4">
             <a:extLst>
               <a:ext uri="{FF2B5EF4-FFF2-40B4-BE49-F238E27FC236}">
-                <a16:creationId xmlns:a16="http://schemas.microsoft.com/office/drawing/2014/main" id="{650F0605-C99B-4D08-88BB-574C54D9B347}"/>
+                <a16:creationId xmlns:a16="http://schemas.microsoft.com/office/drawing/2014/main" id="{53CB500A-92AA-48B8-8E54-51A8C5BF2014}"/>
               </a:ext>
             </a:extLst>
           </p:cNvPr>
-          <p:cNvPicPr>
-            <a:picLocks noGrp="1" noChangeAspect="1"/>
-          </p:cNvPicPr>
+          <p:cNvSpPr>
+            <a:spLocks noGrp="1"/>
+          </p:cNvSpPr>
           <p:nvPr>
             <p:ph idx="1"/>
           </p:nvPr>
-        </p:nvPicPr>
-        <p:blipFill>
-          <a:blip r:embed="rId3"/>
-          <a:stretch>
-            <a:fillRect/>
-          </a:stretch>
-        </p:blipFill>
+        </p:nvSpPr>
+        <p:spPr/>
+        <p:txBody>
+          <a:bodyPr/>
+          <a:lstStyle/>
+          <a:p>
+            <a:endParaRPr lang="pl-PL" dirty="0"/>
+          </a:p>
+        </p:txBody>
+      </p:sp>
+      <p:sp>
+        <p:nvSpPr>
+          <p:cNvPr id="6" name="Prostokąt 5">
+            <a:extLst>
+              <a:ext uri="{FF2B5EF4-FFF2-40B4-BE49-F238E27FC236}">
+                <a16:creationId xmlns:a16="http://schemas.microsoft.com/office/drawing/2014/main" id="{3292BD45-8324-4FD7-8A72-D4A66FB6B857}"/>
+              </a:ext>
+            </a:extLst>
+          </p:cNvPr>
+          <p:cNvSpPr/>
+          <p:nvPr/>
+        </p:nvSpPr>
         <p:spPr>
           <a:xfrm>
-            <a:off x="5730910" y="1138039"/>
-            <a:ext cx="3590855" cy="4572396"/>
+            <a:off x="3879308" y="873252"/>
+            <a:ext cx="2555808" cy="1513898"/>
           </a:xfrm>
+          <a:prstGeom prst="rect">
+            <a:avLst/>
+          </a:prstGeom>
         </p:spPr>
-      </p:pic>
+        <p:style>
+          <a:lnRef idx="2">
+            <a:schemeClr val="accent1">
+              <a:shade val="50000"/>
+            </a:schemeClr>
+          </a:lnRef>
+          <a:fillRef idx="1">
+            <a:schemeClr val="accent1"/>
+          </a:fillRef>
+          <a:effectRef idx="0">
+            <a:schemeClr val="accent1"/>
+          </a:effectRef>
+          <a:fontRef idx="minor">
+            <a:schemeClr val="lt1"/>
+          </a:fontRef>
+        </p:style>
+        <p:txBody>
+          <a:bodyPr rtlCol="0" anchor="t"/>
+          <a:lstStyle/>
+          <a:p>
+            <a:pPr algn="ctr"/>
+            <a:r>
+              <a:rPr lang="pl-PL" dirty="0">
+                <a:latin typeface="Fira Code" panose="020B0809050000020004" pitchFamily="49" charset="0"/>
+                <a:ea typeface="Fira Code" panose="020B0809050000020004" pitchFamily="49" charset="0"/>
+                <a:cs typeface="Fira Code" panose="020B0809050000020004" pitchFamily="49" charset="0"/>
+              </a:rPr>
+              <a:t>main.py</a:t>
+            </a:r>
+          </a:p>
+          <a:p>
+            <a:pPr marL="85725" indent="-85725">
+              <a:buSzPct val="100000"/>
+              <a:buFont typeface="Corbel" panose="020B0503020204020204" pitchFamily="34" charset="0"/>
+              <a:buChar char="-"/>
+            </a:pPr>
+            <a:r>
+              <a:rPr lang="pl-PL" dirty="0"/>
+              <a:t>Inicjalizacja</a:t>
+            </a:r>
+          </a:p>
+          <a:p>
+            <a:pPr>
+              <a:buSzPct val="100000"/>
+              <a:buFont typeface="Corbel" panose="020B0503020204020204" pitchFamily="34" charset="0"/>
+              <a:buChar char="-"/>
+            </a:pPr>
+            <a:r>
+              <a:rPr lang="pl-PL" dirty="0"/>
+              <a:t>Pętla główna</a:t>
+            </a:r>
+          </a:p>
+          <a:p>
+            <a:pPr marL="85725" lvl="1">
+              <a:buSzPct val="100000"/>
+              <a:buFont typeface="Corbel" panose="020B0503020204020204" pitchFamily="34" charset="0"/>
+              <a:buChar char="-"/>
+            </a:pPr>
+            <a:r>
+              <a:rPr lang="pl-PL" dirty="0"/>
+              <a:t>Uruchomienie kodu z events.py</a:t>
+            </a:r>
+          </a:p>
+          <a:p>
+            <a:pPr marL="85725" lvl="1">
+              <a:buSzPct val="100000"/>
+              <a:buFont typeface="Corbel" panose="020B0503020204020204" pitchFamily="34" charset="0"/>
+              <a:buChar char="-"/>
+            </a:pPr>
+            <a:endParaRPr lang="pl-PL" dirty="0"/>
+          </a:p>
+        </p:txBody>
+      </p:sp>
+      <p:sp>
+        <p:nvSpPr>
+          <p:cNvPr id="7" name="Prostokąt 6">
+            <a:extLst>
+              <a:ext uri="{FF2B5EF4-FFF2-40B4-BE49-F238E27FC236}">
+                <a16:creationId xmlns:a16="http://schemas.microsoft.com/office/drawing/2014/main" id="{A514F68F-151F-4E56-BCC4-E6C54CDBF354}"/>
+              </a:ext>
+            </a:extLst>
+          </p:cNvPr>
+          <p:cNvSpPr/>
+          <p:nvPr/>
+        </p:nvSpPr>
+        <p:spPr>
+          <a:xfrm>
+            <a:off x="3879308" y="4228935"/>
+            <a:ext cx="2555808" cy="1034434"/>
+          </a:xfrm>
+          <a:prstGeom prst="rect">
+            <a:avLst/>
+          </a:prstGeom>
+        </p:spPr>
+        <p:style>
+          <a:lnRef idx="2">
+            <a:schemeClr val="accent1">
+              <a:shade val="50000"/>
+            </a:schemeClr>
+          </a:lnRef>
+          <a:fillRef idx="1">
+            <a:schemeClr val="accent1"/>
+          </a:fillRef>
+          <a:effectRef idx="0">
+            <a:schemeClr val="accent1"/>
+          </a:effectRef>
+          <a:fontRef idx="minor">
+            <a:schemeClr val="lt1"/>
+          </a:fontRef>
+        </p:style>
+        <p:txBody>
+          <a:bodyPr rtlCol="0" anchor="t"/>
+          <a:lstStyle/>
+          <a:p>
+            <a:pPr algn="ctr"/>
+            <a:r>
+              <a:rPr lang="pl-PL" dirty="0">
+                <a:latin typeface="Fira Code" panose="020B0809050000020004" pitchFamily="49" charset="0"/>
+                <a:ea typeface="Fira Code" panose="020B0809050000020004" pitchFamily="49" charset="0"/>
+                <a:cs typeface="Fira Code" panose="020B0809050000020004" pitchFamily="49" charset="0"/>
+              </a:rPr>
+              <a:t>global_vars.py</a:t>
+            </a:r>
+          </a:p>
+          <a:p>
+            <a:pPr>
+              <a:buFont typeface="Fira Code" panose="020B0809050000020004" pitchFamily="49" charset="0"/>
+              <a:buChar char="-"/>
+            </a:pPr>
+            <a:r>
+              <a:rPr lang="pl-PL" dirty="0">
+                <a:ea typeface="Fira Code" panose="020B0809050000020004" pitchFamily="49" charset="0"/>
+                <a:cs typeface="Fira Code" panose="020B0809050000020004" pitchFamily="49" charset="0"/>
+              </a:rPr>
+              <a:t>Zmienne do konfiguracji gry</a:t>
+            </a:r>
+          </a:p>
+        </p:txBody>
+      </p:sp>
+      <p:sp>
+        <p:nvSpPr>
+          <p:cNvPr id="8" name="Prostokąt 7">
+            <a:extLst>
+              <a:ext uri="{FF2B5EF4-FFF2-40B4-BE49-F238E27FC236}">
+                <a16:creationId xmlns:a16="http://schemas.microsoft.com/office/drawing/2014/main" id="{8CF1AC8F-ED5C-4D46-8760-4BFF2CF8E0B1}"/>
+              </a:ext>
+            </a:extLst>
+          </p:cNvPr>
+          <p:cNvSpPr/>
+          <p:nvPr/>
+        </p:nvSpPr>
+        <p:spPr>
+          <a:xfrm>
+            <a:off x="3879308" y="2850842"/>
+            <a:ext cx="2555809" cy="914400"/>
+          </a:xfrm>
+          <a:prstGeom prst="rect">
+            <a:avLst/>
+          </a:prstGeom>
+        </p:spPr>
+        <p:style>
+          <a:lnRef idx="2">
+            <a:schemeClr val="accent1">
+              <a:shade val="50000"/>
+            </a:schemeClr>
+          </a:lnRef>
+          <a:fillRef idx="1">
+            <a:schemeClr val="accent1"/>
+          </a:fillRef>
+          <a:effectRef idx="0">
+            <a:schemeClr val="accent1"/>
+          </a:effectRef>
+          <a:fontRef idx="minor">
+            <a:schemeClr val="lt1"/>
+          </a:fontRef>
+        </p:style>
+        <p:txBody>
+          <a:bodyPr rtlCol="0" anchor="t"/>
+          <a:lstStyle/>
+          <a:p>
+            <a:pPr algn="ctr"/>
+            <a:r>
+              <a:rPr lang="pl-PL" dirty="0">
+                <a:latin typeface="Fira Code" panose="020B0809050000020004" pitchFamily="49" charset="0"/>
+                <a:ea typeface="Fira Code" panose="020B0809050000020004" pitchFamily="49" charset="0"/>
+                <a:cs typeface="Fira Code" panose="020B0809050000020004" pitchFamily="49" charset="0"/>
+              </a:rPr>
+              <a:t>events.py</a:t>
+            </a:r>
+          </a:p>
+          <a:p>
+            <a:pPr>
+              <a:buFont typeface="Corbel" panose="020B0503020204020204" pitchFamily="34" charset="0"/>
+              <a:buChar char="-"/>
+            </a:pPr>
+            <a:r>
+              <a:rPr lang="pl-PL" dirty="0">
+                <a:ea typeface="Fira Code" panose="020B0809050000020004" pitchFamily="49" charset="0"/>
+                <a:cs typeface="Fira Code" panose="020B0809050000020004" pitchFamily="49" charset="0"/>
+              </a:rPr>
+              <a:t>Ustawianie flag zdarzeń</a:t>
+            </a:r>
+          </a:p>
+        </p:txBody>
+      </p:sp>
     </p:spTree>
     <p:extLst>
       <p:ext uri="{BB962C8B-B14F-4D97-AF65-F5344CB8AC3E}">
-        <p14:creationId xmlns:p14="http://schemas.microsoft.com/office/powerpoint/2010/main" val="358429727"/>
+        <p14:creationId xmlns:p14="http://schemas.microsoft.com/office/powerpoint/2010/main" val="4214608343"/>
       </p:ext>
     </p:extLst>
   </p:cSld>
@@ -10582,10 +10402,10 @@
       </p:grpSpPr>
       <p:sp>
         <p:nvSpPr>
-          <p:cNvPr id="8" name="Tytuł 7">
+          <p:cNvPr id="4" name="Tytuł 3">
             <a:extLst>
               <a:ext uri="{FF2B5EF4-FFF2-40B4-BE49-F238E27FC236}">
-                <a16:creationId xmlns:a16="http://schemas.microsoft.com/office/drawing/2014/main" id="{5DE2A08A-D3A5-4F36-9138-2ED611AA12BD}"/>
+                <a16:creationId xmlns:a16="http://schemas.microsoft.com/office/drawing/2014/main" id="{F5C2DC1F-8337-4809-A1EC-0BEC837988AC}"/>
               </a:ext>
             </a:extLst>
           </p:cNvPr>
@@ -10603,42 +10423,7 @@
           <a:p>
             <a:r>
               <a:rPr lang="pl-PL" dirty="0"/>
-              <a:t>Krok Pierwszy</a:t>
-            </a:r>
-            <a:br>
-              <a:rPr lang="pl-PL" dirty="0"/>
-            </a:br>
-            <a:r>
-              <a:rPr lang="pl-PL" dirty="0"/>
-              <a:t>Okno gry</a:t>
-            </a:r>
-          </a:p>
-        </p:txBody>
-      </p:sp>
-      <p:sp>
-        <p:nvSpPr>
-          <p:cNvPr id="13" name="Symbol zastępczy tekstu 12">
-            <a:extLst>
-              <a:ext uri="{FF2B5EF4-FFF2-40B4-BE49-F238E27FC236}">
-                <a16:creationId xmlns:a16="http://schemas.microsoft.com/office/drawing/2014/main" id="{7FC05B5B-3D23-45AF-85FF-15C2E6E92993}"/>
-              </a:ext>
-            </a:extLst>
-          </p:cNvPr>
-          <p:cNvSpPr>
-            <a:spLocks noGrp="1"/>
-          </p:cNvSpPr>
-          <p:nvPr>
-            <p:ph type="body" idx="1"/>
-          </p:nvPr>
-        </p:nvSpPr>
-        <p:spPr/>
-        <p:txBody>
-          <a:bodyPr/>
-          <a:lstStyle/>
-          <a:p>
-            <a:r>
-              <a:rPr lang="pl-PL" dirty="0"/>
-              <a:t>Pojawia się dzikie okno!</a:t>
+              <a:t>Krok Pierwszy: Okno Gry</a:t>
             </a:r>
           </a:p>
         </p:txBody>
@@ -10646,7 +10431,7 @@
     </p:spTree>
     <p:extLst>
       <p:ext uri="{BB962C8B-B14F-4D97-AF65-F5344CB8AC3E}">
-        <p14:creationId xmlns:p14="http://schemas.microsoft.com/office/powerpoint/2010/main" val="1342786780"/>
+        <p14:creationId xmlns:p14="http://schemas.microsoft.com/office/powerpoint/2010/main" val="590778494"/>
       </p:ext>
     </p:extLst>
   </p:cSld>
@@ -10675,10 +10460,10 @@
       </p:grpSpPr>
       <p:sp>
         <p:nvSpPr>
-          <p:cNvPr id="4" name="Tytuł 3">
+          <p:cNvPr id="3" name="Tytuł 2">
             <a:extLst>
               <a:ext uri="{FF2B5EF4-FFF2-40B4-BE49-F238E27FC236}">
-                <a16:creationId xmlns:a16="http://schemas.microsoft.com/office/drawing/2014/main" id="{2C8802BE-A6AD-4587-8BC2-CF0218B327CA}"/>
+                <a16:creationId xmlns:a16="http://schemas.microsoft.com/office/drawing/2014/main" id="{B8A866C6-8730-415D-BCF8-5D20DCE54D0D}"/>
               </a:ext>
             </a:extLst>
           </p:cNvPr>
@@ -10696,17 +10481,24 @@
           <a:p>
             <a:r>
               <a:rPr lang="pl-PL" dirty="0"/>
-              <a:t>Zmiany w plikach</a:t>
-            </a:r>
-          </a:p>
-        </p:txBody>
-      </p:sp>
-      <p:sp>
-        <p:nvSpPr>
-          <p:cNvPr id="5" name="Symbol zastępczy zawartości 4">
+              <a:t>Krok Drugi</a:t>
+            </a:r>
+            <a:br>
+              <a:rPr lang="pl-PL" dirty="0"/>
+            </a:br>
+            <a:r>
+              <a:rPr lang="pl-PL" dirty="0"/>
+              <a:t>Obsługa klawiatury</a:t>
+            </a:r>
+          </a:p>
+        </p:txBody>
+      </p:sp>
+      <p:sp>
+        <p:nvSpPr>
+          <p:cNvPr id="4" name="Symbol zastępczy tekstu 3">
             <a:extLst>
               <a:ext uri="{FF2B5EF4-FFF2-40B4-BE49-F238E27FC236}">
-                <a16:creationId xmlns:a16="http://schemas.microsoft.com/office/drawing/2014/main" id="{53CB500A-92AA-48B8-8E54-51A8C5BF2014}"/>
+                <a16:creationId xmlns:a16="http://schemas.microsoft.com/office/drawing/2014/main" id="{48B2D9C0-90BF-4EE9-BB98-49AE52A9F6EC}"/>
               </a:ext>
             </a:extLst>
           </p:cNvPr>
@@ -10714,7 +10506,7 @@
             <a:spLocks noGrp="1"/>
           </p:cNvSpPr>
           <p:nvPr>
-            <p:ph idx="1"/>
+            <p:ph type="body" idx="1"/>
           </p:nvPr>
         </p:nvSpPr>
         <p:spPr/>
@@ -10722,240 +10514,26 @@
           <a:bodyPr/>
           <a:lstStyle/>
           <a:p>
+            <a:r>
+              <a:rPr lang="pl-PL" dirty="0" err="1"/>
+              <a:t>Responsywność</a:t>
+            </a:r>
+            <a:r>
+              <a:rPr lang="pl-PL" dirty="0"/>
+              <a:t> +=</a:t>
+            </a:r>
+            <a:r>
+              <a:rPr lang="ja-JP" altLang="en-US" dirty="0"/>
+              <a:t>∞</a:t>
+            </a:r>
             <a:endParaRPr lang="pl-PL" dirty="0"/>
-          </a:p>
-        </p:txBody>
-      </p:sp>
-      <p:sp>
-        <p:nvSpPr>
-          <p:cNvPr id="6" name="Prostokąt 5">
-            <a:extLst>
-              <a:ext uri="{FF2B5EF4-FFF2-40B4-BE49-F238E27FC236}">
-                <a16:creationId xmlns:a16="http://schemas.microsoft.com/office/drawing/2014/main" id="{3292BD45-8324-4FD7-8A72-D4A66FB6B857}"/>
-              </a:ext>
-            </a:extLst>
-          </p:cNvPr>
-          <p:cNvSpPr/>
-          <p:nvPr/>
-        </p:nvSpPr>
-        <p:spPr>
-          <a:xfrm>
-            <a:off x="3879308" y="873252"/>
-            <a:ext cx="2555808" cy="1513898"/>
-          </a:xfrm>
-          <a:prstGeom prst="rect">
-            <a:avLst/>
-          </a:prstGeom>
-        </p:spPr>
-        <p:style>
-          <a:lnRef idx="2">
-            <a:schemeClr val="accent1">
-              <a:shade val="50000"/>
-            </a:schemeClr>
-          </a:lnRef>
-          <a:fillRef idx="1">
-            <a:schemeClr val="accent1"/>
-          </a:fillRef>
-          <a:effectRef idx="0">
-            <a:schemeClr val="accent1"/>
-          </a:effectRef>
-          <a:fontRef idx="minor">
-            <a:schemeClr val="lt1"/>
-          </a:fontRef>
-        </p:style>
-        <p:txBody>
-          <a:bodyPr rtlCol="0" anchor="t"/>
-          <a:lstStyle/>
-          <a:p>
-            <a:pPr algn="ctr"/>
-            <a:r>
-              <a:rPr lang="pl-PL" dirty="0">
-                <a:latin typeface="Fira Code" panose="020B0809050000020004" pitchFamily="49" charset="0"/>
-                <a:ea typeface="Fira Code" panose="020B0809050000020004" pitchFamily="49" charset="0"/>
-                <a:cs typeface="Fira Code" panose="020B0809050000020004" pitchFamily="49" charset="0"/>
-              </a:rPr>
-              <a:t>main.py</a:t>
-            </a:r>
-          </a:p>
-          <a:p>
-            <a:pPr marL="85725" indent="-85725">
-              <a:buSzPct val="100000"/>
-              <a:buFont typeface="Corbel" panose="020B0503020204020204" pitchFamily="34" charset="0"/>
-              <a:buChar char="-"/>
-            </a:pPr>
-            <a:r>
-              <a:rPr lang="pl-PL" dirty="0"/>
-              <a:t>Inicjalizacja</a:t>
-            </a:r>
-          </a:p>
-          <a:p>
-            <a:pPr>
-              <a:buSzPct val="100000"/>
-              <a:buFont typeface="Corbel" panose="020B0503020204020204" pitchFamily="34" charset="0"/>
-              <a:buChar char="-"/>
-            </a:pPr>
-            <a:r>
-              <a:rPr lang="pl-PL" dirty="0"/>
-              <a:t>Pętla główna</a:t>
-            </a:r>
-          </a:p>
-          <a:p>
-            <a:pPr marL="85725" lvl="1">
-              <a:buSzPct val="100000"/>
-              <a:buFont typeface="Corbel" panose="020B0503020204020204" pitchFamily="34" charset="0"/>
-              <a:buChar char="-"/>
-            </a:pPr>
-            <a:r>
-              <a:rPr lang="pl-PL" dirty="0"/>
-              <a:t>Uruchomienie kodu z events.py</a:t>
-            </a:r>
-          </a:p>
-          <a:p>
-            <a:pPr marL="85725" lvl="1">
-              <a:buSzPct val="100000"/>
-              <a:buFont typeface="Corbel" panose="020B0503020204020204" pitchFamily="34" charset="0"/>
-              <a:buChar char="-"/>
-            </a:pPr>
-            <a:endParaRPr lang="pl-PL" dirty="0"/>
-          </a:p>
-        </p:txBody>
-      </p:sp>
-      <p:sp>
-        <p:nvSpPr>
-          <p:cNvPr id="7" name="Prostokąt 6">
-            <a:extLst>
-              <a:ext uri="{FF2B5EF4-FFF2-40B4-BE49-F238E27FC236}">
-                <a16:creationId xmlns:a16="http://schemas.microsoft.com/office/drawing/2014/main" id="{A514F68F-151F-4E56-BCC4-E6C54CDBF354}"/>
-              </a:ext>
-            </a:extLst>
-          </p:cNvPr>
-          <p:cNvSpPr/>
-          <p:nvPr/>
-        </p:nvSpPr>
-        <p:spPr>
-          <a:xfrm>
-            <a:off x="3879308" y="4228935"/>
-            <a:ext cx="2555808" cy="1034434"/>
-          </a:xfrm>
-          <a:prstGeom prst="rect">
-            <a:avLst/>
-          </a:prstGeom>
-        </p:spPr>
-        <p:style>
-          <a:lnRef idx="2">
-            <a:schemeClr val="accent1">
-              <a:shade val="50000"/>
-            </a:schemeClr>
-          </a:lnRef>
-          <a:fillRef idx="1">
-            <a:schemeClr val="accent1"/>
-          </a:fillRef>
-          <a:effectRef idx="0">
-            <a:schemeClr val="accent1"/>
-          </a:effectRef>
-          <a:fontRef idx="minor">
-            <a:schemeClr val="lt1"/>
-          </a:fontRef>
-        </p:style>
-        <p:txBody>
-          <a:bodyPr rtlCol="0" anchor="t"/>
-          <a:lstStyle/>
-          <a:p>
-            <a:pPr algn="ctr"/>
-            <a:r>
-              <a:rPr lang="pl-PL" dirty="0">
-                <a:latin typeface="Fira Code" panose="020B0809050000020004" pitchFamily="49" charset="0"/>
-                <a:ea typeface="Fira Code" panose="020B0809050000020004" pitchFamily="49" charset="0"/>
-                <a:cs typeface="Fira Code" panose="020B0809050000020004" pitchFamily="49" charset="0"/>
-              </a:rPr>
-              <a:t>global_vars.py</a:t>
-            </a:r>
-          </a:p>
-          <a:p>
-            <a:pPr>
-              <a:buFont typeface="Fira Code" panose="020B0809050000020004" pitchFamily="49" charset="0"/>
-              <a:buChar char="-"/>
-            </a:pPr>
-            <a:r>
-              <a:rPr lang="pl-PL" dirty="0">
-                <a:ea typeface="Fira Code" panose="020B0809050000020004" pitchFamily="49" charset="0"/>
-                <a:cs typeface="Fira Code" panose="020B0809050000020004" pitchFamily="49" charset="0"/>
-              </a:rPr>
-              <a:t>Zmienne do konfiguracji gry</a:t>
-            </a:r>
-          </a:p>
-        </p:txBody>
-      </p:sp>
-      <p:sp>
-        <p:nvSpPr>
-          <p:cNvPr id="8" name="Prostokąt 7">
-            <a:extLst>
-              <a:ext uri="{FF2B5EF4-FFF2-40B4-BE49-F238E27FC236}">
-                <a16:creationId xmlns:a16="http://schemas.microsoft.com/office/drawing/2014/main" id="{8CF1AC8F-ED5C-4D46-8760-4BFF2CF8E0B1}"/>
-              </a:ext>
-            </a:extLst>
-          </p:cNvPr>
-          <p:cNvSpPr/>
-          <p:nvPr/>
-        </p:nvSpPr>
-        <p:spPr>
-          <a:xfrm>
-            <a:off x="3879308" y="2850842"/>
-            <a:ext cx="2555809" cy="914400"/>
-          </a:xfrm>
-          <a:prstGeom prst="rect">
-            <a:avLst/>
-          </a:prstGeom>
-        </p:spPr>
-        <p:style>
-          <a:lnRef idx="2">
-            <a:schemeClr val="accent1">
-              <a:shade val="50000"/>
-            </a:schemeClr>
-          </a:lnRef>
-          <a:fillRef idx="1">
-            <a:schemeClr val="accent1"/>
-          </a:fillRef>
-          <a:effectRef idx="0">
-            <a:schemeClr val="accent1"/>
-          </a:effectRef>
-          <a:fontRef idx="minor">
-            <a:schemeClr val="lt1"/>
-          </a:fontRef>
-        </p:style>
-        <p:txBody>
-          <a:bodyPr rtlCol="0" anchor="t"/>
-          <a:lstStyle/>
-          <a:p>
-            <a:pPr algn="ctr"/>
-            <a:r>
-              <a:rPr lang="pl-PL" dirty="0">
-                <a:latin typeface="Fira Code" panose="020B0809050000020004" pitchFamily="49" charset="0"/>
-                <a:ea typeface="Fira Code" panose="020B0809050000020004" pitchFamily="49" charset="0"/>
-                <a:cs typeface="Fira Code" panose="020B0809050000020004" pitchFamily="49" charset="0"/>
-              </a:rPr>
-              <a:t>events.py</a:t>
-            </a:r>
-          </a:p>
-          <a:p>
-            <a:pPr>
-              <a:buFont typeface="Corbel" panose="020B0503020204020204" pitchFamily="34" charset="0"/>
-              <a:buChar char="-"/>
-            </a:pPr>
-            <a:r>
-              <a:rPr lang="pl-PL" dirty="0">
-                <a:ea typeface="Fira Code" panose="020B0809050000020004" pitchFamily="49" charset="0"/>
-                <a:cs typeface="Fira Code" panose="020B0809050000020004" pitchFamily="49" charset="0"/>
-              </a:rPr>
-              <a:t>Ustawianie flag zdarzeń</a:t>
-            </a:r>
           </a:p>
         </p:txBody>
       </p:sp>
     </p:spTree>
     <p:extLst>
       <p:ext uri="{BB962C8B-B14F-4D97-AF65-F5344CB8AC3E}">
-        <p14:creationId xmlns:p14="http://schemas.microsoft.com/office/powerpoint/2010/main" val="4214608343"/>
+        <p14:creationId xmlns:p14="http://schemas.microsoft.com/office/powerpoint/2010/main" val="2244318975"/>
       </p:ext>
     </p:extLst>
   </p:cSld>
@@ -10987,7 +10565,7 @@
           <p:cNvPr id="4" name="Tytuł 3">
             <a:extLst>
               <a:ext uri="{FF2B5EF4-FFF2-40B4-BE49-F238E27FC236}">
-                <a16:creationId xmlns:a16="http://schemas.microsoft.com/office/drawing/2014/main" id="{F5C2DC1F-8337-4809-A1EC-0BEC837988AC}"/>
+                <a16:creationId xmlns:a16="http://schemas.microsoft.com/office/drawing/2014/main" id="{A4F30059-0E5F-44C1-BA94-2514DAF7AB17}"/>
               </a:ext>
             </a:extLst>
           </p:cNvPr>
@@ -11005,7 +10583,207 @@
           <a:p>
             <a:r>
               <a:rPr lang="pl-PL" dirty="0"/>
-              <a:t>Krok Pierwszy: Okno Gry</a:t>
+              <a:t>Zmiany w Plikach</a:t>
+            </a:r>
+          </a:p>
+        </p:txBody>
+      </p:sp>
+      <p:sp>
+        <p:nvSpPr>
+          <p:cNvPr id="7" name="Prostokąt 6">
+            <a:extLst>
+              <a:ext uri="{FF2B5EF4-FFF2-40B4-BE49-F238E27FC236}">
+                <a16:creationId xmlns:a16="http://schemas.microsoft.com/office/drawing/2014/main" id="{0284144B-42E3-46CA-BB0F-6E6305DADC73}"/>
+              </a:ext>
+            </a:extLst>
+          </p:cNvPr>
+          <p:cNvSpPr/>
+          <p:nvPr/>
+        </p:nvSpPr>
+        <p:spPr>
+          <a:xfrm>
+            <a:off x="3869268" y="873252"/>
+            <a:ext cx="2555808" cy="914400"/>
+          </a:xfrm>
+          <a:prstGeom prst="rect">
+            <a:avLst/>
+          </a:prstGeom>
+        </p:spPr>
+        <p:style>
+          <a:lnRef idx="2">
+            <a:schemeClr val="accent1">
+              <a:shade val="50000"/>
+            </a:schemeClr>
+          </a:lnRef>
+          <a:fillRef idx="1">
+            <a:schemeClr val="accent1"/>
+          </a:fillRef>
+          <a:effectRef idx="0">
+            <a:schemeClr val="accent1"/>
+          </a:effectRef>
+          <a:fontRef idx="minor">
+            <a:schemeClr val="lt1"/>
+          </a:fontRef>
+        </p:style>
+        <p:txBody>
+          <a:bodyPr rtlCol="0" anchor="t"/>
+          <a:lstStyle/>
+          <a:p>
+            <a:pPr algn="ctr"/>
+            <a:r>
+              <a:rPr lang="pl-PL" dirty="0">
+                <a:latin typeface="Fira Code" panose="020B0809050000020004" pitchFamily="49" charset="0"/>
+                <a:ea typeface="Fira Code" panose="020B0809050000020004" pitchFamily="49" charset="0"/>
+                <a:cs typeface="Fira Code" panose="020B0809050000020004" pitchFamily="49" charset="0"/>
+              </a:rPr>
+              <a:t>main.py</a:t>
+            </a:r>
+          </a:p>
+          <a:p>
+            <a:pPr marL="85725" lvl="1">
+              <a:buSzPct val="100000"/>
+              <a:buFont typeface="Corbel" panose="020B0503020204020204" pitchFamily="34" charset="0"/>
+              <a:buChar char="-"/>
+            </a:pPr>
+            <a:r>
+              <a:rPr lang="pl-PL" dirty="0"/>
+              <a:t>Tymczasowy kod do testowania klawiatury</a:t>
+            </a:r>
+          </a:p>
+        </p:txBody>
+      </p:sp>
+      <p:sp>
+        <p:nvSpPr>
+          <p:cNvPr id="11" name="Prostokąt 10">
+            <a:extLst>
+              <a:ext uri="{FF2B5EF4-FFF2-40B4-BE49-F238E27FC236}">
+                <a16:creationId xmlns:a16="http://schemas.microsoft.com/office/drawing/2014/main" id="{CB7704B9-FF7B-4417-B615-401906EE66F6}"/>
+              </a:ext>
+            </a:extLst>
+          </p:cNvPr>
+          <p:cNvSpPr/>
+          <p:nvPr/>
+        </p:nvSpPr>
+        <p:spPr>
+          <a:xfrm>
+            <a:off x="3869266" y="2390344"/>
+            <a:ext cx="2555809" cy="914400"/>
+          </a:xfrm>
+          <a:prstGeom prst="rect">
+            <a:avLst/>
+          </a:prstGeom>
+        </p:spPr>
+        <p:style>
+          <a:lnRef idx="2">
+            <a:schemeClr val="accent1">
+              <a:shade val="50000"/>
+            </a:schemeClr>
+          </a:lnRef>
+          <a:fillRef idx="1">
+            <a:schemeClr val="accent1"/>
+          </a:fillRef>
+          <a:effectRef idx="0">
+            <a:schemeClr val="accent1"/>
+          </a:effectRef>
+          <a:fontRef idx="minor">
+            <a:schemeClr val="lt1"/>
+          </a:fontRef>
+        </p:style>
+        <p:txBody>
+          <a:bodyPr rtlCol="0" anchor="t"/>
+          <a:lstStyle/>
+          <a:p>
+            <a:pPr algn="ctr"/>
+            <a:r>
+              <a:rPr lang="pl-PL" dirty="0">
+                <a:latin typeface="Fira Code" panose="020B0809050000020004" pitchFamily="49" charset="0"/>
+                <a:ea typeface="Fira Code" panose="020B0809050000020004" pitchFamily="49" charset="0"/>
+                <a:cs typeface="Fira Code" panose="020B0809050000020004" pitchFamily="49" charset="0"/>
+              </a:rPr>
+              <a:t>events.py</a:t>
+            </a:r>
+          </a:p>
+          <a:p>
+            <a:pPr>
+              <a:buFont typeface="Corbel" panose="020B0503020204020204" pitchFamily="34" charset="0"/>
+              <a:buChar char="-"/>
+            </a:pPr>
+            <a:r>
+              <a:rPr lang="pl-PL" dirty="0">
+                <a:ea typeface="Fira Code" panose="020B0809050000020004" pitchFamily="49" charset="0"/>
+                <a:cs typeface="Fira Code" panose="020B0809050000020004" pitchFamily="49" charset="0"/>
+              </a:rPr>
+              <a:t>Dodanie nowych flag na zdarzenia klawiatury</a:t>
+            </a:r>
+          </a:p>
+        </p:txBody>
+      </p:sp>
+      <p:sp>
+        <p:nvSpPr>
+          <p:cNvPr id="8" name="Prostokąt 7">
+            <a:extLst>
+              <a:ext uri="{FF2B5EF4-FFF2-40B4-BE49-F238E27FC236}">
+                <a16:creationId xmlns:a16="http://schemas.microsoft.com/office/drawing/2014/main" id="{F9C1A457-BEA1-49D3-AFBE-0E534E157EE1}"/>
+              </a:ext>
+            </a:extLst>
+          </p:cNvPr>
+          <p:cNvSpPr/>
+          <p:nvPr/>
+        </p:nvSpPr>
+        <p:spPr>
+          <a:xfrm>
+            <a:off x="3869266" y="3907436"/>
+            <a:ext cx="2555808" cy="588901"/>
+          </a:xfrm>
+          <a:prstGeom prst="rect">
+            <a:avLst/>
+          </a:prstGeom>
+        </p:spPr>
+        <p:style>
+          <a:lnRef idx="2">
+            <a:schemeClr val="accent1">
+              <a:shade val="50000"/>
+            </a:schemeClr>
+          </a:lnRef>
+          <a:fillRef idx="1">
+            <a:schemeClr val="accent1"/>
+          </a:fillRef>
+          <a:effectRef idx="0">
+            <a:schemeClr val="accent1"/>
+          </a:effectRef>
+          <a:fontRef idx="minor">
+            <a:schemeClr val="lt1"/>
+          </a:fontRef>
+        </p:style>
+        <p:txBody>
+          <a:bodyPr rtlCol="0" anchor="t"/>
+          <a:lstStyle/>
+          <a:p>
+            <a:pPr algn="ctr"/>
+            <a:r>
+              <a:rPr lang="pl-PL" dirty="0">
+                <a:latin typeface="Fira Code" panose="020B0809050000020004" pitchFamily="49" charset="0"/>
+                <a:ea typeface="Fira Code" panose="020B0809050000020004" pitchFamily="49" charset="0"/>
+                <a:cs typeface="Fira Code" panose="020B0809050000020004" pitchFamily="49" charset="0"/>
+              </a:rPr>
+              <a:t>loader.py</a:t>
+            </a:r>
+          </a:p>
+          <a:p>
+            <a:pPr>
+              <a:buFont typeface="Corbel" panose="020B0503020204020204" pitchFamily="34" charset="0"/>
+              <a:buChar char="-"/>
+              <a:tabLst>
+                <a:tab pos="0" algn="l"/>
+              </a:tabLst>
+            </a:pPr>
+            <a:r>
+              <a:rPr lang="pl-PL" dirty="0">
+                <a:latin typeface="+mj-lt"/>
+                <a:ea typeface="Fira Code" panose="020B0809050000020004" pitchFamily="49" charset="0"/>
+                <a:cs typeface="Fira Code" panose="020B0809050000020004" pitchFamily="49" charset="0"/>
+              </a:rPr>
+              <a:t>Wczytanie plików</a:t>
             </a:r>
           </a:p>
         </p:txBody>
@@ -11013,7 +10791,7 @@
     </p:spTree>
     <p:extLst>
       <p:ext uri="{BB962C8B-B14F-4D97-AF65-F5344CB8AC3E}">
-        <p14:creationId xmlns:p14="http://schemas.microsoft.com/office/powerpoint/2010/main" val="590778494"/>
+        <p14:creationId xmlns:p14="http://schemas.microsoft.com/office/powerpoint/2010/main" val="2364991935"/>
       </p:ext>
     </p:extLst>
   </p:cSld>
@@ -11042,10 +10820,10 @@
       </p:grpSpPr>
       <p:sp>
         <p:nvSpPr>
-          <p:cNvPr id="3" name="Tytuł 2">
+          <p:cNvPr id="4" name="Tytuł 3">
             <a:extLst>
               <a:ext uri="{FF2B5EF4-FFF2-40B4-BE49-F238E27FC236}">
-                <a16:creationId xmlns:a16="http://schemas.microsoft.com/office/drawing/2014/main" id="{B8A866C6-8730-415D-BCF8-5D20DCE54D0D}"/>
+                <a16:creationId xmlns:a16="http://schemas.microsoft.com/office/drawing/2014/main" id="{88294246-FBB7-4CF3-B140-FAE99286B0CD}"/>
               </a:ext>
             </a:extLst>
           </p:cNvPr>
@@ -11063,59 +10841,15 @@
           <a:p>
             <a:r>
               <a:rPr lang="pl-PL" dirty="0"/>
-              <a:t>Krok Drugi</a:t>
-            </a:r>
-            <a:br>
-              <a:rPr lang="pl-PL" dirty="0"/>
-            </a:br>
-            <a:r>
-              <a:rPr lang="pl-PL" dirty="0"/>
-              <a:t>Obsługa klawiatury</a:t>
-            </a:r>
-          </a:p>
-        </p:txBody>
-      </p:sp>
-      <p:sp>
-        <p:nvSpPr>
-          <p:cNvPr id="4" name="Symbol zastępczy tekstu 3">
-            <a:extLst>
-              <a:ext uri="{FF2B5EF4-FFF2-40B4-BE49-F238E27FC236}">
-                <a16:creationId xmlns:a16="http://schemas.microsoft.com/office/drawing/2014/main" id="{48B2D9C0-90BF-4EE9-BB98-49AE52A9F6EC}"/>
-              </a:ext>
-            </a:extLst>
-          </p:cNvPr>
-          <p:cNvSpPr>
-            <a:spLocks noGrp="1"/>
-          </p:cNvSpPr>
-          <p:nvPr>
-            <p:ph type="body" idx="1"/>
-          </p:nvPr>
-        </p:nvSpPr>
-        <p:spPr/>
-        <p:txBody>
-          <a:bodyPr/>
-          <a:lstStyle/>
-          <a:p>
-            <a:r>
-              <a:rPr lang="pl-PL" dirty="0" err="1"/>
-              <a:t>Responsywność</a:t>
-            </a:r>
-            <a:r>
-              <a:rPr lang="pl-PL" dirty="0"/>
-              <a:t> +=</a:t>
-            </a:r>
-            <a:r>
-              <a:rPr lang="ja-JP" altLang="en-US" dirty="0"/>
-              <a:t>∞</a:t>
-            </a:r>
-            <a:endParaRPr lang="pl-PL" dirty="0"/>
+              <a:t>Krok Drugi: Obsługa klawiatury</a:t>
+            </a:r>
           </a:p>
         </p:txBody>
       </p:sp>
     </p:spTree>
     <p:extLst>
       <p:ext uri="{BB962C8B-B14F-4D97-AF65-F5344CB8AC3E}">
-        <p14:creationId xmlns:p14="http://schemas.microsoft.com/office/powerpoint/2010/main" val="2244318975"/>
+        <p14:creationId xmlns:p14="http://schemas.microsoft.com/office/powerpoint/2010/main" val="3035302849"/>
       </p:ext>
     </p:extLst>
   </p:cSld>
@@ -11947,18 +11681,18 @@
 </file>
 
 <file path=customXml/item1.xml><?xml version="1.0" encoding="utf-8"?>
+<p:properties xmlns:p="http://schemas.microsoft.com/office/2006/metadata/properties" xmlns:xsi="http://www.w3.org/2001/XMLSchema-instance" xmlns:pc="http://schemas.microsoft.com/office/infopath/2007/PartnerControls">
+  <documentManagement/>
+</p:properties>
+</file>
+
+<file path=customXml/item2.xml><?xml version="1.0" encoding="utf-8"?>
 <?mso-contentType ?>
 <FormTemplates xmlns="http://schemas.microsoft.com/sharepoint/v3/contenttype/forms">
   <Display>DocumentLibraryForm</Display>
   <Edit>DocumentLibraryForm</Edit>
   <New>DocumentLibraryForm</New>
 </FormTemplates>
-</file>
-
-<file path=customXml/item2.xml><?xml version="1.0" encoding="utf-8"?>
-<p:properties xmlns:p="http://schemas.microsoft.com/office/2006/metadata/properties" xmlns:xsi="http://www.w3.org/2001/XMLSchema-instance" xmlns:pc="http://schemas.microsoft.com/office/infopath/2007/PartnerControls">
-  <documentManagement/>
-</p:properties>
 </file>
 
 <file path=customXml/item3.xml><?xml version="1.0" encoding="utf-8"?>
@@ -12094,14 +11828,6 @@
 </file>
 
 <file path=customXml/itemProps1.xml><?xml version="1.0" encoding="utf-8"?>
-<ds:datastoreItem xmlns:ds="http://schemas.openxmlformats.org/officeDocument/2006/customXml" ds:itemID="{97905A6F-590C-4E7A-9726-A75505A36DDE}">
-  <ds:schemaRefs>
-    <ds:schemaRef ds:uri="http://schemas.microsoft.com/sharepoint/v3/contenttype/forms"/>
-  </ds:schemaRefs>
-</ds:datastoreItem>
-</file>
-
-<file path=customXml/itemProps2.xml><?xml version="1.0" encoding="utf-8"?>
 <ds:datastoreItem xmlns:ds="http://schemas.openxmlformats.org/officeDocument/2006/customXml" ds:itemID="{73C40CC7-7817-4C5B-B9CE-01E5E1729480}">
   <ds:schemaRefs>
     <ds:schemaRef ds:uri="http://www.w3.org/XML/1998/namespace"/>
@@ -12113,6 +11839,14 @@
     <ds:schemaRef ds:uri="http://purl.org/dc/terms/"/>
     <ds:schemaRef ds:uri="48689035-49f8-427e-b277-efe7fd70c71a"/>
     <ds:schemaRef ds:uri="http://schemas.microsoft.com/office/2006/metadata/properties"/>
+  </ds:schemaRefs>
+</ds:datastoreItem>
+</file>
+
+<file path=customXml/itemProps2.xml><?xml version="1.0" encoding="utf-8"?>
+<ds:datastoreItem xmlns:ds="http://schemas.openxmlformats.org/officeDocument/2006/customXml" ds:itemID="{97905A6F-590C-4E7A-9726-A75505A36DDE}">
+  <ds:schemaRefs>
+    <ds:schemaRef ds:uri="http://schemas.microsoft.com/sharepoint/v3/contenttype/forms"/>
   </ds:schemaRefs>
 </ds:datastoreItem>
 </file>
